--- a/2017-18-2高等数学讲座-上册复习建议.pptx
+++ b/2017-18-2高等数学讲座-上册复习建议.pptx
@@ -1,46 +1,46 @@
 
 <file path=ppt/presentation.xml><?xml version="1.0" encoding="utf-8"?>
-<p:presentation xmlns:p="http://schemas.openxmlformats.org/presentationml/2006/main" xmlns:r="http://schemas.openxmlformats.org/officeDocument/2006/relationships" xmlns:a="http://schemas.openxmlformats.org/drawingml/2006/main" firstSlideNum="1" rtl="0" saveSubsetFonts="0" serverZoom="0" showSpecialPlsOnTitleSld="1">
+<p:presentation xmlns:a="http://schemas.openxmlformats.org/drawingml/2006/main" xmlns:r="http://schemas.openxmlformats.org/officeDocument/2006/relationships" xmlns:p="http://schemas.openxmlformats.org/presentationml/2006/main" serverZoom="0">
   <p:sldMasterIdLst>
     <p:sldMasterId id="2147483648" r:id="rId1"/>
   </p:sldMasterIdLst>
   <p:notesMasterIdLst>
-    <p:notesMasterId r:id="rId2"/>
+    <p:notesMasterId r:id="rId30"/>
   </p:notesMasterIdLst>
   <p:sldIdLst>
-    <p:sldId id="256" r:id="rId3"/>
-    <p:sldId id="257" r:id="rId4"/>
-    <p:sldId id="258" r:id="rId5"/>
-    <p:sldId id="259" r:id="rId6"/>
-    <p:sldId id="260" r:id="rId7"/>
-    <p:sldId id="261" r:id="rId8"/>
-    <p:sldId id="262" r:id="rId9"/>
-    <p:sldId id="263" r:id="rId10"/>
-    <p:sldId id="264" r:id="rId11"/>
-    <p:sldId id="265" r:id="rId12"/>
-    <p:sldId id="266" r:id="rId13"/>
-    <p:sldId id="267" r:id="rId14"/>
-    <p:sldId id="268" r:id="rId15"/>
-    <p:sldId id="269" r:id="rId16"/>
-    <p:sldId id="270" r:id="rId17"/>
-    <p:sldId id="271" r:id="rId18"/>
-    <p:sldId id="272" r:id="rId19"/>
-    <p:sldId id="273" r:id="rId20"/>
-    <p:sldId id="274" r:id="rId21"/>
-    <p:sldId id="275" r:id="rId22"/>
-    <p:sldId id="276" r:id="rId23"/>
-    <p:sldId id="277" r:id="rId24"/>
-    <p:sldId id="278" r:id="rId25"/>
-    <p:sldId id="279" r:id="rId26"/>
-    <p:sldId id="280" r:id="rId27"/>
-    <p:sldId id="281" r:id="rId28"/>
-    <p:sldId id="282" r:id="rId29"/>
-    <p:sldId id="283" r:id="rId30"/>
+    <p:sldId id="256" r:id="rId2"/>
+    <p:sldId id="257" r:id="rId3"/>
+    <p:sldId id="258" r:id="rId4"/>
+    <p:sldId id="259" r:id="rId5"/>
+    <p:sldId id="260" r:id="rId6"/>
+    <p:sldId id="261" r:id="rId7"/>
+    <p:sldId id="262" r:id="rId8"/>
+    <p:sldId id="263" r:id="rId9"/>
+    <p:sldId id="264" r:id="rId10"/>
+    <p:sldId id="265" r:id="rId11"/>
+    <p:sldId id="266" r:id="rId12"/>
+    <p:sldId id="267" r:id="rId13"/>
+    <p:sldId id="268" r:id="rId14"/>
+    <p:sldId id="269" r:id="rId15"/>
+    <p:sldId id="270" r:id="rId16"/>
+    <p:sldId id="271" r:id="rId17"/>
+    <p:sldId id="272" r:id="rId18"/>
+    <p:sldId id="273" r:id="rId19"/>
+    <p:sldId id="274" r:id="rId20"/>
+    <p:sldId id="275" r:id="rId21"/>
+    <p:sldId id="276" r:id="rId22"/>
+    <p:sldId id="277" r:id="rId23"/>
+    <p:sldId id="278" r:id="rId24"/>
+    <p:sldId id="279" r:id="rId25"/>
+    <p:sldId id="280" r:id="rId26"/>
+    <p:sldId id="281" r:id="rId27"/>
+    <p:sldId id="282" r:id="rId28"/>
+    <p:sldId id="283" r:id="rId29"/>
   </p:sldIdLst>
-  <p:sldSz type="screen4x3" cy="6858000" cx="9144000"/>
+  <p:sldSz cx="9144000" cy="6858000" type="screen4x3"/>
   <p:notesSz cx="6858000" cy="9144000"/>
   <p:defaultTextStyle>
-    <a:lvl1pPr algn="l" fontAlgn="base" indent="0" latinLnBrk="1" marL="0" rtl="0">
+    <a:lvl1pPr marL="0" indent="0" algn="l" rtl="0" fontAlgn="base" latinLnBrk="1">
       <a:lnSpc>
         <a:spcPct val="100000"/>
       </a:lnSpc>
@@ -52,7 +52,7 @@
       </a:spcAft>
       <a:buFontTx/>
       <a:buNone/>
-      <a:defRPr baseline="0" b="0" sz="1800" i="0" u="none">
+      <a:defRPr sz="1800" b="0" i="0" u="none" baseline="0">
         <a:solidFill>
           <a:schemeClr val="dk1"/>
         </a:solidFill>
@@ -61,7 +61,7 @@
         <a:sym typeface="Calibri" pitchFamily="34" charset="0"/>
       </a:defRPr>
     </a:lvl1pPr>
-    <a:lvl2pPr algn="l" fontAlgn="base" indent="0" latinLnBrk="1" marL="457200" rtl="0">
+    <a:lvl2pPr marL="457200" indent="0" algn="l" rtl="0" fontAlgn="base" latinLnBrk="1">
       <a:lnSpc>
         <a:spcPct val="100000"/>
       </a:lnSpc>
@@ -73,7 +73,7 @@
       </a:spcAft>
       <a:buFontTx/>
       <a:buNone/>
-      <a:defRPr baseline="0" b="0" sz="1800" i="0" u="none">
+      <a:defRPr sz="1800" b="0" i="0" u="none" baseline="0">
         <a:solidFill>
           <a:schemeClr val="dk1"/>
         </a:solidFill>
@@ -82,7 +82,7 @@
         <a:sym typeface="Calibri" pitchFamily="34" charset="0"/>
       </a:defRPr>
     </a:lvl2pPr>
-    <a:lvl3pPr algn="l" fontAlgn="base" indent="0" latinLnBrk="1" marL="914400" rtl="0">
+    <a:lvl3pPr marL="914400" indent="0" algn="l" rtl="0" fontAlgn="base" latinLnBrk="1">
       <a:lnSpc>
         <a:spcPct val="100000"/>
       </a:lnSpc>
@@ -94,7 +94,7 @@
       </a:spcAft>
       <a:buFontTx/>
       <a:buNone/>
-      <a:defRPr baseline="0" b="0" sz="1800" i="0" u="none">
+      <a:defRPr sz="1800" b="0" i="0" u="none" baseline="0">
         <a:solidFill>
           <a:schemeClr val="dk1"/>
         </a:solidFill>
@@ -103,7 +103,7 @@
         <a:sym typeface="Calibri" pitchFamily="34" charset="0"/>
       </a:defRPr>
     </a:lvl3pPr>
-    <a:lvl4pPr algn="l" fontAlgn="base" indent="0" latinLnBrk="1" marL="1371600" rtl="0">
+    <a:lvl4pPr marL="1371600" indent="0" algn="l" rtl="0" fontAlgn="base" latinLnBrk="1">
       <a:lnSpc>
         <a:spcPct val="100000"/>
       </a:lnSpc>
@@ -115,7 +115,7 @@
       </a:spcAft>
       <a:buFontTx/>
       <a:buNone/>
-      <a:defRPr baseline="0" b="0" sz="1800" i="0" u="none">
+      <a:defRPr sz="1800" b="0" i="0" u="none" baseline="0">
         <a:solidFill>
           <a:schemeClr val="dk1"/>
         </a:solidFill>
@@ -124,7 +124,7 @@
         <a:sym typeface="Calibri" pitchFamily="34" charset="0"/>
       </a:defRPr>
     </a:lvl4pPr>
-    <a:lvl5pPr algn="l" fontAlgn="base" indent="0" latinLnBrk="1" marL="1828800" rtl="0">
+    <a:lvl5pPr marL="1828800" indent="0" algn="l" rtl="0" fontAlgn="base" latinLnBrk="1">
       <a:lnSpc>
         <a:spcPct val="100000"/>
       </a:lnSpc>
@@ -136,7 +136,7 @@
       </a:spcAft>
       <a:buFontTx/>
       <a:buNone/>
-      <a:defRPr baseline="0" b="0" sz="1800" i="0" u="none">
+      <a:defRPr sz="1800" b="0" i="0" u="none" baseline="0">
         <a:solidFill>
           <a:schemeClr val="dk1"/>
         </a:solidFill>
@@ -146,7 +146,44 @@
       </a:defRPr>
     </a:lvl5pPr>
   </p:defaultTextStyle>
+  <p:extLst>
+    <p:ext uri="{EFAFB233-063F-42B5-8137-9DF3F51BA10A}">
+      <p15:sldGuideLst xmlns:p15="http://schemas.microsoft.com/office/powerpoint/2012/main"/>
+    </p:ext>
+  </p:extLst>
 </p:presentation>
+</file>
+
+<file path=ppt/revisionInfo.xml><?xml version="1.0" encoding="utf-8"?>
+<p1510:revInfo xmlns:a="http://schemas.openxmlformats.org/drawingml/2006/main" xmlns:r="http://schemas.openxmlformats.org/officeDocument/2006/relationships" xmlns:p1510="http://schemas.microsoft.com/office/powerpoint/2015/10/main"/>
+</file>
+
+<file path=ppt/ink/ink1.xml><?xml version="1.0" encoding="utf-8"?>
+<inkml:ink xmlns:inkml="http://www.w3.org/2003/InkML">
+  <inkml:definitions>
+    <inkml:context xml:id="ctx0">
+      <inkml:inkSource xml:id="inkSrc0">
+        <inkml:traceFormat>
+          <inkml:channel name="X" type="integer" max="2736" units="cm"/>
+          <inkml:channel name="Y" type="integer" max="1824" units="cm"/>
+          <inkml:channel name="T" type="integer" max="2.14748E9" units="dev"/>
+        </inkml:traceFormat>
+        <inkml:channelProperties>
+          <inkml:channelProperty channel="X" name="resolution" value="105.23077" units="1/cm"/>
+          <inkml:channelProperty channel="Y" name="resolution" value="105.43353" units="1/cm"/>
+          <inkml:channelProperty channel="T" name="resolution" value="1" units="1/dev"/>
+        </inkml:channelProperties>
+      </inkml:inkSource>
+      <inkml:timestamp xml:id="ts0" timeString="2018-01-10T07:58:12.362"/>
+    </inkml:context>
+    <inkml:brush xml:id="br0">
+      <inkml:brushProperty name="width" value="0.05292" units="cm"/>
+      <inkml:brushProperty name="height" value="0.05292" units="cm"/>
+      <inkml:brushProperty name="color" value="#FF0000"/>
+    </inkml:brush>
+  </inkml:definitions>
+  <inkml:trace contextRef="#ctx0" brushRef="#br0">21128 12512 0,'0'-21'125,"11"21"-110,-11-10 1,10 10 124,1-11-140,9 11 250,-9 0-250,-1 0 16,1 0 140,-11 11 16,10 10-172,-10-11 0,21 11 31,-21-11 110,21-10-141,-21 11 16,10-1-1,-10 11 1,0-10 109,0-1-109,-20 0-1,9-10 16,11 11-15,-10-11 15,-11 21-15,10-21 15,11 10-31,-10-10 16,-11 21-1,11-21-15,-1 11 32,1-11-17,-1 0 32,1 10-31,-1-10 15,-10 10 47,11-10-62,0 0-1,41 0 173,-10 0-172,-11 0-16,11 0 15,0 0 1,-11 0-1,1 0 1,10 0 78,0 0-79,-11 0 1,1 0 0,9 0-1,1 0 1,11 0 0,-11 0-1</inkml:trace>
+</inkml:ink>
 </file>
 
 <file path=ppt/notesMasters/notesMaster1.xml><?xml version="1.0" encoding="utf-8"?>
@@ -157,11 +194,12 @@
         <a:solidFill>
           <a:schemeClr val="bg1"/>
         </a:solidFill>
+        <a:effectLst/>
       </p:bgPr>
     </p:bg>
     <p:spTree>
       <p:nvGrpSpPr>
-        <p:cNvPr id="61" name=""/>
+        <p:cNvPr id="1" name=""/>
         <p:cNvGrpSpPr/>
         <p:nvPr/>
       </p:nvGrpSpPr>
@@ -188,7 +226,9 @@
             <a:off x="2" y="1"/>
             <a:ext cx="3076575" cy="512763"/>
           </a:xfrm>
-          <a:prstGeom prst="rect"/>
+          <a:prstGeom prst="rect">
+            <a:avLst/>
+          </a:prstGeom>
           <a:noFill/>
           <a:ln w="9525">
             <a:noFill/>
@@ -199,8 +239,10 @@
           <a:effectLst/>
         </p:spPr>
         <p:txBody>
-          <a:bodyPr anchor="t" anchorCtr="0" bIns="45745" compatLnSpc="1" lIns="91492" numCol="1" rIns="91492" tIns="45745" vert="horz" wrap="square">
-            <a:prstTxWarp prst="textNoShape"/>
+          <a:bodyPr vert="horz" wrap="square" lIns="91492" tIns="45745" rIns="91492" bIns="45745" numCol="1" anchor="t" anchorCtr="0" compatLnSpc="1">
+            <a:prstTxWarp prst="textNoShape">
+              <a:avLst/>
+            </a:prstTxWarp>
           </a:bodyPr>
           <a:lstStyle>
             <a:lvl1pPr algn="l">
@@ -227,7 +269,9 @@
             <a:off x="4021139" y="1"/>
             <a:ext cx="3076575" cy="512763"/>
           </a:xfrm>
-          <a:prstGeom prst="rect"/>
+          <a:prstGeom prst="rect">
+            <a:avLst/>
+          </a:prstGeom>
           <a:noFill/>
           <a:ln w="9525">
             <a:noFill/>
@@ -238,8 +282,10 @@
           <a:effectLst/>
         </p:spPr>
         <p:txBody>
-          <a:bodyPr anchor="t" anchorCtr="0" bIns="45745" compatLnSpc="1" lIns="91492" numCol="1" rIns="91492" tIns="45745" vert="horz" wrap="square">
-            <a:prstTxWarp prst="textNoShape"/>
+          <a:bodyPr vert="horz" wrap="square" lIns="91492" tIns="45745" rIns="91492" bIns="45745" numCol="1" anchor="t" anchorCtr="0" compatLnSpc="1">
+            <a:prstTxWarp prst="textNoShape">
+              <a:avLst/>
+            </a:prstTxWarp>
           </a:bodyPr>
           <a:lstStyle>
             <a:lvl1pPr algn="r">
@@ -255,7 +301,7 @@
         <p:nvSpPr>
           <p:cNvPr id="1048601" name="Rectangle 4"/>
           <p:cNvSpPr>
-            <a:spLocks noChangeAspect="1" noRot="1" noGrp="1" noChangeArrowheads="1" noTextEdit="1"/>
+            <a:spLocks noGrp="1" noRot="1" noChangeAspect="1" noChangeArrowheads="1" noTextEdit="1"/>
           </p:cNvSpPr>
           <p:nvPr>
             <p:ph type="sldImg" idx="2"/>
@@ -266,7 +312,9 @@
             <a:off x="990600" y="766763"/>
             <a:ext cx="5118100" cy="3838575"/>
           </a:xfrm>
-          <a:prstGeom prst="rect"/>
+          <a:prstGeom prst="rect">
+            <a:avLst/>
+          </a:prstGeom>
           <a:noFill/>
           <a:ln w="9525">
             <a:solidFill>
@@ -294,7 +342,9 @@
             <a:off x="709614" y="4862514"/>
             <a:ext cx="5680075" cy="4605337"/>
           </a:xfrm>
-          <a:prstGeom prst="rect"/>
+          <a:prstGeom prst="rect">
+            <a:avLst/>
+          </a:prstGeom>
           <a:noFill/>
           <a:ln w="9525">
             <a:noFill/>
@@ -305,41 +355,44 @@
           <a:effectLst/>
         </p:spPr>
         <p:txBody>
-          <a:bodyPr anchor="t" anchorCtr="0" bIns="45745" compatLnSpc="1" lIns="91492" numCol="1" rIns="91492" tIns="45745" vert="horz" wrap="square">
-            <a:prstTxWarp prst="textNoShape"/>
+          <a:bodyPr vert="horz" wrap="square" lIns="91492" tIns="45745" rIns="91492" bIns="45745" numCol="1" anchor="t" anchorCtr="0" compatLnSpc="1">
+            <a:prstTxWarp prst="textNoShape">
+              <a:avLst/>
+            </a:prstTxWarp>
           </a:bodyPr>
+          <a:lstStyle/>
           <a:p>
             <a:pPr lvl="0"/>
             <a:r>
-              <a:rPr lang="en-US" smtClean="0"/>
+              <a:rPr lang="en-US"/>
               <a:t>Click to edit Master text styles</a:t>
             </a:r>
           </a:p>
           <a:p>
             <a:pPr lvl="1"/>
             <a:r>
-              <a:rPr lang="en-US" smtClean="0"/>
+              <a:rPr lang="en-US"/>
               <a:t>Second level</a:t>
             </a:r>
           </a:p>
           <a:p>
             <a:pPr lvl="2"/>
             <a:r>
-              <a:rPr lang="en-US" smtClean="0"/>
+              <a:rPr lang="en-US"/>
               <a:t>Third level</a:t>
             </a:r>
           </a:p>
           <a:p>
             <a:pPr lvl="3"/>
             <a:r>
-              <a:rPr lang="en-US" smtClean="0"/>
+              <a:rPr lang="en-US"/>
               <a:t>Fourth level</a:t>
             </a:r>
           </a:p>
           <a:p>
             <a:pPr lvl="4"/>
             <a:r>
-              <a:rPr lang="en-US" smtClean="0"/>
+              <a:rPr lang="en-US"/>
               <a:t>Fifth level</a:t>
             </a:r>
           </a:p>
@@ -360,7 +413,9 @@
             <a:off x="2" y="9720264"/>
             <a:ext cx="3076575" cy="512762"/>
           </a:xfrm>
-          <a:prstGeom prst="rect"/>
+          <a:prstGeom prst="rect">
+            <a:avLst/>
+          </a:prstGeom>
           <a:noFill/>
           <a:ln w="9525">
             <a:noFill/>
@@ -371,8 +426,10 @@
           <a:effectLst/>
         </p:spPr>
         <p:txBody>
-          <a:bodyPr anchor="b" anchorCtr="0" bIns="45745" compatLnSpc="1" lIns="91492" numCol="1" rIns="91492" tIns="45745" vert="horz" wrap="square">
-            <a:prstTxWarp prst="textNoShape"/>
+          <a:bodyPr vert="horz" wrap="square" lIns="91492" tIns="45745" rIns="91492" bIns="45745" numCol="1" anchor="b" anchorCtr="0" compatLnSpc="1">
+            <a:prstTxWarp prst="textNoShape">
+              <a:avLst/>
+            </a:prstTxWarp>
           </a:bodyPr>
           <a:lstStyle>
             <a:lvl1pPr algn="l">
@@ -399,7 +456,9 @@
             <a:off x="4021139" y="9720264"/>
             <a:ext cx="3076575" cy="512762"/>
           </a:xfrm>
-          <a:prstGeom prst="rect"/>
+          <a:prstGeom prst="rect">
+            <a:avLst/>
+          </a:prstGeom>
           <a:noFill/>
           <a:ln w="9525">
             <a:noFill/>
@@ -410,8 +469,10 @@
           <a:effectLst/>
         </p:spPr>
         <p:txBody>
-          <a:bodyPr anchor="b" anchorCtr="0" bIns="45745" compatLnSpc="1" lIns="91492" numCol="1" rIns="91492" tIns="45745" vert="horz" wrap="square">
-            <a:prstTxWarp prst="textNoShape"/>
+          <a:bodyPr vert="horz" wrap="square" lIns="91492" tIns="45745" rIns="91492" bIns="45745" numCol="1" anchor="b" anchorCtr="0" compatLnSpc="1">
+            <a:prstTxWarp prst="textNoShape">
+              <a:avLst/>
+            </a:prstTxWarp>
           </a:bodyPr>
           <a:lstStyle>
             <a:lvl1pPr algn="r">
@@ -421,6 +482,7 @@
           <a:p>
             <a:fld id="{A9A0EA98-5831-4853-B862-C702E6EB345C}" type="slidenum">
               <a:rPr lang="en-US"/>
+              <a:t>‹#›</a:t>
             </a:fld>
             <a:endParaRPr lang="en-US"/>
           </a:p>
@@ -428,9 +490,9 @@
       </p:sp>
     </p:spTree>
   </p:cSld>
-  <p:clrMap accent1="accent1" accent2="accent2" accent3="accent3" accent4="accent4" accent5="accent5" accent6="accent6" bg1="lt1" bg2="lt2" tx1="dk1" tx2="dk2" hlink="hlink" folHlink="folHlink"/>
+  <p:clrMap bg1="lt1" tx1="dk1" bg2="lt2" tx2="dk2" accent1="accent1" accent2="accent2" accent3="accent3" accent4="accent4" accent5="accent5" accent6="accent6" hlink="hlink" folHlink="folHlink"/>
   <p:notesStyle>
-    <a:lvl1pPr algn="l" fontAlgn="base" rtl="0">
+    <a:lvl1pPr algn="l" rtl="0" fontAlgn="base">
       <a:spcBef>
         <a:spcPct val="30000"/>
       </a:spcBef>
@@ -446,7 +508,7 @@
         <a:cs typeface="+mn-cs"/>
       </a:defRPr>
     </a:lvl1pPr>
-    <a:lvl2pPr algn="l" fontAlgn="base" marL="457200" rtl="0">
+    <a:lvl2pPr marL="457200" algn="l" rtl="0" fontAlgn="base">
       <a:spcBef>
         <a:spcPct val="30000"/>
       </a:spcBef>
@@ -462,7 +524,7 @@
         <a:cs typeface="+mn-cs"/>
       </a:defRPr>
     </a:lvl2pPr>
-    <a:lvl3pPr algn="l" fontAlgn="base" marL="914400" rtl="0">
+    <a:lvl3pPr marL="914400" algn="l" rtl="0" fontAlgn="base">
       <a:spcBef>
         <a:spcPct val="30000"/>
       </a:spcBef>
@@ -478,7 +540,7 @@
         <a:cs typeface="+mn-cs"/>
       </a:defRPr>
     </a:lvl3pPr>
-    <a:lvl4pPr algn="l" fontAlgn="base" marL="1371600" rtl="0">
+    <a:lvl4pPr marL="1371600" algn="l" rtl="0" fontAlgn="base">
       <a:spcBef>
         <a:spcPct val="30000"/>
       </a:spcBef>
@@ -494,7 +556,7 @@
         <a:cs typeface="+mn-cs"/>
       </a:defRPr>
     </a:lvl4pPr>
-    <a:lvl5pPr algn="l" fontAlgn="base" marL="1828800" rtl="0">
+    <a:lvl5pPr marL="1828800" algn="l" rtl="0" fontAlgn="base">
       <a:spcBef>
         <a:spcPct val="30000"/>
       </a:spcBef>
@@ -510,7 +572,7 @@
         <a:cs typeface="+mn-cs"/>
       </a:defRPr>
     </a:lvl5pPr>
-    <a:lvl6pPr algn="l" defTabSz="914400" eaLnBrk="1" hangingPunct="1" latinLnBrk="0" marL="2286000" rtl="0">
+    <a:lvl6pPr marL="2286000" algn="l" defTabSz="914400" rtl="0" eaLnBrk="1" latinLnBrk="0" hangingPunct="1">
       <a:defRPr sz="1200" kern="1200">
         <a:solidFill>
           <a:schemeClr val="tx1"/>
@@ -520,7 +582,7 @@
         <a:cs typeface="+mn-cs"/>
       </a:defRPr>
     </a:lvl6pPr>
-    <a:lvl7pPr algn="l" defTabSz="914400" eaLnBrk="1" hangingPunct="1" latinLnBrk="0" marL="2743200" rtl="0">
+    <a:lvl7pPr marL="2743200" algn="l" defTabSz="914400" rtl="0" eaLnBrk="1" latinLnBrk="0" hangingPunct="1">
       <a:defRPr sz="1200" kern="1200">
         <a:solidFill>
           <a:schemeClr val="tx1"/>
@@ -530,7 +592,7 @@
         <a:cs typeface="+mn-cs"/>
       </a:defRPr>
     </a:lvl7pPr>
-    <a:lvl8pPr algn="l" defTabSz="914400" eaLnBrk="1" hangingPunct="1" latinLnBrk="0" marL="3200400" rtl="0">
+    <a:lvl8pPr marL="3200400" algn="l" defTabSz="914400" rtl="0" eaLnBrk="1" latinLnBrk="0" hangingPunct="1">
       <a:defRPr sz="1200" kern="1200">
         <a:solidFill>
           <a:schemeClr val="tx1"/>
@@ -540,7 +602,7 @@
         <a:cs typeface="+mn-cs"/>
       </a:defRPr>
     </a:lvl8pPr>
-    <a:lvl9pPr algn="l" defTabSz="914400" eaLnBrk="1" hangingPunct="1" latinLnBrk="0" marL="3657600" rtl="0">
+    <a:lvl9pPr marL="3657600" algn="l" defTabSz="914400" rtl="0" eaLnBrk="1" latinLnBrk="0" hangingPunct="1">
       <a:defRPr sz="1200" kern="1200">
         <a:solidFill>
           <a:schemeClr val="tx1"/>
@@ -555,11 +617,11 @@
 </file>
 
 <file path=ppt/slideLayouts/slideLayout1.xml><?xml version="1.0" encoding="utf-8"?>
-<p:sldLayout xmlns:a="http://schemas.openxmlformats.org/drawingml/2006/main" xmlns:r="http://schemas.openxmlformats.org/officeDocument/2006/relationships" xmlns:p="http://schemas.openxmlformats.org/presentationml/2006/main" preserve="1" type="blank">
+<p:sldLayout xmlns:a="http://schemas.openxmlformats.org/drawingml/2006/main" xmlns:r="http://schemas.openxmlformats.org/officeDocument/2006/relationships" xmlns:p="http://schemas.openxmlformats.org/presentationml/2006/main" type="blank" preserve="1">
   <p:cSld name="空白">
     <p:spTree>
       <p:nvGrpSpPr>
-        <p:cNvPr id="14" name=""/>
+        <p:cNvPr id="1" name=""/>
         <p:cNvGrpSpPr/>
         <p:nvPr/>
       </p:nvGrpSpPr>
@@ -582,21 +644,22 @@
 <file path=ppt/slideMasters/slideMaster1.xml><?xml version="1.0" encoding="utf-8"?>
 <p:sldMaster xmlns:a="http://schemas.openxmlformats.org/drawingml/2006/main" xmlns:r="http://schemas.openxmlformats.org/officeDocument/2006/relationships" xmlns:p="http://schemas.openxmlformats.org/presentationml/2006/main">
   <p:cSld>
-    <p:bg bwMode="white">
+    <p:bg>
       <p:bgPr>
         <a:solidFill>
           <a:schemeClr val="lt1"/>
         </a:solidFill>
+        <a:effectLst/>
       </p:bgPr>
     </p:bg>
     <p:spTree>
       <p:nvGrpSpPr>
-        <p:cNvPr id="12" name=""/>
+        <p:cNvPr id="1" name=""/>
         <p:cNvGrpSpPr/>
         <p:nvPr/>
       </p:nvGrpSpPr>
       <p:grpSpPr>
-        <a:xfrm rot="0">
+        <a:xfrm>
           <a:off x="0" y="0"/>
           <a:ext cx="0" cy="0"/>
           <a:chOff x="0" y="0"/>
@@ -605,27 +668,29 @@
       </p:grpSpPr>
       <p:sp>
         <p:nvSpPr>
-          <p:cNvPr id="1048576" name=""/>
+          <p:cNvPr id="1048576" name="文本框 1048575"/>
           <p:cNvSpPr txBox="1"/>
           <p:nvPr/>
         </p:nvSpPr>
         <p:spPr>
-          <a:xfrm rot="0">
+          <a:xfrm>
             <a:off x="92075" y="71437"/>
             <a:ext cx="3175000" cy="929640"/>
           </a:xfrm>
-          <a:prstGeom prst="rect"/>
+          <a:prstGeom prst="rect">
+            <a:avLst/>
+          </a:prstGeom>
           <a:noFill/>
           <a:ln>
             <a:noFill/>
           </a:ln>
         </p:spPr>
         <p:txBody>
-          <a:bodyPr anchor="t" bIns="45720" lIns="91440" rIns="91440" tIns="45720" vert="horz">
+          <a:bodyPr vert="horz" lIns="91440" tIns="45720" rIns="91440" bIns="45720" anchor="t">
             <a:spAutoFit/>
           </a:bodyPr>
           <a:lstStyle>
-            <a:lvl1pPr algn="l" eaLnBrk="1" fontAlgn="base" hangingPunct="1" indent="0" latinLnBrk="1" marL="0" rtl="0">
+            <a:lvl1pPr marL="0" indent="0" algn="l" rtl="0" eaLnBrk="1" fontAlgn="base" latinLnBrk="1" hangingPunct="1">
               <a:lnSpc>
                 <a:spcPct val="100000"/>
               </a:lnSpc>
@@ -637,7 +702,7 @@
               </a:spcAft>
               <a:buFontTx/>
               <a:buNone/>
-              <a:defRPr baseline="0" b="0" sz="1800" i="0" u="none">
+              <a:defRPr sz="1800" b="0" i="0" u="none" baseline="0">
                 <a:solidFill>
                   <a:schemeClr val="dk1"/>
                 </a:solidFill>
@@ -646,7 +711,7 @@
                 <a:sym typeface="Calibri" pitchFamily="34" charset="0"/>
               </a:defRPr>
             </a:lvl1pPr>
-            <a:lvl2pPr algn="l" eaLnBrk="1" fontAlgn="base" hangingPunct="1" indent="0" latinLnBrk="1" marL="457200" rtl="0">
+            <a:lvl2pPr marL="457200" indent="0" algn="l" rtl="0" eaLnBrk="1" fontAlgn="base" latinLnBrk="1" hangingPunct="1">
               <a:lnSpc>
                 <a:spcPct val="100000"/>
               </a:lnSpc>
@@ -658,7 +723,7 @@
               </a:spcAft>
               <a:buFontTx/>
               <a:buNone/>
-              <a:defRPr baseline="0" b="0" sz="1800" i="0" u="none">
+              <a:defRPr sz="1800" b="0" i="0" u="none" baseline="0">
                 <a:solidFill>
                   <a:schemeClr val="dk1"/>
                 </a:solidFill>
@@ -667,7 +732,7 @@
                 <a:sym typeface="Calibri" pitchFamily="34" charset="0"/>
               </a:defRPr>
             </a:lvl2pPr>
-            <a:lvl3pPr algn="l" eaLnBrk="1" fontAlgn="base" hangingPunct="1" indent="0" latinLnBrk="1" marL="914400" rtl="0">
+            <a:lvl3pPr marL="914400" indent="0" algn="l" rtl="0" eaLnBrk="1" fontAlgn="base" latinLnBrk="1" hangingPunct="1">
               <a:lnSpc>
                 <a:spcPct val="100000"/>
               </a:lnSpc>
@@ -679,7 +744,7 @@
               </a:spcAft>
               <a:buFontTx/>
               <a:buNone/>
-              <a:defRPr baseline="0" b="0" sz="1800" i="0" u="none">
+              <a:defRPr sz="1800" b="0" i="0" u="none" baseline="0">
                 <a:solidFill>
                   <a:schemeClr val="dk1"/>
                 </a:solidFill>
@@ -688,7 +753,7 @@
                 <a:sym typeface="Calibri" pitchFamily="34" charset="0"/>
               </a:defRPr>
             </a:lvl3pPr>
-            <a:lvl4pPr algn="l" eaLnBrk="1" fontAlgn="base" hangingPunct="1" indent="0" latinLnBrk="1" marL="1371600" rtl="0">
+            <a:lvl4pPr marL="1371600" indent="0" algn="l" rtl="0" eaLnBrk="1" fontAlgn="base" latinLnBrk="1" hangingPunct="1">
               <a:lnSpc>
                 <a:spcPct val="100000"/>
               </a:lnSpc>
@@ -700,7 +765,7 @@
               </a:spcAft>
               <a:buFontTx/>
               <a:buNone/>
-              <a:defRPr baseline="0" b="0" sz="1800" i="0" u="none">
+              <a:defRPr sz="1800" b="0" i="0" u="none" baseline="0">
                 <a:solidFill>
                   <a:schemeClr val="dk1"/>
                 </a:solidFill>
@@ -709,7 +774,7 @@
                 <a:sym typeface="Calibri" pitchFamily="34" charset="0"/>
               </a:defRPr>
             </a:lvl4pPr>
-            <a:lvl5pPr algn="l" eaLnBrk="1" fontAlgn="base" hangingPunct="1" indent="0" latinLnBrk="1" marL="1828800" rtl="0">
+            <a:lvl5pPr marL="1828800" indent="0" algn="l" rtl="0" eaLnBrk="1" fontAlgn="base" latinLnBrk="1" hangingPunct="1">
               <a:lnSpc>
                 <a:spcPct val="100000"/>
               </a:lnSpc>
@@ -721,7 +786,7 @@
               </a:spcAft>
               <a:buFontTx/>
               <a:buNone/>
-              <a:defRPr baseline="0" b="0" sz="1800" i="0" u="none">
+              <a:defRPr sz="1800" b="0" i="0" u="none" baseline="0">
                 <a:solidFill>
                   <a:schemeClr val="dk1"/>
                 </a:solidFill>
@@ -732,9 +797,9 @@
             </a:lvl5pPr>
           </a:lstStyle>
           <a:p>
-            <a:pPr eaLnBrk="1" hangingPunct="1" latinLnBrk="1" lvl="0"/>
-            <a:r>
-              <a:rPr altLang="en-US" sz="2800" lang="zh-CN" u="sng">
+            <a:pPr lvl="0" eaLnBrk="1" latinLnBrk="1" hangingPunct="1"/>
+            <a:r>
+              <a:rPr lang="zh-CN" altLang="en-US" sz="2800" u="sng">
                 <a:solidFill>
                   <a:srgbClr val="FF0000"/>
                 </a:solidFill>
@@ -744,7 +809,7 @@
               <a:t>高等数学</a:t>
             </a:r>
             <a:r>
-              <a:rPr altLang="zh-CN" sz="2800" lang="en-US" u="sng">
+              <a:rPr lang="en-US" altLang="zh-CN" sz="2800" u="sng">
                 <a:solidFill>
                   <a:srgbClr val="FF0000"/>
                 </a:solidFill>
@@ -758,27 +823,29 @@
       </p:sp>
       <p:sp>
         <p:nvSpPr>
-          <p:cNvPr id="1048577" name=""/>
+          <p:cNvPr id="1048577" name="文本框 1048576"/>
           <p:cNvSpPr txBox="1"/>
           <p:nvPr/>
         </p:nvSpPr>
         <p:spPr>
-          <a:xfrm rot="0">
+          <a:xfrm>
             <a:off x="5321300" y="71437"/>
             <a:ext cx="3822700" cy="523875"/>
           </a:xfrm>
-          <a:prstGeom prst="rect"/>
+          <a:prstGeom prst="rect">
+            <a:avLst/>
+          </a:prstGeom>
           <a:noFill/>
           <a:ln>
             <a:noFill/>
           </a:ln>
         </p:spPr>
         <p:txBody>
-          <a:bodyPr anchor="t" bIns="45720" lIns="91440" rIns="91440" tIns="45720" vert="horz">
+          <a:bodyPr vert="horz" lIns="91440" tIns="45720" rIns="91440" bIns="45720" anchor="t">
             <a:spAutoFit/>
           </a:bodyPr>
           <a:lstStyle>
-            <a:lvl1pPr algn="l" eaLnBrk="1" fontAlgn="base" hangingPunct="1" indent="0" latinLnBrk="1" marL="0" rtl="0">
+            <a:lvl1pPr marL="0" indent="0" algn="l" rtl="0" eaLnBrk="1" fontAlgn="base" latinLnBrk="1" hangingPunct="1">
               <a:lnSpc>
                 <a:spcPct val="100000"/>
               </a:lnSpc>
@@ -790,7 +857,7 @@
               </a:spcAft>
               <a:buFontTx/>
               <a:buNone/>
-              <a:defRPr baseline="0" b="0" sz="1800" i="0" u="none">
+              <a:defRPr sz="1800" b="0" i="0" u="none" baseline="0">
                 <a:solidFill>
                   <a:schemeClr val="dk1"/>
                 </a:solidFill>
@@ -799,7 +866,7 @@
                 <a:sym typeface="Calibri" pitchFamily="34" charset="0"/>
               </a:defRPr>
             </a:lvl1pPr>
-            <a:lvl2pPr algn="l" eaLnBrk="1" fontAlgn="base" hangingPunct="1" indent="0" latinLnBrk="1" marL="457200" rtl="0">
+            <a:lvl2pPr marL="457200" indent="0" algn="l" rtl="0" eaLnBrk="1" fontAlgn="base" latinLnBrk="1" hangingPunct="1">
               <a:lnSpc>
                 <a:spcPct val="100000"/>
               </a:lnSpc>
@@ -811,7 +878,7 @@
               </a:spcAft>
               <a:buFontTx/>
               <a:buNone/>
-              <a:defRPr baseline="0" b="0" sz="1800" i="0" u="none">
+              <a:defRPr sz="1800" b="0" i="0" u="none" baseline="0">
                 <a:solidFill>
                   <a:schemeClr val="dk1"/>
                 </a:solidFill>
@@ -820,7 +887,7 @@
                 <a:sym typeface="Calibri" pitchFamily="34" charset="0"/>
               </a:defRPr>
             </a:lvl2pPr>
-            <a:lvl3pPr algn="l" eaLnBrk="1" fontAlgn="base" hangingPunct="1" indent="0" latinLnBrk="1" marL="914400" rtl="0">
+            <a:lvl3pPr marL="914400" indent="0" algn="l" rtl="0" eaLnBrk="1" fontAlgn="base" latinLnBrk="1" hangingPunct="1">
               <a:lnSpc>
                 <a:spcPct val="100000"/>
               </a:lnSpc>
@@ -832,7 +899,7 @@
               </a:spcAft>
               <a:buFontTx/>
               <a:buNone/>
-              <a:defRPr baseline="0" b="0" sz="1800" i="0" u="none">
+              <a:defRPr sz="1800" b="0" i="0" u="none" baseline="0">
                 <a:solidFill>
                   <a:schemeClr val="dk1"/>
                 </a:solidFill>
@@ -841,7 +908,7 @@
                 <a:sym typeface="Calibri" pitchFamily="34" charset="0"/>
               </a:defRPr>
             </a:lvl3pPr>
-            <a:lvl4pPr algn="l" eaLnBrk="1" fontAlgn="base" hangingPunct="1" indent="0" latinLnBrk="1" marL="1371600" rtl="0">
+            <a:lvl4pPr marL="1371600" indent="0" algn="l" rtl="0" eaLnBrk="1" fontAlgn="base" latinLnBrk="1" hangingPunct="1">
               <a:lnSpc>
                 <a:spcPct val="100000"/>
               </a:lnSpc>
@@ -853,7 +920,7 @@
               </a:spcAft>
               <a:buFontTx/>
               <a:buNone/>
-              <a:defRPr baseline="0" b="0" sz="1800" i="0" u="none">
+              <a:defRPr sz="1800" b="0" i="0" u="none" baseline="0">
                 <a:solidFill>
                   <a:schemeClr val="dk1"/>
                 </a:solidFill>
@@ -862,7 +929,7 @@
                 <a:sym typeface="Calibri" pitchFamily="34" charset="0"/>
               </a:defRPr>
             </a:lvl4pPr>
-            <a:lvl5pPr algn="l" eaLnBrk="1" fontAlgn="base" hangingPunct="1" indent="0" latinLnBrk="1" marL="1828800" rtl="0">
+            <a:lvl5pPr marL="1828800" indent="0" algn="l" rtl="0" eaLnBrk="1" fontAlgn="base" latinLnBrk="1" hangingPunct="1">
               <a:lnSpc>
                 <a:spcPct val="100000"/>
               </a:lnSpc>
@@ -874,7 +941,7 @@
               </a:spcAft>
               <a:buFontTx/>
               <a:buNone/>
-              <a:defRPr baseline="0" b="0" sz="1800" i="0" u="none">
+              <a:defRPr sz="1800" b="0" i="0" u="none" baseline="0">
                 <a:solidFill>
                   <a:schemeClr val="dk1"/>
                 </a:solidFill>
@@ -885,9 +952,9 @@
             </a:lvl5pPr>
           </a:lstStyle>
           <a:p>
-            <a:pPr eaLnBrk="1" hangingPunct="1" latinLnBrk="1" lvl="0"/>
-            <a:r>
-              <a:rPr altLang="en-US" sz="2800" lang="zh-CN" u="sng">
+            <a:pPr lvl="0" eaLnBrk="1" latinLnBrk="1" hangingPunct="1"/>
+            <a:r>
+              <a:rPr lang="zh-CN" altLang="en-US" sz="2800" u="sng">
                 <a:solidFill>
                   <a:srgbClr val="FF0000"/>
                 </a:solidFill>
@@ -901,14 +968,14 @@
       </p:sp>
     </p:spTree>
   </p:cSld>
-  <p:clrMap accent1="accent1" accent2="accent2" accent3="accent3" accent4="accent4" accent5="accent5" accent6="accent6" bg1="lt1" bg2="dk2" tx1="dk1" tx2="lt2" hlink="hlink" folHlink="folHlink"/>
+  <p:clrMap bg1="lt1" tx1="dk1" bg2="dk2" tx2="lt2" accent1="accent1" accent2="accent2" accent3="accent3" accent4="accent4" accent5="accent5" accent6="accent6" hlink="hlink" folHlink="folHlink"/>
   <p:sldLayoutIdLst>
     <p:sldLayoutId id="2147483649" r:id="rId1"/>
   </p:sldLayoutIdLst>
-  <p:hf dt="0" ftr="0" sldNum="0"/>
+  <p:hf sldNum="0" ftr="0" dt="0"/>
   <p:txStyles>
     <p:titleStyle>
-      <a:lvl1pPr algn="l" eaLnBrk="0" fontAlgn="base" hangingPunct="0" rtl="0">
+      <a:lvl1pPr algn="l" rtl="0" eaLnBrk="0" fontAlgn="base" hangingPunct="0">
         <a:lnSpc>
           <a:spcPct val="90000"/>
         </a:lnSpc>
@@ -927,7 +994,7 @@
           <a:cs typeface="+mj-cs"/>
         </a:defRPr>
       </a:lvl1pPr>
-      <a:lvl2pPr algn="l" eaLnBrk="0" fontAlgn="base" hangingPunct="0" rtl="0">
+      <a:lvl2pPr algn="l" rtl="0" eaLnBrk="0" fontAlgn="base" hangingPunct="0">
         <a:lnSpc>
           <a:spcPct val="90000"/>
         </a:lnSpc>
@@ -945,7 +1012,7 @@
           <a:ea typeface="宋体" panose="02010600030101010101" pitchFamily="2" charset="-122"/>
         </a:defRPr>
       </a:lvl2pPr>
-      <a:lvl3pPr algn="l" eaLnBrk="0" fontAlgn="base" hangingPunct="0" rtl="0">
+      <a:lvl3pPr algn="l" rtl="0" eaLnBrk="0" fontAlgn="base" hangingPunct="0">
         <a:lnSpc>
           <a:spcPct val="90000"/>
         </a:lnSpc>
@@ -963,7 +1030,7 @@
           <a:ea typeface="宋体" panose="02010600030101010101" pitchFamily="2" charset="-122"/>
         </a:defRPr>
       </a:lvl3pPr>
-      <a:lvl4pPr algn="l" eaLnBrk="0" fontAlgn="base" hangingPunct="0" rtl="0">
+      <a:lvl4pPr algn="l" rtl="0" eaLnBrk="0" fontAlgn="base" hangingPunct="0">
         <a:lnSpc>
           <a:spcPct val="90000"/>
         </a:lnSpc>
@@ -981,7 +1048,7 @@
           <a:ea typeface="宋体" panose="02010600030101010101" pitchFamily="2" charset="-122"/>
         </a:defRPr>
       </a:lvl4pPr>
-      <a:lvl5pPr algn="l" eaLnBrk="0" fontAlgn="base" hangingPunct="0" rtl="0">
+      <a:lvl5pPr algn="l" rtl="0" eaLnBrk="0" fontAlgn="base" hangingPunct="0">
         <a:lnSpc>
           <a:spcPct val="90000"/>
         </a:lnSpc>
@@ -999,7 +1066,7 @@
           <a:ea typeface="宋体" panose="02010600030101010101" pitchFamily="2" charset="-122"/>
         </a:defRPr>
       </a:lvl5pPr>
-      <a:lvl6pPr algn="l" eaLnBrk="1" fontAlgn="base" hangingPunct="1" marL="457200" rtl="0">
+      <a:lvl6pPr marL="457200" algn="l" rtl="0" eaLnBrk="1" fontAlgn="base" hangingPunct="1">
         <a:lnSpc>
           <a:spcPct val="90000"/>
         </a:lnSpc>
@@ -1017,7 +1084,7 @@
           <a:ea typeface="宋体" panose="02010600030101010101" pitchFamily="2" charset="-122"/>
         </a:defRPr>
       </a:lvl6pPr>
-      <a:lvl7pPr algn="l" eaLnBrk="1" fontAlgn="base" hangingPunct="1" marL="914400" rtl="0">
+      <a:lvl7pPr marL="914400" algn="l" rtl="0" eaLnBrk="1" fontAlgn="base" hangingPunct="1">
         <a:lnSpc>
           <a:spcPct val="90000"/>
         </a:lnSpc>
@@ -1035,7 +1102,7 @@
           <a:ea typeface="宋体" panose="02010600030101010101" pitchFamily="2" charset="-122"/>
         </a:defRPr>
       </a:lvl7pPr>
-      <a:lvl8pPr algn="l" eaLnBrk="1" fontAlgn="base" hangingPunct="1" marL="1371600" rtl="0">
+      <a:lvl8pPr marL="1371600" algn="l" rtl="0" eaLnBrk="1" fontAlgn="base" hangingPunct="1">
         <a:lnSpc>
           <a:spcPct val="90000"/>
         </a:lnSpc>
@@ -1053,7 +1120,7 @@
           <a:ea typeface="宋体" panose="02010600030101010101" pitchFamily="2" charset="-122"/>
         </a:defRPr>
       </a:lvl8pPr>
-      <a:lvl9pPr algn="l" eaLnBrk="1" fontAlgn="base" hangingPunct="1" marL="1828800" rtl="0">
+      <a:lvl9pPr marL="1828800" algn="l" rtl="0" eaLnBrk="1" fontAlgn="base" hangingPunct="1">
         <a:lnSpc>
           <a:spcPct val="90000"/>
         </a:lnSpc>
@@ -1073,7 +1140,7 @@
       </a:lvl9pPr>
     </p:titleStyle>
     <p:bodyStyle>
-      <a:lvl1pPr algn="l" eaLnBrk="0" fontAlgn="base" hangingPunct="0" indent="-228600" marL="228600" rtl="0">
+      <a:lvl1pPr marL="228600" indent="-228600" algn="l" rtl="0" eaLnBrk="0" fontAlgn="base" hangingPunct="0">
         <a:lnSpc>
           <a:spcPct val="90000"/>
         </a:lnSpc>
@@ -1094,7 +1161,7 @@
           <a:cs typeface="+mn-cs"/>
         </a:defRPr>
       </a:lvl1pPr>
-      <a:lvl2pPr algn="l" eaLnBrk="0" fontAlgn="base" hangingPunct="0" indent="-228600" marL="685800" rtl="0">
+      <a:lvl2pPr marL="685800" indent="-228600" algn="l" rtl="0" eaLnBrk="0" fontAlgn="base" hangingPunct="0">
         <a:lnSpc>
           <a:spcPct val="90000"/>
         </a:lnSpc>
@@ -1115,7 +1182,7 @@
           <a:cs typeface="+mn-cs"/>
         </a:defRPr>
       </a:lvl2pPr>
-      <a:lvl3pPr algn="l" eaLnBrk="0" fontAlgn="base" hangingPunct="0" indent="-228600" marL="1143000" rtl="0">
+      <a:lvl3pPr marL="1143000" indent="-228600" algn="l" rtl="0" eaLnBrk="0" fontAlgn="base" hangingPunct="0">
         <a:lnSpc>
           <a:spcPct val="90000"/>
         </a:lnSpc>
@@ -1136,7 +1203,7 @@
           <a:cs typeface="+mn-cs"/>
         </a:defRPr>
       </a:lvl3pPr>
-      <a:lvl4pPr algn="l" eaLnBrk="0" fontAlgn="base" hangingPunct="0" indent="-228600" marL="1600200" rtl="0">
+      <a:lvl4pPr marL="1600200" indent="-228600" algn="l" rtl="0" eaLnBrk="0" fontAlgn="base" hangingPunct="0">
         <a:lnSpc>
           <a:spcPct val="90000"/>
         </a:lnSpc>
@@ -1157,7 +1224,7 @@
           <a:cs typeface="+mn-cs"/>
         </a:defRPr>
       </a:lvl4pPr>
-      <a:lvl5pPr algn="l" eaLnBrk="0" fontAlgn="base" hangingPunct="0" indent="-228600" marL="2057400" rtl="0">
+      <a:lvl5pPr marL="2057400" indent="-228600" algn="l" rtl="0" eaLnBrk="0" fontAlgn="base" hangingPunct="0">
         <a:lnSpc>
           <a:spcPct val="90000"/>
         </a:lnSpc>
@@ -1178,7 +1245,7 @@
           <a:cs typeface="+mn-cs"/>
         </a:defRPr>
       </a:lvl5pPr>
-      <a:lvl6pPr algn="l" defTabSz="914400" eaLnBrk="1" hangingPunct="1" indent="-228600" latinLnBrk="0" marL="2514600" rtl="0">
+      <a:lvl6pPr marL="2514600" indent="-228600" algn="l" defTabSz="914400" rtl="0" eaLnBrk="1" latinLnBrk="0" hangingPunct="1">
         <a:lnSpc>
           <a:spcPct val="90000"/>
         </a:lnSpc>
@@ -1196,7 +1263,7 @@
           <a:cs typeface="+mn-cs"/>
         </a:defRPr>
       </a:lvl6pPr>
-      <a:lvl7pPr algn="l" defTabSz="914400" eaLnBrk="1" hangingPunct="1" indent="-228600" latinLnBrk="0" marL="2971800" rtl="0">
+      <a:lvl7pPr marL="2971800" indent="-228600" algn="l" defTabSz="914400" rtl="0" eaLnBrk="1" latinLnBrk="0" hangingPunct="1">
         <a:lnSpc>
           <a:spcPct val="90000"/>
         </a:lnSpc>
@@ -1214,7 +1281,7 @@
           <a:cs typeface="+mn-cs"/>
         </a:defRPr>
       </a:lvl7pPr>
-      <a:lvl8pPr algn="l" defTabSz="914400" eaLnBrk="1" hangingPunct="1" indent="-228600" latinLnBrk="0" marL="3429000" rtl="0">
+      <a:lvl8pPr marL="3429000" indent="-228600" algn="l" defTabSz="914400" rtl="0" eaLnBrk="1" latinLnBrk="0" hangingPunct="1">
         <a:lnSpc>
           <a:spcPct val="90000"/>
         </a:lnSpc>
@@ -1232,7 +1299,7 @@
           <a:cs typeface="+mn-cs"/>
         </a:defRPr>
       </a:lvl8pPr>
-      <a:lvl9pPr algn="l" defTabSz="914400" eaLnBrk="1" hangingPunct="1" indent="-228600" latinLnBrk="0" marL="3886200" rtl="0">
+      <a:lvl9pPr marL="3886200" indent="-228600" algn="l" defTabSz="914400" rtl="0" eaLnBrk="1" latinLnBrk="0" hangingPunct="1">
         <a:lnSpc>
           <a:spcPct val="90000"/>
         </a:lnSpc>
@@ -1255,7 +1322,7 @@
       <a:defPPr>
         <a:defRPr lang="en-US"/>
       </a:defPPr>
-      <a:lvl1pPr algn="l" defTabSz="914400" eaLnBrk="1" hangingPunct="1" latinLnBrk="0" marL="0" rtl="0">
+      <a:lvl1pPr marL="0" algn="l" defTabSz="914400" rtl="0" eaLnBrk="1" latinLnBrk="0" hangingPunct="1">
         <a:defRPr sz="1800" kern="1200">
           <a:solidFill>
             <a:schemeClr val="tx1"/>
@@ -1265,7 +1332,7 @@
           <a:cs typeface="+mn-cs"/>
         </a:defRPr>
       </a:lvl1pPr>
-      <a:lvl2pPr algn="l" defTabSz="914400" eaLnBrk="1" hangingPunct="1" latinLnBrk="0" marL="457200" rtl="0">
+      <a:lvl2pPr marL="457200" algn="l" defTabSz="914400" rtl="0" eaLnBrk="1" latinLnBrk="0" hangingPunct="1">
         <a:defRPr sz="1800" kern="1200">
           <a:solidFill>
             <a:schemeClr val="tx1"/>
@@ -1275,7 +1342,7 @@
           <a:cs typeface="+mn-cs"/>
         </a:defRPr>
       </a:lvl2pPr>
-      <a:lvl3pPr algn="l" defTabSz="914400" eaLnBrk="1" hangingPunct="1" latinLnBrk="0" marL="914400" rtl="0">
+      <a:lvl3pPr marL="914400" algn="l" defTabSz="914400" rtl="0" eaLnBrk="1" latinLnBrk="0" hangingPunct="1">
         <a:defRPr sz="1800" kern="1200">
           <a:solidFill>
             <a:schemeClr val="tx1"/>
@@ -1285,7 +1352,7 @@
           <a:cs typeface="+mn-cs"/>
         </a:defRPr>
       </a:lvl3pPr>
-      <a:lvl4pPr algn="l" defTabSz="914400" eaLnBrk="1" hangingPunct="1" latinLnBrk="0" marL="1371600" rtl="0">
+      <a:lvl4pPr marL="1371600" algn="l" defTabSz="914400" rtl="0" eaLnBrk="1" latinLnBrk="0" hangingPunct="1">
         <a:defRPr sz="1800" kern="1200">
           <a:solidFill>
             <a:schemeClr val="tx1"/>
@@ -1295,7 +1362,7 @@
           <a:cs typeface="+mn-cs"/>
         </a:defRPr>
       </a:lvl4pPr>
-      <a:lvl5pPr algn="l" defTabSz="914400" eaLnBrk="1" hangingPunct="1" latinLnBrk="0" marL="1828800" rtl="0">
+      <a:lvl5pPr marL="1828800" algn="l" defTabSz="914400" rtl="0" eaLnBrk="1" latinLnBrk="0" hangingPunct="1">
         <a:defRPr sz="1800" kern="1200">
           <a:solidFill>
             <a:schemeClr val="tx1"/>
@@ -1305,7 +1372,7 @@
           <a:cs typeface="+mn-cs"/>
         </a:defRPr>
       </a:lvl5pPr>
-      <a:lvl6pPr algn="l" defTabSz="914400" eaLnBrk="1" hangingPunct="1" latinLnBrk="0" marL="2286000" rtl="0">
+      <a:lvl6pPr marL="2286000" algn="l" defTabSz="914400" rtl="0" eaLnBrk="1" latinLnBrk="0" hangingPunct="1">
         <a:defRPr sz="1800" kern="1200">
           <a:solidFill>
             <a:schemeClr val="tx1"/>
@@ -1315,7 +1382,7 @@
           <a:cs typeface="+mn-cs"/>
         </a:defRPr>
       </a:lvl6pPr>
-      <a:lvl7pPr algn="l" defTabSz="914400" eaLnBrk="1" hangingPunct="1" latinLnBrk="0" marL="2743200" rtl="0">
+      <a:lvl7pPr marL="2743200" algn="l" defTabSz="914400" rtl="0" eaLnBrk="1" latinLnBrk="0" hangingPunct="1">
         <a:defRPr sz="1800" kern="1200">
           <a:solidFill>
             <a:schemeClr val="tx1"/>
@@ -1325,7 +1392,7 @@
           <a:cs typeface="+mn-cs"/>
         </a:defRPr>
       </a:lvl7pPr>
-      <a:lvl8pPr algn="l" defTabSz="914400" eaLnBrk="1" hangingPunct="1" latinLnBrk="0" marL="3200400" rtl="0">
+      <a:lvl8pPr marL="3200400" algn="l" defTabSz="914400" rtl="0" eaLnBrk="1" latinLnBrk="0" hangingPunct="1">
         <a:defRPr sz="1800" kern="1200">
           <a:solidFill>
             <a:schemeClr val="tx1"/>
@@ -1335,7 +1402,7 @@
           <a:cs typeface="+mn-cs"/>
         </a:defRPr>
       </a:lvl8pPr>
-      <a:lvl9pPr algn="l" defTabSz="914400" eaLnBrk="1" hangingPunct="1" latinLnBrk="0" marL="3657600" rtl="0">
+      <a:lvl9pPr marL="3657600" algn="l" defTabSz="914400" rtl="0" eaLnBrk="1" latinLnBrk="0" hangingPunct="1">
         <a:defRPr sz="1800" kern="1200">
           <a:solidFill>
             <a:schemeClr val="tx1"/>
@@ -1351,16 +1418,16 @@
 </file>
 
 <file path=ppt/slides/slide1.xml><?xml version="1.0" encoding="utf-8"?>
-<p:sld xmlns:a="http://schemas.openxmlformats.org/drawingml/2006/main" xmlns:r="http://schemas.openxmlformats.org/officeDocument/2006/relationships" xmlns:p="http://schemas.openxmlformats.org/presentationml/2006/main" showMasterSp="1">
+<p:sld xmlns:a="http://schemas.openxmlformats.org/drawingml/2006/main" xmlns:r="http://schemas.openxmlformats.org/officeDocument/2006/relationships" xmlns:p="http://schemas.openxmlformats.org/presentationml/2006/main">
   <p:cSld>
     <p:spTree>
       <p:nvGrpSpPr>
-        <p:cNvPr id="13" name=""/>
+        <p:cNvPr id="1" name=""/>
         <p:cNvGrpSpPr/>
         <p:nvPr/>
       </p:nvGrpSpPr>
       <p:grpSpPr>
-        <a:xfrm rot="0">
+        <a:xfrm>
           <a:off x="0" y="0"/>
           <a:ext cx="0" cy="0"/>
           <a:chOff x="0" y="0"/>
@@ -1369,27 +1436,29 @@
       </p:grpSpPr>
       <p:sp>
         <p:nvSpPr>
-          <p:cNvPr id="1048578" name=""/>
+          <p:cNvPr id="1048578" name="矩形 1048577"/>
           <p:cNvSpPr/>
           <p:nvPr/>
         </p:nvSpPr>
         <p:spPr>
-          <a:xfrm rot="0">
+          <a:xfrm>
             <a:off x="1817687" y="2063750"/>
             <a:ext cx="5669281" cy="1691641"/>
           </a:xfrm>
-          <a:prstGeom prst="rect"/>
+          <a:prstGeom prst="rect">
+            <a:avLst/>
+          </a:prstGeom>
           <a:noFill/>
           <a:ln>
             <a:noFill/>
           </a:ln>
         </p:spPr>
         <p:txBody>
-          <a:bodyPr anchor="t" bIns="45720" lIns="91440" rIns="91440" tIns="45720" vert="horz" wrap="none">
+          <a:bodyPr vert="horz" wrap="none" lIns="91440" tIns="45720" rIns="91440" bIns="45720" anchor="t">
             <a:spAutoFit/>
           </a:bodyPr>
           <a:lstStyle>
-            <a:lvl1pPr algn="l" fontAlgn="base" indent="0" latinLnBrk="1" marL="0" rtl="0">
+            <a:lvl1pPr marL="0" indent="0" algn="l" rtl="0" fontAlgn="base" latinLnBrk="1">
               <a:lnSpc>
                 <a:spcPct val="100000"/>
               </a:lnSpc>
@@ -1401,7 +1470,7 @@
               </a:spcAft>
               <a:buFontTx/>
               <a:buNone/>
-              <a:defRPr baseline="0" b="0" sz="1800" i="0" u="none">
+              <a:defRPr sz="1800" b="0" i="0" u="none" baseline="0">
                 <a:solidFill>
                   <a:schemeClr val="dk1"/>
                 </a:solidFill>
@@ -1410,7 +1479,7 @@
                 <a:sym typeface="Calibri" pitchFamily="34" charset="0"/>
               </a:defRPr>
             </a:lvl1pPr>
-            <a:lvl2pPr algn="l" fontAlgn="base" indent="0" latinLnBrk="1" marL="457200" rtl="0">
+            <a:lvl2pPr marL="457200" indent="0" algn="l" rtl="0" fontAlgn="base" latinLnBrk="1">
               <a:lnSpc>
                 <a:spcPct val="100000"/>
               </a:lnSpc>
@@ -1422,7 +1491,7 @@
               </a:spcAft>
               <a:buFontTx/>
               <a:buNone/>
-              <a:defRPr baseline="0" b="0" sz="1800" i="0" u="none">
+              <a:defRPr sz="1800" b="0" i="0" u="none" baseline="0">
                 <a:solidFill>
                   <a:schemeClr val="dk1"/>
                 </a:solidFill>
@@ -1431,7 +1500,7 @@
                 <a:sym typeface="Calibri" pitchFamily="34" charset="0"/>
               </a:defRPr>
             </a:lvl2pPr>
-            <a:lvl3pPr algn="l" fontAlgn="base" indent="0" latinLnBrk="1" marL="914400" rtl="0">
+            <a:lvl3pPr marL="914400" indent="0" algn="l" rtl="0" fontAlgn="base" latinLnBrk="1">
               <a:lnSpc>
                 <a:spcPct val="100000"/>
               </a:lnSpc>
@@ -1443,7 +1512,7 @@
               </a:spcAft>
               <a:buFontTx/>
               <a:buNone/>
-              <a:defRPr baseline="0" b="0" sz="1800" i="0" u="none">
+              <a:defRPr sz="1800" b="0" i="0" u="none" baseline="0">
                 <a:solidFill>
                   <a:schemeClr val="dk1"/>
                 </a:solidFill>
@@ -1452,7 +1521,7 @@
                 <a:sym typeface="Calibri" pitchFamily="34" charset="0"/>
               </a:defRPr>
             </a:lvl3pPr>
-            <a:lvl4pPr algn="l" fontAlgn="base" indent="0" latinLnBrk="1" marL="1371600" rtl="0">
+            <a:lvl4pPr marL="1371600" indent="0" algn="l" rtl="0" fontAlgn="base" latinLnBrk="1">
               <a:lnSpc>
                 <a:spcPct val="100000"/>
               </a:lnSpc>
@@ -1464,7 +1533,7 @@
               </a:spcAft>
               <a:buFontTx/>
               <a:buNone/>
-              <a:defRPr baseline="0" b="0" sz="1800" i="0" u="none">
+              <a:defRPr sz="1800" b="0" i="0" u="none" baseline="0">
                 <a:solidFill>
                   <a:schemeClr val="dk1"/>
                 </a:solidFill>
@@ -1473,7 +1542,7 @@
                 <a:sym typeface="Calibri" pitchFamily="34" charset="0"/>
               </a:defRPr>
             </a:lvl4pPr>
-            <a:lvl5pPr algn="l" fontAlgn="base" indent="0" latinLnBrk="1" marL="1828800" rtl="0">
+            <a:lvl5pPr marL="1828800" indent="0" algn="l" rtl="0" fontAlgn="base" latinLnBrk="1">
               <a:lnSpc>
                 <a:spcPct val="100000"/>
               </a:lnSpc>
@@ -1485,7 +1554,7 @@
               </a:spcAft>
               <a:buFontTx/>
               <a:buNone/>
-              <a:defRPr baseline="0" b="0" sz="1800" i="0" u="none">
+              <a:defRPr sz="1800" b="0" i="0" u="none" baseline="0">
                 <a:solidFill>
                   <a:schemeClr val="dk1"/>
                 </a:solidFill>
@@ -1496,9 +1565,9 @@
             </a:lvl5pPr>
           </a:lstStyle>
           <a:p>
-            <a:pPr algn="ctr" eaLnBrk="1" hangingPunct="1" latinLnBrk="1" lvl="0"/>
-            <a:r>
-              <a:rPr altLang="en-US" b="1" sz="5400" lang="zh-CN">
+            <a:pPr lvl="0" algn="ctr" eaLnBrk="1" latinLnBrk="1" hangingPunct="1"/>
+            <a:r>
+              <a:rPr lang="zh-CN" altLang="en-US" sz="5400" b="1">
                 <a:latin typeface="华文行楷" pitchFamily="2" charset="-122"/>
                 <a:ea typeface="华文行楷" pitchFamily="2" charset="-122"/>
               </a:rPr>
@@ -1506,9 +1575,9 @@
             </a:r>
           </a:p>
           <a:p>
-            <a:pPr algn="ctr" eaLnBrk="1" hangingPunct="1" latinLnBrk="1" lvl="0"/>
-            <a:r>
-              <a:rPr altLang="en-US" b="1" sz="5400" lang="zh-CN">
+            <a:pPr lvl="0" algn="ctr" eaLnBrk="1" latinLnBrk="1" hangingPunct="1"/>
+            <a:r>
+              <a:rPr lang="zh-CN" altLang="en-US" sz="5400" b="1">
                 <a:latin typeface="华文行楷" pitchFamily="2" charset="-122"/>
                 <a:ea typeface="华文行楷" pitchFamily="2" charset="-122"/>
               </a:rPr>
@@ -1522,21 +1591,20 @@
   <p:clrMapOvr>
     <a:masterClrMapping/>
   </p:clrMapOvr>
-  <p:timing/>
 </p:sld>
 </file>
 
 <file path=ppt/slides/slide10.xml><?xml version="1.0" encoding="utf-8"?>
-<p:sld xmlns:a="http://schemas.openxmlformats.org/drawingml/2006/main" xmlns:r="http://schemas.openxmlformats.org/officeDocument/2006/relationships" xmlns:p="http://schemas.openxmlformats.org/presentationml/2006/main" showMasterSp="1">
+<p:sld xmlns:a="http://schemas.openxmlformats.org/drawingml/2006/main" xmlns:r="http://schemas.openxmlformats.org/officeDocument/2006/relationships" xmlns:p="http://schemas.openxmlformats.org/presentationml/2006/main">
   <p:cSld>
     <p:spTree>
       <p:nvGrpSpPr>
-        <p:cNvPr id="41" name=""/>
+        <p:cNvPr id="1" name=""/>
         <p:cNvGrpSpPr/>
         <p:nvPr/>
       </p:nvGrpSpPr>
       <p:grpSpPr>
-        <a:xfrm rot="0">
+        <a:xfrm>
           <a:off x="0" y="0"/>
           <a:ext cx="0" cy="0"/>
           <a:chOff x="0" y="0"/>
@@ -1545,25 +1613,27 @@
       </p:grpSpPr>
       <p:pic>
         <p:nvPicPr>
-          <p:cNvPr id="2097155" name=""/>
+          <p:cNvPr id="2097155" name="图片 2097154"/>
           <p:cNvPicPr>
             <a:picLocks/>
           </p:cNvPicPr>
           <p:nvPr/>
         </p:nvPicPr>
         <p:blipFill>
-          <a:blip xmlns:r="http://schemas.openxmlformats.org/officeDocument/2006/relationships" r:embed="rId1"/>
-          <a:srcRect l="0" t="0" r="0" b="0"/>
+          <a:blip r:embed="rId2"/>
+          <a:srcRect/>
           <a:stretch>
             <a:fillRect/>
           </a:stretch>
         </p:blipFill>
         <p:spPr>
-          <a:xfrm rot="0">
+          <a:xfrm>
             <a:off x="966787" y="958850"/>
             <a:ext cx="6715125" cy="1312862"/>
           </a:xfrm>
-          <a:prstGeom prst="rect"/>
+          <a:prstGeom prst="rect">
+            <a:avLst/>
+          </a:prstGeom>
           <a:noFill/>
           <a:ln>
             <a:noFill/>
@@ -1572,25 +1642,27 @@
       </p:pic>
       <p:pic>
         <p:nvPicPr>
-          <p:cNvPr id="2097156" name=""/>
+          <p:cNvPr id="2097156" name="图片 2097155"/>
           <p:cNvPicPr>
             <a:picLocks/>
           </p:cNvPicPr>
           <p:nvPr/>
         </p:nvPicPr>
         <p:blipFill>
-          <a:blip xmlns:r="http://schemas.openxmlformats.org/officeDocument/2006/relationships" r:embed="rId2"/>
-          <a:srcRect l="0" t="0" r="0" b="0"/>
+          <a:blip r:embed="rId3"/>
+          <a:srcRect/>
           <a:stretch>
             <a:fillRect/>
           </a:stretch>
         </p:blipFill>
         <p:spPr>
-          <a:xfrm rot="0">
+          <a:xfrm>
             <a:off x="3598862" y="2586037"/>
             <a:ext cx="1631950" cy="622300"/>
           </a:xfrm>
-          <a:prstGeom prst="rect"/>
+          <a:prstGeom prst="rect">
+            <a:avLst/>
+          </a:prstGeom>
           <a:noFill/>
           <a:ln>
             <a:noFill/>
@@ -1599,25 +1671,27 @@
       </p:pic>
       <p:pic>
         <p:nvPicPr>
-          <p:cNvPr id="2097157" name=""/>
+          <p:cNvPr id="2097157" name="图片 2097156"/>
           <p:cNvPicPr>
             <a:picLocks/>
           </p:cNvPicPr>
           <p:nvPr/>
         </p:nvPicPr>
         <p:blipFill>
-          <a:blip xmlns:r="http://schemas.openxmlformats.org/officeDocument/2006/relationships" r:embed="rId3"/>
-          <a:srcRect l="0" t="0" r="0" b="0"/>
+          <a:blip r:embed="rId4"/>
+          <a:srcRect/>
           <a:stretch>
             <a:fillRect/>
           </a:stretch>
         </p:blipFill>
         <p:spPr>
-          <a:xfrm rot="0">
+          <a:xfrm>
             <a:off x="966787" y="3271837"/>
             <a:ext cx="6680200" cy="1273175"/>
           </a:xfrm>
-          <a:prstGeom prst="rect"/>
+          <a:prstGeom prst="rect">
+            <a:avLst/>
+          </a:prstGeom>
           <a:noFill/>
           <a:ln>
             <a:noFill/>
@@ -1626,25 +1700,27 @@
       </p:pic>
       <p:pic>
         <p:nvPicPr>
-          <p:cNvPr id="2097158" name=""/>
+          <p:cNvPr id="2097158" name="图片 2097157"/>
           <p:cNvPicPr>
             <a:picLocks/>
           </p:cNvPicPr>
           <p:nvPr/>
         </p:nvPicPr>
         <p:blipFill>
-          <a:blip xmlns:r="http://schemas.openxmlformats.org/officeDocument/2006/relationships" r:embed="rId4"/>
-          <a:srcRect l="0" t="0" r="0" b="0"/>
+          <a:blip r:embed="rId5"/>
+          <a:srcRect/>
           <a:stretch>
             <a:fillRect/>
           </a:stretch>
         </p:blipFill>
         <p:spPr>
-          <a:xfrm rot="0">
+          <a:xfrm>
             <a:off x="2376487" y="4608512"/>
             <a:ext cx="3059112" cy="1273175"/>
           </a:xfrm>
-          <a:prstGeom prst="rect"/>
+          <a:prstGeom prst="rect">
+            <a:avLst/>
+          </a:prstGeom>
           <a:noFill/>
           <a:ln>
             <a:noFill/>
@@ -1659,32 +1735,32 @@
   <p:timing>
     <p:tnLst>
       <p:par>
-        <p:cTn dur="indefinite" id="1" nodeType="tmRoot">
+        <p:cTn id="1" dur="indefinite" restart="never" nodeType="tmRoot">
           <p:childTnLst>
             <p:seq concurrent="1" nextAc="seek">
-              <p:cTn dur="indefinite" id="2" nodeType="mainSeq">
+              <p:cTn id="2" dur="indefinite" nodeType="mainSeq">
                 <p:childTnLst>
                   <p:par>
-                    <p:cTn fill="hold" id="3" nodeType="clickPar">
+                    <p:cTn id="3" fill="hold" nodeType="clickPar">
                       <p:stCondLst>
                         <p:cond delay="indefinite"/>
                       </p:stCondLst>
                       <p:childTnLst>
                         <p:par>
-                          <p:cTn fill="hold" id="4" nodeType="withGroup">
+                          <p:cTn id="4" fill="hold" nodeType="withGroup">
                             <p:stCondLst>
                               <p:cond delay="0"/>
                             </p:stCondLst>
                             <p:childTnLst>
                               <p:par>
-                                <p:cTn fill="hold" id="5" nodeType="clickEffect" presetClass="entr" presetID="1" presetSubtype="0">
+                                <p:cTn id="5" presetID="1" presetClass="entr" presetSubtype="0" fill="hold" nodeType="clickEffect">
                                   <p:stCondLst>
                                     <p:cond delay="0"/>
                                   </p:stCondLst>
                                   <p:childTnLst>
                                     <p:set>
                                       <p:cBhvr>
-                                        <p:cTn dur="1" fill="hold" id="6">
+                                        <p:cTn id="6" dur="1" fill="hold">
                                           <p:stCondLst>
                                             <p:cond delay="0"/>
                                           </p:stCondLst>
@@ -1710,26 +1786,26 @@
                     </p:cTn>
                   </p:par>
                   <p:par>
-                    <p:cTn fill="hold" id="7" nodeType="clickPar">
+                    <p:cTn id="7" fill="hold" nodeType="clickPar">
                       <p:stCondLst>
                         <p:cond delay="indefinite"/>
                       </p:stCondLst>
                       <p:childTnLst>
                         <p:par>
-                          <p:cTn fill="hold" id="8" nodeType="withGroup">
+                          <p:cTn id="8" fill="hold" nodeType="withGroup">
                             <p:stCondLst>
                               <p:cond delay="0"/>
                             </p:stCondLst>
                             <p:childTnLst>
                               <p:par>
-                                <p:cTn fill="hold" id="9" nodeType="clickEffect" presetClass="entr" presetID="1" presetSubtype="0">
+                                <p:cTn id="9" presetID="1" presetClass="entr" presetSubtype="0" fill="hold" nodeType="clickEffect">
                                   <p:stCondLst>
                                     <p:cond delay="0"/>
                                   </p:stCondLst>
                                   <p:childTnLst>
                                     <p:set>
                                       <p:cBhvr>
-                                        <p:cTn dur="1" fill="hold" id="10">
+                                        <p:cTn id="10" dur="1" fill="hold">
                                           <p:stCondLst>
                                             <p:cond delay="0"/>
                                           </p:stCondLst>
@@ -1755,26 +1831,26 @@
                     </p:cTn>
                   </p:par>
                   <p:par>
-                    <p:cTn fill="hold" id="11">
+                    <p:cTn id="11" fill="hold">
                       <p:stCondLst>
                         <p:cond delay="indefinite"/>
                       </p:stCondLst>
                       <p:childTnLst>
                         <p:par>
-                          <p:cTn fill="hold" id="12">
+                          <p:cTn id="12" fill="hold">
                             <p:stCondLst>
                               <p:cond delay="0"/>
                             </p:stCondLst>
                             <p:childTnLst>
                               <p:par>
-                                <p:cTn fill="hold" id="13" nodeType="clickEffect" presetClass="entr" presetID="1" presetSubtype="0">
+                                <p:cTn id="13" presetID="1" presetClass="entr" presetSubtype="0" fill="hold" nodeType="clickEffect">
                                   <p:stCondLst>
                                     <p:cond delay="0"/>
                                   </p:stCondLst>
                                   <p:childTnLst>
                                     <p:set>
                                       <p:cBhvr>
-                                        <p:cTn dur="1" fill="hold" id="14">
+                                        <p:cTn id="14" dur="1" fill="hold">
                                           <p:stCondLst>
                                             <p:cond delay="0"/>
                                           </p:stCondLst>
@@ -1800,26 +1876,26 @@
                     </p:cTn>
                   </p:par>
                   <p:par>
-                    <p:cTn fill="hold" id="15">
+                    <p:cTn id="15" fill="hold">
                       <p:stCondLst>
                         <p:cond delay="indefinite"/>
                       </p:stCondLst>
                       <p:childTnLst>
                         <p:par>
-                          <p:cTn fill="hold" id="16">
+                          <p:cTn id="16" fill="hold">
                             <p:stCondLst>
                               <p:cond delay="0"/>
                             </p:stCondLst>
                             <p:childTnLst>
                               <p:par>
-                                <p:cTn fill="hold" id="17" nodeType="clickEffect" presetClass="entr" presetID="1" presetSubtype="0">
+                                <p:cTn id="17" presetID="1" presetClass="entr" presetSubtype="0" fill="hold" nodeType="clickEffect">
                                   <p:stCondLst>
                                     <p:cond delay="0"/>
                                   </p:stCondLst>
                                   <p:childTnLst>
                                     <p:set>
                                       <p:cBhvr>
-                                        <p:cTn dur="1" fill="hold" id="18">
+                                        <p:cTn id="18" dur="1" fill="hold">
                                           <p:stCondLst>
                                             <p:cond delay="0"/>
                                           </p:stCondLst>
@@ -1870,16 +1946,16 @@
 </file>
 
 <file path=ppt/slides/slide11.xml><?xml version="1.0" encoding="utf-8"?>
-<p:sld xmlns:a="http://schemas.openxmlformats.org/drawingml/2006/main" xmlns:r="http://schemas.openxmlformats.org/officeDocument/2006/relationships" xmlns:p="http://schemas.openxmlformats.org/presentationml/2006/main" showMasterSp="1">
+<p:sld xmlns:a="http://schemas.openxmlformats.org/drawingml/2006/main" xmlns:r="http://schemas.openxmlformats.org/officeDocument/2006/relationships" xmlns:p="http://schemas.openxmlformats.org/presentationml/2006/main">
   <p:cSld>
     <p:spTree>
       <p:nvGrpSpPr>
-        <p:cNvPr id="42" name=""/>
+        <p:cNvPr id="1" name=""/>
         <p:cNvGrpSpPr/>
         <p:nvPr/>
       </p:nvGrpSpPr>
       <p:grpSpPr>
-        <a:xfrm rot="0">
+        <a:xfrm>
           <a:off x="0" y="0"/>
           <a:ext cx="0" cy="0"/>
           <a:chOff x="0" y="0"/>
@@ -1888,25 +1964,27 @@
       </p:grpSpPr>
       <p:pic>
         <p:nvPicPr>
-          <p:cNvPr id="2097159" name=""/>
+          <p:cNvPr id="2097159" name="图片 2097158"/>
           <p:cNvPicPr>
             <a:picLocks/>
           </p:cNvPicPr>
           <p:nvPr/>
         </p:nvPicPr>
         <p:blipFill>
-          <a:blip xmlns:r="http://schemas.openxmlformats.org/officeDocument/2006/relationships" r:embed="rId1"/>
-          <a:srcRect l="0" t="0" r="0" b="0"/>
+          <a:blip r:embed="rId2"/>
+          <a:srcRect/>
           <a:stretch>
             <a:fillRect/>
           </a:stretch>
         </p:blipFill>
         <p:spPr>
-          <a:xfrm rot="0">
+          <a:xfrm>
             <a:off x="758825" y="1047750"/>
             <a:ext cx="7615237" cy="1906587"/>
           </a:xfrm>
-          <a:prstGeom prst="rect"/>
+          <a:prstGeom prst="rect">
+            <a:avLst/>
+          </a:prstGeom>
           <a:noFill/>
           <a:ln>
             <a:noFill/>
@@ -1915,27 +1993,29 @@
       </p:pic>
       <p:sp>
         <p:nvSpPr>
-          <p:cNvPr id="1048598" name=""/>
+          <p:cNvPr id="1048598" name="矩形 1048597"/>
           <p:cNvSpPr/>
           <p:nvPr/>
         </p:nvSpPr>
         <p:spPr>
-          <a:xfrm rot="0">
+          <a:xfrm>
             <a:off x="0" y="3100387"/>
             <a:ext cx="9144000" cy="0"/>
           </a:xfrm>
-          <a:prstGeom prst="rect"/>
+          <a:prstGeom prst="rect">
+            <a:avLst/>
+          </a:prstGeom>
           <a:noFill/>
           <a:ln>
             <a:noFill/>
           </a:ln>
         </p:spPr>
         <p:txBody>
-          <a:bodyPr anchor="ctr" bIns="45720" lIns="91440" rIns="91440" tIns="45720" vert="horz" wrap="none">
+          <a:bodyPr vert="horz" wrap="none" lIns="91440" tIns="45720" rIns="91440" bIns="45720" anchor="ctr">
             <a:spAutoFit/>
           </a:bodyPr>
           <a:lstStyle>
-            <a:lvl1pPr algn="l" fontAlgn="base" indent="0" latinLnBrk="1" marL="0" rtl="0">
+            <a:lvl1pPr marL="0" indent="0" algn="l" rtl="0" fontAlgn="base" latinLnBrk="1">
               <a:lnSpc>
                 <a:spcPct val="100000"/>
               </a:lnSpc>
@@ -1947,7 +2027,7 @@
               </a:spcAft>
               <a:buFontTx/>
               <a:buNone/>
-              <a:defRPr baseline="0" b="0" sz="1800" i="0" u="none">
+              <a:defRPr sz="1800" b="0" i="0" u="none" baseline="0">
                 <a:solidFill>
                   <a:schemeClr val="dk1"/>
                 </a:solidFill>
@@ -1956,7 +2036,7 @@
                 <a:sym typeface="Calibri" pitchFamily="34" charset="0"/>
               </a:defRPr>
             </a:lvl1pPr>
-            <a:lvl2pPr algn="l" fontAlgn="base" indent="0" latinLnBrk="1" marL="457200" rtl="0">
+            <a:lvl2pPr marL="457200" indent="0" algn="l" rtl="0" fontAlgn="base" latinLnBrk="1">
               <a:lnSpc>
                 <a:spcPct val="100000"/>
               </a:lnSpc>
@@ -1968,7 +2048,7 @@
               </a:spcAft>
               <a:buFontTx/>
               <a:buNone/>
-              <a:defRPr baseline="0" b="0" sz="1800" i="0" u="none">
+              <a:defRPr sz="1800" b="0" i="0" u="none" baseline="0">
                 <a:solidFill>
                   <a:schemeClr val="dk1"/>
                 </a:solidFill>
@@ -1977,7 +2057,7 @@
                 <a:sym typeface="Calibri" pitchFamily="34" charset="0"/>
               </a:defRPr>
             </a:lvl2pPr>
-            <a:lvl3pPr algn="l" fontAlgn="base" indent="0" latinLnBrk="1" marL="914400" rtl="0">
+            <a:lvl3pPr marL="914400" indent="0" algn="l" rtl="0" fontAlgn="base" latinLnBrk="1">
               <a:lnSpc>
                 <a:spcPct val="100000"/>
               </a:lnSpc>
@@ -1989,7 +2069,7 @@
               </a:spcAft>
               <a:buFontTx/>
               <a:buNone/>
-              <a:defRPr baseline="0" b="0" sz="1800" i="0" u="none">
+              <a:defRPr sz="1800" b="0" i="0" u="none" baseline="0">
                 <a:solidFill>
                   <a:schemeClr val="dk1"/>
                 </a:solidFill>
@@ -1998,7 +2078,7 @@
                 <a:sym typeface="Calibri" pitchFamily="34" charset="0"/>
               </a:defRPr>
             </a:lvl3pPr>
-            <a:lvl4pPr algn="l" fontAlgn="base" indent="0" latinLnBrk="1" marL="1371600" rtl="0">
+            <a:lvl4pPr marL="1371600" indent="0" algn="l" rtl="0" fontAlgn="base" latinLnBrk="1">
               <a:lnSpc>
                 <a:spcPct val="100000"/>
               </a:lnSpc>
@@ -2010,7 +2090,7 @@
               </a:spcAft>
               <a:buFontTx/>
               <a:buNone/>
-              <a:defRPr baseline="0" b="0" sz="1800" i="0" u="none">
+              <a:defRPr sz="1800" b="0" i="0" u="none" baseline="0">
                 <a:solidFill>
                   <a:schemeClr val="dk1"/>
                 </a:solidFill>
@@ -2019,7 +2099,7 @@
                 <a:sym typeface="Calibri" pitchFamily="34" charset="0"/>
               </a:defRPr>
             </a:lvl4pPr>
-            <a:lvl5pPr algn="l" fontAlgn="base" indent="0" latinLnBrk="1" marL="1828800" rtl="0">
+            <a:lvl5pPr marL="1828800" indent="0" algn="l" rtl="0" fontAlgn="base" latinLnBrk="1">
               <a:lnSpc>
                 <a:spcPct val="100000"/>
               </a:lnSpc>
@@ -2031,7 +2111,7 @@
               </a:spcAft>
               <a:buFontTx/>
               <a:buNone/>
-              <a:defRPr baseline="0" b="0" sz="1800" i="0" u="none">
+              <a:defRPr sz="1800" b="0" i="0" u="none" baseline="0">
                 <a:solidFill>
                   <a:schemeClr val="dk1"/>
                 </a:solidFill>
@@ -2042,8 +2122,8 @@
             </a:lvl5pPr>
           </a:lstStyle>
           <a:p>
-            <a:pPr eaLnBrk="1" hangingPunct="1" latinLnBrk="1" lvl="0"/>
-            <a:endParaRPr altLang="en-US" lang="zh-CN">
+            <a:pPr lvl="0" eaLnBrk="1" latinLnBrk="1" hangingPunct="1"/>
+            <a:endParaRPr lang="zh-CN" altLang="en-US">
               <a:latin typeface="Arial" pitchFamily="34" charset="0"/>
             </a:endParaRPr>
           </a:p>
@@ -2051,25 +2131,27 @@
       </p:sp>
       <p:pic>
         <p:nvPicPr>
-          <p:cNvPr id="2097160" name=""/>
+          <p:cNvPr id="2097160" name="图片 2097159"/>
           <p:cNvPicPr>
             <a:picLocks/>
           </p:cNvPicPr>
           <p:nvPr/>
         </p:nvPicPr>
         <p:blipFill>
-          <a:blip xmlns:r="http://schemas.openxmlformats.org/officeDocument/2006/relationships" r:embed="rId2"/>
-          <a:srcRect l="0" t="0" r="0" b="0"/>
+          <a:blip r:embed="rId3"/>
+          <a:srcRect/>
           <a:stretch>
             <a:fillRect/>
           </a:stretch>
         </p:blipFill>
         <p:spPr>
-          <a:xfrm rot="0">
+          <a:xfrm>
             <a:off x="2462212" y="2720975"/>
             <a:ext cx="3457575" cy="1687512"/>
           </a:xfrm>
-          <a:prstGeom prst="rect"/>
+          <a:prstGeom prst="rect">
+            <a:avLst/>
+          </a:prstGeom>
           <a:noFill/>
           <a:ln>
             <a:noFill/>
@@ -2084,32 +2166,32 @@
   <p:timing>
     <p:tnLst>
       <p:par>
-        <p:cTn dur="indefinite" id="1" nodeType="tmRoot">
+        <p:cTn id="1" dur="indefinite" restart="never" nodeType="tmRoot">
           <p:childTnLst>
             <p:seq concurrent="1" nextAc="seek">
-              <p:cTn dur="indefinite" id="2" nodeType="mainSeq">
+              <p:cTn id="2" dur="indefinite" nodeType="mainSeq">
                 <p:childTnLst>
                   <p:par>
-                    <p:cTn fill="hold" id="3" nodeType="clickPar">
+                    <p:cTn id="3" fill="hold" nodeType="clickPar">
                       <p:stCondLst>
                         <p:cond delay="indefinite"/>
                       </p:stCondLst>
                       <p:childTnLst>
                         <p:par>
-                          <p:cTn fill="hold" id="4" nodeType="withGroup">
+                          <p:cTn id="4" fill="hold" nodeType="withGroup">
                             <p:stCondLst>
                               <p:cond delay="0"/>
                             </p:stCondLst>
                             <p:childTnLst>
                               <p:par>
-                                <p:cTn fill="hold" id="5" nodeType="clickEffect" presetClass="entr" presetID="3" presetSubtype="10">
+                                <p:cTn id="5" presetID="3" presetClass="entr" presetSubtype="10" fill="hold" nodeType="clickEffect">
                                   <p:stCondLst>
                                     <p:cond delay="0"/>
                                   </p:stCondLst>
                                   <p:childTnLst>
                                     <p:set>
                                       <p:cBhvr>
-                                        <p:cTn dur="1" fill="hold" id="6">
+                                        <p:cTn id="6" dur="1" fill="hold">
                                           <p:stCondLst>
                                             <p:cond delay="0"/>
                                           </p:stCondLst>
@@ -2127,7 +2209,7 @@
                                     </p:set>
                                     <p:animEffect transition="in" filter="blinds(horizontal)">
                                       <p:cBhvr>
-                                        <p:cTn dur="500" id="7"/>
+                                        <p:cTn id="7" dur="500"/>
                                         <p:tgtEl>
                                           <p:spTgt spid="2097160"/>
                                         </p:tgtEl>
@@ -2168,16 +2250,16 @@
 </file>
 
 <file path=ppt/slides/slide12.xml><?xml version="1.0" encoding="utf-8"?>
-<p:sld xmlns:a="http://schemas.openxmlformats.org/drawingml/2006/main" xmlns:r="http://schemas.openxmlformats.org/officeDocument/2006/relationships" xmlns:p="http://schemas.openxmlformats.org/presentationml/2006/main" showMasterSp="1">
+<p:sld xmlns:a="http://schemas.openxmlformats.org/drawingml/2006/main" xmlns:r="http://schemas.openxmlformats.org/officeDocument/2006/relationships" xmlns:p="http://schemas.openxmlformats.org/presentationml/2006/main">
   <p:cSld>
     <p:spTree>
       <p:nvGrpSpPr>
-        <p:cNvPr id="43" name=""/>
+        <p:cNvPr id="1" name=""/>
         <p:cNvGrpSpPr/>
         <p:nvPr/>
       </p:nvGrpSpPr>
       <p:grpSpPr>
-        <a:xfrm rot="0">
+        <a:xfrm>
           <a:off x="0" y="0"/>
           <a:ext cx="0" cy="0"/>
           <a:chOff x="0" y="0"/>
@@ -2186,25 +2268,27 @@
       </p:grpSpPr>
       <p:pic>
         <p:nvPicPr>
-          <p:cNvPr id="2097161" name=""/>
+          <p:cNvPr id="2097161" name="图片 2097160"/>
           <p:cNvPicPr>
             <a:picLocks/>
           </p:cNvPicPr>
           <p:nvPr/>
         </p:nvPicPr>
         <p:blipFill>
-          <a:blip xmlns:r="http://schemas.openxmlformats.org/officeDocument/2006/relationships" r:embed="rId1"/>
-          <a:srcRect l="0" t="0" r="0" b="0"/>
+          <a:blip r:embed="rId2"/>
+          <a:srcRect/>
           <a:stretch>
             <a:fillRect/>
           </a:stretch>
         </p:blipFill>
         <p:spPr>
-          <a:xfrm rot="0">
+          <a:xfrm>
             <a:off x="1468437" y="1171575"/>
             <a:ext cx="4957762" cy="1098550"/>
           </a:xfrm>
-          <a:prstGeom prst="rect"/>
+          <a:prstGeom prst="rect">
+            <a:avLst/>
+          </a:prstGeom>
           <a:noFill/>
           <a:ln>
             <a:noFill/>
@@ -2213,25 +2297,27 @@
       </p:pic>
       <p:pic>
         <p:nvPicPr>
-          <p:cNvPr id="2097162" name=""/>
+          <p:cNvPr id="2097162" name="图片 2097161"/>
           <p:cNvPicPr>
             <a:picLocks/>
           </p:cNvPicPr>
           <p:nvPr/>
         </p:nvPicPr>
         <p:blipFill>
-          <a:blip xmlns:r="http://schemas.openxmlformats.org/officeDocument/2006/relationships" r:embed="rId2"/>
-          <a:srcRect l="0" t="0" r="0" b="0"/>
+          <a:blip r:embed="rId3"/>
+          <a:srcRect/>
           <a:stretch>
             <a:fillRect/>
           </a:stretch>
         </p:blipFill>
         <p:spPr>
-          <a:xfrm rot="0">
+          <a:xfrm>
             <a:off x="2979737" y="2682875"/>
             <a:ext cx="2560637" cy="1330325"/>
           </a:xfrm>
-          <a:prstGeom prst="rect"/>
+          <a:prstGeom prst="rect">
+            <a:avLst/>
+          </a:prstGeom>
           <a:noFill/>
           <a:ln>
             <a:noFill/>
@@ -2246,32 +2332,32 @@
   <p:timing>
     <p:tnLst>
       <p:par>
-        <p:cTn dur="indefinite" id="1" nodeType="tmRoot">
+        <p:cTn id="1" dur="indefinite" restart="never" nodeType="tmRoot">
           <p:childTnLst>
             <p:seq concurrent="1" nextAc="seek">
-              <p:cTn dur="indefinite" id="2" nodeType="mainSeq">
+              <p:cTn id="2" dur="indefinite" nodeType="mainSeq">
                 <p:childTnLst>
                   <p:par>
-                    <p:cTn fill="hold" id="3">
+                    <p:cTn id="3" fill="hold">
                       <p:stCondLst>
                         <p:cond delay="indefinite"/>
                       </p:stCondLst>
                       <p:childTnLst>
                         <p:par>
-                          <p:cTn fill="hold" id="4">
+                          <p:cTn id="4" fill="hold">
                             <p:stCondLst>
                               <p:cond delay="0"/>
                             </p:stCondLst>
                             <p:childTnLst>
                               <p:par>
-                                <p:cTn fill="hold" id="5" nodeType="clickEffect" presetClass="entr" presetID="1" presetSubtype="0">
+                                <p:cTn id="5" presetID="1" presetClass="entr" presetSubtype="0" fill="hold" nodeType="clickEffect">
                                   <p:stCondLst>
                                     <p:cond delay="0"/>
                                   </p:stCondLst>
                                   <p:childTnLst>
                                     <p:set>
                                       <p:cBhvr>
-                                        <p:cTn dur="1" fill="hold" id="6">
+                                        <p:cTn id="6" dur="1" fill="hold">
                                           <p:stCondLst>
                                             <p:cond delay="0"/>
                                           </p:stCondLst>
@@ -2297,26 +2383,26 @@
                     </p:cTn>
                   </p:par>
                   <p:par>
-                    <p:cTn fill="hold" id="7">
+                    <p:cTn id="7" fill="hold">
                       <p:stCondLst>
                         <p:cond delay="indefinite"/>
                       </p:stCondLst>
                       <p:childTnLst>
                         <p:par>
-                          <p:cTn fill="hold" id="8">
+                          <p:cTn id="8" fill="hold">
                             <p:stCondLst>
                               <p:cond delay="0"/>
                             </p:stCondLst>
                             <p:childTnLst>
                               <p:par>
-                                <p:cTn fill="hold" id="9" nodeType="clickEffect" presetClass="entr" presetID="1" presetSubtype="0">
+                                <p:cTn id="9" presetID="1" presetClass="entr" presetSubtype="0" fill="hold" nodeType="clickEffect">
                                   <p:stCondLst>
                                     <p:cond delay="0"/>
                                   </p:stCondLst>
                                   <p:childTnLst>
                                     <p:set>
                                       <p:cBhvr>
-                                        <p:cTn dur="1" fill="hold" id="10">
+                                        <p:cTn id="10" dur="1" fill="hold">
                                           <p:stCondLst>
                                             <p:cond delay="0"/>
                                           </p:stCondLst>
@@ -2367,16 +2453,16 @@
 </file>
 
 <file path=ppt/slides/slide13.xml><?xml version="1.0" encoding="utf-8"?>
-<p:sld xmlns:a="http://schemas.openxmlformats.org/drawingml/2006/main" xmlns:r="http://schemas.openxmlformats.org/officeDocument/2006/relationships" xmlns:p="http://schemas.openxmlformats.org/presentationml/2006/main" showMasterSp="1">
+<p:sld xmlns:a="http://schemas.openxmlformats.org/drawingml/2006/main" xmlns:r="http://schemas.openxmlformats.org/officeDocument/2006/relationships" xmlns:p="http://schemas.openxmlformats.org/presentationml/2006/main">
   <p:cSld>
     <p:spTree>
       <p:nvGrpSpPr>
-        <p:cNvPr id="44" name=""/>
+        <p:cNvPr id="1" name=""/>
         <p:cNvGrpSpPr/>
         <p:nvPr/>
       </p:nvGrpSpPr>
       <p:grpSpPr>
-        <a:xfrm rot="0">
+        <a:xfrm>
           <a:off x="0" y="0"/>
           <a:ext cx="0" cy="0"/>
           <a:chOff x="0" y="0"/>
@@ -2385,25 +2471,27 @@
       </p:grpSpPr>
       <p:pic>
         <p:nvPicPr>
-          <p:cNvPr id="2097163" name=""/>
+          <p:cNvPr id="2097163" name="图片 2097162"/>
           <p:cNvPicPr>
             <a:picLocks/>
           </p:cNvPicPr>
           <p:nvPr/>
         </p:nvPicPr>
         <p:blipFill>
-          <a:blip xmlns:r="http://schemas.openxmlformats.org/officeDocument/2006/relationships" r:embed="rId1"/>
-          <a:srcRect l="0" t="0" r="0" b="0"/>
+          <a:blip r:embed="rId2"/>
+          <a:srcRect/>
           <a:stretch>
             <a:fillRect/>
           </a:stretch>
         </p:blipFill>
         <p:spPr>
-          <a:xfrm rot="0">
+          <a:xfrm>
             <a:off x="984250" y="784225"/>
             <a:ext cx="6662737" cy="1911350"/>
           </a:xfrm>
-          <a:prstGeom prst="rect"/>
+          <a:prstGeom prst="rect">
+            <a:avLst/>
+          </a:prstGeom>
           <a:noFill/>
           <a:ln>
             <a:noFill/>
@@ -2412,31 +2500,150 @@
       </p:pic>
       <p:pic>
         <p:nvPicPr>
-          <p:cNvPr id="2097164" name=""/>
+          <p:cNvPr id="2097164" name="图片 2097163"/>
           <p:cNvPicPr>
             <a:picLocks/>
           </p:cNvPicPr>
           <p:nvPr/>
         </p:nvPicPr>
         <p:blipFill>
-          <a:blip xmlns:r="http://schemas.openxmlformats.org/officeDocument/2006/relationships" r:embed="rId2"/>
-          <a:srcRect l="0" t="0" r="0" b="0"/>
+          <a:blip r:embed="rId3"/>
+          <a:srcRect/>
           <a:stretch>
             <a:fillRect/>
           </a:stretch>
         </p:blipFill>
         <p:spPr>
-          <a:xfrm rot="0">
+          <a:xfrm>
             <a:off x="617537" y="3063875"/>
             <a:ext cx="6007100" cy="1401762"/>
           </a:xfrm>
-          <a:prstGeom prst="rect"/>
+          <a:prstGeom prst="rect">
+            <a:avLst/>
+          </a:prstGeom>
           <a:noFill/>
           <a:ln>
             <a:noFill/>
           </a:ln>
         </p:spPr>
       </p:pic>
+      <mc:AlternateContent xmlns:mc="http://schemas.openxmlformats.org/markup-compatibility/2006">
+        <mc:Choice xmlns:a14="http://schemas.microsoft.com/office/drawing/2010/main" Requires="a14">
+          <p:sp>
+            <p:nvSpPr>
+              <p:cNvPr id="2" name="文本框 1">
+                <a:extLst>
+                  <a:ext uri="{FF2B5EF4-FFF2-40B4-BE49-F238E27FC236}">
+                    <a16:creationId xmlns:a16="http://schemas.microsoft.com/office/drawing/2014/main" id="{261D5F97-A248-45B4-8206-600AA9323154}"/>
+                  </a:ext>
+                </a:extLst>
+              </p:cNvPr>
+              <p:cNvSpPr txBox="1"/>
+              <p:nvPr/>
+            </p:nvSpPr>
+            <p:spPr>
+              <a:xfrm>
+                <a:off x="6915807" y="3429000"/>
+                <a:ext cx="731180" cy="1683474"/>
+              </a:xfrm>
+              <a:prstGeom prst="rect">
+                <a:avLst/>
+              </a:prstGeom>
+              <a:noFill/>
+            </p:spPr>
+            <p:txBody>
+              <a:bodyPr wrap="square" rtlCol="0">
+                <a:spAutoFit/>
+              </a:bodyPr>
+              <a:lstStyle/>
+              <a:p>
+                <a14:m>
+                  <m:oMathPara xmlns:m="http://schemas.openxmlformats.org/officeDocument/2006/math">
+                    <m:oMathParaPr>
+                      <m:jc m:val="centerGroup"/>
+                    </m:oMathParaPr>
+                    <m:oMath xmlns:m="http://schemas.openxmlformats.org/officeDocument/2006/math">
+                      <m:f>
+                        <m:fPr>
+                          <m:ctrlPr>
+                            <a:rPr lang="en-US" altLang="zh-CN" sz="3600" b="0" i="1" smtClean="0">
+                              <a:latin typeface="Cambria Math" panose="02040503050406030204" pitchFamily="18" charset="0"/>
+                            </a:rPr>
+                          </m:ctrlPr>
+                        </m:fPr>
+                        <m:num>
+                          <m:r>
+                            <a:rPr lang="en-US" altLang="zh-CN" sz="3600" b="0" i="1" smtClean="0">
+                              <a:latin typeface="Cambria Math" panose="02040503050406030204" pitchFamily="18" charset="0"/>
+                            </a:rPr>
+                            <m:t>3</m:t>
+                          </m:r>
+                        </m:num>
+                        <m:den>
+                          <m:r>
+                            <a:rPr lang="en-US" altLang="zh-CN" sz="3600" b="0" i="1" smtClean="0">
+                              <a:latin typeface="Cambria Math" panose="02040503050406030204" pitchFamily="18" charset="0"/>
+                            </a:rPr>
+                            <m:t>2</m:t>
+                          </m:r>
+                        </m:den>
+                      </m:f>
+                    </m:oMath>
+                  </m:oMathPara>
+                </a14:m>
+                <a:endParaRPr lang="en-US" altLang="zh-CN" sz="3600" b="0" dirty="0"/>
+              </a:p>
+              <a:p>
+                <a:endParaRPr lang="zh-CN" altLang="en-US" sz="3600" dirty="0"/>
+              </a:p>
+            </p:txBody>
+          </p:sp>
+        </mc:Choice>
+        <mc:Fallback>
+          <p:sp>
+            <p:nvSpPr>
+              <p:cNvPr id="2" name="文本框 1">
+                <a:extLst>
+                  <a:ext uri="{FF2B5EF4-FFF2-40B4-BE49-F238E27FC236}">
+                    <a16:creationId xmlns:a16="http://schemas.microsoft.com/office/drawing/2014/main" id="{261D5F97-A248-45B4-8206-600AA9323154}"/>
+                  </a:ext>
+                </a:extLst>
+              </p:cNvPr>
+              <p:cNvSpPr txBox="1">
+                <a:spLocks noRot="1" noChangeAspect="1" noMove="1" noResize="1" noEditPoints="1" noAdjustHandles="1" noChangeArrowheads="1" noChangeShapeType="1" noTextEdit="1"/>
+              </p:cNvSpPr>
+              <p:nvPr/>
+            </p:nvSpPr>
+            <p:spPr>
+              <a:xfrm>
+                <a:off x="6915807" y="3429000"/>
+                <a:ext cx="731180" cy="1683474"/>
+              </a:xfrm>
+              <a:prstGeom prst="rect">
+                <a:avLst/>
+              </a:prstGeom>
+              <a:blipFill>
+                <a:blip r:embed="rId4"/>
+                <a:stretch>
+                  <a:fillRect/>
+                </a:stretch>
+              </a:blipFill>
+            </p:spPr>
+            <p:txBody>
+              <a:bodyPr/>
+              <a:lstStyle/>
+              <a:p>
+                <a:r>
+                  <a:rPr lang="zh-CN" altLang="en-US">
+                    <a:noFill/>
+                  </a:rPr>
+                  <a:t> </a:t>
+                </a:r>
+              </a:p>
+            </p:txBody>
+          </p:sp>
+        </mc:Fallback>
+      </mc:AlternateContent>
     </p:spTree>
   </p:cSld>
   <p:clrMapOvr>
@@ -2445,32 +2652,32 @@
   <p:timing>
     <p:tnLst>
       <p:par>
-        <p:cTn dur="indefinite" id="1" nodeType="tmRoot">
+        <p:cTn id="1" dur="indefinite" restart="never" nodeType="tmRoot">
           <p:childTnLst>
             <p:seq concurrent="1" nextAc="seek">
-              <p:cTn dur="indefinite" id="2" nodeType="mainSeq">
+              <p:cTn id="2" dur="indefinite" nodeType="mainSeq">
                 <p:childTnLst>
                   <p:par>
-                    <p:cTn fill="hold" id="3" nodeType="clickPar">
+                    <p:cTn id="3" fill="hold" nodeType="clickPar">
                       <p:stCondLst>
                         <p:cond delay="indefinite"/>
                       </p:stCondLst>
                       <p:childTnLst>
                         <p:par>
-                          <p:cTn fill="hold" id="4" nodeType="withGroup">
+                          <p:cTn id="4" fill="hold" nodeType="withGroup">
                             <p:stCondLst>
                               <p:cond delay="0"/>
                             </p:stCondLst>
                             <p:childTnLst>
                               <p:par>
-                                <p:cTn fill="hold" id="5" nodeType="clickEffect" presetClass="entr" presetID="1" presetSubtype="0">
+                                <p:cTn id="5" presetID="1" presetClass="entr" presetSubtype="0" fill="hold" nodeType="clickEffect">
                                   <p:stCondLst>
                                     <p:cond delay="0"/>
                                   </p:stCondLst>
                                   <p:childTnLst>
                                     <p:set>
                                       <p:cBhvr>
-                                        <p:cTn dur="1" fill="hold" id="6">
+                                        <p:cTn id="6" dur="1" fill="hold">
                                           <p:stCondLst>
                                             <p:cond delay="0"/>
                                           </p:stCondLst>
@@ -2496,26 +2703,26 @@
                     </p:cTn>
                   </p:par>
                   <p:par>
-                    <p:cTn fill="hold" id="7" nodeType="clickPar">
+                    <p:cTn id="7" fill="hold" nodeType="clickPar">
                       <p:stCondLst>
                         <p:cond delay="indefinite"/>
                       </p:stCondLst>
                       <p:childTnLst>
                         <p:par>
-                          <p:cTn fill="hold" id="8" nodeType="withGroup">
+                          <p:cTn id="8" fill="hold" nodeType="withGroup">
                             <p:stCondLst>
                               <p:cond delay="0"/>
                             </p:stCondLst>
                             <p:childTnLst>
                               <p:par>
-                                <p:cTn fill="hold" id="9" nodeType="clickEffect" presetClass="entr" presetID="1" presetSubtype="0">
+                                <p:cTn id="9" presetID="1" presetClass="entr" presetSubtype="0" fill="hold" nodeType="clickEffect">
                                   <p:stCondLst>
                                     <p:cond delay="0"/>
                                   </p:stCondLst>
                                   <p:childTnLst>
                                     <p:set>
                                       <p:cBhvr>
-                                        <p:cTn dur="1" fill="hold" id="10">
+                                        <p:cTn id="10" dur="1" fill="hold">
                                           <p:stCondLst>
                                             <p:cond delay="0"/>
                                           </p:stCondLst>
@@ -2566,16 +2773,16 @@
 </file>
 
 <file path=ppt/slides/slide14.xml><?xml version="1.0" encoding="utf-8"?>
-<p:sld xmlns:a="http://schemas.openxmlformats.org/drawingml/2006/main" xmlns:r="http://schemas.openxmlformats.org/officeDocument/2006/relationships" xmlns:p="http://schemas.openxmlformats.org/presentationml/2006/main" showMasterSp="1">
+<p:sld xmlns:a="http://schemas.openxmlformats.org/drawingml/2006/main" xmlns:r="http://schemas.openxmlformats.org/officeDocument/2006/relationships" xmlns:p="http://schemas.openxmlformats.org/presentationml/2006/main">
   <p:cSld>
     <p:spTree>
       <p:nvGrpSpPr>
-        <p:cNvPr id="45" name=""/>
+        <p:cNvPr id="1" name=""/>
         <p:cNvGrpSpPr/>
         <p:nvPr/>
       </p:nvGrpSpPr>
       <p:grpSpPr>
-        <a:xfrm rot="0">
+        <a:xfrm>
           <a:off x="0" y="0"/>
           <a:ext cx="0" cy="0"/>
           <a:chOff x="0" y="0"/>
@@ -2584,25 +2791,27 @@
       </p:grpSpPr>
       <p:pic>
         <p:nvPicPr>
-          <p:cNvPr id="2097165" name=""/>
+          <p:cNvPr id="2097165" name="图片 2097164"/>
           <p:cNvPicPr>
             <a:picLocks/>
           </p:cNvPicPr>
           <p:nvPr/>
         </p:nvPicPr>
         <p:blipFill>
-          <a:blip xmlns:r="http://schemas.openxmlformats.org/officeDocument/2006/relationships" r:embed="rId1"/>
-          <a:srcRect l="0" t="0" r="0" b="0"/>
+          <a:blip r:embed="rId2"/>
+          <a:srcRect/>
           <a:stretch>
             <a:fillRect/>
           </a:stretch>
         </p:blipFill>
         <p:spPr>
-          <a:xfrm rot="0">
+          <a:xfrm>
             <a:off x="2570162" y="1711325"/>
             <a:ext cx="3962400" cy="674687"/>
           </a:xfrm>
-          <a:prstGeom prst="rect"/>
+          <a:prstGeom prst="rect">
+            <a:avLst/>
+          </a:prstGeom>
           <a:noFill/>
           <a:ln>
             <a:noFill/>
@@ -2611,25 +2820,27 @@
       </p:pic>
       <p:pic>
         <p:nvPicPr>
-          <p:cNvPr id="2097166" name=""/>
+          <p:cNvPr id="2097166" name="图片 2097165"/>
           <p:cNvPicPr>
             <a:picLocks/>
           </p:cNvPicPr>
           <p:nvPr/>
         </p:nvPicPr>
         <p:blipFill>
-          <a:blip xmlns:r="http://schemas.openxmlformats.org/officeDocument/2006/relationships" r:embed="rId2"/>
-          <a:srcRect l="0" t="0" r="0" b="0"/>
+          <a:blip r:embed="rId3"/>
+          <a:srcRect/>
           <a:stretch>
             <a:fillRect/>
           </a:stretch>
         </p:blipFill>
         <p:spPr>
-          <a:xfrm rot="0">
+          <a:xfrm>
             <a:off x="714375" y="752475"/>
             <a:ext cx="7007225" cy="1177925"/>
           </a:xfrm>
-          <a:prstGeom prst="rect"/>
+          <a:prstGeom prst="rect">
+            <a:avLst/>
+          </a:prstGeom>
           <a:noFill/>
           <a:ln>
             <a:noFill/>
@@ -2638,25 +2849,27 @@
       </p:pic>
       <p:pic>
         <p:nvPicPr>
-          <p:cNvPr id="2097167" name=""/>
+          <p:cNvPr id="2097167" name="图片 2097166"/>
           <p:cNvPicPr>
             <a:picLocks/>
           </p:cNvPicPr>
           <p:nvPr/>
         </p:nvPicPr>
         <p:blipFill>
-          <a:blip xmlns:r="http://schemas.openxmlformats.org/officeDocument/2006/relationships" r:embed="rId3"/>
-          <a:srcRect l="0" t="0" r="0" b="0"/>
+          <a:blip r:embed="rId4"/>
+          <a:srcRect/>
           <a:stretch>
             <a:fillRect/>
           </a:stretch>
         </p:blipFill>
         <p:spPr>
-          <a:xfrm rot="0">
+          <a:xfrm>
             <a:off x="714375" y="2678112"/>
             <a:ext cx="6945312" cy="1833562"/>
           </a:xfrm>
-          <a:prstGeom prst="rect"/>
+          <a:prstGeom prst="rect">
+            <a:avLst/>
+          </a:prstGeom>
           <a:noFill/>
           <a:ln>
             <a:noFill/>
@@ -2665,25 +2878,27 @@
       </p:pic>
       <p:pic>
         <p:nvPicPr>
-          <p:cNvPr id="2097168" name=""/>
+          <p:cNvPr id="2097168" name="图片 2097167"/>
           <p:cNvPicPr>
             <a:picLocks/>
           </p:cNvPicPr>
           <p:nvPr/>
         </p:nvPicPr>
         <p:blipFill>
-          <a:blip xmlns:r="http://schemas.openxmlformats.org/officeDocument/2006/relationships" r:embed="rId4"/>
-          <a:srcRect l="0" t="0" r="0" b="0"/>
+          <a:blip r:embed="rId5"/>
+          <a:srcRect/>
           <a:stretch>
             <a:fillRect/>
           </a:stretch>
         </p:blipFill>
         <p:spPr>
-          <a:xfrm rot="0">
+          <a:xfrm>
             <a:off x="2657475" y="3978275"/>
             <a:ext cx="4484687" cy="1898650"/>
           </a:xfrm>
-          <a:prstGeom prst="rect"/>
+          <a:prstGeom prst="rect">
+            <a:avLst/>
+          </a:prstGeom>
           <a:noFill/>
           <a:ln>
             <a:noFill/>
@@ -2698,32 +2913,32 @@
   <p:timing>
     <p:tnLst>
       <p:par>
-        <p:cTn dur="indefinite" id="1" nodeType="tmRoot">
+        <p:cTn id="1" dur="indefinite" restart="never" nodeType="tmRoot">
           <p:childTnLst>
             <p:seq concurrent="1" nextAc="seek">
-              <p:cTn dur="indefinite" id="2" nodeType="mainSeq">
+              <p:cTn id="2" dur="indefinite" nodeType="mainSeq">
                 <p:childTnLst>
                   <p:par>
-                    <p:cTn fill="hold" id="3">
+                    <p:cTn id="3" fill="hold">
                       <p:stCondLst>
                         <p:cond delay="indefinite"/>
                       </p:stCondLst>
                       <p:childTnLst>
                         <p:par>
-                          <p:cTn fill="hold" id="4">
+                          <p:cTn id="4" fill="hold">
                             <p:stCondLst>
                               <p:cond delay="0"/>
                             </p:stCondLst>
                             <p:childTnLst>
                               <p:par>
-                                <p:cTn fill="hold" id="5" nodeType="clickEffect" presetClass="entr" presetID="1" presetSubtype="0">
+                                <p:cTn id="5" presetID="1" presetClass="entr" presetSubtype="0" fill="hold" nodeType="clickEffect">
                                   <p:stCondLst>
                                     <p:cond delay="0"/>
                                   </p:stCondLst>
                                   <p:childTnLst>
                                     <p:set>
                                       <p:cBhvr>
-                                        <p:cTn dur="1" fill="hold" id="6">
+                                        <p:cTn id="6" dur="1" fill="hold">
                                           <p:stCondLst>
                                             <p:cond delay="0"/>
                                           </p:stCondLst>
@@ -2749,26 +2964,26 @@
                     </p:cTn>
                   </p:par>
                   <p:par>
-                    <p:cTn fill="hold" id="7">
+                    <p:cTn id="7" fill="hold">
                       <p:stCondLst>
                         <p:cond delay="indefinite"/>
                       </p:stCondLst>
                       <p:childTnLst>
                         <p:par>
-                          <p:cTn fill="hold" id="8">
+                          <p:cTn id="8" fill="hold">
                             <p:stCondLst>
                               <p:cond delay="0"/>
                             </p:stCondLst>
                             <p:childTnLst>
                               <p:par>
-                                <p:cTn fill="hold" id="9" nodeType="clickEffect" presetClass="entr" presetID="1" presetSubtype="0">
+                                <p:cTn id="9" presetID="1" presetClass="entr" presetSubtype="0" fill="hold" nodeType="clickEffect">
                                   <p:stCondLst>
                                     <p:cond delay="0"/>
                                   </p:stCondLst>
                                   <p:childTnLst>
                                     <p:set>
                                       <p:cBhvr>
-                                        <p:cTn dur="1" fill="hold" id="10">
+                                        <p:cTn id="10" dur="1" fill="hold">
                                           <p:stCondLst>
                                             <p:cond delay="0"/>
                                           </p:stCondLst>
@@ -2794,26 +3009,26 @@
                     </p:cTn>
                   </p:par>
                   <p:par>
-                    <p:cTn fill="hold" id="11">
+                    <p:cTn id="11" fill="hold">
                       <p:stCondLst>
                         <p:cond delay="indefinite"/>
                       </p:stCondLst>
                       <p:childTnLst>
                         <p:par>
-                          <p:cTn fill="hold" id="12">
+                          <p:cTn id="12" fill="hold">
                             <p:stCondLst>
                               <p:cond delay="0"/>
                             </p:stCondLst>
                             <p:childTnLst>
                               <p:par>
-                                <p:cTn fill="hold" id="13" nodeType="clickEffect" presetClass="entr" presetID="1" presetSubtype="0">
+                                <p:cTn id="13" presetID="1" presetClass="entr" presetSubtype="0" fill="hold" nodeType="clickEffect">
                                   <p:stCondLst>
                                     <p:cond delay="0"/>
                                   </p:stCondLst>
                                   <p:childTnLst>
                                     <p:set>
                                       <p:cBhvr>
-                                        <p:cTn dur="1" fill="hold" id="14">
+                                        <p:cTn id="14" dur="1" fill="hold">
                                           <p:stCondLst>
                                             <p:cond delay="0"/>
                                           </p:stCondLst>
@@ -2839,26 +3054,26 @@
                     </p:cTn>
                   </p:par>
                   <p:par>
-                    <p:cTn fill="hold" id="15">
+                    <p:cTn id="15" fill="hold">
                       <p:stCondLst>
                         <p:cond delay="indefinite"/>
                       </p:stCondLst>
                       <p:childTnLst>
                         <p:par>
-                          <p:cTn fill="hold" id="16">
+                          <p:cTn id="16" fill="hold">
                             <p:stCondLst>
                               <p:cond delay="0"/>
                             </p:stCondLst>
                             <p:childTnLst>
                               <p:par>
-                                <p:cTn fill="hold" id="17" nodeType="clickEffect" presetClass="entr" presetID="1" presetSubtype="0">
+                                <p:cTn id="17" presetID="1" presetClass="entr" presetSubtype="0" fill="hold" nodeType="clickEffect">
                                   <p:stCondLst>
                                     <p:cond delay="0"/>
                                   </p:stCondLst>
                                   <p:childTnLst>
                                     <p:set>
                                       <p:cBhvr>
-                                        <p:cTn dur="1" fill="hold" id="18">
+                                        <p:cTn id="18" dur="1" fill="hold">
                                           <p:stCondLst>
                                             <p:cond delay="0"/>
                                           </p:stCondLst>
@@ -2909,16 +3124,16 @@
 </file>
 
 <file path=ppt/slides/slide15.xml><?xml version="1.0" encoding="utf-8"?>
-<p:sld xmlns:a="http://schemas.openxmlformats.org/drawingml/2006/main" xmlns:r="http://schemas.openxmlformats.org/officeDocument/2006/relationships" xmlns:p="http://schemas.openxmlformats.org/presentationml/2006/main" showMasterSp="1">
+<p:sld xmlns:a="http://schemas.openxmlformats.org/drawingml/2006/main" xmlns:r="http://schemas.openxmlformats.org/officeDocument/2006/relationships" xmlns:p="http://schemas.openxmlformats.org/presentationml/2006/main">
   <p:cSld>
     <p:spTree>
       <p:nvGrpSpPr>
-        <p:cNvPr id="46" name=""/>
+        <p:cNvPr id="1" name=""/>
         <p:cNvGrpSpPr/>
         <p:nvPr/>
       </p:nvGrpSpPr>
       <p:grpSpPr>
-        <a:xfrm rot="0">
+        <a:xfrm>
           <a:off x="0" y="0"/>
           <a:ext cx="0" cy="0"/>
           <a:chOff x="0" y="0"/>
@@ -2927,27 +3142,29 @@
       </p:grpSpPr>
       <p:pic>
         <p:nvPicPr>
-          <p:cNvPr id="2097169" name=""/>
+          <p:cNvPr id="2097169" name="图片 2097168"/>
           <p:cNvPicPr>
             <a:picLocks/>
           </p:cNvPicPr>
           <p:nvPr/>
         </p:nvPicPr>
         <p:blipFill>
-          <a:blip xmlns:r="http://schemas.openxmlformats.org/officeDocument/2006/relationships" r:embed="rId1">
+          <a:blip r:embed="rId2">
             <a:lum bright="-100000" contrast="-100000"/>
           </a:blip>
-          <a:srcRect l="0" t="0" r="0" b="0"/>
+          <a:srcRect/>
           <a:stretch>
             <a:fillRect/>
           </a:stretch>
         </p:blipFill>
         <p:spPr>
-          <a:xfrm rot="0">
+          <a:xfrm>
             <a:off x="657225" y="947737"/>
             <a:ext cx="6846887" cy="1449387"/>
           </a:xfrm>
-          <a:prstGeom prst="rect"/>
+          <a:prstGeom prst="rect">
+            <a:avLst/>
+          </a:prstGeom>
           <a:noFill/>
           <a:ln>
             <a:noFill/>
@@ -2956,25 +3173,27 @@
       </p:pic>
       <p:pic>
         <p:nvPicPr>
-          <p:cNvPr id="2097170" name=""/>
+          <p:cNvPr id="2097170" name="图片 2097169"/>
           <p:cNvPicPr>
             <a:picLocks/>
           </p:cNvPicPr>
           <p:nvPr/>
         </p:nvPicPr>
         <p:blipFill>
-          <a:blip xmlns:r="http://schemas.openxmlformats.org/officeDocument/2006/relationships" r:embed="rId2"/>
-          <a:srcRect l="0" t="0" r="0" b="0"/>
+          <a:blip r:embed="rId3"/>
+          <a:srcRect/>
           <a:stretch>
             <a:fillRect/>
           </a:stretch>
         </p:blipFill>
         <p:spPr>
-          <a:xfrm rot="0">
+          <a:xfrm>
             <a:off x="434975" y="2514600"/>
             <a:ext cx="8126412" cy="704850"/>
           </a:xfrm>
-          <a:prstGeom prst="rect"/>
+          <a:prstGeom prst="rect">
+            <a:avLst/>
+          </a:prstGeom>
           <a:noFill/>
           <a:ln>
             <a:noFill/>
@@ -2983,25 +3202,27 @@
       </p:pic>
       <p:pic>
         <p:nvPicPr>
-          <p:cNvPr id="2097171" name=""/>
+          <p:cNvPr id="2097171" name="图片 2097170"/>
           <p:cNvPicPr>
             <a:picLocks/>
           </p:cNvPicPr>
           <p:nvPr/>
         </p:nvPicPr>
         <p:blipFill>
-          <a:blip xmlns:r="http://schemas.openxmlformats.org/officeDocument/2006/relationships" r:embed="rId3"/>
-          <a:srcRect l="0" t="0" r="0" b="0"/>
+          <a:blip r:embed="rId4"/>
+          <a:srcRect/>
           <a:stretch>
             <a:fillRect/>
           </a:stretch>
         </p:blipFill>
         <p:spPr>
-          <a:xfrm rot="0">
+          <a:xfrm>
             <a:off x="558800" y="3343275"/>
             <a:ext cx="7639050" cy="625475"/>
           </a:xfrm>
-          <a:prstGeom prst="rect"/>
+          <a:prstGeom prst="rect">
+            <a:avLst/>
+          </a:prstGeom>
           <a:noFill/>
           <a:ln>
             <a:noFill/>
@@ -3016,32 +3237,32 @@
   <p:timing>
     <p:tnLst>
       <p:par>
-        <p:cTn dur="indefinite" id="1" nodeType="tmRoot">
+        <p:cTn id="1" dur="indefinite" restart="never" nodeType="tmRoot">
           <p:childTnLst>
             <p:seq concurrent="1" nextAc="seek">
-              <p:cTn dur="indefinite" id="2" nodeType="mainSeq">
+              <p:cTn id="2" dur="indefinite" nodeType="mainSeq">
                 <p:childTnLst>
                   <p:par>
-                    <p:cTn fill="hold" id="3" nodeType="clickPar">
+                    <p:cTn id="3" fill="hold" nodeType="clickPar">
                       <p:stCondLst>
                         <p:cond delay="indefinite"/>
                       </p:stCondLst>
                       <p:childTnLst>
                         <p:par>
-                          <p:cTn fill="hold" id="4" nodeType="withGroup">
+                          <p:cTn id="4" fill="hold" nodeType="withGroup">
                             <p:stCondLst>
                               <p:cond delay="0"/>
                             </p:stCondLst>
                             <p:childTnLst>
                               <p:par>
-                                <p:cTn fill="hold" id="5" nodeType="clickEffect" presetClass="entr" presetID="3" presetSubtype="10">
+                                <p:cTn id="5" presetID="3" presetClass="entr" presetSubtype="10" fill="hold" nodeType="clickEffect">
                                   <p:stCondLst>
                                     <p:cond delay="0"/>
                                   </p:stCondLst>
                                   <p:childTnLst>
                                     <p:set>
                                       <p:cBhvr>
-                                        <p:cTn dur="1" fill="hold" id="6">
+                                        <p:cTn id="6" dur="1" fill="hold">
                                           <p:stCondLst>
                                             <p:cond delay="0"/>
                                           </p:stCondLst>
@@ -3059,7 +3280,7 @@
                                     </p:set>
                                     <p:animEffect transition="in" filter="blinds(horizontal)">
                                       <p:cBhvr>
-                                        <p:cTn dur="500" id="7"/>
+                                        <p:cTn id="7" dur="500"/>
                                         <p:tgtEl>
                                           <p:spTgt spid="2097169"/>
                                         </p:tgtEl>
@@ -3100,16 +3321,16 @@
 </file>
 
 <file path=ppt/slides/slide16.xml><?xml version="1.0" encoding="utf-8"?>
-<p:sld xmlns:a="http://schemas.openxmlformats.org/drawingml/2006/main" xmlns:r="http://schemas.openxmlformats.org/officeDocument/2006/relationships" xmlns:p="http://schemas.openxmlformats.org/presentationml/2006/main" showMasterSp="1">
+<p:sld xmlns:a="http://schemas.openxmlformats.org/drawingml/2006/main" xmlns:r="http://schemas.openxmlformats.org/officeDocument/2006/relationships" xmlns:p="http://schemas.openxmlformats.org/presentationml/2006/main">
   <p:cSld>
     <p:spTree>
       <p:nvGrpSpPr>
-        <p:cNvPr id="47" name=""/>
+        <p:cNvPr id="1" name=""/>
         <p:cNvGrpSpPr/>
         <p:nvPr/>
       </p:nvGrpSpPr>
       <p:grpSpPr>
-        <a:xfrm rot="0">
+        <a:xfrm>
           <a:off x="0" y="0"/>
           <a:ext cx="0" cy="0"/>
           <a:chOff x="0" y="0"/>
@@ -3118,25 +3339,27 @@
       </p:grpSpPr>
       <p:pic>
         <p:nvPicPr>
-          <p:cNvPr id="2097172" name=""/>
+          <p:cNvPr id="2097172" name="图片 2097171"/>
           <p:cNvPicPr>
             <a:picLocks/>
           </p:cNvPicPr>
           <p:nvPr/>
         </p:nvPicPr>
         <p:blipFill>
-          <a:blip xmlns:r="http://schemas.openxmlformats.org/officeDocument/2006/relationships" r:embed="rId1"/>
-          <a:srcRect l="0" t="0" r="0" b="0"/>
+          <a:blip r:embed="rId2"/>
+          <a:srcRect/>
           <a:stretch>
             <a:fillRect/>
           </a:stretch>
         </p:blipFill>
         <p:spPr>
-          <a:xfrm rot="0">
+          <a:xfrm>
             <a:off x="693737" y="1323975"/>
             <a:ext cx="6189662" cy="938212"/>
           </a:xfrm>
-          <a:prstGeom prst="rect"/>
+          <a:prstGeom prst="rect">
+            <a:avLst/>
+          </a:prstGeom>
           <a:noFill/>
           <a:ln>
             <a:noFill/>
@@ -3145,25 +3368,27 @@
       </p:pic>
       <p:pic>
         <p:nvPicPr>
-          <p:cNvPr id="2097173" name=""/>
+          <p:cNvPr id="2097173" name="图片 2097172"/>
           <p:cNvPicPr>
             <a:picLocks/>
           </p:cNvPicPr>
           <p:nvPr/>
         </p:nvPicPr>
         <p:blipFill>
-          <a:blip xmlns:r="http://schemas.openxmlformats.org/officeDocument/2006/relationships" r:embed="rId2"/>
-          <a:srcRect l="0" t="0" r="0" b="0"/>
+          <a:blip r:embed="rId3"/>
+          <a:srcRect/>
           <a:stretch>
             <a:fillRect/>
           </a:stretch>
         </p:blipFill>
         <p:spPr>
-          <a:xfrm rot="0">
+          <a:xfrm>
             <a:off x="1077912" y="2420937"/>
             <a:ext cx="6126162" cy="938212"/>
           </a:xfrm>
-          <a:prstGeom prst="rect"/>
+          <a:prstGeom prst="rect">
+            <a:avLst/>
+          </a:prstGeom>
           <a:noFill/>
           <a:ln>
             <a:noFill/>
@@ -3172,25 +3397,27 @@
       </p:pic>
       <p:pic>
         <p:nvPicPr>
-          <p:cNvPr id="2097174" name=""/>
+          <p:cNvPr id="2097174" name="图片 2097173"/>
           <p:cNvPicPr>
             <a:picLocks/>
           </p:cNvPicPr>
           <p:nvPr/>
         </p:nvPicPr>
         <p:blipFill>
-          <a:blip xmlns:r="http://schemas.openxmlformats.org/officeDocument/2006/relationships" r:embed="rId3"/>
-          <a:srcRect l="0" t="0" r="0" b="0"/>
+          <a:blip r:embed="rId4"/>
+          <a:srcRect/>
           <a:stretch>
             <a:fillRect/>
           </a:stretch>
         </p:blipFill>
         <p:spPr>
-          <a:xfrm rot="0">
+          <a:xfrm>
             <a:off x="1173162" y="3643312"/>
             <a:ext cx="7754937" cy="1089025"/>
           </a:xfrm>
-          <a:prstGeom prst="rect"/>
+          <a:prstGeom prst="rect">
+            <a:avLst/>
+          </a:prstGeom>
           <a:noFill/>
           <a:ln>
             <a:noFill/>
@@ -3205,32 +3432,32 @@
   <p:timing>
     <p:tnLst>
       <p:par>
-        <p:cTn dur="indefinite" id="1" nodeType="tmRoot">
+        <p:cTn id="1" dur="indefinite" restart="never" nodeType="tmRoot">
           <p:childTnLst>
             <p:seq concurrent="1" nextAc="seek">
-              <p:cTn dur="indefinite" id="2" nodeType="mainSeq">
+              <p:cTn id="2" dur="indefinite" nodeType="mainSeq">
                 <p:childTnLst>
                   <p:par>
-                    <p:cTn fill="hold" id="3" nodeType="clickPar">
+                    <p:cTn id="3" fill="hold" nodeType="clickPar">
                       <p:stCondLst>
                         <p:cond delay="indefinite"/>
                       </p:stCondLst>
                       <p:childTnLst>
                         <p:par>
-                          <p:cTn fill="hold" id="4" nodeType="withGroup">
+                          <p:cTn id="4" fill="hold" nodeType="withGroup">
                             <p:stCondLst>
                               <p:cond delay="0"/>
                             </p:stCondLst>
                             <p:childTnLst>
                               <p:par>
-                                <p:cTn fill="hold" id="5" nodeType="clickEffect" presetClass="entr" presetID="22" presetSubtype="8">
+                                <p:cTn id="5" presetID="22" presetClass="entr" presetSubtype="8" fill="hold" nodeType="clickEffect">
                                   <p:stCondLst>
                                     <p:cond delay="0"/>
                                   </p:stCondLst>
                                   <p:childTnLst>
                                     <p:set>
                                       <p:cBhvr>
-                                        <p:cTn dur="1" fill="hold" id="6">
+                                        <p:cTn id="6" dur="1" fill="hold">
                                           <p:stCondLst>
                                             <p:cond delay="0"/>
                                           </p:stCondLst>
@@ -3248,7 +3475,7 @@
                                     </p:set>
                                     <p:animEffect transition="in" filter="wipe(left)">
                                       <p:cBhvr>
-                                        <p:cTn dur="500" id="7"/>
+                                        <p:cTn id="7" dur="500"/>
                                         <p:tgtEl>
                                           <p:spTgt spid="2097172"/>
                                         </p:tgtEl>
@@ -3264,26 +3491,26 @@
                     </p:cTn>
                   </p:par>
                   <p:par>
-                    <p:cTn fill="hold" id="8">
+                    <p:cTn id="8" fill="hold">
                       <p:stCondLst>
                         <p:cond delay="indefinite"/>
                       </p:stCondLst>
                       <p:childTnLst>
                         <p:par>
-                          <p:cTn fill="hold" id="9">
+                          <p:cTn id="9" fill="hold">
                             <p:stCondLst>
                               <p:cond delay="0"/>
                             </p:stCondLst>
                             <p:childTnLst>
                               <p:par>
-                                <p:cTn fill="hold" id="10" nodeType="clickEffect" presetClass="entr" presetID="22" presetSubtype="8">
+                                <p:cTn id="10" presetID="22" presetClass="entr" presetSubtype="8" fill="hold" nodeType="clickEffect">
                                   <p:stCondLst>
                                     <p:cond delay="0"/>
                                   </p:stCondLst>
                                   <p:childTnLst>
                                     <p:set>
                                       <p:cBhvr>
-                                        <p:cTn dur="1" fill="hold" id="11">
+                                        <p:cTn id="11" dur="1" fill="hold">
                                           <p:stCondLst>
                                             <p:cond delay="0"/>
                                           </p:stCondLst>
@@ -3301,7 +3528,7 @@
                                     </p:set>
                                     <p:animEffect transition="in" filter="wipe(left)">
                                       <p:cBhvr>
-                                        <p:cTn dur="500" id="12"/>
+                                        <p:cTn id="12" dur="500"/>
                                         <p:tgtEl>
                                           <p:spTgt spid="2097173"/>
                                         </p:tgtEl>
@@ -3317,26 +3544,26 @@
                     </p:cTn>
                   </p:par>
                   <p:par>
-                    <p:cTn fill="hold" id="13">
+                    <p:cTn id="13" fill="hold">
                       <p:stCondLst>
                         <p:cond delay="indefinite"/>
                       </p:stCondLst>
                       <p:childTnLst>
                         <p:par>
-                          <p:cTn fill="hold" id="14">
+                          <p:cTn id="14" fill="hold">
                             <p:stCondLst>
                               <p:cond delay="0"/>
                             </p:stCondLst>
                             <p:childTnLst>
                               <p:par>
-                                <p:cTn fill="hold" id="15" nodeType="clickEffect" presetClass="entr" presetID="22" presetSubtype="8">
+                                <p:cTn id="15" presetID="22" presetClass="entr" presetSubtype="8" fill="hold" nodeType="clickEffect">
                                   <p:stCondLst>
                                     <p:cond delay="0"/>
                                   </p:stCondLst>
                                   <p:childTnLst>
                                     <p:set>
                                       <p:cBhvr>
-                                        <p:cTn dur="1" fill="hold" id="16">
+                                        <p:cTn id="16" dur="1" fill="hold">
                                           <p:stCondLst>
                                             <p:cond delay="0"/>
                                           </p:stCondLst>
@@ -3354,7 +3581,7 @@
                                     </p:set>
                                     <p:animEffect transition="in" filter="wipe(left)">
                                       <p:cBhvr>
-                                        <p:cTn dur="500" id="17"/>
+                                        <p:cTn id="17" dur="500"/>
                                         <p:tgtEl>
                                           <p:spTgt spid="2097174"/>
                                         </p:tgtEl>
@@ -3395,16 +3622,16 @@
 </file>
 
 <file path=ppt/slides/slide17.xml><?xml version="1.0" encoding="utf-8"?>
-<p:sld xmlns:a="http://schemas.openxmlformats.org/drawingml/2006/main" xmlns:r="http://schemas.openxmlformats.org/officeDocument/2006/relationships" xmlns:p="http://schemas.openxmlformats.org/presentationml/2006/main" showMasterSp="1">
+<p:sld xmlns:a="http://schemas.openxmlformats.org/drawingml/2006/main" xmlns:r="http://schemas.openxmlformats.org/officeDocument/2006/relationships" xmlns:p="http://schemas.openxmlformats.org/presentationml/2006/main">
   <p:cSld>
     <p:spTree>
       <p:nvGrpSpPr>
-        <p:cNvPr id="48" name=""/>
+        <p:cNvPr id="1" name=""/>
         <p:cNvGrpSpPr/>
         <p:nvPr/>
       </p:nvGrpSpPr>
       <p:grpSpPr>
-        <a:xfrm rot="0">
+        <a:xfrm>
           <a:off x="0" y="0"/>
           <a:ext cx="0" cy="0"/>
           <a:chOff x="0" y="0"/>
@@ -3413,27 +3640,29 @@
       </p:grpSpPr>
       <p:pic>
         <p:nvPicPr>
-          <p:cNvPr id="2097175" name=""/>
+          <p:cNvPr id="2097175" name="图片 2097174"/>
           <p:cNvPicPr>
             <a:picLocks/>
           </p:cNvPicPr>
           <p:nvPr/>
         </p:nvPicPr>
         <p:blipFill>
-          <a:blip xmlns:r="http://schemas.openxmlformats.org/officeDocument/2006/relationships" r:embed="rId1">
+          <a:blip r:embed="rId2">
             <a:lum bright="-100000"/>
           </a:blip>
-          <a:srcRect l="0" t="0" r="0" b="0"/>
+          <a:srcRect/>
           <a:stretch>
             <a:fillRect/>
           </a:stretch>
         </p:blipFill>
         <p:spPr>
-          <a:xfrm rot="0">
+          <a:xfrm>
             <a:off x="581025" y="458787"/>
             <a:ext cx="7069137" cy="2108200"/>
           </a:xfrm>
-          <a:prstGeom prst="rect"/>
+          <a:prstGeom prst="rect">
+            <a:avLst/>
+          </a:prstGeom>
           <a:noFill/>
           <a:ln>
             <a:noFill/>
@@ -3442,25 +3671,27 @@
       </p:pic>
       <p:pic>
         <p:nvPicPr>
-          <p:cNvPr id="2097176" name=""/>
+          <p:cNvPr id="2097176" name="图片 2097175"/>
           <p:cNvPicPr>
             <a:picLocks/>
           </p:cNvPicPr>
           <p:nvPr/>
         </p:nvPicPr>
         <p:blipFill>
-          <a:blip xmlns:r="http://schemas.openxmlformats.org/officeDocument/2006/relationships" r:embed="rId2"/>
-          <a:srcRect l="0" t="0" r="0" b="0"/>
+          <a:blip r:embed="rId3"/>
+          <a:srcRect/>
           <a:stretch>
             <a:fillRect/>
           </a:stretch>
         </p:blipFill>
         <p:spPr>
-          <a:xfrm rot="0">
+          <a:xfrm>
             <a:off x="1174750" y="1651000"/>
             <a:ext cx="5638800" cy="915987"/>
           </a:xfrm>
-          <a:prstGeom prst="rect"/>
+          <a:prstGeom prst="rect">
+            <a:avLst/>
+          </a:prstGeom>
           <a:noFill/>
           <a:ln>
             <a:noFill/>
@@ -3469,27 +3700,29 @@
       </p:pic>
       <p:pic>
         <p:nvPicPr>
-          <p:cNvPr id="2097177" name=""/>
+          <p:cNvPr id="2097177" name="图片 2097176"/>
           <p:cNvPicPr>
             <a:picLocks/>
           </p:cNvPicPr>
           <p:nvPr/>
         </p:nvPicPr>
         <p:blipFill>
-          <a:blip xmlns:r="http://schemas.openxmlformats.org/officeDocument/2006/relationships" r:embed="rId3">
+          <a:blip r:embed="rId4">
             <a:lum bright="-100000"/>
           </a:blip>
-          <a:srcRect l="0" t="0" r="0" b="0"/>
+          <a:srcRect/>
           <a:stretch>
             <a:fillRect/>
           </a:stretch>
         </p:blipFill>
         <p:spPr>
-          <a:xfrm rot="0">
+          <a:xfrm>
             <a:off x="1079500" y="2476500"/>
             <a:ext cx="7069137" cy="1806575"/>
           </a:xfrm>
-          <a:prstGeom prst="rect"/>
+          <a:prstGeom prst="rect">
+            <a:avLst/>
+          </a:prstGeom>
           <a:noFill/>
           <a:ln>
             <a:noFill/>
@@ -3498,27 +3731,29 @@
       </p:pic>
       <p:pic>
         <p:nvPicPr>
-          <p:cNvPr id="2097178" name=""/>
+          <p:cNvPr id="2097178" name="图片 2097177"/>
           <p:cNvPicPr>
             <a:picLocks/>
           </p:cNvPicPr>
           <p:nvPr/>
         </p:nvPicPr>
         <p:blipFill>
-          <a:blip xmlns:r="http://schemas.openxmlformats.org/officeDocument/2006/relationships" r:embed="rId4">
+          <a:blip r:embed="rId5">
             <a:lum bright="-100000"/>
           </a:blip>
-          <a:srcRect l="0" t="0" r="0" b="0"/>
+          <a:srcRect/>
           <a:stretch>
             <a:fillRect/>
           </a:stretch>
         </p:blipFill>
         <p:spPr>
-          <a:xfrm rot="0">
+          <a:xfrm>
             <a:off x="1006475" y="4052887"/>
             <a:ext cx="7069137" cy="1806575"/>
           </a:xfrm>
-          <a:prstGeom prst="rect"/>
+          <a:prstGeom prst="rect">
+            <a:avLst/>
+          </a:prstGeom>
           <a:noFill/>
           <a:ln>
             <a:noFill/>
@@ -3533,32 +3768,32 @@
   <p:timing>
     <p:tnLst>
       <p:par>
-        <p:cTn dur="indefinite" id="1" nodeType="tmRoot">
+        <p:cTn id="1" dur="indefinite" restart="never" nodeType="tmRoot">
           <p:childTnLst>
             <p:seq concurrent="1" nextAc="seek">
-              <p:cTn dur="indefinite" id="2" nodeType="mainSeq">
+              <p:cTn id="2" dur="indefinite" nodeType="mainSeq">
                 <p:childTnLst>
                   <p:par>
-                    <p:cTn fill="hold" id="3" nodeType="clickPar">
+                    <p:cTn id="3" fill="hold" nodeType="clickPar">
                       <p:stCondLst>
                         <p:cond delay="indefinite"/>
                       </p:stCondLst>
                       <p:childTnLst>
                         <p:par>
-                          <p:cTn fill="hold" id="4" nodeType="withGroup">
+                          <p:cTn id="4" fill="hold" nodeType="withGroup">
                             <p:stCondLst>
                               <p:cond delay="0"/>
                             </p:stCondLst>
                             <p:childTnLst>
                               <p:par>
-                                <p:cTn fill="hold" id="5" nodeType="clickEffect" presetClass="entr" presetID="22" presetSubtype="8">
+                                <p:cTn id="5" presetID="22" presetClass="entr" presetSubtype="8" fill="hold" nodeType="clickEffect">
                                   <p:stCondLst>
                                     <p:cond delay="0"/>
                                   </p:stCondLst>
                                   <p:childTnLst>
                                     <p:set>
                                       <p:cBhvr>
-                                        <p:cTn dur="1" fill="hold" id="6">
+                                        <p:cTn id="6" dur="1" fill="hold">
                                           <p:stCondLst>
                                             <p:cond delay="0"/>
                                           </p:stCondLst>
@@ -3576,7 +3811,7 @@
                                     </p:set>
                                     <p:animEffect transition="in" filter="wipe(left)">
                                       <p:cBhvr>
-                                        <p:cTn dur="500" id="7"/>
+                                        <p:cTn id="7" dur="500"/>
                                         <p:tgtEl>
                                           <p:spTgt spid="2097175"/>
                                         </p:tgtEl>
@@ -3592,26 +3827,26 @@
                     </p:cTn>
                   </p:par>
                   <p:par>
-                    <p:cTn fill="hold" id="8">
+                    <p:cTn id="8" fill="hold">
                       <p:stCondLst>
                         <p:cond delay="indefinite"/>
                       </p:stCondLst>
                       <p:childTnLst>
                         <p:par>
-                          <p:cTn fill="hold" id="9">
+                          <p:cTn id="9" fill="hold">
                             <p:stCondLst>
                               <p:cond delay="0"/>
                             </p:stCondLst>
                             <p:childTnLst>
                               <p:par>
-                                <p:cTn fill="hold" id="10" nodeType="clickEffect" presetClass="entr" presetID="22" presetSubtype="8">
+                                <p:cTn id="10" presetID="22" presetClass="entr" presetSubtype="8" fill="hold" nodeType="clickEffect">
                                   <p:stCondLst>
                                     <p:cond delay="0"/>
                                   </p:stCondLst>
                                   <p:childTnLst>
                                     <p:set>
                                       <p:cBhvr>
-                                        <p:cTn dur="1" fill="hold" id="11">
+                                        <p:cTn id="11" dur="1" fill="hold">
                                           <p:stCondLst>
                                             <p:cond delay="0"/>
                                           </p:stCondLst>
@@ -3629,7 +3864,7 @@
                                     </p:set>
                                     <p:animEffect transition="in" filter="wipe(left)">
                                       <p:cBhvr>
-                                        <p:cTn dur="500" id="12"/>
+                                        <p:cTn id="12" dur="500"/>
                                         <p:tgtEl>
                                           <p:spTgt spid="2097177"/>
                                         </p:tgtEl>
@@ -3645,26 +3880,26 @@
                     </p:cTn>
                   </p:par>
                   <p:par>
-                    <p:cTn fill="hold" id="13">
+                    <p:cTn id="13" fill="hold">
                       <p:stCondLst>
                         <p:cond delay="indefinite"/>
                       </p:stCondLst>
                       <p:childTnLst>
                         <p:par>
-                          <p:cTn fill="hold" id="14">
+                          <p:cTn id="14" fill="hold">
                             <p:stCondLst>
                               <p:cond delay="0"/>
                             </p:stCondLst>
                             <p:childTnLst>
                               <p:par>
-                                <p:cTn fill="hold" id="15" nodeType="clickEffect" presetClass="entr" presetID="22" presetSubtype="8">
+                                <p:cTn id="15" presetID="22" presetClass="entr" presetSubtype="8" fill="hold" nodeType="clickEffect">
                                   <p:stCondLst>
                                     <p:cond delay="0"/>
                                   </p:stCondLst>
                                   <p:childTnLst>
                                     <p:set>
                                       <p:cBhvr>
-                                        <p:cTn dur="1" fill="hold" id="16">
+                                        <p:cTn id="16" dur="1" fill="hold">
                                           <p:stCondLst>
                                             <p:cond delay="0"/>
                                           </p:stCondLst>
@@ -3682,7 +3917,7 @@
                                     </p:set>
                                     <p:animEffect transition="in" filter="wipe(left)">
                                       <p:cBhvr>
-                                        <p:cTn dur="500" id="17"/>
+                                        <p:cTn id="17" dur="500"/>
                                         <p:tgtEl>
                                           <p:spTgt spid="2097178"/>
                                         </p:tgtEl>
@@ -3723,16 +3958,16 @@
 </file>
 
 <file path=ppt/slides/slide18.xml><?xml version="1.0" encoding="utf-8"?>
-<p:sld xmlns:a="http://schemas.openxmlformats.org/drawingml/2006/main" xmlns:r="http://schemas.openxmlformats.org/officeDocument/2006/relationships" xmlns:p="http://schemas.openxmlformats.org/presentationml/2006/main" showMasterSp="1">
+<p:sld xmlns:a="http://schemas.openxmlformats.org/drawingml/2006/main" xmlns:r="http://schemas.openxmlformats.org/officeDocument/2006/relationships" xmlns:p="http://schemas.openxmlformats.org/presentationml/2006/main">
   <p:cSld>
     <p:spTree>
       <p:nvGrpSpPr>
-        <p:cNvPr id="49" name=""/>
+        <p:cNvPr id="1" name=""/>
         <p:cNvGrpSpPr/>
         <p:nvPr/>
       </p:nvGrpSpPr>
       <p:grpSpPr>
-        <a:xfrm rot="0">
+        <a:xfrm>
           <a:off x="0" y="0"/>
           <a:ext cx="0" cy="0"/>
           <a:chOff x="0" y="0"/>
@@ -3741,25 +3976,27 @@
       </p:grpSpPr>
       <p:pic>
         <p:nvPicPr>
-          <p:cNvPr id="2097179" name=""/>
+          <p:cNvPr id="2097179" name="图片 2097178"/>
           <p:cNvPicPr>
             <a:picLocks/>
           </p:cNvPicPr>
           <p:nvPr/>
         </p:nvPicPr>
         <p:blipFill>
-          <a:blip xmlns:r="http://schemas.openxmlformats.org/officeDocument/2006/relationships" r:embed="rId1"/>
-          <a:srcRect l="0" t="0" r="0" b="0"/>
+          <a:blip r:embed="rId2"/>
+          <a:srcRect/>
           <a:stretch>
             <a:fillRect/>
           </a:stretch>
         </p:blipFill>
         <p:spPr>
-          <a:xfrm rot="0">
+          <a:xfrm>
             <a:off x="730250" y="1108075"/>
             <a:ext cx="7837487" cy="2352675"/>
           </a:xfrm>
-          <a:prstGeom prst="rect"/>
+          <a:prstGeom prst="rect">
+            <a:avLst/>
+          </a:prstGeom>
           <a:noFill/>
           <a:ln>
             <a:noFill/>
@@ -3774,32 +4011,32 @@
   <p:timing>
     <p:tnLst>
       <p:par>
-        <p:cTn dur="indefinite" id="1" nodeType="tmRoot">
+        <p:cTn id="1" dur="indefinite" restart="never" nodeType="tmRoot">
           <p:childTnLst>
             <p:seq concurrent="1" nextAc="seek">
-              <p:cTn dur="indefinite" id="2" nodeType="mainSeq">
+              <p:cTn id="2" dur="indefinite" nodeType="mainSeq">
                 <p:childTnLst>
                   <p:par>
-                    <p:cTn fill="hold" id="3">
+                    <p:cTn id="3" fill="hold">
                       <p:stCondLst>
                         <p:cond delay="indefinite"/>
                       </p:stCondLst>
                       <p:childTnLst>
                         <p:par>
-                          <p:cTn fill="hold" id="4">
+                          <p:cTn id="4" fill="hold">
                             <p:stCondLst>
                               <p:cond delay="0"/>
                             </p:stCondLst>
                             <p:childTnLst>
                               <p:par>
-                                <p:cTn fill="hold" id="5" nodeType="clickEffect" presetClass="entr" presetID="1" presetSubtype="0">
+                                <p:cTn id="5" presetID="1" presetClass="entr" presetSubtype="0" fill="hold" nodeType="clickEffect">
                                   <p:stCondLst>
                                     <p:cond delay="0"/>
                                   </p:stCondLst>
                                   <p:childTnLst>
                                     <p:set>
                                       <p:cBhvr>
-                                        <p:cTn dur="1" fill="hold" id="6">
+                                        <p:cTn id="6" dur="1" fill="hold">
                                           <p:stCondLst>
                                             <p:cond delay="0"/>
                                           </p:stCondLst>
@@ -3850,16 +4087,16 @@
 </file>
 
 <file path=ppt/slides/slide19.xml><?xml version="1.0" encoding="utf-8"?>
-<p:sld xmlns:a="http://schemas.openxmlformats.org/drawingml/2006/main" xmlns:r="http://schemas.openxmlformats.org/officeDocument/2006/relationships" xmlns:p="http://schemas.openxmlformats.org/presentationml/2006/main" showMasterSp="1">
+<p:sld xmlns:a="http://schemas.openxmlformats.org/drawingml/2006/main" xmlns:r="http://schemas.openxmlformats.org/officeDocument/2006/relationships" xmlns:p="http://schemas.openxmlformats.org/presentationml/2006/main">
   <p:cSld>
     <p:spTree>
       <p:nvGrpSpPr>
-        <p:cNvPr id="50" name=""/>
+        <p:cNvPr id="1" name=""/>
         <p:cNvGrpSpPr/>
         <p:nvPr/>
       </p:nvGrpSpPr>
       <p:grpSpPr>
-        <a:xfrm rot="0">
+        <a:xfrm>
           <a:off x="0" y="0"/>
           <a:ext cx="0" cy="0"/>
           <a:chOff x="0" y="0"/>
@@ -3868,25 +4105,27 @@
       </p:grpSpPr>
       <p:pic>
         <p:nvPicPr>
-          <p:cNvPr id="2097180" name=""/>
+          <p:cNvPr id="2097180" name="图片 2097179"/>
           <p:cNvPicPr>
             <a:picLocks/>
           </p:cNvPicPr>
           <p:nvPr/>
         </p:nvPicPr>
         <p:blipFill>
-          <a:blip xmlns:r="http://schemas.openxmlformats.org/officeDocument/2006/relationships" r:embed="rId1"/>
-          <a:srcRect l="0" t="0" r="0" b="0"/>
+          <a:blip r:embed="rId2"/>
+          <a:srcRect/>
           <a:stretch>
             <a:fillRect/>
           </a:stretch>
         </p:blipFill>
         <p:spPr>
-          <a:xfrm rot="0">
+          <a:xfrm>
             <a:off x="711200" y="1185862"/>
             <a:ext cx="7275512" cy="887412"/>
           </a:xfrm>
-          <a:prstGeom prst="rect"/>
+          <a:prstGeom prst="rect">
+            <a:avLst/>
+          </a:prstGeom>
           <a:noFill/>
           <a:ln>
             <a:noFill/>
@@ -3895,25 +4134,27 @@
       </p:pic>
       <p:pic>
         <p:nvPicPr>
-          <p:cNvPr id="2097181" name=""/>
+          <p:cNvPr id="2097181" name="图片 2097180"/>
           <p:cNvPicPr>
             <a:picLocks/>
           </p:cNvPicPr>
           <p:nvPr/>
         </p:nvPicPr>
         <p:blipFill>
-          <a:blip xmlns:r="http://schemas.openxmlformats.org/officeDocument/2006/relationships" r:embed="rId2"/>
-          <a:srcRect l="0" t="0" r="0" b="0"/>
+          <a:blip r:embed="rId3"/>
+          <a:srcRect/>
           <a:stretch>
             <a:fillRect/>
           </a:stretch>
         </p:blipFill>
         <p:spPr>
-          <a:xfrm rot="0">
+          <a:xfrm>
             <a:off x="1187450" y="2816225"/>
             <a:ext cx="3468687" cy="887412"/>
           </a:xfrm>
-          <a:prstGeom prst="rect"/>
+          <a:prstGeom prst="rect">
+            <a:avLst/>
+          </a:prstGeom>
           <a:noFill/>
           <a:ln>
             <a:noFill/>
@@ -3928,32 +4169,32 @@
   <p:timing>
     <p:tnLst>
       <p:par>
-        <p:cTn dur="indefinite" id="1" nodeType="tmRoot">
+        <p:cTn id="1" dur="indefinite" restart="never" nodeType="tmRoot">
           <p:childTnLst>
             <p:seq concurrent="1" nextAc="seek">
-              <p:cTn dur="indefinite" id="2" nodeType="mainSeq">
+              <p:cTn id="2" dur="indefinite" nodeType="mainSeq">
                 <p:childTnLst>
                   <p:par>
-                    <p:cTn fill="hold" id="3">
+                    <p:cTn id="3" fill="hold">
                       <p:stCondLst>
                         <p:cond delay="indefinite"/>
                       </p:stCondLst>
                       <p:childTnLst>
                         <p:par>
-                          <p:cTn fill="hold" id="4">
+                          <p:cTn id="4" fill="hold">
                             <p:stCondLst>
                               <p:cond delay="0"/>
                             </p:stCondLst>
                             <p:childTnLst>
                               <p:par>
-                                <p:cTn fill="hold" id="5" nodeType="clickEffect" presetClass="entr" presetID="3" presetSubtype="10">
+                                <p:cTn id="5" presetID="3" presetClass="entr" presetSubtype="10" fill="hold" nodeType="clickEffect">
                                   <p:stCondLst>
                                     <p:cond delay="0"/>
                                   </p:stCondLst>
                                   <p:childTnLst>
                                     <p:set>
                                       <p:cBhvr>
-                                        <p:cTn dur="1" fill="hold" id="6">
+                                        <p:cTn id="6" dur="1" fill="hold">
                                           <p:stCondLst>
                                             <p:cond delay="0"/>
                                           </p:stCondLst>
@@ -3971,7 +4212,7 @@
                                     </p:set>
                                     <p:animEffect transition="in" filter="blinds(horizontal)">
                                       <p:cBhvr>
-                                        <p:cTn dur="500" id="7"/>
+                                        <p:cTn id="7" dur="500"/>
                                         <p:tgtEl>
                                           <p:spTgt spid="2097180"/>
                                         </p:tgtEl>
@@ -3987,26 +4228,26 @@
                     </p:cTn>
                   </p:par>
                   <p:par>
-                    <p:cTn fill="hold" id="8">
+                    <p:cTn id="8" fill="hold">
                       <p:stCondLst>
                         <p:cond delay="indefinite"/>
                       </p:stCondLst>
                       <p:childTnLst>
                         <p:par>
-                          <p:cTn fill="hold" id="9">
+                          <p:cTn id="9" fill="hold">
                             <p:stCondLst>
                               <p:cond delay="0"/>
                             </p:stCondLst>
                             <p:childTnLst>
                               <p:par>
-                                <p:cTn fill="hold" id="10" nodeType="clickEffect" presetClass="entr" presetID="3" presetSubtype="10">
+                                <p:cTn id="10" presetID="3" presetClass="entr" presetSubtype="10" fill="hold" nodeType="clickEffect">
                                   <p:stCondLst>
                                     <p:cond delay="0"/>
                                   </p:stCondLst>
                                   <p:childTnLst>
                                     <p:set>
                                       <p:cBhvr>
-                                        <p:cTn dur="1" fill="hold" id="11">
+                                        <p:cTn id="11" dur="1" fill="hold">
                                           <p:stCondLst>
                                             <p:cond delay="0"/>
                                           </p:stCondLst>
@@ -4024,7 +4265,7 @@
                                     </p:set>
                                     <p:animEffect transition="in" filter="blinds(horizontal)">
                                       <p:cBhvr>
-                                        <p:cTn dur="500" id="12"/>
+                                        <p:cTn id="12" dur="500"/>
                                         <p:tgtEl>
                                           <p:spTgt spid="2097181"/>
                                         </p:tgtEl>
@@ -4065,16 +4306,16 @@
 </file>
 
 <file path=ppt/slides/slide2.xml><?xml version="1.0" encoding="utf-8"?>
-<p:sld xmlns:a="http://schemas.openxmlformats.org/drawingml/2006/main" xmlns:r="http://schemas.openxmlformats.org/officeDocument/2006/relationships" xmlns:p="http://schemas.openxmlformats.org/presentationml/2006/main" showMasterSp="1">
+<p:sld xmlns:a="http://schemas.openxmlformats.org/drawingml/2006/main" xmlns:r="http://schemas.openxmlformats.org/officeDocument/2006/relationships" xmlns:p="http://schemas.openxmlformats.org/presentationml/2006/main">
   <p:cSld>
     <p:spTree>
       <p:nvGrpSpPr>
-        <p:cNvPr id="33" name=""/>
+        <p:cNvPr id="1" name=""/>
         <p:cNvGrpSpPr/>
         <p:nvPr/>
       </p:nvGrpSpPr>
       <p:grpSpPr>
-        <a:xfrm rot="0">
+        <a:xfrm>
           <a:off x="0" y="0"/>
           <a:ext cx="0" cy="0"/>
           <a:chOff x="0" y="0"/>
@@ -4083,27 +4324,29 @@
       </p:grpSpPr>
       <p:sp>
         <p:nvSpPr>
-          <p:cNvPr id="1048579" name=""/>
+          <p:cNvPr id="1048579" name="矩形 1048578"/>
           <p:cNvSpPr/>
           <p:nvPr/>
         </p:nvSpPr>
         <p:spPr>
-          <a:xfrm rot="0">
+          <a:xfrm>
             <a:off x="1797050" y="2479675"/>
             <a:ext cx="5212081" cy="751841"/>
           </a:xfrm>
-          <a:prstGeom prst="rect"/>
+          <a:prstGeom prst="rect">
+            <a:avLst/>
+          </a:prstGeom>
           <a:noFill/>
           <a:ln>
             <a:noFill/>
           </a:ln>
         </p:spPr>
         <p:txBody>
-          <a:bodyPr anchor="t" bIns="45720" lIns="91440" rIns="91440" tIns="45720" vert="horz" wrap="none">
+          <a:bodyPr vert="horz" wrap="none" lIns="91440" tIns="45720" rIns="91440" bIns="45720" anchor="t">
             <a:spAutoFit/>
           </a:bodyPr>
           <a:lstStyle>
-            <a:lvl1pPr algn="l" fontAlgn="base" indent="0" latinLnBrk="1" marL="0" rtl="0">
+            <a:lvl1pPr marL="0" indent="0" algn="l" rtl="0" fontAlgn="base" latinLnBrk="1">
               <a:lnSpc>
                 <a:spcPct val="100000"/>
               </a:lnSpc>
@@ -4115,7 +4358,7 @@
               </a:spcAft>
               <a:buFontTx/>
               <a:buNone/>
-              <a:defRPr baseline="0" b="0" sz="1800" i="0" u="none">
+              <a:defRPr sz="1800" b="0" i="0" u="none" baseline="0">
                 <a:solidFill>
                   <a:schemeClr val="dk1"/>
                 </a:solidFill>
@@ -4124,7 +4367,7 @@
                 <a:sym typeface="Calibri" pitchFamily="34" charset="0"/>
               </a:defRPr>
             </a:lvl1pPr>
-            <a:lvl2pPr algn="l" fontAlgn="base" indent="0" latinLnBrk="1" marL="457200" rtl="0">
+            <a:lvl2pPr marL="457200" indent="0" algn="l" rtl="0" fontAlgn="base" latinLnBrk="1">
               <a:lnSpc>
                 <a:spcPct val="100000"/>
               </a:lnSpc>
@@ -4136,7 +4379,7 @@
               </a:spcAft>
               <a:buFontTx/>
               <a:buNone/>
-              <a:defRPr baseline="0" b="0" sz="1800" i="0" u="none">
+              <a:defRPr sz="1800" b="0" i="0" u="none" baseline="0">
                 <a:solidFill>
                   <a:schemeClr val="dk1"/>
                 </a:solidFill>
@@ -4145,7 +4388,7 @@
                 <a:sym typeface="Calibri" pitchFamily="34" charset="0"/>
               </a:defRPr>
             </a:lvl2pPr>
-            <a:lvl3pPr algn="l" fontAlgn="base" indent="0" latinLnBrk="1" marL="914400" rtl="0">
+            <a:lvl3pPr marL="914400" indent="0" algn="l" rtl="0" fontAlgn="base" latinLnBrk="1">
               <a:lnSpc>
                 <a:spcPct val="100000"/>
               </a:lnSpc>
@@ -4157,7 +4400,7 @@
               </a:spcAft>
               <a:buFontTx/>
               <a:buNone/>
-              <a:defRPr baseline="0" b="0" sz="1800" i="0" u="none">
+              <a:defRPr sz="1800" b="0" i="0" u="none" baseline="0">
                 <a:solidFill>
                   <a:schemeClr val="dk1"/>
                 </a:solidFill>
@@ -4166,7 +4409,7 @@
                 <a:sym typeface="Calibri" pitchFamily="34" charset="0"/>
               </a:defRPr>
             </a:lvl3pPr>
-            <a:lvl4pPr algn="l" fontAlgn="base" indent="0" latinLnBrk="1" marL="1371600" rtl="0">
+            <a:lvl4pPr marL="1371600" indent="0" algn="l" rtl="0" fontAlgn="base" latinLnBrk="1">
               <a:lnSpc>
                 <a:spcPct val="100000"/>
               </a:lnSpc>
@@ -4178,7 +4421,7 @@
               </a:spcAft>
               <a:buFontTx/>
               <a:buNone/>
-              <a:defRPr baseline="0" b="0" sz="1800" i="0" u="none">
+              <a:defRPr sz="1800" b="0" i="0" u="none" baseline="0">
                 <a:solidFill>
                   <a:schemeClr val="dk1"/>
                 </a:solidFill>
@@ -4187,7 +4430,7 @@
                 <a:sym typeface="Calibri" pitchFamily="34" charset="0"/>
               </a:defRPr>
             </a:lvl4pPr>
-            <a:lvl5pPr algn="l" fontAlgn="base" indent="0" latinLnBrk="1" marL="1828800" rtl="0">
+            <a:lvl5pPr marL="1828800" indent="0" algn="l" rtl="0" fontAlgn="base" latinLnBrk="1">
               <a:lnSpc>
                 <a:spcPct val="100000"/>
               </a:lnSpc>
@@ -4199,7 +4442,7 @@
               </a:spcAft>
               <a:buFontTx/>
               <a:buNone/>
-              <a:defRPr baseline="0" b="0" sz="1800" i="0" u="none">
+              <a:defRPr sz="1800" b="0" i="0" u="none" baseline="0">
                 <a:solidFill>
                   <a:schemeClr val="dk1"/>
                 </a:solidFill>
@@ -4210,9 +4453,9 @@
             </a:lvl5pPr>
           </a:lstStyle>
           <a:p>
-            <a:pPr eaLnBrk="1" hangingPunct="1" latinLnBrk="1" lvl="0"/>
-            <a:r>
-              <a:rPr altLang="en-US" b="1" sz="4400" lang="zh-CN" u="sng">
+            <a:pPr lvl="0" eaLnBrk="1" latinLnBrk="1" hangingPunct="1"/>
+            <a:r>
+              <a:rPr lang="zh-CN" altLang="en-US" sz="4400" b="1" u="sng">
                 <a:latin typeface="华文行楷" pitchFamily="2" charset="-122"/>
                 <a:ea typeface="华文行楷" pitchFamily="2" charset="-122"/>
               </a:rPr>
@@ -4226,21 +4469,20 @@
   <p:clrMapOvr>
     <a:masterClrMapping/>
   </p:clrMapOvr>
-  <p:timing/>
 </p:sld>
 </file>
 
 <file path=ppt/slides/slide20.xml><?xml version="1.0" encoding="utf-8"?>
-<p:sld xmlns:a="http://schemas.openxmlformats.org/drawingml/2006/main" xmlns:r="http://schemas.openxmlformats.org/officeDocument/2006/relationships" xmlns:p="http://schemas.openxmlformats.org/presentationml/2006/main" showMasterSp="1">
+<p:sld xmlns:a="http://schemas.openxmlformats.org/drawingml/2006/main" xmlns:r="http://schemas.openxmlformats.org/officeDocument/2006/relationships" xmlns:p="http://schemas.openxmlformats.org/presentationml/2006/main">
   <p:cSld>
     <p:spTree>
       <p:nvGrpSpPr>
-        <p:cNvPr id="51" name=""/>
+        <p:cNvPr id="1" name=""/>
         <p:cNvGrpSpPr/>
         <p:nvPr/>
       </p:nvGrpSpPr>
       <p:grpSpPr>
-        <a:xfrm rot="0">
+        <a:xfrm>
           <a:off x="0" y="0"/>
           <a:ext cx="0" cy="0"/>
           <a:chOff x="0" y="0"/>
@@ -4249,25 +4491,27 @@
       </p:grpSpPr>
       <p:pic>
         <p:nvPicPr>
-          <p:cNvPr id="2097182" name=""/>
+          <p:cNvPr id="2097182" name="图片 2097181"/>
           <p:cNvPicPr>
             <a:picLocks/>
           </p:cNvPicPr>
           <p:nvPr/>
         </p:nvPicPr>
         <p:blipFill>
-          <a:blip xmlns:r="http://schemas.openxmlformats.org/officeDocument/2006/relationships" r:embed="rId1"/>
-          <a:srcRect l="0" t="0" r="0" b="0"/>
+          <a:blip r:embed="rId2"/>
+          <a:srcRect/>
           <a:stretch>
             <a:fillRect/>
           </a:stretch>
         </p:blipFill>
         <p:spPr>
-          <a:xfrm rot="0">
+          <a:xfrm>
             <a:off x="981075" y="850900"/>
             <a:ext cx="5467350" cy="3190875"/>
           </a:xfrm>
-          <a:prstGeom prst="rect"/>
+          <a:prstGeom prst="rect">
+            <a:avLst/>
+          </a:prstGeom>
           <a:noFill/>
           <a:ln>
             <a:noFill/>
@@ -4282,32 +4526,32 @@
   <p:timing>
     <p:tnLst>
       <p:par>
-        <p:cTn dur="indefinite" id="1" nodeType="tmRoot">
+        <p:cTn id="1" dur="indefinite" restart="never" nodeType="tmRoot">
           <p:childTnLst>
             <p:seq concurrent="1" nextAc="seek">
-              <p:cTn dur="indefinite" id="2" nodeType="mainSeq">
+              <p:cTn id="2" dur="indefinite" nodeType="mainSeq">
                 <p:childTnLst>
                   <p:par>
-                    <p:cTn fill="hold" id="3">
+                    <p:cTn id="3" fill="hold">
                       <p:stCondLst>
                         <p:cond delay="indefinite"/>
                       </p:stCondLst>
                       <p:childTnLst>
                         <p:par>
-                          <p:cTn fill="hold" id="4">
+                          <p:cTn id="4" fill="hold">
                             <p:stCondLst>
                               <p:cond delay="0"/>
                             </p:stCondLst>
                             <p:childTnLst>
                               <p:par>
-                                <p:cTn fill="hold" id="5" nodeType="clickEffect" presetClass="entr" presetID="3" presetSubtype="10">
+                                <p:cTn id="5" presetID="3" presetClass="entr" presetSubtype="10" fill="hold" nodeType="clickEffect">
                                   <p:stCondLst>
                                     <p:cond delay="0"/>
                                   </p:stCondLst>
                                   <p:childTnLst>
                                     <p:set>
                                       <p:cBhvr>
-                                        <p:cTn dur="1" fill="hold" id="6">
+                                        <p:cTn id="6" dur="1" fill="hold">
                                           <p:stCondLst>
                                             <p:cond delay="0"/>
                                           </p:stCondLst>
@@ -4325,7 +4569,7 @@
                                     </p:set>
                                     <p:animEffect transition="in" filter="blinds(horizontal)">
                                       <p:cBhvr>
-                                        <p:cTn dur="500" id="7"/>
+                                        <p:cTn id="7" dur="500"/>
                                         <p:tgtEl>
                                           <p:spTgt spid="2097182"/>
                                         </p:tgtEl>
@@ -4366,16 +4610,16 @@
 </file>
 
 <file path=ppt/slides/slide21.xml><?xml version="1.0" encoding="utf-8"?>
-<p:sld xmlns:a="http://schemas.openxmlformats.org/drawingml/2006/main" xmlns:r="http://schemas.openxmlformats.org/officeDocument/2006/relationships" xmlns:p="http://schemas.openxmlformats.org/presentationml/2006/main" showMasterSp="1">
+<p:sld xmlns:a="http://schemas.openxmlformats.org/drawingml/2006/main" xmlns:r="http://schemas.openxmlformats.org/officeDocument/2006/relationships" xmlns:p="http://schemas.openxmlformats.org/presentationml/2006/main">
   <p:cSld>
     <p:spTree>
       <p:nvGrpSpPr>
-        <p:cNvPr id="52" name=""/>
+        <p:cNvPr id="1" name=""/>
         <p:cNvGrpSpPr/>
         <p:nvPr/>
       </p:nvGrpSpPr>
       <p:grpSpPr>
-        <a:xfrm rot="0">
+        <a:xfrm>
           <a:off x="0" y="0"/>
           <a:ext cx="0" cy="0"/>
           <a:chOff x="0" y="0"/>
@@ -4384,25 +4628,27 @@
       </p:grpSpPr>
       <p:pic>
         <p:nvPicPr>
-          <p:cNvPr id="2097183" name=""/>
+          <p:cNvPr id="2097183" name="图片 2097182"/>
           <p:cNvPicPr>
             <a:picLocks/>
           </p:cNvPicPr>
           <p:nvPr/>
         </p:nvPicPr>
         <p:blipFill>
-          <a:blip xmlns:r="http://schemas.openxmlformats.org/officeDocument/2006/relationships" r:embed="rId1"/>
-          <a:srcRect l="0" t="0" r="0" b="0"/>
+          <a:blip r:embed="rId2"/>
+          <a:srcRect/>
           <a:stretch>
             <a:fillRect/>
           </a:stretch>
         </p:blipFill>
         <p:spPr>
-          <a:xfrm rot="0">
+          <a:xfrm>
             <a:off x="360362" y="742950"/>
             <a:ext cx="7608887" cy="3987800"/>
           </a:xfrm>
-          <a:prstGeom prst="rect"/>
+          <a:prstGeom prst="rect">
+            <a:avLst/>
+          </a:prstGeom>
           <a:noFill/>
           <a:ln>
             <a:noFill/>
@@ -4417,32 +4663,32 @@
   <p:timing>
     <p:tnLst>
       <p:par>
-        <p:cTn dur="indefinite" id="1" nodeType="tmRoot">
+        <p:cTn id="1" dur="indefinite" restart="never" nodeType="tmRoot">
           <p:childTnLst>
             <p:seq concurrent="1" nextAc="seek">
-              <p:cTn dur="indefinite" id="2" nodeType="mainSeq">
+              <p:cTn id="2" dur="indefinite" nodeType="mainSeq">
                 <p:childTnLst>
                   <p:par>
-                    <p:cTn fill="hold" id="3">
+                    <p:cTn id="3" fill="hold">
                       <p:stCondLst>
                         <p:cond delay="indefinite"/>
                       </p:stCondLst>
                       <p:childTnLst>
                         <p:par>
-                          <p:cTn fill="hold" id="4">
+                          <p:cTn id="4" fill="hold">
                             <p:stCondLst>
                               <p:cond delay="0"/>
                             </p:stCondLst>
                             <p:childTnLst>
                               <p:par>
-                                <p:cTn fill="hold" id="5" nodeType="clickEffect" presetClass="entr" presetID="3" presetSubtype="10">
+                                <p:cTn id="5" presetID="3" presetClass="entr" presetSubtype="10" fill="hold" nodeType="clickEffect">
                                   <p:stCondLst>
                                     <p:cond delay="0"/>
                                   </p:stCondLst>
                                   <p:childTnLst>
                                     <p:set>
                                       <p:cBhvr>
-                                        <p:cTn dur="1" fill="hold" id="6">
+                                        <p:cTn id="6" dur="1" fill="hold">
                                           <p:stCondLst>
                                             <p:cond delay="0"/>
                                           </p:stCondLst>
@@ -4460,7 +4706,7 @@
                                     </p:set>
                                     <p:animEffect transition="in" filter="blinds(horizontal)">
                                       <p:cBhvr>
-                                        <p:cTn dur="500" id="7"/>
+                                        <p:cTn id="7" dur="500"/>
                                         <p:tgtEl>
                                           <p:spTgt spid="2097183"/>
                                         </p:tgtEl>
@@ -4501,16 +4747,16 @@
 </file>
 
 <file path=ppt/slides/slide22.xml><?xml version="1.0" encoding="utf-8"?>
-<p:sld xmlns:a="http://schemas.openxmlformats.org/drawingml/2006/main" xmlns:r="http://schemas.openxmlformats.org/officeDocument/2006/relationships" xmlns:p="http://schemas.openxmlformats.org/presentationml/2006/main" showMasterSp="1">
+<p:sld xmlns:a="http://schemas.openxmlformats.org/drawingml/2006/main" xmlns:r="http://schemas.openxmlformats.org/officeDocument/2006/relationships" xmlns:p="http://schemas.openxmlformats.org/presentationml/2006/main">
   <p:cSld>
     <p:spTree>
       <p:nvGrpSpPr>
-        <p:cNvPr id="53" name=""/>
+        <p:cNvPr id="1" name=""/>
         <p:cNvGrpSpPr/>
         <p:nvPr/>
       </p:nvGrpSpPr>
       <p:grpSpPr>
-        <a:xfrm rot="0">
+        <a:xfrm>
           <a:off x="0" y="0"/>
           <a:ext cx="0" cy="0"/>
           <a:chOff x="0" y="0"/>
@@ -4519,25 +4765,27 @@
       </p:grpSpPr>
       <p:pic>
         <p:nvPicPr>
-          <p:cNvPr id="2097184" name=""/>
+          <p:cNvPr id="2097184" name="图片 2097183"/>
           <p:cNvPicPr>
             <a:picLocks/>
           </p:cNvPicPr>
           <p:nvPr/>
         </p:nvPicPr>
         <p:blipFill>
-          <a:blip xmlns:r="http://schemas.openxmlformats.org/officeDocument/2006/relationships" r:embed="rId1"/>
-          <a:srcRect l="0" t="0" r="0" b="0"/>
+          <a:blip r:embed="rId2"/>
+          <a:srcRect/>
           <a:stretch>
             <a:fillRect/>
           </a:stretch>
         </p:blipFill>
         <p:spPr>
-          <a:xfrm rot="0">
+          <a:xfrm>
             <a:off x="373062" y="615950"/>
             <a:ext cx="7681912" cy="1687512"/>
           </a:xfrm>
-          <a:prstGeom prst="rect"/>
+          <a:prstGeom prst="rect">
+            <a:avLst/>
+          </a:prstGeom>
           <a:noFill/>
           <a:ln>
             <a:noFill/>
@@ -4546,25 +4794,27 @@
       </p:pic>
       <p:pic>
         <p:nvPicPr>
-          <p:cNvPr id="2097185" name=""/>
+          <p:cNvPr id="2097185" name="图片 2097184"/>
           <p:cNvPicPr>
             <a:picLocks/>
           </p:cNvPicPr>
           <p:nvPr/>
         </p:nvPicPr>
         <p:blipFill>
-          <a:blip xmlns:r="http://schemas.openxmlformats.org/officeDocument/2006/relationships" r:embed="rId2"/>
-          <a:srcRect l="0" t="0" r="0" b="0"/>
+          <a:blip r:embed="rId3"/>
+          <a:srcRect/>
           <a:stretch>
             <a:fillRect/>
           </a:stretch>
         </p:blipFill>
         <p:spPr>
-          <a:xfrm rot="0">
+          <a:xfrm>
             <a:off x="987425" y="2446337"/>
             <a:ext cx="7529512" cy="1920875"/>
           </a:xfrm>
-          <a:prstGeom prst="rect"/>
+          <a:prstGeom prst="rect">
+            <a:avLst/>
+          </a:prstGeom>
           <a:noFill/>
           <a:ln>
             <a:noFill/>
@@ -4579,32 +4829,32 @@
   <p:timing>
     <p:tnLst>
       <p:par>
-        <p:cTn dur="indefinite" id="1" nodeType="tmRoot">
+        <p:cTn id="1" dur="indefinite" restart="never" nodeType="tmRoot">
           <p:childTnLst>
             <p:seq concurrent="1" nextAc="seek">
-              <p:cTn dur="indefinite" id="2" nodeType="mainSeq">
+              <p:cTn id="2" dur="indefinite" nodeType="mainSeq">
                 <p:childTnLst>
                   <p:par>
-                    <p:cTn fill="hold" id="3" nodeType="clickPar">
+                    <p:cTn id="3" fill="hold" nodeType="clickPar">
                       <p:stCondLst>
                         <p:cond delay="indefinite"/>
                       </p:stCondLst>
                       <p:childTnLst>
                         <p:par>
-                          <p:cTn fill="hold" id="4" nodeType="withGroup">
+                          <p:cTn id="4" fill="hold" nodeType="withGroup">
                             <p:stCondLst>
                               <p:cond delay="0"/>
                             </p:stCondLst>
                             <p:childTnLst>
                               <p:par>
-                                <p:cTn fill="hold" id="5" nodeType="clickEffect" presetClass="entr" presetID="22" presetSubtype="8">
+                                <p:cTn id="5" presetID="22" presetClass="entr" presetSubtype="8" fill="hold" nodeType="clickEffect">
                                   <p:stCondLst>
                                     <p:cond delay="0"/>
                                   </p:stCondLst>
                                   <p:childTnLst>
                                     <p:set>
                                       <p:cBhvr>
-                                        <p:cTn dur="1" fill="hold" id="6">
+                                        <p:cTn id="6" dur="1" fill="hold">
                                           <p:stCondLst>
                                             <p:cond delay="0"/>
                                           </p:stCondLst>
@@ -4622,7 +4872,7 @@
                                     </p:set>
                                     <p:animEffect transition="in" filter="wipe(left)">
                                       <p:cBhvr>
-                                        <p:cTn dur="500" id="7"/>
+                                        <p:cTn id="7" dur="500"/>
                                         <p:tgtEl>
                                           <p:spTgt spid="2097184"/>
                                         </p:tgtEl>
@@ -4638,26 +4888,26 @@
                     </p:cTn>
                   </p:par>
                   <p:par>
-                    <p:cTn fill="hold" id="8">
+                    <p:cTn id="8" fill="hold">
                       <p:stCondLst>
                         <p:cond delay="indefinite"/>
                       </p:stCondLst>
                       <p:childTnLst>
                         <p:par>
-                          <p:cTn fill="hold" id="9">
+                          <p:cTn id="9" fill="hold">
                             <p:stCondLst>
                               <p:cond delay="0"/>
                             </p:stCondLst>
                             <p:childTnLst>
                               <p:par>
-                                <p:cTn fill="hold" id="10" nodeType="clickEffect" presetClass="entr" presetID="22" presetSubtype="8">
+                                <p:cTn id="10" presetID="22" presetClass="entr" presetSubtype="8" fill="hold" nodeType="clickEffect">
                                   <p:stCondLst>
                                     <p:cond delay="0"/>
                                   </p:stCondLst>
                                   <p:childTnLst>
                                     <p:set>
                                       <p:cBhvr>
-                                        <p:cTn dur="1" fill="hold" id="11">
+                                        <p:cTn id="11" dur="1" fill="hold">
                                           <p:stCondLst>
                                             <p:cond delay="0"/>
                                           </p:stCondLst>
@@ -4675,7 +4925,7 @@
                                     </p:set>
                                     <p:animEffect transition="in" filter="wipe(left)">
                                       <p:cBhvr>
-                                        <p:cTn dur="500" id="12"/>
+                                        <p:cTn id="12" dur="500"/>
                                         <p:tgtEl>
                                           <p:spTgt spid="2097185"/>
                                         </p:tgtEl>
@@ -4716,16 +4966,16 @@
 </file>
 
 <file path=ppt/slides/slide23.xml><?xml version="1.0" encoding="utf-8"?>
-<p:sld xmlns:a="http://schemas.openxmlformats.org/drawingml/2006/main" xmlns:r="http://schemas.openxmlformats.org/officeDocument/2006/relationships" xmlns:p="http://schemas.openxmlformats.org/presentationml/2006/main" showMasterSp="1">
+<p:sld xmlns:a="http://schemas.openxmlformats.org/drawingml/2006/main" xmlns:r="http://schemas.openxmlformats.org/officeDocument/2006/relationships" xmlns:p="http://schemas.openxmlformats.org/presentationml/2006/main">
   <p:cSld>
     <p:spTree>
       <p:nvGrpSpPr>
-        <p:cNvPr id="54" name=""/>
+        <p:cNvPr id="1" name=""/>
         <p:cNvGrpSpPr/>
         <p:nvPr/>
       </p:nvGrpSpPr>
       <p:grpSpPr>
-        <a:xfrm rot="0">
+        <a:xfrm>
           <a:off x="0" y="0"/>
           <a:ext cx="0" cy="0"/>
           <a:chOff x="0" y="0"/>
@@ -4734,25 +4984,27 @@
       </p:grpSpPr>
       <p:pic>
         <p:nvPicPr>
-          <p:cNvPr id="2097186" name=""/>
+          <p:cNvPr id="2097186" name="图片 2097185"/>
           <p:cNvPicPr>
             <a:picLocks/>
           </p:cNvPicPr>
           <p:nvPr/>
         </p:nvPicPr>
         <p:blipFill>
-          <a:blip xmlns:r="http://schemas.openxmlformats.org/officeDocument/2006/relationships" r:embed="rId1"/>
-          <a:srcRect l="0" t="0" r="0" b="0"/>
+          <a:blip r:embed="rId2"/>
+          <a:srcRect/>
           <a:stretch>
             <a:fillRect/>
           </a:stretch>
         </p:blipFill>
         <p:spPr>
-          <a:xfrm rot="0">
+          <a:xfrm>
             <a:off x="652462" y="847725"/>
             <a:ext cx="6421437" cy="1625600"/>
           </a:xfrm>
-          <a:prstGeom prst="rect"/>
+          <a:prstGeom prst="rect">
+            <a:avLst/>
+          </a:prstGeom>
           <a:noFill/>
           <a:ln>
             <a:noFill/>
@@ -4761,25 +5013,27 @@
       </p:pic>
       <p:pic>
         <p:nvPicPr>
-          <p:cNvPr id="2097187" name=""/>
+          <p:cNvPr id="2097187" name="图片 2097186"/>
           <p:cNvPicPr>
             <a:picLocks/>
           </p:cNvPicPr>
           <p:nvPr/>
         </p:nvPicPr>
         <p:blipFill>
-          <a:blip xmlns:r="http://schemas.openxmlformats.org/officeDocument/2006/relationships" r:embed="rId2"/>
-          <a:srcRect l="0" t="0" r="0" b="0"/>
+          <a:blip r:embed="rId3"/>
+          <a:srcRect/>
           <a:stretch>
             <a:fillRect/>
           </a:stretch>
         </p:blipFill>
         <p:spPr>
-          <a:xfrm rot="0">
+          <a:xfrm>
             <a:off x="652462" y="2794000"/>
             <a:ext cx="7281862" cy="987425"/>
           </a:xfrm>
-          <a:prstGeom prst="rect"/>
+          <a:prstGeom prst="rect">
+            <a:avLst/>
+          </a:prstGeom>
           <a:noFill/>
           <a:ln>
             <a:noFill/>
@@ -4788,25 +5042,27 @@
       </p:pic>
       <p:pic>
         <p:nvPicPr>
-          <p:cNvPr id="2097188" name=""/>
+          <p:cNvPr id="2097188" name="图片 2097187"/>
           <p:cNvPicPr>
             <a:picLocks/>
           </p:cNvPicPr>
           <p:nvPr/>
         </p:nvPicPr>
         <p:blipFill>
-          <a:blip xmlns:r="http://schemas.openxmlformats.org/officeDocument/2006/relationships" r:embed="rId3"/>
-          <a:srcRect l="0" t="0" r="0" b="0"/>
+          <a:blip r:embed="rId4"/>
+          <a:srcRect/>
           <a:stretch>
             <a:fillRect/>
           </a:stretch>
         </p:blipFill>
         <p:spPr>
-          <a:xfrm rot="0">
+          <a:xfrm>
             <a:off x="3200400" y="3316287"/>
             <a:ext cx="614362" cy="928687"/>
           </a:xfrm>
-          <a:prstGeom prst="rect"/>
+          <a:prstGeom prst="rect">
+            <a:avLst/>
+          </a:prstGeom>
           <a:noFill/>
           <a:ln>
             <a:noFill/>
@@ -4815,25 +5071,27 @@
       </p:pic>
       <p:pic>
         <p:nvPicPr>
-          <p:cNvPr id="2097189" name=""/>
+          <p:cNvPr id="2097189" name="图片 2097188"/>
           <p:cNvPicPr>
             <a:picLocks/>
           </p:cNvPicPr>
           <p:nvPr/>
         </p:nvPicPr>
         <p:blipFill>
-          <a:blip xmlns:r="http://schemas.openxmlformats.org/officeDocument/2006/relationships" r:embed="rId4"/>
-          <a:srcRect l="0" t="0" r="0" b="0"/>
+          <a:blip r:embed="rId5"/>
+          <a:srcRect/>
           <a:stretch>
             <a:fillRect/>
           </a:stretch>
         </p:blipFill>
         <p:spPr>
-          <a:xfrm rot="0">
+          <a:xfrm>
             <a:off x="652462" y="4306887"/>
             <a:ext cx="7742237" cy="1017587"/>
           </a:xfrm>
-          <a:prstGeom prst="rect"/>
+          <a:prstGeom prst="rect">
+            <a:avLst/>
+          </a:prstGeom>
           <a:noFill/>
           <a:ln>
             <a:noFill/>
@@ -4848,32 +5106,32 @@
   <p:timing>
     <p:tnLst>
       <p:par>
-        <p:cTn dur="indefinite" id="1" nodeType="tmRoot">
+        <p:cTn id="1" dur="indefinite" restart="never" nodeType="tmRoot">
           <p:childTnLst>
             <p:seq concurrent="1" nextAc="seek">
-              <p:cTn dur="indefinite" id="2" nodeType="mainSeq">
+              <p:cTn id="2" dur="indefinite" nodeType="mainSeq">
                 <p:childTnLst>
                   <p:par>
-                    <p:cTn fill="hold" id="3" nodeType="clickPar">
+                    <p:cTn id="3" fill="hold" nodeType="clickPar">
                       <p:stCondLst>
                         <p:cond delay="indefinite"/>
                       </p:stCondLst>
                       <p:childTnLst>
                         <p:par>
-                          <p:cTn fill="hold" id="4" nodeType="withGroup">
+                          <p:cTn id="4" fill="hold" nodeType="withGroup">
                             <p:stCondLst>
                               <p:cond delay="0"/>
                             </p:stCondLst>
                             <p:childTnLst>
                               <p:par>
-                                <p:cTn fill="hold" id="5" nodeType="clickEffect" presetClass="entr" presetID="22" presetSubtype="8">
+                                <p:cTn id="5" presetID="22" presetClass="entr" presetSubtype="8" fill="hold" nodeType="clickEffect">
                                   <p:stCondLst>
                                     <p:cond delay="0"/>
                                   </p:stCondLst>
                                   <p:childTnLst>
                                     <p:set>
                                       <p:cBhvr>
-                                        <p:cTn dur="1" fill="hold" id="6">
+                                        <p:cTn id="6" dur="1" fill="hold">
                                           <p:stCondLst>
                                             <p:cond delay="0"/>
                                           </p:stCondLst>
@@ -4891,7 +5149,7 @@
                                     </p:set>
                                     <p:animEffect transition="in" filter="wipe(left)">
                                       <p:cBhvr>
-                                        <p:cTn dur="500" id="7"/>
+                                        <p:cTn id="7" dur="500"/>
                                         <p:tgtEl>
                                           <p:spTgt spid="2097186"/>
                                         </p:tgtEl>
@@ -4907,26 +5165,26 @@
                     </p:cTn>
                   </p:par>
                   <p:par>
-                    <p:cTn fill="hold" id="8" nodeType="clickPar">
+                    <p:cTn id="8" fill="hold" nodeType="clickPar">
                       <p:stCondLst>
                         <p:cond delay="indefinite"/>
                       </p:stCondLst>
                       <p:childTnLst>
                         <p:par>
-                          <p:cTn fill="hold" id="9" nodeType="withGroup">
+                          <p:cTn id="9" fill="hold" nodeType="withGroup">
                             <p:stCondLst>
                               <p:cond delay="0"/>
                             </p:stCondLst>
                             <p:childTnLst>
                               <p:par>
-                                <p:cTn fill="hold" id="10" nodeType="clickEffect" presetClass="entr" presetID="22" presetSubtype="8">
+                                <p:cTn id="10" presetID="22" presetClass="entr" presetSubtype="8" fill="hold" nodeType="clickEffect">
                                   <p:stCondLst>
                                     <p:cond delay="0"/>
                                   </p:stCondLst>
                                   <p:childTnLst>
                                     <p:set>
                                       <p:cBhvr>
-                                        <p:cTn dur="1" fill="hold" id="11">
+                                        <p:cTn id="11" dur="1" fill="hold">
                                           <p:stCondLst>
                                             <p:cond delay="0"/>
                                           </p:stCondLst>
@@ -4944,7 +5202,7 @@
                                     </p:set>
                                     <p:animEffect transition="in" filter="wipe(left)">
                                       <p:cBhvr>
-                                        <p:cTn dur="500" id="12"/>
+                                        <p:cTn id="12" dur="500"/>
                                         <p:tgtEl>
                                           <p:spTgt spid="2097187"/>
                                         </p:tgtEl>
@@ -4960,26 +5218,26 @@
                     </p:cTn>
                   </p:par>
                   <p:par>
-                    <p:cTn fill="hold" id="13" nodeType="clickPar">
+                    <p:cTn id="13" fill="hold" nodeType="clickPar">
                       <p:stCondLst>
                         <p:cond delay="indefinite"/>
                       </p:stCondLst>
                       <p:childTnLst>
                         <p:par>
-                          <p:cTn fill="hold" id="14" nodeType="withGroup">
+                          <p:cTn id="14" fill="hold" nodeType="withGroup">
                             <p:stCondLst>
                               <p:cond delay="0"/>
                             </p:stCondLst>
                             <p:childTnLst>
                               <p:par>
-                                <p:cTn fill="hold" id="15" nodeType="clickEffect" presetClass="entr" presetID="22" presetSubtype="8">
+                                <p:cTn id="15" presetID="22" presetClass="entr" presetSubtype="8" fill="hold" nodeType="clickEffect">
                                   <p:stCondLst>
                                     <p:cond delay="0"/>
                                   </p:stCondLst>
                                   <p:childTnLst>
                                     <p:set>
                                       <p:cBhvr>
-                                        <p:cTn dur="1" fill="hold" id="16">
+                                        <p:cTn id="16" dur="1" fill="hold">
                                           <p:stCondLst>
                                             <p:cond delay="0"/>
                                           </p:stCondLst>
@@ -4997,7 +5255,7 @@
                                     </p:set>
                                     <p:animEffect transition="in" filter="wipe(left)">
                                       <p:cBhvr>
-                                        <p:cTn dur="500" id="17"/>
+                                        <p:cTn id="17" dur="500"/>
                                         <p:tgtEl>
                                           <p:spTgt spid="2097188"/>
                                         </p:tgtEl>
@@ -5013,26 +5271,26 @@
                     </p:cTn>
                   </p:par>
                   <p:par>
-                    <p:cTn fill="hold" id="18">
+                    <p:cTn id="18" fill="hold">
                       <p:stCondLst>
                         <p:cond delay="indefinite"/>
                       </p:stCondLst>
                       <p:childTnLst>
                         <p:par>
-                          <p:cTn fill="hold" id="19">
+                          <p:cTn id="19" fill="hold">
                             <p:stCondLst>
                               <p:cond delay="0"/>
                             </p:stCondLst>
                             <p:childTnLst>
                               <p:par>
-                                <p:cTn fill="hold" id="20" nodeType="clickEffect" presetClass="entr" presetID="22" presetSubtype="8">
+                                <p:cTn id="20" presetID="22" presetClass="entr" presetSubtype="8" fill="hold" nodeType="clickEffect">
                                   <p:stCondLst>
                                     <p:cond delay="0"/>
                                   </p:stCondLst>
                                   <p:childTnLst>
                                     <p:set>
                                       <p:cBhvr>
-                                        <p:cTn dur="1" fill="hold" id="21">
+                                        <p:cTn id="21" dur="1" fill="hold">
                                           <p:stCondLst>
                                             <p:cond delay="0"/>
                                           </p:stCondLst>
@@ -5050,7 +5308,7 @@
                                     </p:set>
                                     <p:animEffect transition="in" filter="wipe(left)">
                                       <p:cBhvr>
-                                        <p:cTn dur="500" id="22"/>
+                                        <p:cTn id="22" dur="500"/>
                                         <p:tgtEl>
                                           <p:spTgt spid="2097189"/>
                                         </p:tgtEl>
@@ -5091,16 +5349,16 @@
 </file>
 
 <file path=ppt/slides/slide24.xml><?xml version="1.0" encoding="utf-8"?>
-<p:sld xmlns:a="http://schemas.openxmlformats.org/drawingml/2006/main" xmlns:r="http://schemas.openxmlformats.org/officeDocument/2006/relationships" xmlns:p="http://schemas.openxmlformats.org/presentationml/2006/main" showMasterSp="1">
+<p:sld xmlns:a="http://schemas.openxmlformats.org/drawingml/2006/main" xmlns:r="http://schemas.openxmlformats.org/officeDocument/2006/relationships" xmlns:p="http://schemas.openxmlformats.org/presentationml/2006/main">
   <p:cSld>
     <p:spTree>
       <p:nvGrpSpPr>
-        <p:cNvPr id="55" name=""/>
+        <p:cNvPr id="1" name=""/>
         <p:cNvGrpSpPr/>
         <p:nvPr/>
       </p:nvGrpSpPr>
       <p:grpSpPr>
-        <a:xfrm rot="0">
+        <a:xfrm>
           <a:off x="0" y="0"/>
           <a:ext cx="0" cy="0"/>
           <a:chOff x="0" y="0"/>
@@ -5109,25 +5367,27 @@
       </p:grpSpPr>
       <p:pic>
         <p:nvPicPr>
-          <p:cNvPr id="2097190" name=""/>
+          <p:cNvPr id="2097190" name="图片 2097189"/>
           <p:cNvPicPr>
             <a:picLocks/>
           </p:cNvPicPr>
           <p:nvPr/>
         </p:nvPicPr>
         <p:blipFill>
-          <a:blip xmlns:r="http://schemas.openxmlformats.org/officeDocument/2006/relationships" r:embed="rId1"/>
-          <a:srcRect l="0" t="0" r="0" b="0"/>
+          <a:blip r:embed="rId2"/>
+          <a:srcRect/>
           <a:stretch>
             <a:fillRect/>
           </a:stretch>
         </p:blipFill>
         <p:spPr>
-          <a:xfrm rot="0">
+          <a:xfrm>
             <a:off x="604837" y="815975"/>
             <a:ext cx="7797800" cy="2384425"/>
           </a:xfrm>
-          <a:prstGeom prst="rect"/>
+          <a:prstGeom prst="rect">
+            <a:avLst/>
+          </a:prstGeom>
           <a:noFill/>
           <a:ln>
             <a:noFill/>
@@ -5136,25 +5396,27 @@
       </p:pic>
       <p:pic>
         <p:nvPicPr>
-          <p:cNvPr id="2097191" name=""/>
+          <p:cNvPr id="2097191" name="图片 2097190"/>
           <p:cNvPicPr>
             <a:picLocks/>
           </p:cNvPicPr>
           <p:nvPr/>
         </p:nvPicPr>
         <p:blipFill>
-          <a:blip xmlns:r="http://schemas.openxmlformats.org/officeDocument/2006/relationships" r:embed="rId2"/>
-          <a:srcRect l="0" t="0" r="0" b="0"/>
+          <a:blip r:embed="rId3"/>
+          <a:srcRect/>
           <a:stretch>
             <a:fillRect/>
           </a:stretch>
         </p:blipFill>
         <p:spPr>
-          <a:xfrm rot="0">
+          <a:xfrm>
             <a:off x="1335087" y="3387725"/>
             <a:ext cx="5838825" cy="1349375"/>
           </a:xfrm>
-          <a:prstGeom prst="rect"/>
+          <a:prstGeom prst="rect">
+            <a:avLst/>
+          </a:prstGeom>
           <a:noFill/>
           <a:ln>
             <a:noFill/>
@@ -5169,32 +5431,32 @@
   <p:timing>
     <p:tnLst>
       <p:par>
-        <p:cTn dur="indefinite" id="1" nodeType="tmRoot">
+        <p:cTn id="1" dur="indefinite" restart="never" nodeType="tmRoot">
           <p:childTnLst>
             <p:seq concurrent="1" nextAc="seek">
-              <p:cTn dur="indefinite" id="2" nodeType="mainSeq">
+              <p:cTn id="2" dur="indefinite" nodeType="mainSeq">
                 <p:childTnLst>
                   <p:par>
-                    <p:cTn fill="hold" id="3">
+                    <p:cTn id="3" fill="hold">
                       <p:stCondLst>
                         <p:cond delay="indefinite"/>
                       </p:stCondLst>
                       <p:childTnLst>
                         <p:par>
-                          <p:cTn fill="hold" id="4">
+                          <p:cTn id="4" fill="hold">
                             <p:stCondLst>
                               <p:cond delay="0"/>
                             </p:stCondLst>
                             <p:childTnLst>
                               <p:par>
-                                <p:cTn fill="hold" id="5" nodeType="clickEffect" presetClass="entr" presetID="22" presetSubtype="8">
+                                <p:cTn id="5" presetID="22" presetClass="entr" presetSubtype="8" fill="hold" nodeType="clickEffect">
                                   <p:stCondLst>
                                     <p:cond delay="0"/>
                                   </p:stCondLst>
                                   <p:childTnLst>
                                     <p:set>
                                       <p:cBhvr>
-                                        <p:cTn dur="1" fill="hold" id="6">
+                                        <p:cTn id="6" dur="1" fill="hold">
                                           <p:stCondLst>
                                             <p:cond delay="0"/>
                                           </p:stCondLst>
@@ -5212,7 +5474,7 @@
                                     </p:set>
                                     <p:animEffect transition="in" filter="wipe(left)">
                                       <p:cBhvr>
-                                        <p:cTn dur="500" id="7"/>
+                                        <p:cTn id="7" dur="500"/>
                                         <p:tgtEl>
                                           <p:spTgt spid="2097190"/>
                                         </p:tgtEl>
@@ -5228,26 +5490,26 @@
                     </p:cTn>
                   </p:par>
                   <p:par>
-                    <p:cTn fill="hold" id="8">
+                    <p:cTn id="8" fill="hold">
                       <p:stCondLst>
                         <p:cond delay="indefinite"/>
                       </p:stCondLst>
                       <p:childTnLst>
                         <p:par>
-                          <p:cTn fill="hold" id="9">
+                          <p:cTn id="9" fill="hold">
                             <p:stCondLst>
                               <p:cond delay="0"/>
                             </p:stCondLst>
                             <p:childTnLst>
                               <p:par>
-                                <p:cTn fill="hold" id="10" nodeType="clickEffect" presetClass="entr" presetID="22" presetSubtype="8">
+                                <p:cTn id="10" presetID="22" presetClass="entr" presetSubtype="8" fill="hold" nodeType="clickEffect">
                                   <p:stCondLst>
                                     <p:cond delay="0"/>
                                   </p:stCondLst>
                                   <p:childTnLst>
                                     <p:set>
                                       <p:cBhvr>
-                                        <p:cTn dur="1" fill="hold" id="11">
+                                        <p:cTn id="11" dur="1" fill="hold">
                                           <p:stCondLst>
                                             <p:cond delay="0"/>
                                           </p:stCondLst>
@@ -5265,7 +5527,7 @@
                                     </p:set>
                                     <p:animEffect transition="in" filter="wipe(left)">
                                       <p:cBhvr>
-                                        <p:cTn dur="500" id="12"/>
+                                        <p:cTn id="12" dur="500"/>
                                         <p:tgtEl>
                                           <p:spTgt spid="2097191"/>
                                         </p:tgtEl>
@@ -5306,16 +5568,16 @@
 </file>
 
 <file path=ppt/slides/slide25.xml><?xml version="1.0" encoding="utf-8"?>
-<p:sld xmlns:a="http://schemas.openxmlformats.org/drawingml/2006/main" xmlns:r="http://schemas.openxmlformats.org/officeDocument/2006/relationships" xmlns:p="http://schemas.openxmlformats.org/presentationml/2006/main" showMasterSp="1">
+<p:sld xmlns:a="http://schemas.openxmlformats.org/drawingml/2006/main" xmlns:r="http://schemas.openxmlformats.org/officeDocument/2006/relationships" xmlns:p="http://schemas.openxmlformats.org/presentationml/2006/main">
   <p:cSld>
     <p:spTree>
       <p:nvGrpSpPr>
-        <p:cNvPr id="56" name=""/>
+        <p:cNvPr id="1" name=""/>
         <p:cNvGrpSpPr/>
         <p:nvPr/>
       </p:nvGrpSpPr>
       <p:grpSpPr>
-        <a:xfrm rot="0">
+        <a:xfrm>
           <a:off x="0" y="0"/>
           <a:ext cx="0" cy="0"/>
           <a:chOff x="0" y="0"/>
@@ -5324,25 +5586,27 @@
       </p:grpSpPr>
       <p:pic>
         <p:nvPicPr>
-          <p:cNvPr id="2097192" name=""/>
+          <p:cNvPr id="2097192" name="图片 2097191"/>
           <p:cNvPicPr>
             <a:picLocks/>
           </p:cNvPicPr>
           <p:nvPr/>
         </p:nvPicPr>
         <p:blipFill>
-          <a:blip xmlns:r="http://schemas.openxmlformats.org/officeDocument/2006/relationships" r:embed="rId1"/>
-          <a:srcRect l="0" t="0" r="0" b="0"/>
+          <a:blip r:embed="rId2"/>
+          <a:srcRect/>
           <a:stretch>
             <a:fillRect/>
           </a:stretch>
         </p:blipFill>
         <p:spPr>
-          <a:xfrm rot="0">
+          <a:xfrm>
             <a:off x="663575" y="842962"/>
             <a:ext cx="6938962" cy="981075"/>
           </a:xfrm>
-          <a:prstGeom prst="rect"/>
+          <a:prstGeom prst="rect">
+            <a:avLst/>
+          </a:prstGeom>
           <a:noFill/>
           <a:ln>
             <a:noFill/>
@@ -5351,25 +5615,27 @@
       </p:pic>
       <p:pic>
         <p:nvPicPr>
-          <p:cNvPr id="2097193" name=""/>
+          <p:cNvPr id="2097193" name="图片 2097192"/>
           <p:cNvPicPr>
             <a:picLocks/>
           </p:cNvPicPr>
           <p:nvPr/>
         </p:nvPicPr>
         <p:blipFill>
-          <a:blip xmlns:r="http://schemas.openxmlformats.org/officeDocument/2006/relationships" r:embed="rId2"/>
-          <a:srcRect l="0" t="0" r="0" b="0"/>
+          <a:blip r:embed="rId3"/>
+          <a:srcRect/>
           <a:stretch>
             <a:fillRect/>
           </a:stretch>
         </p:blipFill>
         <p:spPr>
-          <a:xfrm rot="0">
+          <a:xfrm>
             <a:off x="663575" y="2255837"/>
             <a:ext cx="6908800" cy="2243137"/>
           </a:xfrm>
-          <a:prstGeom prst="rect"/>
+          <a:prstGeom prst="rect">
+            <a:avLst/>
+          </a:prstGeom>
           <a:noFill/>
           <a:ln>
             <a:noFill/>
@@ -5384,32 +5650,32 @@
   <p:timing>
     <p:tnLst>
       <p:par>
-        <p:cTn dur="indefinite" id="1" nodeType="tmRoot">
+        <p:cTn id="1" dur="indefinite" restart="never" nodeType="tmRoot">
           <p:childTnLst>
             <p:seq concurrent="1" nextAc="seek">
-              <p:cTn dur="indefinite" id="2" nodeType="mainSeq">
+              <p:cTn id="2" dur="indefinite" nodeType="mainSeq">
                 <p:childTnLst>
                   <p:par>
-                    <p:cTn fill="hold" id="3">
+                    <p:cTn id="3" fill="hold">
                       <p:stCondLst>
                         <p:cond delay="indefinite"/>
                       </p:stCondLst>
                       <p:childTnLst>
                         <p:par>
-                          <p:cTn fill="hold" id="4">
+                          <p:cTn id="4" fill="hold">
                             <p:stCondLst>
                               <p:cond delay="0"/>
                             </p:stCondLst>
                             <p:childTnLst>
                               <p:par>
-                                <p:cTn fill="hold" id="5" nodeType="clickEffect" presetClass="entr" presetID="22" presetSubtype="8">
+                                <p:cTn id="5" presetID="22" presetClass="entr" presetSubtype="8" fill="hold" nodeType="clickEffect">
                                   <p:stCondLst>
                                     <p:cond delay="0"/>
                                   </p:stCondLst>
                                   <p:childTnLst>
                                     <p:set>
                                       <p:cBhvr>
-                                        <p:cTn dur="1" fill="hold" id="6">
+                                        <p:cTn id="6" dur="1" fill="hold">
                                           <p:stCondLst>
                                             <p:cond delay="0"/>
                                           </p:stCondLst>
@@ -5427,7 +5693,7 @@
                                     </p:set>
                                     <p:animEffect transition="in" filter="wipe(left)">
                                       <p:cBhvr>
-                                        <p:cTn dur="500" id="7"/>
+                                        <p:cTn id="7" dur="500"/>
                                         <p:tgtEl>
                                           <p:spTgt spid="2097192"/>
                                         </p:tgtEl>
@@ -5443,26 +5709,26 @@
                     </p:cTn>
                   </p:par>
                   <p:par>
-                    <p:cTn fill="hold" id="8">
+                    <p:cTn id="8" fill="hold">
                       <p:stCondLst>
                         <p:cond delay="indefinite"/>
                       </p:stCondLst>
                       <p:childTnLst>
                         <p:par>
-                          <p:cTn fill="hold" id="9">
+                          <p:cTn id="9" fill="hold">
                             <p:stCondLst>
                               <p:cond delay="0"/>
                             </p:stCondLst>
                             <p:childTnLst>
                               <p:par>
-                                <p:cTn fill="hold" id="10" nodeType="clickEffect" presetClass="entr" presetID="22" presetSubtype="8">
+                                <p:cTn id="10" presetID="22" presetClass="entr" presetSubtype="8" fill="hold" nodeType="clickEffect">
                                   <p:stCondLst>
                                     <p:cond delay="0"/>
                                   </p:stCondLst>
                                   <p:childTnLst>
                                     <p:set>
                                       <p:cBhvr>
-                                        <p:cTn dur="1" fill="hold" id="11">
+                                        <p:cTn id="11" dur="1" fill="hold">
                                           <p:stCondLst>
                                             <p:cond delay="0"/>
                                           </p:stCondLst>
@@ -5480,7 +5746,7 @@
                                     </p:set>
                                     <p:animEffect transition="in" filter="wipe(left)">
                                       <p:cBhvr>
-                                        <p:cTn dur="500" id="12"/>
+                                        <p:cTn id="12" dur="500"/>
                                         <p:tgtEl>
                                           <p:spTgt spid="2097193"/>
                                         </p:tgtEl>
@@ -5521,16 +5787,16 @@
 </file>
 
 <file path=ppt/slides/slide26.xml><?xml version="1.0" encoding="utf-8"?>
-<p:sld xmlns:a="http://schemas.openxmlformats.org/drawingml/2006/main" xmlns:r="http://schemas.openxmlformats.org/officeDocument/2006/relationships" xmlns:p="http://schemas.openxmlformats.org/presentationml/2006/main" showMasterSp="1">
+<p:sld xmlns:a="http://schemas.openxmlformats.org/drawingml/2006/main" xmlns:r="http://schemas.openxmlformats.org/officeDocument/2006/relationships" xmlns:p="http://schemas.openxmlformats.org/presentationml/2006/main">
   <p:cSld>
     <p:spTree>
       <p:nvGrpSpPr>
-        <p:cNvPr id="57" name=""/>
+        <p:cNvPr id="1" name=""/>
         <p:cNvGrpSpPr/>
         <p:nvPr/>
       </p:nvGrpSpPr>
       <p:grpSpPr>
-        <a:xfrm rot="0">
+        <a:xfrm>
           <a:off x="0" y="0"/>
           <a:ext cx="0" cy="0"/>
           <a:chOff x="0" y="0"/>
@@ -5539,25 +5805,27 @@
       </p:grpSpPr>
       <p:pic>
         <p:nvPicPr>
-          <p:cNvPr id="2097194" name=""/>
+          <p:cNvPr id="2097194" name="图片 2097193"/>
           <p:cNvPicPr>
             <a:picLocks/>
           </p:cNvPicPr>
           <p:nvPr/>
         </p:nvPicPr>
         <p:blipFill>
-          <a:blip xmlns:r="http://schemas.openxmlformats.org/officeDocument/2006/relationships" r:embed="rId1"/>
-          <a:srcRect l="0" t="0" r="0" b="0"/>
+          <a:blip r:embed="rId2"/>
+          <a:srcRect/>
           <a:stretch>
             <a:fillRect/>
           </a:stretch>
         </p:blipFill>
         <p:spPr>
-          <a:xfrm rot="0">
+          <a:xfrm>
             <a:off x="496887" y="661987"/>
             <a:ext cx="5695950" cy="728662"/>
           </a:xfrm>
-          <a:prstGeom prst="rect"/>
+          <a:prstGeom prst="rect">
+            <a:avLst/>
+          </a:prstGeom>
           <a:noFill/>
           <a:ln>
             <a:noFill/>
@@ -5566,25 +5834,27 @@
       </p:pic>
       <p:pic>
         <p:nvPicPr>
-          <p:cNvPr id="2097195" name=""/>
+          <p:cNvPr id="2097195" name="图片 2097194"/>
           <p:cNvPicPr>
             <a:picLocks/>
           </p:cNvPicPr>
           <p:nvPr/>
         </p:nvPicPr>
         <p:blipFill>
-          <a:blip xmlns:r="http://schemas.openxmlformats.org/officeDocument/2006/relationships" r:embed="rId2"/>
-          <a:srcRect l="0" t="0" r="0" b="0"/>
+          <a:blip r:embed="rId3"/>
+          <a:srcRect/>
           <a:stretch>
             <a:fillRect/>
           </a:stretch>
         </p:blipFill>
         <p:spPr>
-          <a:xfrm rot="0">
+          <a:xfrm>
             <a:off x="1189037" y="1473200"/>
             <a:ext cx="3309937" cy="1128712"/>
           </a:xfrm>
-          <a:prstGeom prst="rect"/>
+          <a:prstGeom prst="rect">
+            <a:avLst/>
+          </a:prstGeom>
           <a:noFill/>
           <a:ln>
             <a:noFill/>
@@ -5593,25 +5863,27 @@
       </p:pic>
       <p:pic>
         <p:nvPicPr>
-          <p:cNvPr id="2097196" name=""/>
+          <p:cNvPr id="2097196" name="图片 2097195"/>
           <p:cNvPicPr>
             <a:picLocks/>
           </p:cNvPicPr>
           <p:nvPr/>
         </p:nvPicPr>
         <p:blipFill>
-          <a:blip xmlns:r="http://schemas.openxmlformats.org/officeDocument/2006/relationships" r:embed="rId3"/>
-          <a:srcRect l="0" t="0" r="0" b="0"/>
+          <a:blip r:embed="rId4"/>
+          <a:srcRect/>
           <a:stretch>
             <a:fillRect/>
           </a:stretch>
         </p:blipFill>
         <p:spPr>
-          <a:xfrm rot="0">
+          <a:xfrm>
             <a:off x="496887" y="2757487"/>
             <a:ext cx="8037512" cy="2297112"/>
           </a:xfrm>
-          <a:prstGeom prst="rect"/>
+          <a:prstGeom prst="rect">
+            <a:avLst/>
+          </a:prstGeom>
           <a:noFill/>
           <a:ln>
             <a:noFill/>
@@ -5626,32 +5898,32 @@
   <p:timing>
     <p:tnLst>
       <p:par>
-        <p:cTn dur="indefinite" id="1" nodeType="tmRoot">
+        <p:cTn id="1" dur="indefinite" restart="never" nodeType="tmRoot">
           <p:childTnLst>
             <p:seq concurrent="1" nextAc="seek">
-              <p:cTn dur="indefinite" id="2" nodeType="mainSeq">
+              <p:cTn id="2" dur="indefinite" nodeType="mainSeq">
                 <p:childTnLst>
                   <p:par>
-                    <p:cTn fill="hold" id="3" nodeType="clickPar">
+                    <p:cTn id="3" fill="hold" nodeType="clickPar">
                       <p:stCondLst>
                         <p:cond delay="indefinite"/>
                       </p:stCondLst>
                       <p:childTnLst>
                         <p:par>
-                          <p:cTn fill="hold" id="4" nodeType="withGroup">
+                          <p:cTn id="4" fill="hold" nodeType="withGroup">
                             <p:stCondLst>
                               <p:cond delay="0"/>
                             </p:stCondLst>
                             <p:childTnLst>
                               <p:par>
-                                <p:cTn fill="hold" id="5" nodeType="clickEffect" presetClass="entr" presetID="22" presetSubtype="8">
+                                <p:cTn id="5" presetID="22" presetClass="entr" presetSubtype="8" fill="hold" nodeType="clickEffect">
                                   <p:stCondLst>
                                     <p:cond delay="0"/>
                                   </p:stCondLst>
                                   <p:childTnLst>
                                     <p:set>
                                       <p:cBhvr>
-                                        <p:cTn dur="1" fill="hold" id="6">
+                                        <p:cTn id="6" dur="1" fill="hold">
                                           <p:stCondLst>
                                             <p:cond delay="0"/>
                                           </p:stCondLst>
@@ -5669,7 +5941,7 @@
                                     </p:set>
                                     <p:animEffect transition="in" filter="wipe(left)">
                                       <p:cBhvr>
-                                        <p:cTn dur="500" id="7"/>
+                                        <p:cTn id="7" dur="500"/>
                                         <p:tgtEl>
                                           <p:spTgt spid="2097194"/>
                                         </p:tgtEl>
@@ -5685,26 +5957,26 @@
                     </p:cTn>
                   </p:par>
                   <p:par>
-                    <p:cTn fill="hold" id="8" nodeType="clickPar">
+                    <p:cTn id="8" fill="hold" nodeType="clickPar">
                       <p:stCondLst>
                         <p:cond delay="indefinite"/>
                       </p:stCondLst>
                       <p:childTnLst>
                         <p:par>
-                          <p:cTn fill="hold" id="9" nodeType="withGroup">
+                          <p:cTn id="9" fill="hold" nodeType="withGroup">
                             <p:stCondLst>
                               <p:cond delay="0"/>
                             </p:stCondLst>
                             <p:childTnLst>
                               <p:par>
-                                <p:cTn fill="hold" id="10" nodeType="clickEffect" presetClass="entr" presetID="3" presetSubtype="10">
+                                <p:cTn id="10" presetID="3" presetClass="entr" presetSubtype="10" fill="hold" nodeType="clickEffect">
                                   <p:stCondLst>
                                     <p:cond delay="0"/>
                                   </p:stCondLst>
                                   <p:childTnLst>
                                     <p:set>
                                       <p:cBhvr>
-                                        <p:cTn dur="1" fill="hold" id="11">
+                                        <p:cTn id="11" dur="1" fill="hold">
                                           <p:stCondLst>
                                             <p:cond delay="0"/>
                                           </p:stCondLst>
@@ -5722,7 +5994,7 @@
                                     </p:set>
                                     <p:animEffect transition="in" filter="blinds(horizontal)">
                                       <p:cBhvr>
-                                        <p:cTn dur="500" id="12"/>
+                                        <p:cTn id="12" dur="500"/>
                                         <p:tgtEl>
                                           <p:spTgt spid="2097195"/>
                                         </p:tgtEl>
@@ -5738,26 +6010,26 @@
                     </p:cTn>
                   </p:par>
                   <p:par>
-                    <p:cTn fill="hold" id="13">
+                    <p:cTn id="13" fill="hold">
                       <p:stCondLst>
                         <p:cond delay="indefinite"/>
                       </p:stCondLst>
                       <p:childTnLst>
                         <p:par>
-                          <p:cTn fill="hold" id="14">
+                          <p:cTn id="14" fill="hold">
                             <p:stCondLst>
                               <p:cond delay="0"/>
                             </p:stCondLst>
                             <p:childTnLst>
                               <p:par>
-                                <p:cTn fill="hold" id="15" nodeType="clickEffect" presetClass="entr" presetID="3" presetSubtype="10">
+                                <p:cTn id="15" presetID="3" presetClass="entr" presetSubtype="10" fill="hold" nodeType="clickEffect">
                                   <p:stCondLst>
                                     <p:cond delay="0"/>
                                   </p:stCondLst>
                                   <p:childTnLst>
                                     <p:set>
                                       <p:cBhvr>
-                                        <p:cTn dur="1" fill="hold" id="16">
+                                        <p:cTn id="16" dur="1" fill="hold">
                                           <p:stCondLst>
                                             <p:cond delay="0"/>
                                           </p:stCondLst>
@@ -5775,7 +6047,7 @@
                                     </p:set>
                                     <p:animEffect transition="in" filter="blinds(horizontal)">
                                       <p:cBhvr>
-                                        <p:cTn dur="500" id="17"/>
+                                        <p:cTn id="17" dur="500"/>
                                         <p:tgtEl>
                                           <p:spTgt spid="2097196"/>
                                         </p:tgtEl>
@@ -5816,16 +6088,16 @@
 </file>
 
 <file path=ppt/slides/slide27.xml><?xml version="1.0" encoding="utf-8"?>
-<p:sld xmlns:a="http://schemas.openxmlformats.org/drawingml/2006/main" xmlns:r="http://schemas.openxmlformats.org/officeDocument/2006/relationships" xmlns:p="http://schemas.openxmlformats.org/presentationml/2006/main" showMasterSp="1">
+<p:sld xmlns:a="http://schemas.openxmlformats.org/drawingml/2006/main" xmlns:r="http://schemas.openxmlformats.org/officeDocument/2006/relationships" xmlns:p="http://schemas.openxmlformats.org/presentationml/2006/main">
   <p:cSld>
     <p:spTree>
       <p:nvGrpSpPr>
-        <p:cNvPr id="58" name=""/>
+        <p:cNvPr id="1" name=""/>
         <p:cNvGrpSpPr/>
         <p:nvPr/>
       </p:nvGrpSpPr>
       <p:grpSpPr>
-        <a:xfrm rot="0">
+        <a:xfrm>
           <a:off x="0" y="0"/>
           <a:ext cx="0" cy="0"/>
           <a:chOff x="0" y="0"/>
@@ -5834,25 +6106,27 @@
       </p:grpSpPr>
       <p:pic>
         <p:nvPicPr>
-          <p:cNvPr id="2097197" name=""/>
+          <p:cNvPr id="2097197" name="图片 2097196"/>
           <p:cNvPicPr>
             <a:picLocks/>
           </p:cNvPicPr>
           <p:nvPr/>
         </p:nvPicPr>
         <p:blipFill>
-          <a:blip xmlns:r="http://schemas.openxmlformats.org/officeDocument/2006/relationships" r:embed="rId1"/>
-          <a:srcRect l="0" t="0" r="0" b="0"/>
+          <a:blip r:embed="rId2"/>
+          <a:srcRect/>
           <a:stretch>
             <a:fillRect/>
           </a:stretch>
         </p:blipFill>
         <p:spPr>
-          <a:xfrm rot="0">
+          <a:xfrm>
             <a:off x="649287" y="977900"/>
             <a:ext cx="7607300" cy="2198687"/>
           </a:xfrm>
-          <a:prstGeom prst="rect"/>
+          <a:prstGeom prst="rect">
+            <a:avLst/>
+          </a:prstGeom>
           <a:noFill/>
           <a:ln>
             <a:noFill/>
@@ -5861,25 +6135,27 @@
       </p:pic>
       <p:pic>
         <p:nvPicPr>
-          <p:cNvPr id="2097198" name=""/>
+          <p:cNvPr id="2097198" name="图片 2097197"/>
           <p:cNvPicPr>
             <a:picLocks/>
           </p:cNvPicPr>
           <p:nvPr/>
         </p:nvPicPr>
         <p:blipFill>
-          <a:blip xmlns:r="http://schemas.openxmlformats.org/officeDocument/2006/relationships" r:embed="rId2"/>
-          <a:srcRect l="0" t="0" r="0" b="0"/>
+          <a:blip r:embed="rId3"/>
+          <a:srcRect/>
           <a:stretch>
             <a:fillRect/>
           </a:stretch>
         </p:blipFill>
         <p:spPr>
-          <a:xfrm rot="0">
+          <a:xfrm>
             <a:off x="1920875" y="3416300"/>
             <a:ext cx="4202112" cy="1082675"/>
           </a:xfrm>
-          <a:prstGeom prst="rect"/>
+          <a:prstGeom prst="rect">
+            <a:avLst/>
+          </a:prstGeom>
           <a:noFill/>
           <a:ln>
             <a:noFill/>
@@ -5894,32 +6170,32 @@
   <p:timing>
     <p:tnLst>
       <p:par>
-        <p:cTn dur="indefinite" id="1" nodeType="tmRoot">
+        <p:cTn id="1" dur="indefinite" restart="never" nodeType="tmRoot">
           <p:childTnLst>
             <p:seq concurrent="1" nextAc="seek">
-              <p:cTn dur="indefinite" id="2" nodeType="mainSeq">
+              <p:cTn id="2" dur="indefinite" nodeType="mainSeq">
                 <p:childTnLst>
                   <p:par>
-                    <p:cTn fill="hold" id="3">
+                    <p:cTn id="3" fill="hold">
                       <p:stCondLst>
                         <p:cond delay="indefinite"/>
                       </p:stCondLst>
                       <p:childTnLst>
                         <p:par>
-                          <p:cTn fill="hold" id="4">
+                          <p:cTn id="4" fill="hold">
                             <p:stCondLst>
                               <p:cond delay="0"/>
                             </p:stCondLst>
                             <p:childTnLst>
                               <p:par>
-                                <p:cTn fill="hold" id="5" nodeType="clickEffect" presetClass="entr" presetID="3" presetSubtype="10">
+                                <p:cTn id="5" presetID="3" presetClass="entr" presetSubtype="10" fill="hold" nodeType="clickEffect">
                                   <p:stCondLst>
                                     <p:cond delay="0"/>
                                   </p:stCondLst>
                                   <p:childTnLst>
                                     <p:set>
                                       <p:cBhvr>
-                                        <p:cTn dur="1" fill="hold" id="6">
+                                        <p:cTn id="6" dur="1" fill="hold">
                                           <p:stCondLst>
                                             <p:cond delay="0"/>
                                           </p:stCondLst>
@@ -5937,7 +6213,7 @@
                                     </p:set>
                                     <p:animEffect transition="in" filter="blinds(horizontal)">
                                       <p:cBhvr>
-                                        <p:cTn dur="500" id="7"/>
+                                        <p:cTn id="7" dur="500"/>
                                         <p:tgtEl>
                                           <p:spTgt spid="2097197"/>
                                         </p:tgtEl>
@@ -5953,26 +6229,26 @@
                     </p:cTn>
                   </p:par>
                   <p:par>
-                    <p:cTn fill="hold" id="8">
+                    <p:cTn id="8" fill="hold">
                       <p:stCondLst>
                         <p:cond delay="indefinite"/>
                       </p:stCondLst>
                       <p:childTnLst>
                         <p:par>
-                          <p:cTn fill="hold" id="9">
+                          <p:cTn id="9" fill="hold">
                             <p:stCondLst>
                               <p:cond delay="0"/>
                             </p:stCondLst>
                             <p:childTnLst>
                               <p:par>
-                                <p:cTn fill="hold" id="10" nodeType="clickEffect" presetClass="entr" presetID="3" presetSubtype="10">
+                                <p:cTn id="10" presetID="3" presetClass="entr" presetSubtype="10" fill="hold" nodeType="clickEffect">
                                   <p:stCondLst>
                                     <p:cond delay="0"/>
                                   </p:stCondLst>
                                   <p:childTnLst>
                                     <p:set>
                                       <p:cBhvr>
-                                        <p:cTn dur="1" fill="hold" id="11">
+                                        <p:cTn id="11" dur="1" fill="hold">
                                           <p:stCondLst>
                                             <p:cond delay="0"/>
                                           </p:stCondLst>
@@ -5990,7 +6266,7 @@
                                     </p:set>
                                     <p:animEffect transition="in" filter="blinds(horizontal)">
                                       <p:cBhvr>
-                                        <p:cTn dur="500" id="12"/>
+                                        <p:cTn id="12" dur="500"/>
                                         <p:tgtEl>
                                           <p:spTgt spid="2097198"/>
                                         </p:tgtEl>
@@ -6031,16 +6307,16 @@
 </file>
 
 <file path=ppt/slides/slide28.xml><?xml version="1.0" encoding="utf-8"?>
-<p:sld xmlns:a="http://schemas.openxmlformats.org/drawingml/2006/main" xmlns:r="http://schemas.openxmlformats.org/officeDocument/2006/relationships" xmlns:p="http://schemas.openxmlformats.org/presentationml/2006/main" showMasterSp="1">
+<p:sld xmlns:a="http://schemas.openxmlformats.org/drawingml/2006/main" xmlns:r="http://schemas.openxmlformats.org/officeDocument/2006/relationships" xmlns:p="http://schemas.openxmlformats.org/presentationml/2006/main">
   <p:cSld>
     <p:spTree>
       <p:nvGrpSpPr>
-        <p:cNvPr id="59" name=""/>
+        <p:cNvPr id="1" name=""/>
         <p:cNvGrpSpPr/>
         <p:nvPr/>
       </p:nvGrpSpPr>
       <p:grpSpPr>
-        <a:xfrm rot="0">
+        <a:xfrm>
           <a:off x="0" y="0"/>
           <a:ext cx="0" cy="0"/>
           <a:chOff x="0" y="0"/>
@@ -6049,25 +6325,27 @@
       </p:grpSpPr>
       <p:pic>
         <p:nvPicPr>
-          <p:cNvPr id="2097199" name=""/>
+          <p:cNvPr id="2097199" name="图片 2097198"/>
           <p:cNvPicPr>
             <a:picLocks/>
           </p:cNvPicPr>
           <p:nvPr/>
         </p:nvPicPr>
         <p:blipFill>
-          <a:blip xmlns:r="http://schemas.openxmlformats.org/officeDocument/2006/relationships" r:embed="rId1"/>
-          <a:srcRect l="0" t="0" r="0" b="0"/>
+          <a:blip r:embed="rId2"/>
+          <a:srcRect/>
           <a:stretch>
             <a:fillRect/>
           </a:stretch>
         </p:blipFill>
         <p:spPr>
-          <a:xfrm rot="0">
+          <a:xfrm>
             <a:off x="966787" y="1190625"/>
             <a:ext cx="6516687" cy="3316287"/>
           </a:xfrm>
-          <a:prstGeom prst="rect"/>
+          <a:prstGeom prst="rect">
+            <a:avLst/>
+          </a:prstGeom>
           <a:noFill/>
           <a:ln>
             <a:noFill/>
@@ -6082,32 +6360,32 @@
   <p:timing>
     <p:tnLst>
       <p:par>
-        <p:cTn dur="indefinite" id="1" nodeType="tmRoot">
+        <p:cTn id="1" dur="indefinite" restart="never" nodeType="tmRoot">
           <p:childTnLst>
             <p:seq concurrent="1" nextAc="seek">
-              <p:cTn dur="indefinite" id="2" nodeType="mainSeq">
+              <p:cTn id="2" dur="indefinite" nodeType="mainSeq">
                 <p:childTnLst>
                   <p:par>
-                    <p:cTn fill="hold" id="3">
+                    <p:cTn id="3" fill="hold">
                       <p:stCondLst>
                         <p:cond delay="indefinite"/>
                       </p:stCondLst>
                       <p:childTnLst>
                         <p:par>
-                          <p:cTn fill="hold" id="4">
+                          <p:cTn id="4" fill="hold">
                             <p:stCondLst>
                               <p:cond delay="0"/>
                             </p:stCondLst>
                             <p:childTnLst>
                               <p:par>
-                                <p:cTn fill="hold" id="5" nodeType="clickEffect" presetClass="entr" presetID="3" presetSubtype="10">
+                                <p:cTn id="5" presetID="3" presetClass="entr" presetSubtype="10" fill="hold" nodeType="clickEffect">
                                   <p:stCondLst>
                                     <p:cond delay="0"/>
                                   </p:stCondLst>
                                   <p:childTnLst>
                                     <p:set>
                                       <p:cBhvr>
-                                        <p:cTn dur="1" fill="hold" id="6">
+                                        <p:cTn id="6" dur="1" fill="hold">
                                           <p:stCondLst>
                                             <p:cond delay="0"/>
                                           </p:stCondLst>
@@ -6125,7 +6403,7 @@
                                     </p:set>
                                     <p:animEffect transition="in" filter="blinds(horizontal)">
                                       <p:cBhvr>
-                                        <p:cTn dur="500" id="7"/>
+                                        <p:cTn id="7" dur="500"/>
                                         <p:tgtEl>
                                           <p:spTgt spid="2097199"/>
                                         </p:tgtEl>
@@ -6166,16 +6444,16 @@
 </file>
 
 <file path=ppt/slides/slide3.xml><?xml version="1.0" encoding="utf-8"?>
-<p:sld xmlns:a="http://schemas.openxmlformats.org/drawingml/2006/main" xmlns:r="http://schemas.openxmlformats.org/officeDocument/2006/relationships" xmlns:p="http://schemas.openxmlformats.org/presentationml/2006/main" showMasterSp="1">
+<p:sld xmlns:a="http://schemas.openxmlformats.org/drawingml/2006/main" xmlns:r="http://schemas.openxmlformats.org/officeDocument/2006/relationships" xmlns:p="http://schemas.openxmlformats.org/presentationml/2006/main">
   <p:cSld>
     <p:spTree>
       <p:nvGrpSpPr>
-        <p:cNvPr id="34" name=""/>
+        <p:cNvPr id="1" name=""/>
         <p:cNvGrpSpPr/>
         <p:nvPr/>
       </p:nvGrpSpPr>
       <p:grpSpPr>
-        <a:xfrm rot="0">
+        <a:xfrm>
           <a:off x="0" y="0"/>
           <a:ext cx="0" cy="0"/>
           <a:chOff x="0" y="0"/>
@@ -6184,27 +6462,29 @@
       </p:grpSpPr>
       <p:sp>
         <p:nvSpPr>
-          <p:cNvPr id="1048580" name=""/>
+          <p:cNvPr id="1048580" name="矩形 1048579"/>
           <p:cNvSpPr/>
           <p:nvPr/>
         </p:nvSpPr>
         <p:spPr>
-          <a:xfrm rot="0">
+          <a:xfrm>
             <a:off x="539750" y="692150"/>
             <a:ext cx="3434081" cy="574040"/>
           </a:xfrm>
-          <a:prstGeom prst="rect"/>
+          <a:prstGeom prst="rect">
+            <a:avLst/>
+          </a:prstGeom>
           <a:noFill/>
           <a:ln>
             <a:noFill/>
           </a:ln>
         </p:spPr>
         <p:txBody>
-          <a:bodyPr anchor="t" bIns="45720" lIns="91440" rIns="91440" tIns="45720" vert="horz" wrap="none">
+          <a:bodyPr vert="horz" wrap="none" lIns="91440" tIns="45720" rIns="91440" bIns="45720" anchor="t">
             <a:spAutoFit/>
           </a:bodyPr>
           <a:lstStyle>
-            <a:lvl1pPr algn="l" fontAlgn="base" indent="0" latinLnBrk="1" marL="0" rtl="0">
+            <a:lvl1pPr marL="0" indent="0" algn="l" rtl="0" fontAlgn="base" latinLnBrk="1">
               <a:lnSpc>
                 <a:spcPct val="100000"/>
               </a:lnSpc>
@@ -6216,7 +6496,7 @@
               </a:spcAft>
               <a:buFontTx/>
               <a:buNone/>
-              <a:defRPr baseline="0" b="0" sz="1800" i="0" u="none">
+              <a:defRPr sz="1800" b="0" i="0" u="none" baseline="0">
                 <a:solidFill>
                   <a:schemeClr val="dk1"/>
                 </a:solidFill>
@@ -6225,7 +6505,7 @@
                 <a:sym typeface="Calibri" pitchFamily="34" charset="0"/>
               </a:defRPr>
             </a:lvl1pPr>
-            <a:lvl2pPr algn="l" fontAlgn="base" indent="0" latinLnBrk="1" marL="457200" rtl="0">
+            <a:lvl2pPr marL="457200" indent="0" algn="l" rtl="0" fontAlgn="base" latinLnBrk="1">
               <a:lnSpc>
                 <a:spcPct val="100000"/>
               </a:lnSpc>
@@ -6237,7 +6517,7 @@
               </a:spcAft>
               <a:buFontTx/>
               <a:buNone/>
-              <a:defRPr baseline="0" b="0" sz="1800" i="0" u="none">
+              <a:defRPr sz="1800" b="0" i="0" u="none" baseline="0">
                 <a:solidFill>
                   <a:schemeClr val="dk1"/>
                 </a:solidFill>
@@ -6246,7 +6526,7 @@
                 <a:sym typeface="Calibri" pitchFamily="34" charset="0"/>
               </a:defRPr>
             </a:lvl2pPr>
-            <a:lvl3pPr algn="l" fontAlgn="base" indent="0" latinLnBrk="1" marL="914400" rtl="0">
+            <a:lvl3pPr marL="914400" indent="0" algn="l" rtl="0" fontAlgn="base" latinLnBrk="1">
               <a:lnSpc>
                 <a:spcPct val="100000"/>
               </a:lnSpc>
@@ -6258,7 +6538,7 @@
               </a:spcAft>
               <a:buFontTx/>
               <a:buNone/>
-              <a:defRPr baseline="0" b="0" sz="1800" i="0" u="none">
+              <a:defRPr sz="1800" b="0" i="0" u="none" baseline="0">
                 <a:solidFill>
                   <a:schemeClr val="dk1"/>
                 </a:solidFill>
@@ -6267,7 +6547,7 @@
                 <a:sym typeface="Calibri" pitchFamily="34" charset="0"/>
               </a:defRPr>
             </a:lvl3pPr>
-            <a:lvl4pPr algn="l" fontAlgn="base" indent="0" latinLnBrk="1" marL="1371600" rtl="0">
+            <a:lvl4pPr marL="1371600" indent="0" algn="l" rtl="0" fontAlgn="base" latinLnBrk="1">
               <a:lnSpc>
                 <a:spcPct val="100000"/>
               </a:lnSpc>
@@ -6279,7 +6559,7 @@
               </a:spcAft>
               <a:buFontTx/>
               <a:buNone/>
-              <a:defRPr baseline="0" b="0" sz="1800" i="0" u="none">
+              <a:defRPr sz="1800" b="0" i="0" u="none" baseline="0">
                 <a:solidFill>
                   <a:schemeClr val="dk1"/>
                 </a:solidFill>
@@ -6288,7 +6568,7 @@
                 <a:sym typeface="Calibri" pitchFamily="34" charset="0"/>
               </a:defRPr>
             </a:lvl4pPr>
-            <a:lvl5pPr algn="l" fontAlgn="base" indent="0" latinLnBrk="1" marL="1828800" rtl="0">
+            <a:lvl5pPr marL="1828800" indent="0" algn="l" rtl="0" fontAlgn="base" latinLnBrk="1">
               <a:lnSpc>
                 <a:spcPct val="100000"/>
               </a:lnSpc>
@@ -6300,7 +6580,7 @@
               </a:spcAft>
               <a:buFontTx/>
               <a:buNone/>
-              <a:defRPr baseline="0" b="0" sz="1800" i="0" u="none">
+              <a:defRPr sz="1800" b="0" i="0" u="none" baseline="0">
                 <a:solidFill>
                   <a:schemeClr val="dk1"/>
                 </a:solidFill>
@@ -6311,9 +6591,9 @@
             </a:lvl5pPr>
           </a:lstStyle>
           <a:p>
-            <a:pPr eaLnBrk="1" hangingPunct="1" latinLnBrk="1" lvl="0"/>
-            <a:r>
-              <a:rPr altLang="en-US" b="1" sz="3200" lang="zh-CN">
+            <a:pPr lvl="0" eaLnBrk="1" latinLnBrk="1" hangingPunct="1"/>
+            <a:r>
+              <a:rPr lang="zh-CN" altLang="en-US" sz="3200" b="1">
                 <a:solidFill>
                   <a:srgbClr val="FF0000"/>
                 </a:solidFill>
@@ -6327,27 +6607,29 @@
       </p:sp>
       <p:sp>
         <p:nvSpPr>
-          <p:cNvPr id="1048581" name=""/>
+          <p:cNvPr id="1048581" name="矩形 1048580"/>
           <p:cNvSpPr/>
           <p:nvPr/>
         </p:nvSpPr>
         <p:spPr>
-          <a:xfrm rot="0">
+          <a:xfrm>
             <a:off x="682625" y="1276350"/>
-            <a:ext cx="7320281" cy="4917440"/>
+            <a:ext cx="7353295" cy="5016758"/>
           </a:xfrm>
-          <a:prstGeom prst="rect"/>
+          <a:prstGeom prst="rect">
+            <a:avLst/>
+          </a:prstGeom>
           <a:noFill/>
           <a:ln>
             <a:noFill/>
           </a:ln>
         </p:spPr>
         <p:txBody>
-          <a:bodyPr anchor="t" bIns="45720" lIns="91440" rIns="91440" tIns="45720" vert="horz" wrap="none">
+          <a:bodyPr vert="horz" wrap="none" lIns="91440" tIns="45720" rIns="91440" bIns="45720" anchor="t">
             <a:spAutoFit/>
           </a:bodyPr>
           <a:lstStyle>
-            <a:lvl1pPr algn="l" fontAlgn="base" indent="0" latinLnBrk="1" marL="0" rtl="0">
+            <a:lvl1pPr marL="0" indent="0" algn="l" rtl="0" fontAlgn="base" latinLnBrk="1">
               <a:lnSpc>
                 <a:spcPct val="100000"/>
               </a:lnSpc>
@@ -6359,7 +6641,7 @@
               </a:spcAft>
               <a:buFontTx/>
               <a:buNone/>
-              <a:defRPr baseline="0" b="0" sz="1800" i="0" u="none">
+              <a:defRPr sz="1800" b="0" i="0" u="none" baseline="0">
                 <a:solidFill>
                   <a:schemeClr val="dk1"/>
                 </a:solidFill>
@@ -6368,7 +6650,7 @@
                 <a:sym typeface="Calibri" pitchFamily="34" charset="0"/>
               </a:defRPr>
             </a:lvl1pPr>
-            <a:lvl2pPr algn="l" fontAlgn="base" indent="0" latinLnBrk="1" marL="457200" rtl="0">
+            <a:lvl2pPr marL="457200" indent="0" algn="l" rtl="0" fontAlgn="base" latinLnBrk="1">
               <a:lnSpc>
                 <a:spcPct val="100000"/>
               </a:lnSpc>
@@ -6380,7 +6662,7 @@
               </a:spcAft>
               <a:buFontTx/>
               <a:buNone/>
-              <a:defRPr baseline="0" b="0" sz="1800" i="0" u="none">
+              <a:defRPr sz="1800" b="0" i="0" u="none" baseline="0">
                 <a:solidFill>
                   <a:schemeClr val="dk1"/>
                 </a:solidFill>
@@ -6389,7 +6671,7 @@
                 <a:sym typeface="Calibri" pitchFamily="34" charset="0"/>
               </a:defRPr>
             </a:lvl2pPr>
-            <a:lvl3pPr algn="l" fontAlgn="base" indent="0" latinLnBrk="1" marL="914400" rtl="0">
+            <a:lvl3pPr marL="914400" indent="0" algn="l" rtl="0" fontAlgn="base" latinLnBrk="1">
               <a:lnSpc>
                 <a:spcPct val="100000"/>
               </a:lnSpc>
@@ -6401,7 +6683,7 @@
               </a:spcAft>
               <a:buFontTx/>
               <a:buNone/>
-              <a:defRPr baseline="0" b="0" sz="1800" i="0" u="none">
+              <a:defRPr sz="1800" b="0" i="0" u="none" baseline="0">
                 <a:solidFill>
                   <a:schemeClr val="dk1"/>
                 </a:solidFill>
@@ -6410,7 +6692,7 @@
                 <a:sym typeface="Calibri" pitchFamily="34" charset="0"/>
               </a:defRPr>
             </a:lvl3pPr>
-            <a:lvl4pPr algn="l" fontAlgn="base" indent="0" latinLnBrk="1" marL="1371600" rtl="0">
+            <a:lvl4pPr marL="1371600" indent="0" algn="l" rtl="0" fontAlgn="base" latinLnBrk="1">
               <a:lnSpc>
                 <a:spcPct val="100000"/>
               </a:lnSpc>
@@ -6422,7 +6704,7 @@
               </a:spcAft>
               <a:buFontTx/>
               <a:buNone/>
-              <a:defRPr baseline="0" b="0" sz="1800" i="0" u="none">
+              <a:defRPr sz="1800" b="0" i="0" u="none" baseline="0">
                 <a:solidFill>
                   <a:schemeClr val="dk1"/>
                 </a:solidFill>
@@ -6431,7 +6713,7 @@
                 <a:sym typeface="Calibri" pitchFamily="34" charset="0"/>
               </a:defRPr>
             </a:lvl4pPr>
-            <a:lvl5pPr algn="l" fontAlgn="base" indent="0" latinLnBrk="1" marL="1828800" rtl="0">
+            <a:lvl5pPr marL="1828800" indent="0" algn="l" rtl="0" fontAlgn="base" latinLnBrk="1">
               <a:lnSpc>
                 <a:spcPct val="100000"/>
               </a:lnSpc>
@@ -6443,7 +6725,7 @@
               </a:spcAft>
               <a:buFontTx/>
               <a:buNone/>
-              <a:defRPr baseline="0" b="0" sz="1800" i="0" u="none">
+              <a:defRPr sz="1800" b="0" i="0" u="none" baseline="0">
                 <a:solidFill>
                   <a:schemeClr val="dk1"/>
                 </a:solidFill>
@@ -6454,16 +6736,16 @@
             </a:lvl5pPr>
           </a:lstStyle>
           <a:p>
-            <a:pPr eaLnBrk="1" hangingPunct="1" latinLnBrk="1" lvl="0"/>
-            <a:r>
-              <a:rPr altLang="zh-CN" b="1" sz="3200" lang="en-US">
+            <a:pPr lvl="0" eaLnBrk="1" latinLnBrk="1" hangingPunct="1"/>
+            <a:r>
+              <a:rPr lang="en-US" altLang="zh-CN" sz="3200" b="1" dirty="0">
                 <a:latin typeface="华文楷体" pitchFamily="2" charset="-122"/>
                 <a:ea typeface="华文楷体" pitchFamily="2" charset="-122"/>
               </a:rPr>
               <a:t>1.</a:t>
             </a:r>
             <a:r>
-              <a:rPr altLang="en-US" b="1" sz="3200" lang="zh-CN">
+              <a:rPr lang="zh-CN" altLang="en-US" sz="3200" b="1" dirty="0">
                 <a:latin typeface="华文楷体" pitchFamily="2" charset="-122"/>
                 <a:ea typeface="华文楷体" pitchFamily="2" charset="-122"/>
               </a:rPr>
@@ -6471,23 +6753,23 @@
             </a:r>
           </a:p>
           <a:p>
-            <a:pPr eaLnBrk="1" hangingPunct="1" latinLnBrk="1" lvl="0"/>
-            <a:r>
-              <a:rPr altLang="en-US" b="1" sz="3200" lang="zh-CN">
+            <a:pPr lvl="0" eaLnBrk="1" latinLnBrk="1" hangingPunct="1"/>
+            <a:r>
+              <a:rPr lang="zh-CN" altLang="en-US" sz="3200" b="1" dirty="0">
                 <a:latin typeface="华文楷体" pitchFamily="2" charset="-122"/>
                 <a:ea typeface="华文楷体" pitchFamily="2" charset="-122"/>
               </a:rPr>
               <a:t>（</a:t>
             </a:r>
             <a:r>
-              <a:rPr altLang="zh-CN" b="1" sz="3200" lang="en-US">
+              <a:rPr lang="en-US" altLang="zh-CN" sz="3200" b="1" dirty="0">
                 <a:latin typeface="华文楷体" pitchFamily="2" charset="-122"/>
                 <a:ea typeface="华文楷体" pitchFamily="2" charset="-122"/>
               </a:rPr>
               <a:t>1</a:t>
             </a:r>
             <a:r>
-              <a:rPr altLang="en-US" b="1" sz="3200" lang="zh-CN">
+              <a:rPr lang="zh-CN" altLang="en-US" sz="3200" b="1" dirty="0">
                 <a:latin typeface="华文楷体" pitchFamily="2" charset="-122"/>
                 <a:ea typeface="华文楷体" pitchFamily="2" charset="-122"/>
               </a:rPr>
@@ -6495,71 +6777,82 @@
             </a:r>
           </a:p>
           <a:p>
-            <a:pPr eaLnBrk="1" hangingPunct="1" latinLnBrk="1" lvl="0"/>
-            <a:r>
-              <a:rPr altLang="en-US" b="1" sz="3200" lang="zh-CN">
+            <a:pPr lvl="0" eaLnBrk="1" latinLnBrk="1" hangingPunct="1"/>
+            <a:r>
+              <a:rPr lang="zh-CN" altLang="en-US" sz="3200" b="1" dirty="0">
                 <a:latin typeface="华文楷体" pitchFamily="2" charset="-122"/>
                 <a:ea typeface="华文楷体" pitchFamily="2" charset="-122"/>
               </a:rPr>
               <a:t>（</a:t>
             </a:r>
             <a:r>
-              <a:rPr altLang="zh-CN" b="1" sz="3200" lang="en-US">
+              <a:rPr lang="en-US" altLang="zh-CN" sz="3200" b="1" dirty="0">
                 <a:latin typeface="华文楷体" pitchFamily="2" charset="-122"/>
                 <a:ea typeface="华文楷体" pitchFamily="2" charset="-122"/>
               </a:rPr>
               <a:t>2</a:t>
             </a:r>
             <a:r>
-              <a:rPr altLang="en-US" b="1" sz="3200" lang="zh-CN">
-                <a:latin typeface="华文楷体" pitchFamily="2" charset="-122"/>
-                <a:ea typeface="华文楷体" pitchFamily="2" charset="-122"/>
-              </a:rPr>
-              <a:t>）单调有界</a:t>
-            </a:r>
+              <a:rPr lang="zh-CN" altLang="en-US" sz="3200" b="1" dirty="0">
+                <a:latin typeface="华文楷体" pitchFamily="2" charset="-122"/>
+                <a:ea typeface="华文楷体" pitchFamily="2" charset="-122"/>
+              </a:rPr>
+              <a:t>）单调</a:t>
+            </a:r>
+            <a:r>
+              <a:rPr lang="zh-CN" altLang="en-US" sz="3200" b="1">
+                <a:latin typeface="华文楷体" pitchFamily="2" charset="-122"/>
+                <a:ea typeface="华文楷体" pitchFamily="2" charset="-122"/>
+              </a:rPr>
+              <a:t>有界  </a:t>
+            </a:r>
+            <a:endParaRPr lang="zh-CN" altLang="en-US" sz="3200" b="1" dirty="0">
+              <a:latin typeface="华文楷体" pitchFamily="2" charset="-122"/>
+              <a:ea typeface="华文楷体" pitchFamily="2" charset="-122"/>
+            </a:endParaRPr>
           </a:p>
           <a:p>
-            <a:pPr eaLnBrk="1" hangingPunct="1" latinLnBrk="1" lvl="0"/>
-            <a:r>
-              <a:rPr altLang="en-US" b="1" sz="3200" lang="zh-CN">
+            <a:pPr lvl="0" eaLnBrk="1" latinLnBrk="1" hangingPunct="1"/>
+            <a:r>
+              <a:rPr lang="zh-CN" altLang="en-US" sz="3200" b="1" dirty="0">
                 <a:latin typeface="华文楷体" pitchFamily="2" charset="-122"/>
                 <a:ea typeface="华文楷体" pitchFamily="2" charset="-122"/>
               </a:rPr>
               <a:t>（</a:t>
             </a:r>
             <a:r>
-              <a:rPr altLang="zh-CN" b="1" sz="3200" lang="en-US">
+              <a:rPr lang="en-US" altLang="zh-CN" sz="3200" b="1" dirty="0">
                 <a:latin typeface="华文楷体" pitchFamily="2" charset="-122"/>
                 <a:ea typeface="华文楷体" pitchFamily="2" charset="-122"/>
               </a:rPr>
               <a:t>3</a:t>
             </a:r>
             <a:r>
-              <a:rPr altLang="en-US" b="1" sz="3200" lang="zh-CN">
-                <a:latin typeface="华文楷体" pitchFamily="2" charset="-122"/>
-                <a:ea typeface="华文楷体" pitchFamily="2" charset="-122"/>
-              </a:rPr>
-              <a:t>）重要极限</a:t>
+              <a:rPr lang="zh-CN" altLang="en-US" sz="3200" b="1" dirty="0">
+                <a:latin typeface="华文楷体" pitchFamily="2" charset="-122"/>
+                <a:ea typeface="华文楷体" pitchFamily="2" charset="-122"/>
+              </a:rPr>
+              <a:t>）重要极限  </a:t>
             </a:r>
           </a:p>
           <a:p>
-            <a:pPr eaLnBrk="1" hangingPunct="1" latinLnBrk="1" lvl="0"/>
-            <a:r>
-              <a:rPr altLang="en-US" b="1" sz="3200" lang="zh-CN">
+            <a:pPr lvl="0" eaLnBrk="1" latinLnBrk="1" hangingPunct="1"/>
+            <a:r>
+              <a:rPr lang="zh-CN" altLang="en-US" sz="3200" b="1" dirty="0">
                 <a:latin typeface="华文楷体" pitchFamily="2" charset="-122"/>
                 <a:ea typeface="华文楷体" pitchFamily="2" charset="-122"/>
               </a:rPr>
               <a:t>（</a:t>
             </a:r>
             <a:r>
-              <a:rPr altLang="zh-CN" b="1" sz="3200" lang="en-US">
+              <a:rPr lang="en-US" altLang="zh-CN" sz="3200" b="1" dirty="0">
                 <a:latin typeface="华文楷体" pitchFamily="2" charset="-122"/>
                 <a:ea typeface="华文楷体" pitchFamily="2" charset="-122"/>
               </a:rPr>
               <a:t>4</a:t>
             </a:r>
             <a:r>
-              <a:rPr altLang="en-US" b="1" sz="3200" lang="zh-CN">
+              <a:rPr lang="zh-CN" altLang="en-US" sz="3200" b="1" dirty="0">
                 <a:latin typeface="华文楷体" pitchFamily="2" charset="-122"/>
                 <a:ea typeface="华文楷体" pitchFamily="2" charset="-122"/>
               </a:rPr>
@@ -6567,23 +6860,23 @@
             </a:r>
           </a:p>
           <a:p>
-            <a:pPr eaLnBrk="1" hangingPunct="1" latinLnBrk="1" lvl="0"/>
-            <a:r>
-              <a:rPr altLang="en-US" b="1" sz="3200" lang="zh-CN">
+            <a:pPr lvl="0" eaLnBrk="1" latinLnBrk="1" hangingPunct="1"/>
+            <a:r>
+              <a:rPr lang="zh-CN" altLang="en-US" sz="3200" b="1" dirty="0">
                 <a:latin typeface="华文楷体" pitchFamily="2" charset="-122"/>
                 <a:ea typeface="华文楷体" pitchFamily="2" charset="-122"/>
               </a:rPr>
               <a:t>（</a:t>
             </a:r>
             <a:r>
-              <a:rPr altLang="zh-CN" b="1" sz="3200" lang="en-US">
+              <a:rPr lang="en-US" altLang="zh-CN" sz="3200" b="1" dirty="0">
                 <a:latin typeface="华文楷体" pitchFamily="2" charset="-122"/>
                 <a:ea typeface="华文楷体" pitchFamily="2" charset="-122"/>
               </a:rPr>
               <a:t>5</a:t>
             </a:r>
             <a:r>
-              <a:rPr altLang="en-US" b="1" sz="3200" lang="zh-CN">
+              <a:rPr lang="zh-CN" altLang="en-US" sz="3200" b="1" dirty="0">
                 <a:latin typeface="华文楷体" pitchFamily="2" charset="-122"/>
                 <a:ea typeface="华文楷体" pitchFamily="2" charset="-122"/>
               </a:rPr>
@@ -6591,16 +6884,16 @@
             </a:r>
           </a:p>
           <a:p>
-            <a:pPr eaLnBrk="1" hangingPunct="1" latinLnBrk="1" lvl="0"/>
-            <a:r>
-              <a:rPr altLang="zh-CN" b="1" sz="3200" lang="en-US">
+            <a:pPr lvl="0" eaLnBrk="1" latinLnBrk="1" hangingPunct="1"/>
+            <a:r>
+              <a:rPr lang="en-US" altLang="zh-CN" sz="3200" b="1" dirty="0">
                 <a:latin typeface="华文楷体" pitchFamily="2" charset="-122"/>
                 <a:ea typeface="华文楷体" pitchFamily="2" charset="-122"/>
               </a:rPr>
               <a:t>   (6)  </a:t>
             </a:r>
             <a:r>
-              <a:rPr altLang="en-US" b="1" sz="3200" lang="zh-CN">
+              <a:rPr lang="zh-CN" altLang="en-US" sz="3200" b="1" dirty="0">
                 <a:latin typeface="华文楷体" pitchFamily="2" charset="-122"/>
                 <a:ea typeface="华文楷体" pitchFamily="2" charset="-122"/>
               </a:rPr>
@@ -6608,23 +6901,23 @@
             </a:r>
           </a:p>
           <a:p>
-            <a:pPr eaLnBrk="1" hangingPunct="1" latinLnBrk="1" lvl="0"/>
-            <a:r>
-              <a:rPr altLang="en-US" b="1" sz="3200" lang="zh-CN">
+            <a:pPr lvl="0" eaLnBrk="1" latinLnBrk="1" hangingPunct="1"/>
+            <a:r>
+              <a:rPr lang="zh-CN" altLang="en-US" sz="3200" b="1" dirty="0">
                 <a:latin typeface="华文楷体" pitchFamily="2" charset="-122"/>
                 <a:ea typeface="华文楷体" pitchFamily="2" charset="-122"/>
               </a:rPr>
               <a:t>（</a:t>
             </a:r>
             <a:r>
-              <a:rPr altLang="zh-CN" b="1" sz="3200" lang="en-US">
+              <a:rPr lang="en-US" altLang="zh-CN" sz="3200" b="1" dirty="0">
                 <a:latin typeface="华文楷体" pitchFamily="2" charset="-122"/>
                 <a:ea typeface="华文楷体" pitchFamily="2" charset="-122"/>
               </a:rPr>
               <a:t>7</a:t>
             </a:r>
             <a:r>
-              <a:rPr altLang="en-US" b="1" sz="3200" lang="zh-CN">
+              <a:rPr lang="zh-CN" altLang="en-US" sz="3200" b="1" dirty="0">
                 <a:latin typeface="华文楷体" pitchFamily="2" charset="-122"/>
                 <a:ea typeface="华文楷体" pitchFamily="2" charset="-122"/>
               </a:rPr>
@@ -6632,47 +6925,47 @@
             </a:r>
           </a:p>
           <a:p>
-            <a:pPr eaLnBrk="1" hangingPunct="1" latinLnBrk="1" lvl="0"/>
-            <a:r>
-              <a:rPr altLang="en-US" b="1" sz="3200" lang="zh-CN">
+            <a:pPr lvl="0" eaLnBrk="1" latinLnBrk="1" hangingPunct="1"/>
+            <a:r>
+              <a:rPr lang="zh-CN" altLang="en-US" sz="3200" b="1" dirty="0">
                 <a:latin typeface="华文楷体" pitchFamily="2" charset="-122"/>
                 <a:ea typeface="华文楷体" pitchFamily="2" charset="-122"/>
               </a:rPr>
               <a:t>（</a:t>
             </a:r>
             <a:r>
-              <a:rPr altLang="zh-CN" b="1" sz="3200" lang="en-US">
+              <a:rPr lang="en-US" altLang="zh-CN" sz="3200" b="1" dirty="0">
                 <a:latin typeface="华文楷体" pitchFamily="2" charset="-122"/>
                 <a:ea typeface="华文楷体" pitchFamily="2" charset="-122"/>
               </a:rPr>
               <a:t>8</a:t>
             </a:r>
             <a:r>
-              <a:rPr altLang="en-US" b="1" sz="3200" lang="zh-CN">
-                <a:latin typeface="华文楷体" pitchFamily="2" charset="-122"/>
-                <a:ea typeface="华文楷体" pitchFamily="2" charset="-122"/>
-              </a:rPr>
-              <a:t>）定积分的定义</a:t>
+              <a:rPr lang="zh-CN" altLang="en-US" sz="3200" b="1" dirty="0">
+                <a:latin typeface="华文楷体" pitchFamily="2" charset="-122"/>
+                <a:ea typeface="华文楷体" pitchFamily="2" charset="-122"/>
+              </a:rPr>
+              <a:t>）定积分的定义       </a:t>
             </a:r>
           </a:p>
           <a:p>
-            <a:pPr eaLnBrk="1" hangingPunct="1" latinLnBrk="1" lvl="0"/>
-            <a:r>
-              <a:rPr altLang="en-US" b="1" sz="3200" lang="zh-CN">
+            <a:pPr lvl="0" eaLnBrk="1" latinLnBrk="1" hangingPunct="1"/>
+            <a:r>
+              <a:rPr lang="zh-CN" altLang="en-US" sz="3200" b="1" dirty="0">
                 <a:latin typeface="华文楷体" pitchFamily="2" charset="-122"/>
                 <a:ea typeface="华文楷体" pitchFamily="2" charset="-122"/>
               </a:rPr>
               <a:t>（</a:t>
             </a:r>
             <a:r>
-              <a:rPr altLang="zh-CN" b="1" sz="3200" lang="en-US">
+              <a:rPr lang="en-US" altLang="zh-CN" sz="3200" b="1" dirty="0">
                 <a:latin typeface="华文楷体" pitchFamily="2" charset="-122"/>
                 <a:ea typeface="华文楷体" pitchFamily="2" charset="-122"/>
               </a:rPr>
               <a:t>9</a:t>
             </a:r>
             <a:r>
-              <a:rPr altLang="en-US" b="1" sz="3200" lang="zh-CN">
+              <a:rPr lang="zh-CN" altLang="en-US" sz="3200" b="1" dirty="0">
                 <a:latin typeface="华文楷体" pitchFamily="2" charset="-122"/>
                 <a:ea typeface="华文楷体" pitchFamily="2" charset="-122"/>
               </a:rPr>
@@ -6689,32 +6982,32 @@
   <p:timing>
     <p:tnLst>
       <p:par>
-        <p:cTn dur="indefinite" id="1" nodeType="tmRoot">
+        <p:cTn id="1" dur="indefinite" restart="never" nodeType="tmRoot">
           <p:childTnLst>
             <p:seq concurrent="1" nextAc="seek">
-              <p:cTn dur="indefinite" id="2" nodeType="mainSeq">
+              <p:cTn id="2" dur="indefinite" nodeType="mainSeq">
                 <p:childTnLst>
                   <p:par>
-                    <p:cTn fill="hold" id="3" nodeType="clickPar">
+                    <p:cTn id="3" fill="hold" nodeType="clickPar">
                       <p:stCondLst>
                         <p:cond delay="indefinite"/>
                       </p:stCondLst>
                       <p:childTnLst>
                         <p:par>
-                          <p:cTn fill="hold" id="4" nodeType="withGroup">
+                          <p:cTn id="4" fill="hold" nodeType="withGroup">
                             <p:stCondLst>
                               <p:cond delay="0"/>
                             </p:stCondLst>
                             <p:childTnLst>
                               <p:par>
-                                <p:cTn fill="hold" grpId="0" id="5" nodeType="clickEffect" presetClass="entr" presetID="3" presetSubtype="10">
+                                <p:cTn id="5" presetID="3" presetClass="entr" presetSubtype="10" fill="hold" grpId="0" nodeType="clickEffect">
                                   <p:stCondLst>
                                     <p:cond delay="0"/>
                                   </p:stCondLst>
                                   <p:childTnLst>
                                     <p:set>
                                       <p:cBhvr>
-                                        <p:cTn dur="1" fill="hold" id="6">
+                                        <p:cTn id="6" dur="1" fill="hold">
                                           <p:stCondLst>
                                             <p:cond delay="0"/>
                                           </p:stCondLst>
@@ -6732,7 +7025,7 @@
                                     </p:set>
                                     <p:animEffect transition="in" filter="blinds(horizontal)">
                                       <p:cBhvr>
-                                        <p:cTn dur="500" id="7"/>
+                                        <p:cTn id="7" dur="500"/>
                                         <p:tgtEl>
                                           <p:spTgt spid="1048581"/>
                                         </p:tgtEl>
@@ -6769,23 +7062,23 @@
       </p:par>
     </p:tnLst>
     <p:bldLst>
-      <p:bldP spid="1048581" grpId="0" uiExpand="0" build="whole"/>
+      <p:bldP spid="1048581" grpId="0"/>
     </p:bldLst>
   </p:timing>
 </p:sld>
 </file>
 
 <file path=ppt/slides/slide4.xml><?xml version="1.0" encoding="utf-8"?>
-<p:sld xmlns:a="http://schemas.openxmlformats.org/drawingml/2006/main" xmlns:r="http://schemas.openxmlformats.org/officeDocument/2006/relationships" xmlns:p="http://schemas.openxmlformats.org/presentationml/2006/main" showMasterSp="1">
+<p:sld xmlns:a="http://schemas.openxmlformats.org/drawingml/2006/main" xmlns:r="http://schemas.openxmlformats.org/officeDocument/2006/relationships" xmlns:p="http://schemas.openxmlformats.org/presentationml/2006/main">
   <p:cSld>
     <p:spTree>
       <p:nvGrpSpPr>
-        <p:cNvPr id="35" name=""/>
+        <p:cNvPr id="1" name=""/>
         <p:cNvGrpSpPr/>
         <p:nvPr/>
       </p:nvGrpSpPr>
       <p:grpSpPr>
-        <a:xfrm rot="0">
+        <a:xfrm>
           <a:off x="0" y="0"/>
           <a:ext cx="0" cy="0"/>
           <a:chOff x="0" y="0"/>
@@ -6794,27 +7087,29 @@
       </p:grpSpPr>
       <p:sp>
         <p:nvSpPr>
-          <p:cNvPr id="1048582" name=""/>
+          <p:cNvPr id="1048582" name="矩形 1048581"/>
           <p:cNvSpPr/>
           <p:nvPr/>
         </p:nvSpPr>
         <p:spPr>
-          <a:xfrm rot="0">
+          <a:xfrm>
             <a:off x="1036637" y="873125"/>
             <a:ext cx="4526280" cy="3952240"/>
           </a:xfrm>
-          <a:prstGeom prst="rect"/>
+          <a:prstGeom prst="rect">
+            <a:avLst/>
+          </a:prstGeom>
           <a:noFill/>
           <a:ln>
             <a:noFill/>
           </a:ln>
         </p:spPr>
         <p:txBody>
-          <a:bodyPr anchor="t" bIns="45720" lIns="91440" rIns="91440" tIns="45720" vert="horz" wrap="none">
+          <a:bodyPr vert="horz" wrap="none" lIns="91440" tIns="45720" rIns="91440" bIns="45720" anchor="t">
             <a:spAutoFit/>
           </a:bodyPr>
           <a:lstStyle>
-            <a:lvl1pPr algn="l" fontAlgn="base" indent="0" latinLnBrk="1" marL="0" rtl="0">
+            <a:lvl1pPr marL="0" indent="0" algn="l" rtl="0" fontAlgn="base" latinLnBrk="1">
               <a:lnSpc>
                 <a:spcPct val="100000"/>
               </a:lnSpc>
@@ -6826,7 +7121,7 @@
               </a:spcAft>
               <a:buFontTx/>
               <a:buNone/>
-              <a:defRPr baseline="0" b="0" sz="1800" i="0" u="none">
+              <a:defRPr sz="1800" b="0" i="0" u="none" baseline="0">
                 <a:solidFill>
                   <a:schemeClr val="dk1"/>
                 </a:solidFill>
@@ -6835,7 +7130,7 @@
                 <a:sym typeface="Calibri" pitchFamily="34" charset="0"/>
               </a:defRPr>
             </a:lvl1pPr>
-            <a:lvl2pPr algn="l" fontAlgn="base" indent="0" latinLnBrk="1" marL="457200" rtl="0">
+            <a:lvl2pPr marL="457200" indent="0" algn="l" rtl="0" fontAlgn="base" latinLnBrk="1">
               <a:lnSpc>
                 <a:spcPct val="100000"/>
               </a:lnSpc>
@@ -6847,7 +7142,7 @@
               </a:spcAft>
               <a:buFontTx/>
               <a:buNone/>
-              <a:defRPr baseline="0" b="0" sz="1800" i="0" u="none">
+              <a:defRPr sz="1800" b="0" i="0" u="none" baseline="0">
                 <a:solidFill>
                   <a:schemeClr val="dk1"/>
                 </a:solidFill>
@@ -6856,7 +7151,7 @@
                 <a:sym typeface="Calibri" pitchFamily="34" charset="0"/>
               </a:defRPr>
             </a:lvl2pPr>
-            <a:lvl3pPr algn="l" fontAlgn="base" indent="0" latinLnBrk="1" marL="914400" rtl="0">
+            <a:lvl3pPr marL="914400" indent="0" algn="l" rtl="0" fontAlgn="base" latinLnBrk="1">
               <a:lnSpc>
                 <a:spcPct val="100000"/>
               </a:lnSpc>
@@ -6868,7 +7163,7 @@
               </a:spcAft>
               <a:buFontTx/>
               <a:buNone/>
-              <a:defRPr baseline="0" b="0" sz="1800" i="0" u="none">
+              <a:defRPr sz="1800" b="0" i="0" u="none" baseline="0">
                 <a:solidFill>
                   <a:schemeClr val="dk1"/>
                 </a:solidFill>
@@ -6877,7 +7172,7 @@
                 <a:sym typeface="Calibri" pitchFamily="34" charset="0"/>
               </a:defRPr>
             </a:lvl3pPr>
-            <a:lvl4pPr algn="l" fontAlgn="base" indent="0" latinLnBrk="1" marL="1371600" rtl="0">
+            <a:lvl4pPr marL="1371600" indent="0" algn="l" rtl="0" fontAlgn="base" latinLnBrk="1">
               <a:lnSpc>
                 <a:spcPct val="100000"/>
               </a:lnSpc>
@@ -6889,7 +7184,7 @@
               </a:spcAft>
               <a:buFontTx/>
               <a:buNone/>
-              <a:defRPr baseline="0" b="0" sz="1800" i="0" u="none">
+              <a:defRPr sz="1800" b="0" i="0" u="none" baseline="0">
                 <a:solidFill>
                   <a:schemeClr val="dk1"/>
                 </a:solidFill>
@@ -6898,7 +7193,7 @@
                 <a:sym typeface="Calibri" pitchFamily="34" charset="0"/>
               </a:defRPr>
             </a:lvl4pPr>
-            <a:lvl5pPr algn="l" fontAlgn="base" indent="0" latinLnBrk="1" marL="1828800" rtl="0">
+            <a:lvl5pPr marL="1828800" indent="0" algn="l" rtl="0" fontAlgn="base" latinLnBrk="1">
               <a:lnSpc>
                 <a:spcPct val="100000"/>
               </a:lnSpc>
@@ -6910,7 +7205,7 @@
               </a:spcAft>
               <a:buFontTx/>
               <a:buNone/>
-              <a:defRPr baseline="0" b="0" sz="1800" i="0" u="none">
+              <a:defRPr sz="1800" b="0" i="0" u="none" baseline="0">
                 <a:solidFill>
                   <a:schemeClr val="dk1"/>
                 </a:solidFill>
@@ -6921,9 +7216,9 @@
             </a:lvl5pPr>
           </a:lstStyle>
           <a:p>
-            <a:pPr eaLnBrk="1" hangingPunct="1" latinLnBrk="1" lvl="0"/>
-            <a:r>
-              <a:rPr altLang="zh-CN" b="1" sz="3200" lang="en-US">
+            <a:pPr lvl="0" eaLnBrk="1" latinLnBrk="1" hangingPunct="1"/>
+            <a:r>
+              <a:rPr lang="en-US" altLang="zh-CN" sz="3200" b="1">
                 <a:solidFill>
                   <a:srgbClr val="FF0000"/>
                 </a:solidFill>
@@ -6933,7 +7228,7 @@
               <a:t>2.</a:t>
             </a:r>
             <a:r>
-              <a:rPr altLang="en-US" b="1" sz="3200" lang="zh-CN">
+              <a:rPr lang="zh-CN" altLang="en-US" sz="3200" b="1">
                 <a:solidFill>
                   <a:srgbClr val="FF0000"/>
                 </a:solidFill>
@@ -6944,23 +7239,23 @@
             </a:r>
           </a:p>
           <a:p>
-            <a:pPr eaLnBrk="1" hangingPunct="1" latinLnBrk="1" lvl="0"/>
-            <a:r>
-              <a:rPr altLang="en-US" b="1" sz="3200" lang="zh-CN">
+            <a:pPr lvl="0" eaLnBrk="1" latinLnBrk="1" hangingPunct="1"/>
+            <a:r>
+              <a:rPr lang="zh-CN" altLang="en-US" sz="3200" b="1">
                 <a:latin typeface="华文楷体" pitchFamily="2" charset="-122"/>
                 <a:ea typeface="华文楷体" pitchFamily="2" charset="-122"/>
               </a:rPr>
               <a:t>（</a:t>
             </a:r>
             <a:r>
-              <a:rPr altLang="zh-CN" b="1" sz="3200" lang="en-US">
+              <a:rPr lang="en-US" altLang="zh-CN" sz="3200" b="1">
                 <a:latin typeface="华文楷体" pitchFamily="2" charset="-122"/>
                 <a:ea typeface="华文楷体" pitchFamily="2" charset="-122"/>
               </a:rPr>
               <a:t>1</a:t>
             </a:r>
             <a:r>
-              <a:rPr altLang="en-US" b="1" sz="3200" lang="zh-CN">
+              <a:rPr lang="zh-CN" altLang="en-US" sz="3200" b="1">
                 <a:latin typeface="华文楷体" pitchFamily="2" charset="-122"/>
                 <a:ea typeface="华文楷体" pitchFamily="2" charset="-122"/>
               </a:rPr>
@@ -6968,37 +7263,37 @@
             </a:r>
           </a:p>
           <a:p>
-            <a:pPr eaLnBrk="1" hangingPunct="1" latinLnBrk="1" lvl="0"/>
-            <a:r>
-              <a:rPr altLang="en-US" b="1" sz="3200" lang="zh-CN">
+            <a:pPr lvl="0" eaLnBrk="1" latinLnBrk="1" hangingPunct="1"/>
+            <a:r>
+              <a:rPr lang="zh-CN" altLang="en-US" sz="3200" b="1">
                 <a:latin typeface="华文楷体" pitchFamily="2" charset="-122"/>
                 <a:ea typeface="华文楷体" pitchFamily="2" charset="-122"/>
               </a:rPr>
               <a:t>（</a:t>
             </a:r>
             <a:r>
-              <a:rPr altLang="zh-CN" b="1" sz="3200" lang="en-US">
+              <a:rPr lang="en-US" altLang="zh-CN" sz="3200" b="1">
                 <a:latin typeface="华文楷体" pitchFamily="2" charset="-122"/>
                 <a:ea typeface="华文楷体" pitchFamily="2" charset="-122"/>
               </a:rPr>
               <a:t>2</a:t>
             </a:r>
             <a:r>
-              <a:rPr altLang="en-US" b="1" sz="3200" lang="zh-CN">
+              <a:rPr lang="zh-CN" altLang="en-US" sz="3200" b="1">
                 <a:latin typeface="华文楷体" pitchFamily="2" charset="-122"/>
                 <a:ea typeface="华文楷体" pitchFamily="2" charset="-122"/>
               </a:rPr>
               <a:t>）导数公式（</a:t>
             </a:r>
             <a:r>
-              <a:rPr altLang="zh-CN" b="1" sz="3200" lang="en-US">
+              <a:rPr lang="en-US" altLang="zh-CN" sz="3200" b="1">
                 <a:latin typeface="华文楷体" pitchFamily="2" charset="-122"/>
                 <a:ea typeface="华文楷体" pitchFamily="2" charset="-122"/>
               </a:rPr>
               <a:t>18</a:t>
             </a:r>
             <a:r>
-              <a:rPr altLang="en-US" b="1" sz="3200" lang="zh-CN">
+              <a:rPr lang="zh-CN" altLang="en-US" sz="3200" b="1">
                 <a:latin typeface="华文楷体" pitchFamily="2" charset="-122"/>
                 <a:ea typeface="华文楷体" pitchFamily="2" charset="-122"/>
               </a:rPr>
@@ -7006,23 +7301,23 @@
             </a:r>
           </a:p>
           <a:p>
-            <a:pPr eaLnBrk="1" hangingPunct="1" latinLnBrk="1" lvl="0"/>
-            <a:r>
-              <a:rPr altLang="en-US" b="1" sz="3200" lang="zh-CN">
+            <a:pPr lvl="0" eaLnBrk="1" latinLnBrk="1" hangingPunct="1"/>
+            <a:r>
+              <a:rPr lang="zh-CN" altLang="en-US" sz="3200" b="1">
                 <a:latin typeface="华文楷体" pitchFamily="2" charset="-122"/>
                 <a:ea typeface="华文楷体" pitchFamily="2" charset="-122"/>
               </a:rPr>
               <a:t>（</a:t>
             </a:r>
             <a:r>
-              <a:rPr altLang="zh-CN" b="1" sz="3200" lang="en-US">
+              <a:rPr lang="en-US" altLang="zh-CN" sz="3200" b="1">
                 <a:latin typeface="华文楷体" pitchFamily="2" charset="-122"/>
                 <a:ea typeface="华文楷体" pitchFamily="2" charset="-122"/>
               </a:rPr>
               <a:t>3</a:t>
             </a:r>
             <a:r>
-              <a:rPr altLang="en-US" b="1" sz="3200" lang="zh-CN">
+              <a:rPr lang="zh-CN" altLang="en-US" sz="3200" b="1">
                 <a:latin typeface="华文楷体" pitchFamily="2" charset="-122"/>
                 <a:ea typeface="华文楷体" pitchFamily="2" charset="-122"/>
               </a:rPr>
@@ -7030,23 +7325,23 @@
             </a:r>
           </a:p>
           <a:p>
-            <a:pPr eaLnBrk="1" hangingPunct="1" latinLnBrk="1" lvl="0"/>
-            <a:r>
-              <a:rPr altLang="en-US" b="1" sz="3200" lang="zh-CN">
+            <a:pPr lvl="0" eaLnBrk="1" latinLnBrk="1" hangingPunct="1"/>
+            <a:r>
+              <a:rPr lang="zh-CN" altLang="en-US" sz="3200" b="1">
                 <a:latin typeface="华文楷体" pitchFamily="2" charset="-122"/>
                 <a:ea typeface="华文楷体" pitchFamily="2" charset="-122"/>
               </a:rPr>
               <a:t>（</a:t>
             </a:r>
             <a:r>
-              <a:rPr altLang="zh-CN" b="1" sz="3200" lang="en-US">
+              <a:rPr lang="en-US" altLang="zh-CN" sz="3200" b="1">
                 <a:latin typeface="华文楷体" pitchFamily="2" charset="-122"/>
                 <a:ea typeface="华文楷体" pitchFamily="2" charset="-122"/>
               </a:rPr>
               <a:t>4</a:t>
             </a:r>
             <a:r>
-              <a:rPr altLang="en-US" b="1" sz="3200" lang="zh-CN">
+              <a:rPr lang="zh-CN" altLang="en-US" sz="3200" b="1">
                 <a:latin typeface="华文楷体" pitchFamily="2" charset="-122"/>
                 <a:ea typeface="华文楷体" pitchFamily="2" charset="-122"/>
               </a:rPr>
@@ -7054,23 +7349,23 @@
             </a:r>
           </a:p>
           <a:p>
-            <a:pPr eaLnBrk="1" hangingPunct="1" latinLnBrk="1" lvl="0"/>
-            <a:r>
-              <a:rPr altLang="en-US" b="1" sz="3200" lang="zh-CN">
+            <a:pPr lvl="0" eaLnBrk="1" latinLnBrk="1" hangingPunct="1"/>
+            <a:r>
+              <a:rPr lang="zh-CN" altLang="en-US" sz="3200" b="1">
                 <a:latin typeface="华文楷体" pitchFamily="2" charset="-122"/>
                 <a:ea typeface="华文楷体" pitchFamily="2" charset="-122"/>
               </a:rPr>
               <a:t>（</a:t>
             </a:r>
             <a:r>
-              <a:rPr altLang="zh-CN" b="1" sz="3200" lang="en-US">
+              <a:rPr lang="en-US" altLang="zh-CN" sz="3200" b="1">
                 <a:latin typeface="华文楷体" pitchFamily="2" charset="-122"/>
                 <a:ea typeface="华文楷体" pitchFamily="2" charset="-122"/>
               </a:rPr>
               <a:t>5</a:t>
             </a:r>
             <a:r>
-              <a:rPr altLang="en-US" b="1" sz="3200" lang="zh-CN">
+              <a:rPr lang="zh-CN" altLang="en-US" sz="3200" b="1">
                 <a:latin typeface="华文楷体" pitchFamily="2" charset="-122"/>
                 <a:ea typeface="华文楷体" pitchFamily="2" charset="-122"/>
               </a:rPr>
@@ -7078,16 +7373,16 @@
             </a:r>
           </a:p>
           <a:p>
-            <a:pPr eaLnBrk="1" hangingPunct="1" latinLnBrk="1" lvl="0"/>
-            <a:r>
-              <a:rPr altLang="zh-CN" b="1" sz="3200" lang="en-US">
+            <a:pPr lvl="0" eaLnBrk="1" latinLnBrk="1" hangingPunct="1"/>
+            <a:r>
+              <a:rPr lang="en-US" altLang="zh-CN" sz="3200" b="1">
                 <a:latin typeface="华文楷体" pitchFamily="2" charset="-122"/>
                 <a:ea typeface="华文楷体" pitchFamily="2" charset="-122"/>
               </a:rPr>
               <a:t>   (6)  </a:t>
             </a:r>
             <a:r>
-              <a:rPr altLang="en-US" b="1" sz="3200" lang="zh-CN">
+              <a:rPr lang="zh-CN" altLang="en-US" sz="3200" b="1">
                 <a:latin typeface="华文楷体" pitchFamily="2" charset="-122"/>
                 <a:ea typeface="华文楷体" pitchFamily="2" charset="-122"/>
               </a:rPr>
@@ -7095,23 +7390,23 @@
             </a:r>
           </a:p>
           <a:p>
-            <a:pPr eaLnBrk="1" hangingPunct="1" latinLnBrk="1" lvl="0"/>
-            <a:r>
-              <a:rPr altLang="en-US" b="1" sz="3200" lang="zh-CN">
+            <a:pPr lvl="0" eaLnBrk="1" latinLnBrk="1" hangingPunct="1"/>
+            <a:r>
+              <a:rPr lang="zh-CN" altLang="en-US" sz="3200" b="1">
                 <a:latin typeface="华文楷体" pitchFamily="2" charset="-122"/>
                 <a:ea typeface="华文楷体" pitchFamily="2" charset="-122"/>
               </a:rPr>
               <a:t>（</a:t>
             </a:r>
             <a:r>
-              <a:rPr altLang="zh-CN" b="1" sz="3200" lang="en-US">
+              <a:rPr lang="en-US" altLang="zh-CN" sz="3200" b="1">
                 <a:latin typeface="华文楷体" pitchFamily="2" charset="-122"/>
                 <a:ea typeface="华文楷体" pitchFamily="2" charset="-122"/>
               </a:rPr>
               <a:t>7</a:t>
             </a:r>
             <a:r>
-              <a:rPr altLang="en-US" b="1" sz="3200" lang="zh-CN">
+              <a:rPr lang="zh-CN" altLang="en-US" sz="3200" b="1">
                 <a:latin typeface="华文楷体" pitchFamily="2" charset="-122"/>
                 <a:ea typeface="华文楷体" pitchFamily="2" charset="-122"/>
               </a:rPr>
@@ -7128,32 +7423,32 @@
   <p:timing>
     <p:tnLst>
       <p:par>
-        <p:cTn dur="indefinite" id="1" nodeType="tmRoot">
+        <p:cTn id="1" dur="indefinite" restart="never" nodeType="tmRoot">
           <p:childTnLst>
             <p:seq concurrent="1" nextAc="seek">
-              <p:cTn dur="indefinite" id="2" nodeType="mainSeq">
+              <p:cTn id="2" dur="indefinite" nodeType="mainSeq">
                 <p:childTnLst>
                   <p:par>
-                    <p:cTn fill="hold" id="3" nodeType="clickPar">
+                    <p:cTn id="3" fill="hold" nodeType="clickPar">
                       <p:stCondLst>
                         <p:cond delay="indefinite"/>
                       </p:stCondLst>
                       <p:childTnLst>
                         <p:par>
-                          <p:cTn fill="hold" id="4" nodeType="withGroup">
+                          <p:cTn id="4" fill="hold" nodeType="withGroup">
                             <p:stCondLst>
                               <p:cond delay="0"/>
                             </p:stCondLst>
                             <p:childTnLst>
                               <p:par>
-                                <p:cTn fill="hold" grpId="0" id="5" nodeType="clickEffect" presetClass="entr" presetID="3" presetSubtype="10">
+                                <p:cTn id="5" presetID="3" presetClass="entr" presetSubtype="10" fill="hold" grpId="0" nodeType="clickEffect">
                                   <p:stCondLst>
                                     <p:cond delay="0"/>
                                   </p:stCondLst>
                                   <p:childTnLst>
                                     <p:set>
                                       <p:cBhvr>
-                                        <p:cTn dur="1" fill="hold" id="6">
+                                        <p:cTn id="6" dur="1" fill="hold">
                                           <p:stCondLst>
                                             <p:cond delay="0"/>
                                           </p:stCondLst>
@@ -7171,7 +7466,7 @@
                                     </p:set>
                                     <p:animEffect transition="in" filter="blinds(horizontal)">
                                       <p:cBhvr>
-                                        <p:cTn dur="500" id="7"/>
+                                        <p:cTn id="7" dur="500"/>
                                         <p:tgtEl>
                                           <p:spTgt spid="1048582"/>
                                         </p:tgtEl>
@@ -7208,23 +7503,23 @@
       </p:par>
     </p:tnLst>
     <p:bldLst>
-      <p:bldP spid="1048582" grpId="0" uiExpand="0" build="whole"/>
+      <p:bldP spid="1048582" grpId="0"/>
     </p:bldLst>
   </p:timing>
 </p:sld>
 </file>
 
 <file path=ppt/slides/slide5.xml><?xml version="1.0" encoding="utf-8"?>
-<p:sld xmlns:a="http://schemas.openxmlformats.org/drawingml/2006/main" xmlns:r="http://schemas.openxmlformats.org/officeDocument/2006/relationships" xmlns:p="http://schemas.openxmlformats.org/presentationml/2006/main" showMasterSp="1">
+<p:sld xmlns:a="http://schemas.openxmlformats.org/drawingml/2006/main" xmlns:r="http://schemas.openxmlformats.org/officeDocument/2006/relationships" xmlns:p="http://schemas.openxmlformats.org/presentationml/2006/main">
   <p:cSld>
     <p:spTree>
       <p:nvGrpSpPr>
-        <p:cNvPr id="36" name=""/>
+        <p:cNvPr id="1" name=""/>
         <p:cNvGrpSpPr/>
         <p:nvPr/>
       </p:nvGrpSpPr>
       <p:grpSpPr>
-        <a:xfrm rot="0">
+        <a:xfrm>
           <a:off x="0" y="0"/>
           <a:ext cx="0" cy="0"/>
           <a:chOff x="0" y="0"/>
@@ -7233,27 +7528,29 @@
       </p:grpSpPr>
       <p:sp>
         <p:nvSpPr>
-          <p:cNvPr id="1048583" name=""/>
+          <p:cNvPr id="1048583" name="矩形 1048582"/>
           <p:cNvSpPr/>
           <p:nvPr/>
         </p:nvSpPr>
         <p:spPr>
-          <a:xfrm rot="0">
+          <a:xfrm>
             <a:off x="1036637" y="873125"/>
             <a:ext cx="6913880" cy="4434840"/>
           </a:xfrm>
-          <a:prstGeom prst="rect"/>
+          <a:prstGeom prst="rect">
+            <a:avLst/>
+          </a:prstGeom>
           <a:noFill/>
           <a:ln>
             <a:noFill/>
           </a:ln>
         </p:spPr>
         <p:txBody>
-          <a:bodyPr anchor="t" bIns="45720" lIns="91440" rIns="91440" tIns="45720" vert="horz" wrap="none">
+          <a:bodyPr vert="horz" wrap="none" lIns="91440" tIns="45720" rIns="91440" bIns="45720" anchor="t">
             <a:spAutoFit/>
           </a:bodyPr>
           <a:lstStyle>
-            <a:lvl1pPr algn="l" fontAlgn="base" indent="0" latinLnBrk="1" marL="0" rtl="0">
+            <a:lvl1pPr marL="0" indent="0" algn="l" rtl="0" fontAlgn="base" latinLnBrk="1">
               <a:lnSpc>
                 <a:spcPct val="100000"/>
               </a:lnSpc>
@@ -7265,7 +7562,7 @@
               </a:spcAft>
               <a:buFontTx/>
               <a:buNone/>
-              <a:defRPr baseline="0" b="0" sz="1800" i="0" u="none">
+              <a:defRPr sz="1800" b="0" i="0" u="none" baseline="0">
                 <a:solidFill>
                   <a:schemeClr val="dk1"/>
                 </a:solidFill>
@@ -7274,7 +7571,7 @@
                 <a:sym typeface="Calibri" pitchFamily="34" charset="0"/>
               </a:defRPr>
             </a:lvl1pPr>
-            <a:lvl2pPr algn="l" fontAlgn="base" indent="0" latinLnBrk="1" marL="457200" rtl="0">
+            <a:lvl2pPr marL="457200" indent="0" algn="l" rtl="0" fontAlgn="base" latinLnBrk="1">
               <a:lnSpc>
                 <a:spcPct val="100000"/>
               </a:lnSpc>
@@ -7286,7 +7583,7 @@
               </a:spcAft>
               <a:buFontTx/>
               <a:buNone/>
-              <a:defRPr baseline="0" b="0" sz="1800" i="0" u="none">
+              <a:defRPr sz="1800" b="0" i="0" u="none" baseline="0">
                 <a:solidFill>
                   <a:schemeClr val="dk1"/>
                 </a:solidFill>
@@ -7295,7 +7592,7 @@
                 <a:sym typeface="Calibri" pitchFamily="34" charset="0"/>
               </a:defRPr>
             </a:lvl2pPr>
-            <a:lvl3pPr algn="l" fontAlgn="base" indent="0" latinLnBrk="1" marL="914400" rtl="0">
+            <a:lvl3pPr marL="914400" indent="0" algn="l" rtl="0" fontAlgn="base" latinLnBrk="1">
               <a:lnSpc>
                 <a:spcPct val="100000"/>
               </a:lnSpc>
@@ -7307,7 +7604,7 @@
               </a:spcAft>
               <a:buFontTx/>
               <a:buNone/>
-              <a:defRPr baseline="0" b="0" sz="1800" i="0" u="none">
+              <a:defRPr sz="1800" b="0" i="0" u="none" baseline="0">
                 <a:solidFill>
                   <a:schemeClr val="dk1"/>
                 </a:solidFill>
@@ -7316,7 +7613,7 @@
                 <a:sym typeface="Calibri" pitchFamily="34" charset="0"/>
               </a:defRPr>
             </a:lvl3pPr>
-            <a:lvl4pPr algn="l" fontAlgn="base" indent="0" latinLnBrk="1" marL="1371600" rtl="0">
+            <a:lvl4pPr marL="1371600" indent="0" algn="l" rtl="0" fontAlgn="base" latinLnBrk="1">
               <a:lnSpc>
                 <a:spcPct val="100000"/>
               </a:lnSpc>
@@ -7328,7 +7625,7 @@
               </a:spcAft>
               <a:buFontTx/>
               <a:buNone/>
-              <a:defRPr baseline="0" b="0" sz="1800" i="0" u="none">
+              <a:defRPr sz="1800" b="0" i="0" u="none" baseline="0">
                 <a:solidFill>
                   <a:schemeClr val="dk1"/>
                 </a:solidFill>
@@ -7337,7 +7634,7 @@
                 <a:sym typeface="Calibri" pitchFamily="34" charset="0"/>
               </a:defRPr>
             </a:lvl4pPr>
-            <a:lvl5pPr algn="l" fontAlgn="base" indent="0" latinLnBrk="1" marL="1828800" rtl="0">
+            <a:lvl5pPr marL="1828800" indent="0" algn="l" rtl="0" fontAlgn="base" latinLnBrk="1">
               <a:lnSpc>
                 <a:spcPct val="100000"/>
               </a:lnSpc>
@@ -7349,7 +7646,7 @@
               </a:spcAft>
               <a:buFontTx/>
               <a:buNone/>
-              <a:defRPr baseline="0" b="0" sz="1800" i="0" u="none">
+              <a:defRPr sz="1800" b="0" i="0" u="none" baseline="0">
                 <a:solidFill>
                   <a:schemeClr val="dk1"/>
                 </a:solidFill>
@@ -7360,9 +7657,9 @@
             </a:lvl5pPr>
           </a:lstStyle>
           <a:p>
-            <a:pPr eaLnBrk="1" hangingPunct="1" latinLnBrk="1" lvl="0"/>
-            <a:r>
-              <a:rPr altLang="zh-CN" b="1" sz="3200" lang="en-US">
+            <a:pPr lvl="0" eaLnBrk="1" latinLnBrk="1" hangingPunct="1"/>
+            <a:r>
+              <a:rPr lang="en-US" altLang="zh-CN" sz="3200" b="1">
                 <a:solidFill>
                   <a:srgbClr val="FF0000"/>
                 </a:solidFill>
@@ -7372,7 +7669,7 @@
               <a:t>3.</a:t>
             </a:r>
             <a:r>
-              <a:rPr altLang="en-US" b="1" sz="3200" lang="zh-CN">
+              <a:rPr lang="zh-CN" altLang="en-US" sz="3200" b="1">
                 <a:solidFill>
                   <a:srgbClr val="FF0000"/>
                 </a:solidFill>
@@ -7383,23 +7680,23 @@
             </a:r>
           </a:p>
           <a:p>
-            <a:pPr eaLnBrk="1" hangingPunct="1" latinLnBrk="1" lvl="0"/>
-            <a:r>
-              <a:rPr altLang="en-US" b="1" sz="3200" lang="zh-CN">
+            <a:pPr lvl="0" eaLnBrk="1" latinLnBrk="1" hangingPunct="1"/>
+            <a:r>
+              <a:rPr lang="zh-CN" altLang="en-US" sz="3200" b="1">
                 <a:latin typeface="华文楷体" pitchFamily="2" charset="-122"/>
                 <a:ea typeface="华文楷体" pitchFamily="2" charset="-122"/>
               </a:rPr>
               <a:t>（</a:t>
             </a:r>
             <a:r>
-              <a:rPr altLang="zh-CN" b="1" sz="3200" lang="en-US">
+              <a:rPr lang="en-US" altLang="zh-CN" sz="3200" b="1">
                 <a:latin typeface="华文楷体" pitchFamily="2" charset="-122"/>
                 <a:ea typeface="华文楷体" pitchFamily="2" charset="-122"/>
               </a:rPr>
               <a:t>1</a:t>
             </a:r>
             <a:r>
-              <a:rPr altLang="en-US" b="1" sz="3200" lang="zh-CN">
+              <a:rPr lang="zh-CN" altLang="en-US" sz="3200" b="1">
                 <a:latin typeface="华文楷体" pitchFamily="2" charset="-122"/>
                 <a:ea typeface="华文楷体" pitchFamily="2" charset="-122"/>
               </a:rPr>
@@ -7407,23 +7704,23 @@
             </a:r>
           </a:p>
           <a:p>
-            <a:pPr eaLnBrk="1" hangingPunct="1" latinLnBrk="1" lvl="0"/>
-            <a:r>
-              <a:rPr altLang="en-US" b="1" sz="3200" lang="zh-CN">
+            <a:pPr lvl="0" eaLnBrk="1" latinLnBrk="1" hangingPunct="1"/>
+            <a:r>
+              <a:rPr lang="zh-CN" altLang="en-US" sz="3200" b="1">
                 <a:latin typeface="华文楷体" pitchFamily="2" charset="-122"/>
                 <a:ea typeface="华文楷体" pitchFamily="2" charset="-122"/>
               </a:rPr>
               <a:t>（</a:t>
             </a:r>
             <a:r>
-              <a:rPr altLang="zh-CN" b="1" sz="3200" lang="en-US">
+              <a:rPr lang="en-US" altLang="zh-CN" sz="3200" b="1">
                 <a:latin typeface="华文楷体" pitchFamily="2" charset="-122"/>
                 <a:ea typeface="华文楷体" pitchFamily="2" charset="-122"/>
               </a:rPr>
               <a:t>2</a:t>
             </a:r>
             <a:r>
-              <a:rPr altLang="en-US" b="1" sz="3200" lang="zh-CN">
+              <a:rPr lang="zh-CN" altLang="en-US" sz="3200" b="1">
                 <a:latin typeface="华文楷体" pitchFamily="2" charset="-122"/>
                 <a:ea typeface="华文楷体" pitchFamily="2" charset="-122"/>
               </a:rPr>
@@ -7431,23 +7728,23 @@
             </a:r>
           </a:p>
           <a:p>
-            <a:pPr eaLnBrk="1" hangingPunct="1" latinLnBrk="1" lvl="0"/>
-            <a:r>
-              <a:rPr altLang="en-US" b="1" sz="3200" lang="zh-CN">
+            <a:pPr lvl="0" eaLnBrk="1" latinLnBrk="1" hangingPunct="1"/>
+            <a:r>
+              <a:rPr lang="zh-CN" altLang="en-US" sz="3200" b="1">
                 <a:latin typeface="华文楷体" pitchFamily="2" charset="-122"/>
                 <a:ea typeface="华文楷体" pitchFamily="2" charset="-122"/>
               </a:rPr>
               <a:t>（</a:t>
             </a:r>
             <a:r>
-              <a:rPr altLang="zh-CN" b="1" sz="3200" lang="en-US">
+              <a:rPr lang="en-US" altLang="zh-CN" sz="3200" b="1">
                 <a:latin typeface="华文楷体" pitchFamily="2" charset="-122"/>
                 <a:ea typeface="华文楷体" pitchFamily="2" charset="-122"/>
               </a:rPr>
               <a:t>3</a:t>
             </a:r>
             <a:r>
-              <a:rPr altLang="en-US" b="1" sz="3200" lang="zh-CN">
+              <a:rPr lang="zh-CN" altLang="en-US" sz="3200" b="1">
                 <a:latin typeface="华文楷体" pitchFamily="2" charset="-122"/>
                 <a:ea typeface="华文楷体" pitchFamily="2" charset="-122"/>
               </a:rPr>
@@ -7455,23 +7752,23 @@
             </a:r>
           </a:p>
           <a:p>
-            <a:pPr eaLnBrk="1" hangingPunct="1" latinLnBrk="1" lvl="0"/>
-            <a:r>
-              <a:rPr altLang="en-US" b="1" sz="3200" lang="zh-CN">
+            <a:pPr lvl="0" eaLnBrk="1" latinLnBrk="1" hangingPunct="1"/>
+            <a:r>
+              <a:rPr lang="zh-CN" altLang="en-US" sz="3200" b="1">
                 <a:latin typeface="华文楷体" pitchFamily="2" charset="-122"/>
                 <a:ea typeface="华文楷体" pitchFamily="2" charset="-122"/>
               </a:rPr>
               <a:t>（</a:t>
             </a:r>
             <a:r>
-              <a:rPr altLang="zh-CN" b="1" sz="3200" lang="en-US">
+              <a:rPr lang="en-US" altLang="zh-CN" sz="3200" b="1">
                 <a:latin typeface="华文楷体" pitchFamily="2" charset="-122"/>
                 <a:ea typeface="华文楷体" pitchFamily="2" charset="-122"/>
               </a:rPr>
               <a:t>4</a:t>
             </a:r>
             <a:r>
-              <a:rPr altLang="en-US" b="1" sz="3200" lang="zh-CN">
+              <a:rPr lang="zh-CN" altLang="en-US" sz="3200" b="1">
                 <a:latin typeface="华文楷体" pitchFamily="2" charset="-122"/>
                 <a:ea typeface="华文楷体" pitchFamily="2" charset="-122"/>
               </a:rPr>
@@ -7479,23 +7776,23 @@
             </a:r>
           </a:p>
           <a:p>
-            <a:pPr eaLnBrk="1" hangingPunct="1" latinLnBrk="1" lvl="0"/>
-            <a:r>
-              <a:rPr altLang="en-US" b="1" sz="3200" lang="zh-CN">
+            <a:pPr lvl="0" eaLnBrk="1" latinLnBrk="1" hangingPunct="1"/>
+            <a:r>
+              <a:rPr lang="zh-CN" altLang="en-US" sz="3200" b="1">
                 <a:latin typeface="华文楷体" pitchFamily="2" charset="-122"/>
                 <a:ea typeface="华文楷体" pitchFamily="2" charset="-122"/>
               </a:rPr>
               <a:t>（</a:t>
             </a:r>
             <a:r>
-              <a:rPr altLang="zh-CN" b="1" sz="3200" lang="en-US">
+              <a:rPr lang="en-US" altLang="zh-CN" sz="3200" b="1">
                 <a:latin typeface="华文楷体" pitchFamily="2" charset="-122"/>
                 <a:ea typeface="华文楷体" pitchFamily="2" charset="-122"/>
               </a:rPr>
               <a:t>5</a:t>
             </a:r>
             <a:r>
-              <a:rPr altLang="en-US" b="1" sz="3200" lang="zh-CN">
+              <a:rPr lang="zh-CN" altLang="en-US" sz="3200" b="1">
                 <a:latin typeface="华文楷体" pitchFamily="2" charset="-122"/>
                 <a:ea typeface="华文楷体" pitchFamily="2" charset="-122"/>
               </a:rPr>
@@ -7503,23 +7800,23 @@
             </a:r>
           </a:p>
           <a:p>
-            <a:pPr eaLnBrk="1" hangingPunct="1" latinLnBrk="1" lvl="0"/>
-            <a:r>
-              <a:rPr altLang="en-US" b="1" sz="3200" lang="zh-CN">
+            <a:pPr lvl="0" eaLnBrk="1" latinLnBrk="1" hangingPunct="1"/>
+            <a:r>
+              <a:rPr lang="zh-CN" altLang="en-US" sz="3200" b="1">
                 <a:latin typeface="华文楷体" pitchFamily="2" charset="-122"/>
                 <a:ea typeface="华文楷体" pitchFamily="2" charset="-122"/>
               </a:rPr>
               <a:t>（</a:t>
             </a:r>
             <a:r>
-              <a:rPr altLang="zh-CN" b="1" sz="3200" lang="en-US">
+              <a:rPr lang="en-US" altLang="zh-CN" sz="3200" b="1">
                 <a:latin typeface="华文楷体" pitchFamily="2" charset="-122"/>
                 <a:ea typeface="华文楷体" pitchFamily="2" charset="-122"/>
               </a:rPr>
               <a:t>6</a:t>
             </a:r>
             <a:r>
-              <a:rPr altLang="en-US" b="1" sz="3200" lang="zh-CN">
+              <a:rPr lang="zh-CN" altLang="en-US" sz="3200" b="1">
                 <a:latin typeface="华文楷体" pitchFamily="2" charset="-122"/>
                 <a:ea typeface="华文楷体" pitchFamily="2" charset="-122"/>
               </a:rPr>
@@ -7527,16 +7824,16 @@
             </a:r>
           </a:p>
           <a:p>
-            <a:pPr eaLnBrk="1" hangingPunct="1" latinLnBrk="1" lvl="0"/>
-            <a:r>
-              <a:rPr altLang="zh-CN" b="1" sz="3200" lang="en-US">
+            <a:pPr lvl="0" eaLnBrk="1" latinLnBrk="1" hangingPunct="1"/>
+            <a:r>
+              <a:rPr lang="en-US" altLang="zh-CN" sz="3200" b="1">
                 <a:latin typeface="华文楷体" pitchFamily="2" charset="-122"/>
                 <a:ea typeface="华文楷体" pitchFamily="2" charset="-122"/>
               </a:rPr>
               <a:t>   (7)   </a:t>
             </a:r>
             <a:r>
-              <a:rPr altLang="en-US" b="1" sz="3200" lang="zh-CN">
+              <a:rPr lang="zh-CN" altLang="en-US" sz="3200" b="1">
                 <a:latin typeface="华文楷体" pitchFamily="2" charset="-122"/>
                 <a:ea typeface="华文楷体" pitchFamily="2" charset="-122"/>
               </a:rPr>
@@ -7544,23 +7841,23 @@
             </a:r>
           </a:p>
           <a:p>
-            <a:pPr eaLnBrk="1" hangingPunct="1" latinLnBrk="1" lvl="0"/>
-            <a:r>
-              <a:rPr altLang="en-US" b="1" sz="3200" lang="zh-CN">
+            <a:pPr lvl="0" eaLnBrk="1" latinLnBrk="1" hangingPunct="1"/>
+            <a:r>
+              <a:rPr lang="zh-CN" altLang="en-US" sz="3200" b="1">
                 <a:latin typeface="华文楷体" pitchFamily="2" charset="-122"/>
                 <a:ea typeface="华文楷体" pitchFamily="2" charset="-122"/>
               </a:rPr>
               <a:t>（</a:t>
             </a:r>
             <a:r>
-              <a:rPr altLang="zh-CN" b="1" sz="3200" lang="en-US">
+              <a:rPr lang="en-US" altLang="zh-CN" sz="3200" b="1">
                 <a:latin typeface="华文楷体" pitchFamily="2" charset="-122"/>
                 <a:ea typeface="华文楷体" pitchFamily="2" charset="-122"/>
               </a:rPr>
               <a:t>8</a:t>
             </a:r>
             <a:r>
-              <a:rPr altLang="en-US" b="1" sz="3200" lang="zh-CN">
+              <a:rPr lang="zh-CN" altLang="en-US" sz="3200" b="1">
                 <a:latin typeface="华文楷体" pitchFamily="2" charset="-122"/>
                 <a:ea typeface="华文楷体" pitchFamily="2" charset="-122"/>
               </a:rPr>
@@ -7577,32 +7874,32 @@
   <p:timing>
     <p:tnLst>
       <p:par>
-        <p:cTn dur="indefinite" id="1" nodeType="tmRoot">
+        <p:cTn id="1" dur="indefinite" restart="never" nodeType="tmRoot">
           <p:childTnLst>
             <p:seq concurrent="1" nextAc="seek">
-              <p:cTn dur="indefinite" id="2" nodeType="mainSeq">
+              <p:cTn id="2" dur="indefinite" nodeType="mainSeq">
                 <p:childTnLst>
                   <p:par>
-                    <p:cTn fill="hold" id="3" nodeType="clickPar">
+                    <p:cTn id="3" fill="hold" nodeType="clickPar">
                       <p:stCondLst>
                         <p:cond delay="indefinite"/>
                       </p:stCondLst>
                       <p:childTnLst>
                         <p:par>
-                          <p:cTn fill="hold" id="4" nodeType="withGroup">
+                          <p:cTn id="4" fill="hold" nodeType="withGroup">
                             <p:stCondLst>
                               <p:cond delay="0"/>
                             </p:stCondLst>
                             <p:childTnLst>
                               <p:par>
-                                <p:cTn fill="hold" grpId="0" id="5" nodeType="clickEffect" presetClass="entr" presetID="3" presetSubtype="10">
+                                <p:cTn id="5" presetID="3" presetClass="entr" presetSubtype="10" fill="hold" grpId="0" nodeType="clickEffect">
                                   <p:stCondLst>
                                     <p:cond delay="0"/>
                                   </p:stCondLst>
                                   <p:childTnLst>
                                     <p:set>
                                       <p:cBhvr>
-                                        <p:cTn dur="1" fill="hold" id="6">
+                                        <p:cTn id="6" dur="1" fill="hold">
                                           <p:stCondLst>
                                             <p:cond delay="0"/>
                                           </p:stCondLst>
@@ -7620,7 +7917,7 @@
                                     </p:set>
                                     <p:animEffect transition="in" filter="blinds(horizontal)">
                                       <p:cBhvr>
-                                        <p:cTn dur="500" id="7"/>
+                                        <p:cTn id="7" dur="500"/>
                                         <p:tgtEl>
                                           <p:spTgt spid="1048583"/>
                                         </p:tgtEl>
@@ -7657,23 +7954,23 @@
       </p:par>
     </p:tnLst>
     <p:bldLst>
-      <p:bldP spid="1048583" grpId="0" uiExpand="0" build="whole"/>
+      <p:bldP spid="1048583" grpId="0"/>
     </p:bldLst>
   </p:timing>
 </p:sld>
 </file>
 
 <file path=ppt/slides/slide6.xml><?xml version="1.0" encoding="utf-8"?>
-<p:sld xmlns:a="http://schemas.openxmlformats.org/drawingml/2006/main" xmlns:r="http://schemas.openxmlformats.org/officeDocument/2006/relationships" xmlns:p="http://schemas.openxmlformats.org/presentationml/2006/main" showMasterSp="1">
+<p:sld xmlns:a="http://schemas.openxmlformats.org/drawingml/2006/main" xmlns:r="http://schemas.openxmlformats.org/officeDocument/2006/relationships" xmlns:p="http://schemas.openxmlformats.org/presentationml/2006/main">
   <p:cSld>
     <p:spTree>
       <p:nvGrpSpPr>
-        <p:cNvPr id="37" name=""/>
+        <p:cNvPr id="1" name=""/>
         <p:cNvGrpSpPr/>
         <p:nvPr/>
       </p:nvGrpSpPr>
       <p:grpSpPr>
-        <a:xfrm rot="0">
+        <a:xfrm>
           <a:off x="0" y="0"/>
           <a:ext cx="0" cy="0"/>
           <a:chOff x="0" y="0"/>
@@ -7682,27 +7979,29 @@
       </p:grpSpPr>
       <p:sp>
         <p:nvSpPr>
-          <p:cNvPr id="1048584" name=""/>
+          <p:cNvPr id="1048584" name="矩形 1048583"/>
           <p:cNvSpPr/>
           <p:nvPr/>
         </p:nvSpPr>
         <p:spPr>
-          <a:xfrm rot="0">
+          <a:xfrm>
             <a:off x="528637" y="3191985"/>
             <a:ext cx="6951980" cy="510541"/>
           </a:xfrm>
-          <a:prstGeom prst="rect"/>
+          <a:prstGeom prst="rect">
+            <a:avLst/>
+          </a:prstGeom>
           <a:noFill/>
           <a:ln>
             <a:noFill/>
           </a:ln>
         </p:spPr>
         <p:txBody>
-          <a:bodyPr anchor="ctr" bIns="45720" lIns="91440" rIns="91440" tIns="45720" vert="horz" wrap="none">
+          <a:bodyPr vert="horz" wrap="none" lIns="91440" tIns="45720" rIns="91440" bIns="45720" anchor="ctr">
             <a:spAutoFit/>
           </a:bodyPr>
           <a:lstStyle>
-            <a:lvl1pPr algn="l" fontAlgn="base" indent="0" latinLnBrk="1" marL="0" rtl="0">
+            <a:lvl1pPr marL="0" indent="0" algn="l" rtl="0" fontAlgn="base" latinLnBrk="1">
               <a:lnSpc>
                 <a:spcPct val="100000"/>
               </a:lnSpc>
@@ -7714,7 +8013,7 @@
               </a:spcAft>
               <a:buFontTx/>
               <a:buNone/>
-              <a:defRPr baseline="0" b="0" sz="1800" i="0" u="none">
+              <a:defRPr sz="1800" b="0" i="0" u="none" baseline="0">
                 <a:solidFill>
                   <a:schemeClr val="dk1"/>
                 </a:solidFill>
@@ -7723,7 +8022,7 @@
                 <a:sym typeface="Calibri" pitchFamily="34" charset="0"/>
               </a:defRPr>
             </a:lvl1pPr>
-            <a:lvl2pPr algn="l" fontAlgn="base" indent="0" latinLnBrk="1" marL="457200" rtl="0">
+            <a:lvl2pPr marL="457200" indent="0" algn="l" rtl="0" fontAlgn="base" latinLnBrk="1">
               <a:lnSpc>
                 <a:spcPct val="100000"/>
               </a:lnSpc>
@@ -7735,7 +8034,7 @@
               </a:spcAft>
               <a:buFontTx/>
               <a:buNone/>
-              <a:defRPr baseline="0" b="0" sz="1800" i="0" u="none">
+              <a:defRPr sz="1800" b="0" i="0" u="none" baseline="0">
                 <a:solidFill>
                   <a:schemeClr val="dk1"/>
                 </a:solidFill>
@@ -7744,7 +8043,7 @@
                 <a:sym typeface="Calibri" pitchFamily="34" charset="0"/>
               </a:defRPr>
             </a:lvl2pPr>
-            <a:lvl3pPr algn="l" fontAlgn="base" indent="0" latinLnBrk="1" marL="914400" rtl="0">
+            <a:lvl3pPr marL="914400" indent="0" algn="l" rtl="0" fontAlgn="base" latinLnBrk="1">
               <a:lnSpc>
                 <a:spcPct val="100000"/>
               </a:lnSpc>
@@ -7756,7 +8055,7 @@
               </a:spcAft>
               <a:buFontTx/>
               <a:buNone/>
-              <a:defRPr baseline="0" b="0" sz="1800" i="0" u="none">
+              <a:defRPr sz="1800" b="0" i="0" u="none" baseline="0">
                 <a:solidFill>
                   <a:schemeClr val="dk1"/>
                 </a:solidFill>
@@ -7765,7 +8064,7 @@
                 <a:sym typeface="Calibri" pitchFamily="34" charset="0"/>
               </a:defRPr>
             </a:lvl3pPr>
-            <a:lvl4pPr algn="l" fontAlgn="base" indent="0" latinLnBrk="1" marL="1371600" rtl="0">
+            <a:lvl4pPr marL="1371600" indent="0" algn="l" rtl="0" fontAlgn="base" latinLnBrk="1">
               <a:lnSpc>
                 <a:spcPct val="100000"/>
               </a:lnSpc>
@@ -7777,7 +8076,7 @@
               </a:spcAft>
               <a:buFontTx/>
               <a:buNone/>
-              <a:defRPr baseline="0" b="0" sz="1800" i="0" u="none">
+              <a:defRPr sz="1800" b="0" i="0" u="none" baseline="0">
                 <a:solidFill>
                   <a:schemeClr val="dk1"/>
                 </a:solidFill>
@@ -7786,7 +8085,7 @@
                 <a:sym typeface="Calibri" pitchFamily="34" charset="0"/>
               </a:defRPr>
             </a:lvl4pPr>
-            <a:lvl5pPr algn="l" fontAlgn="base" indent="0" latinLnBrk="1" marL="1828800" rtl="0">
+            <a:lvl5pPr marL="1828800" indent="0" algn="l" rtl="0" fontAlgn="base" latinLnBrk="1">
               <a:lnSpc>
                 <a:spcPct val="100000"/>
               </a:lnSpc>
@@ -7798,7 +8097,7 @@
               </a:spcAft>
               <a:buFontTx/>
               <a:buNone/>
-              <a:defRPr baseline="0" b="0" sz="1800" i="0" u="none">
+              <a:defRPr sz="1800" b="0" i="0" u="none" baseline="0">
                 <a:solidFill>
                   <a:schemeClr val="dk1"/>
                 </a:solidFill>
@@ -7809,37 +8108,37 @@
             </a:lvl5pPr>
           </a:lstStyle>
           <a:p>
-            <a:pPr algn="ctr" eaLnBrk="1" hangingPunct="1" latinLnBrk="1" lvl="0"/>
-            <a:r>
-              <a:rPr altLang="zh-CN" b="1" sz="2800" lang="en-US">
+            <a:pPr lvl="0" algn="ctr" eaLnBrk="1" latinLnBrk="1" hangingPunct="1"/>
+            <a:r>
+              <a:rPr lang="en-US" altLang="zh-CN" sz="2800" b="1">
                 <a:latin typeface="华文楷体" pitchFamily="2" charset="-122"/>
                 <a:ea typeface="华文楷体" pitchFamily="2" charset="-122"/>
               </a:rPr>
               <a:t>3</a:t>
             </a:r>
             <a:r>
-              <a:rPr altLang="en-US" b="1" sz="2800" lang="zh-CN">
+              <a:rPr lang="zh-CN" altLang="en-US" sz="2800" b="1">
                 <a:latin typeface="华文楷体" pitchFamily="2" charset="-122"/>
                 <a:ea typeface="华文楷体" pitchFamily="2" charset="-122"/>
               </a:rPr>
               <a:t>）</a:t>
             </a:r>
             <a:r>
-              <a:rPr altLang="zh-CN" b="1" sz="2800" lang="en-US">
+              <a:rPr lang="en-US" altLang="zh-CN" sz="2800" b="1">
                 <a:latin typeface="华文楷体" pitchFamily="2" charset="-122"/>
                 <a:ea typeface="华文楷体" pitchFamily="2" charset="-122"/>
               </a:rPr>
               <a:t>.</a:t>
             </a:r>
             <a:r>
-              <a:rPr altLang="en-US" b="1" sz="2800" lang="zh-CN">
+              <a:rPr lang="zh-CN" altLang="en-US" sz="2800" b="1">
                 <a:latin typeface="华文楷体" pitchFamily="2" charset="-122"/>
                 <a:ea typeface="华文楷体" pitchFamily="2" charset="-122"/>
               </a:rPr>
               <a:t>有关积分中值定理和积分性质的证明题</a:t>
             </a:r>
             <a:r>
-              <a:rPr altLang="zh-CN" b="1" sz="2800" lang="en-US">
+              <a:rPr lang="en-US" altLang="zh-CN" sz="2800" b="1">
                 <a:latin typeface="华文楷体" pitchFamily="2" charset="-122"/>
                 <a:ea typeface="华文楷体" pitchFamily="2" charset="-122"/>
               </a:rPr>
@@ -7850,27 +8149,29 @@
       </p:sp>
       <p:sp>
         <p:nvSpPr>
-          <p:cNvPr id="1048585" name=""/>
+          <p:cNvPr id="1048585" name="矩形 1048584"/>
           <p:cNvSpPr/>
           <p:nvPr/>
         </p:nvSpPr>
         <p:spPr>
-          <a:xfrm rot="0">
+          <a:xfrm>
             <a:off x="539750" y="692150"/>
             <a:ext cx="3764281" cy="574040"/>
           </a:xfrm>
-          <a:prstGeom prst="rect"/>
+          <a:prstGeom prst="rect">
+            <a:avLst/>
+          </a:prstGeom>
           <a:noFill/>
           <a:ln>
             <a:noFill/>
           </a:ln>
         </p:spPr>
         <p:txBody>
-          <a:bodyPr anchor="t" bIns="45720" lIns="91440" rIns="91440" tIns="45720" vert="horz" wrap="none">
+          <a:bodyPr vert="horz" wrap="none" lIns="91440" tIns="45720" rIns="91440" bIns="45720" anchor="t">
             <a:spAutoFit/>
           </a:bodyPr>
           <a:lstStyle>
-            <a:lvl1pPr algn="l" fontAlgn="base" indent="0" latinLnBrk="1" marL="0" rtl="0">
+            <a:lvl1pPr marL="0" indent="0" algn="l" rtl="0" fontAlgn="base" latinLnBrk="1">
               <a:lnSpc>
                 <a:spcPct val="100000"/>
               </a:lnSpc>
@@ -7882,7 +8183,7 @@
               </a:spcAft>
               <a:buFontTx/>
               <a:buNone/>
-              <a:defRPr baseline="0" b="0" sz="1800" i="0" u="none">
+              <a:defRPr sz="1800" b="0" i="0" u="none" baseline="0">
                 <a:solidFill>
                   <a:schemeClr val="dk1"/>
                 </a:solidFill>
@@ -7891,7 +8192,7 @@
                 <a:sym typeface="Calibri" pitchFamily="34" charset="0"/>
               </a:defRPr>
             </a:lvl1pPr>
-            <a:lvl2pPr algn="l" fontAlgn="base" indent="0" latinLnBrk="1" marL="457200" rtl="0">
+            <a:lvl2pPr marL="457200" indent="0" algn="l" rtl="0" fontAlgn="base" latinLnBrk="1">
               <a:lnSpc>
                 <a:spcPct val="100000"/>
               </a:lnSpc>
@@ -7903,7 +8204,7 @@
               </a:spcAft>
               <a:buFontTx/>
               <a:buNone/>
-              <a:defRPr baseline="0" b="0" sz="1800" i="0" u="none">
+              <a:defRPr sz="1800" b="0" i="0" u="none" baseline="0">
                 <a:solidFill>
                   <a:schemeClr val="dk1"/>
                 </a:solidFill>
@@ -7912,7 +8213,7 @@
                 <a:sym typeface="Calibri" pitchFamily="34" charset="0"/>
               </a:defRPr>
             </a:lvl2pPr>
-            <a:lvl3pPr algn="l" fontAlgn="base" indent="0" latinLnBrk="1" marL="914400" rtl="0">
+            <a:lvl3pPr marL="914400" indent="0" algn="l" rtl="0" fontAlgn="base" latinLnBrk="1">
               <a:lnSpc>
                 <a:spcPct val="100000"/>
               </a:lnSpc>
@@ -7924,7 +8225,7 @@
               </a:spcAft>
               <a:buFontTx/>
               <a:buNone/>
-              <a:defRPr baseline="0" b="0" sz="1800" i="0" u="none">
+              <a:defRPr sz="1800" b="0" i="0" u="none" baseline="0">
                 <a:solidFill>
                   <a:schemeClr val="dk1"/>
                 </a:solidFill>
@@ -7933,7 +8234,7 @@
                 <a:sym typeface="Calibri" pitchFamily="34" charset="0"/>
               </a:defRPr>
             </a:lvl3pPr>
-            <a:lvl4pPr algn="l" fontAlgn="base" indent="0" latinLnBrk="1" marL="1371600" rtl="0">
+            <a:lvl4pPr marL="1371600" indent="0" algn="l" rtl="0" fontAlgn="base" latinLnBrk="1">
               <a:lnSpc>
                 <a:spcPct val="100000"/>
               </a:lnSpc>
@@ -7945,7 +8246,7 @@
               </a:spcAft>
               <a:buFontTx/>
               <a:buNone/>
-              <a:defRPr baseline="0" b="0" sz="1800" i="0" u="none">
+              <a:defRPr sz="1800" b="0" i="0" u="none" baseline="0">
                 <a:solidFill>
                   <a:schemeClr val="dk1"/>
                 </a:solidFill>
@@ -7954,7 +8255,7 @@
                 <a:sym typeface="Calibri" pitchFamily="34" charset="0"/>
               </a:defRPr>
             </a:lvl4pPr>
-            <a:lvl5pPr algn="l" fontAlgn="base" indent="0" latinLnBrk="1" marL="1828800" rtl="0">
+            <a:lvl5pPr marL="1828800" indent="0" algn="l" rtl="0" fontAlgn="base" latinLnBrk="1">
               <a:lnSpc>
                 <a:spcPct val="100000"/>
               </a:lnSpc>
@@ -7966,7 +8267,7 @@
               </a:spcAft>
               <a:buFontTx/>
               <a:buNone/>
-              <a:defRPr baseline="0" b="0" sz="1800" i="0" u="none">
+              <a:defRPr sz="1800" b="0" i="0" u="none" baseline="0">
                 <a:solidFill>
                   <a:schemeClr val="dk1"/>
                 </a:solidFill>
@@ -7977,9 +8278,9 @@
             </a:lvl5pPr>
           </a:lstStyle>
           <a:p>
-            <a:pPr eaLnBrk="1" hangingPunct="1" latinLnBrk="1" lvl="0"/>
-            <a:r>
-              <a:rPr altLang="zh-CN" b="1" sz="3200" lang="en-US">
+            <a:pPr lvl="0" eaLnBrk="1" latinLnBrk="1" hangingPunct="1"/>
+            <a:r>
+              <a:rPr lang="en-US" altLang="zh-CN" sz="3200" b="1">
                 <a:solidFill>
                   <a:srgbClr val="FF0000"/>
                 </a:solidFill>
@@ -7989,7 +8290,7 @@
               <a:t>4.</a:t>
             </a:r>
             <a:r>
-              <a:rPr altLang="en-US" b="1" sz="3200" lang="zh-CN">
+              <a:rPr lang="zh-CN" altLang="en-US" sz="3200" b="1">
                 <a:solidFill>
                   <a:srgbClr val="FF0000"/>
                 </a:solidFill>
@@ -8003,27 +8304,29 @@
       </p:sp>
       <p:sp>
         <p:nvSpPr>
-          <p:cNvPr id="1048586" name=""/>
+          <p:cNvPr id="1048586" name="矩形 1048585"/>
           <p:cNvSpPr/>
           <p:nvPr/>
         </p:nvSpPr>
         <p:spPr>
-          <a:xfrm rot="0">
+          <a:xfrm>
             <a:off x="528637" y="1309687"/>
             <a:ext cx="8006081" cy="929640"/>
           </a:xfrm>
-          <a:prstGeom prst="rect"/>
+          <a:prstGeom prst="rect">
+            <a:avLst/>
+          </a:prstGeom>
           <a:noFill/>
           <a:ln>
             <a:noFill/>
           </a:ln>
         </p:spPr>
         <p:txBody>
-          <a:bodyPr anchor="t" bIns="45720" lIns="91440" rIns="91440" tIns="45720" vert="horz" wrap="none">
+          <a:bodyPr vert="horz" wrap="none" lIns="91440" tIns="45720" rIns="91440" bIns="45720" anchor="t">
             <a:spAutoFit/>
           </a:bodyPr>
           <a:lstStyle>
-            <a:lvl1pPr algn="l" fontAlgn="base" indent="0" latinLnBrk="1" marL="0" rtl="0">
+            <a:lvl1pPr marL="0" indent="0" algn="l" rtl="0" fontAlgn="base" latinLnBrk="1">
               <a:lnSpc>
                 <a:spcPct val="100000"/>
               </a:lnSpc>
@@ -8035,7 +8338,7 @@
               </a:spcAft>
               <a:buFontTx/>
               <a:buNone/>
-              <a:defRPr baseline="0" b="0" sz="1800" i="0" u="none">
+              <a:defRPr sz="1800" b="0" i="0" u="none" baseline="0">
                 <a:solidFill>
                   <a:schemeClr val="dk1"/>
                 </a:solidFill>
@@ -8044,7 +8347,7 @@
                 <a:sym typeface="Calibri" pitchFamily="34" charset="0"/>
               </a:defRPr>
             </a:lvl1pPr>
-            <a:lvl2pPr algn="l" fontAlgn="base" indent="0" latinLnBrk="1" marL="457200" rtl="0">
+            <a:lvl2pPr marL="457200" indent="0" algn="l" rtl="0" fontAlgn="base" latinLnBrk="1">
               <a:lnSpc>
                 <a:spcPct val="100000"/>
               </a:lnSpc>
@@ -8056,7 +8359,7 @@
               </a:spcAft>
               <a:buFontTx/>
               <a:buNone/>
-              <a:defRPr baseline="0" b="0" sz="1800" i="0" u="none">
+              <a:defRPr sz="1800" b="0" i="0" u="none" baseline="0">
                 <a:solidFill>
                   <a:schemeClr val="dk1"/>
                 </a:solidFill>
@@ -8065,7 +8368,7 @@
                 <a:sym typeface="Calibri" pitchFamily="34" charset="0"/>
               </a:defRPr>
             </a:lvl2pPr>
-            <a:lvl3pPr algn="l" fontAlgn="base" indent="0" latinLnBrk="1" marL="914400" rtl="0">
+            <a:lvl3pPr marL="914400" indent="0" algn="l" rtl="0" fontAlgn="base" latinLnBrk="1">
               <a:lnSpc>
                 <a:spcPct val="100000"/>
               </a:lnSpc>
@@ -8077,7 +8380,7 @@
               </a:spcAft>
               <a:buFontTx/>
               <a:buNone/>
-              <a:defRPr baseline="0" b="0" sz="1800" i="0" u="none">
+              <a:defRPr sz="1800" b="0" i="0" u="none" baseline="0">
                 <a:solidFill>
                   <a:schemeClr val="dk1"/>
                 </a:solidFill>
@@ -8086,7 +8389,7 @@
                 <a:sym typeface="Calibri" pitchFamily="34" charset="0"/>
               </a:defRPr>
             </a:lvl3pPr>
-            <a:lvl4pPr algn="l" fontAlgn="base" indent="0" latinLnBrk="1" marL="1371600" rtl="0">
+            <a:lvl4pPr marL="1371600" indent="0" algn="l" rtl="0" fontAlgn="base" latinLnBrk="1">
               <a:lnSpc>
                 <a:spcPct val="100000"/>
               </a:lnSpc>
@@ -8098,7 +8401,7 @@
               </a:spcAft>
               <a:buFontTx/>
               <a:buNone/>
-              <a:defRPr baseline="0" b="0" sz="1800" i="0" u="none">
+              <a:defRPr sz="1800" b="0" i="0" u="none" baseline="0">
                 <a:solidFill>
                   <a:schemeClr val="dk1"/>
                 </a:solidFill>
@@ -8107,7 +8410,7 @@
                 <a:sym typeface="Calibri" pitchFamily="34" charset="0"/>
               </a:defRPr>
             </a:lvl4pPr>
-            <a:lvl5pPr algn="l" fontAlgn="base" indent="0" latinLnBrk="1" marL="1828800" rtl="0">
+            <a:lvl5pPr marL="1828800" indent="0" algn="l" rtl="0" fontAlgn="base" latinLnBrk="1">
               <a:lnSpc>
                 <a:spcPct val="100000"/>
               </a:lnSpc>
@@ -8119,7 +8422,7 @@
               </a:spcAft>
               <a:buFontTx/>
               <a:buNone/>
-              <a:defRPr baseline="0" b="0" sz="1800" i="0" u="none">
+              <a:defRPr sz="1800" b="0" i="0" u="none" baseline="0">
                 <a:solidFill>
                   <a:schemeClr val="dk1"/>
                 </a:solidFill>
@@ -8130,37 +8433,37 @@
             </a:lvl5pPr>
           </a:lstStyle>
           <a:p>
-            <a:pPr eaLnBrk="1" hangingPunct="1" latinLnBrk="1" lvl="0"/>
-            <a:r>
-              <a:rPr altLang="zh-CN" b="1" sz="2800" lang="en-US">
+            <a:pPr lvl="0" eaLnBrk="1" latinLnBrk="1" hangingPunct="1"/>
+            <a:r>
+              <a:rPr lang="en-US" altLang="zh-CN" sz="2800" b="1">
                 <a:latin typeface="华文楷体" pitchFamily="2" charset="-122"/>
                 <a:ea typeface="华文楷体" pitchFamily="2" charset="-122"/>
               </a:rPr>
               <a:t> 1</a:t>
             </a:r>
             <a:r>
-              <a:rPr altLang="en-US" b="1" sz="2800" lang="zh-CN">
+              <a:rPr lang="zh-CN" altLang="en-US" sz="2800" b="1">
                 <a:latin typeface="华文楷体" pitchFamily="2" charset="-122"/>
                 <a:ea typeface="华文楷体" pitchFamily="2" charset="-122"/>
               </a:rPr>
               <a:t>）</a:t>
             </a:r>
             <a:r>
-              <a:rPr altLang="zh-CN" b="1" sz="2800" lang="en-US">
+              <a:rPr lang="en-US" altLang="zh-CN" sz="2800" b="1">
                 <a:latin typeface="华文楷体" pitchFamily="2" charset="-122"/>
                 <a:ea typeface="华文楷体" pitchFamily="2" charset="-122"/>
               </a:rPr>
               <a:t>.</a:t>
             </a:r>
             <a:r>
-              <a:rPr altLang="en-US" b="1" sz="2800" lang="zh-CN">
+              <a:rPr lang="zh-CN" altLang="en-US" sz="2800" b="1">
                 <a:latin typeface="华文楷体" pitchFamily="2" charset="-122"/>
                 <a:ea typeface="华文楷体" pitchFamily="2" charset="-122"/>
               </a:rPr>
               <a:t>计算题：计算不定积分、定积分及广义积分</a:t>
             </a:r>
             <a:r>
-              <a:rPr altLang="zh-CN" b="1" sz="2800" lang="en-US">
+              <a:rPr lang="en-US" altLang="zh-CN" sz="2800" b="1">
                 <a:latin typeface="华文楷体" pitchFamily="2" charset="-122"/>
                 <a:ea typeface="华文楷体" pitchFamily="2" charset="-122"/>
               </a:rPr>
@@ -8168,9 +8471,9 @@
             </a:r>
           </a:p>
           <a:p>
-            <a:pPr eaLnBrk="1" hangingPunct="1" latinLnBrk="1" lvl="0"/>
-            <a:r>
-              <a:rPr altLang="en-US" b="1" sz="2800" lang="zh-CN">
+            <a:pPr lvl="0" eaLnBrk="1" latinLnBrk="1" hangingPunct="1"/>
+            <a:r>
+              <a:rPr lang="zh-CN" altLang="en-US" sz="2800" b="1">
                 <a:latin typeface="华文楷体" pitchFamily="2" charset="-122"/>
                 <a:ea typeface="华文楷体" pitchFamily="2" charset="-122"/>
               </a:rPr>
@@ -8181,27 +8484,29 @@
       </p:sp>
       <p:sp>
         <p:nvSpPr>
-          <p:cNvPr id="1048587" name=""/>
+          <p:cNvPr id="1048587" name="矩形 1048586"/>
           <p:cNvSpPr/>
           <p:nvPr/>
         </p:nvSpPr>
         <p:spPr>
-          <a:xfrm rot="0">
+          <a:xfrm>
             <a:off x="644525" y="2465387"/>
             <a:ext cx="7307581" cy="510540"/>
           </a:xfrm>
-          <a:prstGeom prst="rect"/>
+          <a:prstGeom prst="rect">
+            <a:avLst/>
+          </a:prstGeom>
           <a:noFill/>
           <a:ln>
             <a:noFill/>
           </a:ln>
         </p:spPr>
         <p:txBody>
-          <a:bodyPr anchor="t" bIns="45720" lIns="91440" rIns="91440" tIns="45720" vert="horz" wrap="none">
+          <a:bodyPr vert="horz" wrap="none" lIns="91440" tIns="45720" rIns="91440" bIns="45720" anchor="t">
             <a:spAutoFit/>
           </a:bodyPr>
           <a:lstStyle>
-            <a:lvl1pPr algn="l" fontAlgn="base" indent="0" latinLnBrk="1" marL="0" rtl="0">
+            <a:lvl1pPr marL="0" indent="0" algn="l" rtl="0" fontAlgn="base" latinLnBrk="1">
               <a:lnSpc>
                 <a:spcPct val="100000"/>
               </a:lnSpc>
@@ -8213,7 +8518,7 @@
               </a:spcAft>
               <a:buFontTx/>
               <a:buNone/>
-              <a:defRPr baseline="0" b="0" sz="1800" i="0" u="none">
+              <a:defRPr sz="1800" b="0" i="0" u="none" baseline="0">
                 <a:solidFill>
                   <a:schemeClr val="dk1"/>
                 </a:solidFill>
@@ -8222,7 +8527,7 @@
                 <a:sym typeface="Calibri" pitchFamily="34" charset="0"/>
               </a:defRPr>
             </a:lvl1pPr>
-            <a:lvl2pPr algn="l" fontAlgn="base" indent="0" latinLnBrk="1" marL="457200" rtl="0">
+            <a:lvl2pPr marL="457200" indent="0" algn="l" rtl="0" fontAlgn="base" latinLnBrk="1">
               <a:lnSpc>
                 <a:spcPct val="100000"/>
               </a:lnSpc>
@@ -8234,7 +8539,7 @@
               </a:spcAft>
               <a:buFontTx/>
               <a:buNone/>
-              <a:defRPr baseline="0" b="0" sz="1800" i="0" u="none">
+              <a:defRPr sz="1800" b="0" i="0" u="none" baseline="0">
                 <a:solidFill>
                   <a:schemeClr val="dk1"/>
                 </a:solidFill>
@@ -8243,7 +8548,7 @@
                 <a:sym typeface="Calibri" pitchFamily="34" charset="0"/>
               </a:defRPr>
             </a:lvl2pPr>
-            <a:lvl3pPr algn="l" fontAlgn="base" indent="0" latinLnBrk="1" marL="914400" rtl="0">
+            <a:lvl3pPr marL="914400" indent="0" algn="l" rtl="0" fontAlgn="base" latinLnBrk="1">
               <a:lnSpc>
                 <a:spcPct val="100000"/>
               </a:lnSpc>
@@ -8255,7 +8560,7 @@
               </a:spcAft>
               <a:buFontTx/>
               <a:buNone/>
-              <a:defRPr baseline="0" b="0" sz="1800" i="0" u="none">
+              <a:defRPr sz="1800" b="0" i="0" u="none" baseline="0">
                 <a:solidFill>
                   <a:schemeClr val="dk1"/>
                 </a:solidFill>
@@ -8264,7 +8569,7 @@
                 <a:sym typeface="Calibri" pitchFamily="34" charset="0"/>
               </a:defRPr>
             </a:lvl3pPr>
-            <a:lvl4pPr algn="l" fontAlgn="base" indent="0" latinLnBrk="1" marL="1371600" rtl="0">
+            <a:lvl4pPr marL="1371600" indent="0" algn="l" rtl="0" fontAlgn="base" latinLnBrk="1">
               <a:lnSpc>
                 <a:spcPct val="100000"/>
               </a:lnSpc>
@@ -8276,7 +8581,7 @@
               </a:spcAft>
               <a:buFontTx/>
               <a:buNone/>
-              <a:defRPr baseline="0" b="0" sz="1800" i="0" u="none">
+              <a:defRPr sz="1800" b="0" i="0" u="none" baseline="0">
                 <a:solidFill>
                   <a:schemeClr val="dk1"/>
                 </a:solidFill>
@@ -8285,7 +8590,7 @@
                 <a:sym typeface="Calibri" pitchFamily="34" charset="0"/>
               </a:defRPr>
             </a:lvl4pPr>
-            <a:lvl5pPr algn="l" fontAlgn="base" indent="0" latinLnBrk="1" marL="1828800" rtl="0">
+            <a:lvl5pPr marL="1828800" indent="0" algn="l" rtl="0" fontAlgn="base" latinLnBrk="1">
               <a:lnSpc>
                 <a:spcPct val="100000"/>
               </a:lnSpc>
@@ -8297,7 +8602,7 @@
               </a:spcAft>
               <a:buFontTx/>
               <a:buNone/>
-              <a:defRPr baseline="0" b="0" sz="1800" i="0" u="none">
+              <a:defRPr sz="1800" b="0" i="0" u="none" baseline="0">
                 <a:solidFill>
                   <a:schemeClr val="dk1"/>
                 </a:solidFill>
@@ -8308,37 +8613,37 @@
             </a:lvl5pPr>
           </a:lstStyle>
           <a:p>
-            <a:pPr eaLnBrk="1" hangingPunct="1" latinLnBrk="1" lvl="0"/>
-            <a:r>
-              <a:rPr altLang="zh-CN" b="1" sz="2800" lang="en-US">
+            <a:pPr lvl="0" eaLnBrk="1" latinLnBrk="1" hangingPunct="1"/>
+            <a:r>
+              <a:rPr lang="en-US" altLang="zh-CN" sz="2800" b="1">
                 <a:latin typeface="华文楷体" pitchFamily="2" charset="-122"/>
                 <a:ea typeface="华文楷体" pitchFamily="2" charset="-122"/>
               </a:rPr>
               <a:t>2</a:t>
             </a:r>
             <a:r>
-              <a:rPr altLang="en-US" b="1" sz="2800" lang="zh-CN">
+              <a:rPr lang="zh-CN" altLang="en-US" sz="2800" b="1">
                 <a:latin typeface="华文楷体" pitchFamily="2" charset="-122"/>
                 <a:ea typeface="华文楷体" pitchFamily="2" charset="-122"/>
               </a:rPr>
               <a:t>）</a:t>
             </a:r>
             <a:r>
-              <a:rPr altLang="zh-CN" b="1" sz="2800" lang="en-US">
+              <a:rPr lang="en-US" altLang="zh-CN" sz="2800" b="1">
                 <a:latin typeface="华文楷体" pitchFamily="2" charset="-122"/>
                 <a:ea typeface="华文楷体" pitchFamily="2" charset="-122"/>
               </a:rPr>
               <a:t>.</a:t>
             </a:r>
             <a:r>
-              <a:rPr altLang="en-US" b="1" sz="2800" lang="zh-CN">
+              <a:rPr lang="zh-CN" altLang="en-US" sz="2800" b="1">
                 <a:latin typeface="华文楷体" pitchFamily="2" charset="-122"/>
                 <a:ea typeface="华文楷体" pitchFamily="2" charset="-122"/>
               </a:rPr>
               <a:t>关于变上限积分的题：如求导、求极限等</a:t>
             </a:r>
             <a:r>
-              <a:rPr altLang="zh-CN" b="1" sz="2800" lang="en-US">
+              <a:rPr lang="en-US" altLang="zh-CN" sz="2800" b="1">
                 <a:latin typeface="华文楷体" pitchFamily="2" charset="-122"/>
                 <a:ea typeface="华文楷体" pitchFamily="2" charset="-122"/>
               </a:rPr>
@@ -8349,27 +8654,29 @@
       </p:sp>
       <p:sp>
         <p:nvSpPr>
-          <p:cNvPr id="1048588" name=""/>
+          <p:cNvPr id="1048588" name="矩形 1048587"/>
           <p:cNvSpPr/>
           <p:nvPr/>
         </p:nvSpPr>
         <p:spPr>
-          <a:xfrm rot="0">
+          <a:xfrm>
             <a:off x="900112" y="5589587"/>
             <a:ext cx="2944812" cy="523875"/>
           </a:xfrm>
-          <a:prstGeom prst="rect"/>
+          <a:prstGeom prst="rect">
+            <a:avLst/>
+          </a:prstGeom>
           <a:noFill/>
           <a:ln>
             <a:noFill/>
           </a:ln>
         </p:spPr>
         <p:txBody>
-          <a:bodyPr anchor="t" bIns="45720" lIns="91440" rIns="91440" tIns="45720" vert="horz" wrap="none">
+          <a:bodyPr vert="horz" wrap="none" lIns="91440" tIns="45720" rIns="91440" bIns="45720" anchor="t">
             <a:spAutoFit/>
           </a:bodyPr>
           <a:lstStyle>
-            <a:lvl1pPr algn="l" fontAlgn="base" indent="0" latinLnBrk="1" marL="0" rtl="0">
+            <a:lvl1pPr marL="0" indent="0" algn="l" rtl="0" fontAlgn="base" latinLnBrk="1">
               <a:lnSpc>
                 <a:spcPct val="100000"/>
               </a:lnSpc>
@@ -8381,7 +8688,7 @@
               </a:spcAft>
               <a:buFontTx/>
               <a:buNone/>
-              <a:defRPr baseline="0" b="0" sz="1800" i="0" u="none">
+              <a:defRPr sz="1800" b="0" i="0" u="none" baseline="0">
                 <a:solidFill>
                   <a:schemeClr val="dk1"/>
                 </a:solidFill>
@@ -8390,7 +8697,7 @@
                 <a:sym typeface="Calibri" pitchFamily="34" charset="0"/>
               </a:defRPr>
             </a:lvl1pPr>
-            <a:lvl2pPr algn="l" fontAlgn="base" indent="0" latinLnBrk="1" marL="457200" rtl="0">
+            <a:lvl2pPr marL="457200" indent="0" algn="l" rtl="0" fontAlgn="base" latinLnBrk="1">
               <a:lnSpc>
                 <a:spcPct val="100000"/>
               </a:lnSpc>
@@ -8402,7 +8709,7 @@
               </a:spcAft>
               <a:buFontTx/>
               <a:buNone/>
-              <a:defRPr baseline="0" b="0" sz="1800" i="0" u="none">
+              <a:defRPr sz="1800" b="0" i="0" u="none" baseline="0">
                 <a:solidFill>
                   <a:schemeClr val="dk1"/>
                 </a:solidFill>
@@ -8411,7 +8718,7 @@
                 <a:sym typeface="Calibri" pitchFamily="34" charset="0"/>
               </a:defRPr>
             </a:lvl2pPr>
-            <a:lvl3pPr algn="l" fontAlgn="base" indent="0" latinLnBrk="1" marL="914400" rtl="0">
+            <a:lvl3pPr marL="914400" indent="0" algn="l" rtl="0" fontAlgn="base" latinLnBrk="1">
               <a:lnSpc>
                 <a:spcPct val="100000"/>
               </a:lnSpc>
@@ -8423,7 +8730,7 @@
               </a:spcAft>
               <a:buFontTx/>
               <a:buNone/>
-              <a:defRPr baseline="0" b="0" sz="1800" i="0" u="none">
+              <a:defRPr sz="1800" b="0" i="0" u="none" baseline="0">
                 <a:solidFill>
                   <a:schemeClr val="dk1"/>
                 </a:solidFill>
@@ -8432,7 +8739,7 @@
                 <a:sym typeface="Calibri" pitchFamily="34" charset="0"/>
               </a:defRPr>
             </a:lvl3pPr>
-            <a:lvl4pPr algn="l" fontAlgn="base" indent="0" latinLnBrk="1" marL="1371600" rtl="0">
+            <a:lvl4pPr marL="1371600" indent="0" algn="l" rtl="0" fontAlgn="base" latinLnBrk="1">
               <a:lnSpc>
                 <a:spcPct val="100000"/>
               </a:lnSpc>
@@ -8444,7 +8751,7 @@
               </a:spcAft>
               <a:buFontTx/>
               <a:buNone/>
-              <a:defRPr baseline="0" b="0" sz="1800" i="0" u="none">
+              <a:defRPr sz="1800" b="0" i="0" u="none" baseline="0">
                 <a:solidFill>
                   <a:schemeClr val="dk1"/>
                 </a:solidFill>
@@ -8453,7 +8760,7 @@
                 <a:sym typeface="Calibri" pitchFamily="34" charset="0"/>
               </a:defRPr>
             </a:lvl4pPr>
-            <a:lvl5pPr algn="l" fontAlgn="base" indent="0" latinLnBrk="1" marL="1828800" rtl="0">
+            <a:lvl5pPr marL="1828800" indent="0" algn="l" rtl="0" fontAlgn="base" latinLnBrk="1">
               <a:lnSpc>
                 <a:spcPct val="100000"/>
               </a:lnSpc>
@@ -8465,7 +8772,7 @@
               </a:spcAft>
               <a:buFontTx/>
               <a:buNone/>
-              <a:defRPr baseline="0" b="0" sz="1800" i="0" u="none">
+              <a:defRPr sz="1800" b="0" i="0" u="none" baseline="0">
                 <a:solidFill>
                   <a:schemeClr val="dk1"/>
                 </a:solidFill>
@@ -8476,30 +8783,30 @@
             </a:lvl5pPr>
           </a:lstStyle>
           <a:p>
-            <a:pPr eaLnBrk="1" hangingPunct="1" latinLnBrk="1" lvl="0"/>
-            <a:r>
-              <a:rPr altLang="zh-CN" b="1" sz="2800" lang="en-US">
+            <a:pPr lvl="0" eaLnBrk="1" latinLnBrk="1" hangingPunct="1"/>
+            <a:r>
+              <a:rPr lang="en-US" altLang="zh-CN" sz="2800" b="1">
                 <a:latin typeface="华文楷体" pitchFamily="2" charset="-122"/>
                 <a:ea typeface="华文楷体" pitchFamily="2" charset="-122"/>
               </a:rPr>
               <a:t>5</a:t>
             </a:r>
             <a:r>
-              <a:rPr altLang="en-US" b="1" sz="2800" lang="zh-CN">
+              <a:rPr lang="zh-CN" altLang="en-US" sz="2800" b="1">
                 <a:latin typeface="华文楷体" pitchFamily="2" charset="-122"/>
                 <a:ea typeface="华文楷体" pitchFamily="2" charset="-122"/>
               </a:rPr>
               <a:t>）</a:t>
             </a:r>
             <a:r>
-              <a:rPr altLang="zh-CN" b="1" sz="2800" lang="en-US">
+              <a:rPr lang="en-US" altLang="zh-CN" sz="2800" b="1">
                 <a:latin typeface="华文楷体" pitchFamily="2" charset="-122"/>
                 <a:ea typeface="华文楷体" pitchFamily="2" charset="-122"/>
               </a:rPr>
               <a:t>.</a:t>
             </a:r>
             <a:r>
-              <a:rPr altLang="en-US" b="1" sz="2800" lang="zh-CN">
+              <a:rPr lang="zh-CN" altLang="en-US" sz="2800" b="1">
                 <a:latin typeface="华文楷体" pitchFamily="2" charset="-122"/>
                 <a:ea typeface="华文楷体" pitchFamily="2" charset="-122"/>
               </a:rPr>
@@ -8510,27 +8817,29 @@
       </p:sp>
       <p:sp>
         <p:nvSpPr>
-          <p:cNvPr id="1048589" name=""/>
+          <p:cNvPr id="1048589" name="矩形 1048588"/>
           <p:cNvSpPr/>
           <p:nvPr/>
         </p:nvSpPr>
         <p:spPr>
-          <a:xfrm rot="0">
+          <a:xfrm>
             <a:off x="971550" y="4868862"/>
             <a:ext cx="6335712" cy="519112"/>
           </a:xfrm>
-          <a:prstGeom prst="rect"/>
+          <a:prstGeom prst="rect">
+            <a:avLst/>
+          </a:prstGeom>
           <a:noFill/>
           <a:ln>
             <a:noFill/>
           </a:ln>
         </p:spPr>
         <p:txBody>
-          <a:bodyPr anchor="t" bIns="45720" lIns="91440" rIns="91440" tIns="45720" vert="horz">
+          <a:bodyPr vert="horz" lIns="91440" tIns="45720" rIns="91440" bIns="45720" anchor="t">
             <a:spAutoFit/>
           </a:bodyPr>
           <a:lstStyle>
-            <a:lvl1pPr algn="l" fontAlgn="base" indent="0" latinLnBrk="1" marL="0" rtl="0">
+            <a:lvl1pPr marL="0" indent="0" algn="l" rtl="0" fontAlgn="base" latinLnBrk="1">
               <a:lnSpc>
                 <a:spcPct val="100000"/>
               </a:lnSpc>
@@ -8542,7 +8851,7 @@
               </a:spcAft>
               <a:buFontTx/>
               <a:buNone/>
-              <a:defRPr baseline="0" b="0" sz="1800" i="0" u="none">
+              <a:defRPr sz="1800" b="0" i="0" u="none" baseline="0">
                 <a:solidFill>
                   <a:schemeClr val="dk1"/>
                 </a:solidFill>
@@ -8551,7 +8860,7 @@
                 <a:sym typeface="Calibri" pitchFamily="34" charset="0"/>
               </a:defRPr>
             </a:lvl1pPr>
-            <a:lvl2pPr algn="l" fontAlgn="base" indent="0" latinLnBrk="1" marL="457200" rtl="0">
+            <a:lvl2pPr marL="457200" indent="0" algn="l" rtl="0" fontAlgn="base" latinLnBrk="1">
               <a:lnSpc>
                 <a:spcPct val="100000"/>
               </a:lnSpc>
@@ -8563,7 +8872,7 @@
               </a:spcAft>
               <a:buFontTx/>
               <a:buNone/>
-              <a:defRPr baseline="0" b="0" sz="1800" i="0" u="none">
+              <a:defRPr sz="1800" b="0" i="0" u="none" baseline="0">
                 <a:solidFill>
                   <a:schemeClr val="dk1"/>
                 </a:solidFill>
@@ -8572,7 +8881,7 @@
                 <a:sym typeface="Calibri" pitchFamily="34" charset="0"/>
               </a:defRPr>
             </a:lvl2pPr>
-            <a:lvl3pPr algn="l" fontAlgn="base" indent="0" latinLnBrk="1" marL="914400" rtl="0">
+            <a:lvl3pPr marL="914400" indent="0" algn="l" rtl="0" fontAlgn="base" latinLnBrk="1">
               <a:lnSpc>
                 <a:spcPct val="100000"/>
               </a:lnSpc>
@@ -8584,7 +8893,7 @@
               </a:spcAft>
               <a:buFontTx/>
               <a:buNone/>
-              <a:defRPr baseline="0" b="0" sz="1800" i="0" u="none">
+              <a:defRPr sz="1800" b="0" i="0" u="none" baseline="0">
                 <a:solidFill>
                   <a:schemeClr val="dk1"/>
                 </a:solidFill>
@@ -8593,7 +8902,7 @@
                 <a:sym typeface="Calibri" pitchFamily="34" charset="0"/>
               </a:defRPr>
             </a:lvl3pPr>
-            <a:lvl4pPr algn="l" fontAlgn="base" indent="0" latinLnBrk="1" marL="1371600" rtl="0">
+            <a:lvl4pPr marL="1371600" indent="0" algn="l" rtl="0" fontAlgn="base" latinLnBrk="1">
               <a:lnSpc>
                 <a:spcPct val="100000"/>
               </a:lnSpc>
@@ -8605,7 +8914,7 @@
               </a:spcAft>
               <a:buFontTx/>
               <a:buNone/>
-              <a:defRPr baseline="0" b="0" sz="1800" i="0" u="none">
+              <a:defRPr sz="1800" b="0" i="0" u="none" baseline="0">
                 <a:solidFill>
                   <a:schemeClr val="dk1"/>
                 </a:solidFill>
@@ -8614,7 +8923,7 @@
                 <a:sym typeface="Calibri" pitchFamily="34" charset="0"/>
               </a:defRPr>
             </a:lvl4pPr>
-            <a:lvl5pPr algn="l" fontAlgn="base" indent="0" latinLnBrk="1" marL="1828800" rtl="0">
+            <a:lvl5pPr marL="1828800" indent="0" algn="l" rtl="0" fontAlgn="base" latinLnBrk="1">
               <a:lnSpc>
                 <a:spcPct val="100000"/>
               </a:lnSpc>
@@ -8626,7 +8935,7 @@
               </a:spcAft>
               <a:buFontTx/>
               <a:buNone/>
-              <a:defRPr baseline="0" b="0" sz="1800" i="0" u="none">
+              <a:defRPr sz="1800" b="0" i="0" u="none" baseline="0">
                 <a:solidFill>
                   <a:schemeClr val="dk1"/>
                 </a:solidFill>
@@ -8637,23 +8946,23 @@
             </a:lvl5pPr>
           </a:lstStyle>
           <a:p>
-            <a:pPr eaLnBrk="1" hangingPunct="1" latinLnBrk="1" lvl="0"/>
-            <a:r>
-              <a:rPr altLang="en-US" b="1" sz="2800" lang="zh-CN">
+            <a:pPr lvl="0" eaLnBrk="1" latinLnBrk="1" hangingPunct="1"/>
+            <a:r>
+              <a:rPr lang="zh-CN" altLang="en-US" sz="2800" b="1">
                 <a:latin typeface="华文楷体" pitchFamily="2" charset="-122"/>
                 <a:ea typeface="华文楷体" pitchFamily="2" charset="-122"/>
               </a:rPr>
               <a:t>平均值，变力作功，水压力等</a:t>
             </a:r>
             <a:r>
-              <a:rPr altLang="zh-CN" b="1" sz="2800" lang="en-US">
+              <a:rPr lang="en-US" altLang="zh-CN" sz="2800" b="1">
                 <a:latin typeface="华文楷体" pitchFamily="2" charset="-122"/>
                 <a:ea typeface="华文楷体" pitchFamily="2" charset="-122"/>
               </a:rPr>
               <a:t>;</a:t>
             </a:r>
             <a:r>
-              <a:rPr altLang="en-US" b="1" sz="2800" lang="zh-CN">
+              <a:rPr lang="zh-CN" altLang="en-US" sz="2800" b="1">
                 <a:latin typeface="华文楷体" pitchFamily="2" charset="-122"/>
                 <a:ea typeface="华文楷体" pitchFamily="2" charset="-122"/>
               </a:rPr>
@@ -8664,27 +8973,29 @@
       </p:sp>
       <p:sp>
         <p:nvSpPr>
-          <p:cNvPr id="1048590" name=""/>
+          <p:cNvPr id="1048590" name="矩形 1048589"/>
           <p:cNvSpPr/>
           <p:nvPr/>
         </p:nvSpPr>
         <p:spPr>
-          <a:xfrm rot="0">
+          <a:xfrm>
             <a:off x="344487" y="3779837"/>
             <a:ext cx="3675381" cy="510541"/>
           </a:xfrm>
-          <a:prstGeom prst="rect"/>
+          <a:prstGeom prst="rect">
+            <a:avLst/>
+          </a:prstGeom>
           <a:noFill/>
           <a:ln>
             <a:noFill/>
           </a:ln>
         </p:spPr>
         <p:txBody>
-          <a:bodyPr anchor="t" bIns="45720" lIns="91440" rIns="91440" tIns="45720" vert="horz" wrap="none">
+          <a:bodyPr vert="horz" wrap="none" lIns="91440" tIns="45720" rIns="91440" bIns="45720" anchor="t">
             <a:spAutoFit/>
           </a:bodyPr>
           <a:lstStyle>
-            <a:lvl1pPr algn="l" fontAlgn="base" indent="0" latinLnBrk="1" marL="0" rtl="0">
+            <a:lvl1pPr marL="0" indent="0" algn="l" rtl="0" fontAlgn="base" latinLnBrk="1">
               <a:lnSpc>
                 <a:spcPct val="100000"/>
               </a:lnSpc>
@@ -8696,7 +9007,7 @@
               </a:spcAft>
               <a:buFontTx/>
               <a:buNone/>
-              <a:defRPr baseline="0" b="0" sz="1800" i="0" u="none">
+              <a:defRPr sz="1800" b="0" i="0" u="none" baseline="0">
                 <a:solidFill>
                   <a:schemeClr val="dk1"/>
                 </a:solidFill>
@@ -8705,7 +9016,7 @@
                 <a:sym typeface="Calibri" pitchFamily="34" charset="0"/>
               </a:defRPr>
             </a:lvl1pPr>
-            <a:lvl2pPr algn="l" fontAlgn="base" indent="0" latinLnBrk="1" marL="457200" rtl="0">
+            <a:lvl2pPr marL="457200" indent="0" algn="l" rtl="0" fontAlgn="base" latinLnBrk="1">
               <a:lnSpc>
                 <a:spcPct val="100000"/>
               </a:lnSpc>
@@ -8717,7 +9028,7 @@
               </a:spcAft>
               <a:buFontTx/>
               <a:buNone/>
-              <a:defRPr baseline="0" b="0" sz="1800" i="0" u="none">
+              <a:defRPr sz="1800" b="0" i="0" u="none" baseline="0">
                 <a:solidFill>
                   <a:schemeClr val="dk1"/>
                 </a:solidFill>
@@ -8726,7 +9037,7 @@
                 <a:sym typeface="Calibri" pitchFamily="34" charset="0"/>
               </a:defRPr>
             </a:lvl2pPr>
-            <a:lvl3pPr algn="l" fontAlgn="base" indent="0" latinLnBrk="1" marL="914400" rtl="0">
+            <a:lvl3pPr marL="914400" indent="0" algn="l" rtl="0" fontAlgn="base" latinLnBrk="1">
               <a:lnSpc>
                 <a:spcPct val="100000"/>
               </a:lnSpc>
@@ -8738,7 +9049,7 @@
               </a:spcAft>
               <a:buFontTx/>
               <a:buNone/>
-              <a:defRPr baseline="0" b="0" sz="1800" i="0" u="none">
+              <a:defRPr sz="1800" b="0" i="0" u="none" baseline="0">
                 <a:solidFill>
                   <a:schemeClr val="dk1"/>
                 </a:solidFill>
@@ -8747,7 +9058,7 @@
                 <a:sym typeface="Calibri" pitchFamily="34" charset="0"/>
               </a:defRPr>
             </a:lvl3pPr>
-            <a:lvl4pPr algn="l" fontAlgn="base" indent="0" latinLnBrk="1" marL="1371600" rtl="0">
+            <a:lvl4pPr marL="1371600" indent="0" algn="l" rtl="0" fontAlgn="base" latinLnBrk="1">
               <a:lnSpc>
                 <a:spcPct val="100000"/>
               </a:lnSpc>
@@ -8759,7 +9070,7 @@
               </a:spcAft>
               <a:buFontTx/>
               <a:buNone/>
-              <a:defRPr baseline="0" b="0" sz="1800" i="0" u="none">
+              <a:defRPr sz="1800" b="0" i="0" u="none" baseline="0">
                 <a:solidFill>
                   <a:schemeClr val="dk1"/>
                 </a:solidFill>
@@ -8768,7 +9079,7 @@
                 <a:sym typeface="Calibri" pitchFamily="34" charset="0"/>
               </a:defRPr>
             </a:lvl4pPr>
-            <a:lvl5pPr algn="l" fontAlgn="base" indent="0" latinLnBrk="1" marL="1828800" rtl="0">
+            <a:lvl5pPr marL="1828800" indent="0" algn="l" rtl="0" fontAlgn="base" latinLnBrk="1">
               <a:lnSpc>
                 <a:spcPct val="100000"/>
               </a:lnSpc>
@@ -8780,7 +9091,7 @@
               </a:spcAft>
               <a:buFontTx/>
               <a:buNone/>
-              <a:defRPr baseline="0" b="0" sz="1800" i="0" u="none">
+              <a:defRPr sz="1800" b="0" i="0" u="none" baseline="0">
                 <a:solidFill>
                   <a:schemeClr val="dk1"/>
                 </a:solidFill>
@@ -8791,37 +9102,37 @@
             </a:lvl5pPr>
           </a:lstStyle>
           <a:p>
-            <a:pPr eaLnBrk="1" hangingPunct="1" latinLnBrk="1" lvl="0"/>
-            <a:r>
-              <a:rPr altLang="en-US" b="1" sz="2800" lang="zh-CN">
+            <a:pPr lvl="0" eaLnBrk="1" latinLnBrk="1" hangingPunct="1"/>
+            <a:r>
+              <a:rPr lang="zh-CN" altLang="en-US" sz="2800" b="1">
                 <a:latin typeface="华文楷体" pitchFamily="2" charset="-122"/>
                 <a:ea typeface="华文楷体" pitchFamily="2" charset="-122"/>
               </a:rPr>
               <a:t>　</a:t>
             </a:r>
             <a:r>
-              <a:rPr altLang="zh-CN" b="1" sz="2800" lang="en-US">
+              <a:rPr lang="en-US" altLang="zh-CN" sz="2800" b="1">
                 <a:latin typeface="华文楷体" pitchFamily="2" charset="-122"/>
                 <a:ea typeface="华文楷体" pitchFamily="2" charset="-122"/>
               </a:rPr>
               <a:t>4</a:t>
             </a:r>
             <a:r>
-              <a:rPr altLang="en-US" b="1" sz="2800" lang="zh-CN">
+              <a:rPr lang="zh-CN" altLang="en-US" sz="2800" b="1">
                 <a:latin typeface="华文楷体" pitchFamily="2" charset="-122"/>
                 <a:ea typeface="华文楷体" pitchFamily="2" charset="-122"/>
               </a:rPr>
               <a:t>）</a:t>
             </a:r>
             <a:r>
-              <a:rPr altLang="zh-CN" b="1" sz="2800" lang="en-US">
+              <a:rPr lang="en-US" altLang="zh-CN" sz="2800" b="1">
                 <a:latin typeface="华文楷体" pitchFamily="2" charset="-122"/>
                 <a:ea typeface="华文楷体" pitchFamily="2" charset="-122"/>
               </a:rPr>
               <a:t>.</a:t>
             </a:r>
             <a:r>
-              <a:rPr altLang="en-US" b="1" sz="2800" lang="zh-CN">
+              <a:rPr lang="zh-CN" altLang="en-US" sz="2800" b="1">
                 <a:latin typeface="华文楷体" pitchFamily="2" charset="-122"/>
                 <a:ea typeface="华文楷体" pitchFamily="2" charset="-122"/>
               </a:rPr>
@@ -8832,27 +9143,29 @@
       </p:sp>
       <p:sp>
         <p:nvSpPr>
-          <p:cNvPr id="1048591" name=""/>
+          <p:cNvPr id="1048591" name="矩形 1048590"/>
           <p:cNvSpPr/>
           <p:nvPr/>
         </p:nvSpPr>
         <p:spPr>
-          <a:xfrm rot="0">
+          <a:xfrm>
             <a:off x="971550" y="4408487"/>
             <a:ext cx="6583681" cy="510540"/>
           </a:xfrm>
-          <a:prstGeom prst="rect"/>
+          <a:prstGeom prst="rect">
+            <a:avLst/>
+          </a:prstGeom>
           <a:noFill/>
           <a:ln>
             <a:noFill/>
           </a:ln>
         </p:spPr>
         <p:txBody>
-          <a:bodyPr anchor="t" bIns="45720" lIns="91440" rIns="91440" tIns="45720" vert="horz" wrap="none">
+          <a:bodyPr vert="horz" wrap="none" lIns="91440" tIns="45720" rIns="91440" bIns="45720" anchor="t">
             <a:spAutoFit/>
           </a:bodyPr>
           <a:lstStyle>
-            <a:lvl1pPr algn="l" fontAlgn="base" indent="0" latinLnBrk="1" marL="0" rtl="0">
+            <a:lvl1pPr marL="0" indent="0" algn="l" rtl="0" fontAlgn="base" latinLnBrk="1">
               <a:lnSpc>
                 <a:spcPct val="100000"/>
               </a:lnSpc>
@@ -8864,7 +9177,7 @@
               </a:spcAft>
               <a:buFontTx/>
               <a:buNone/>
-              <a:defRPr baseline="0" b="0" sz="1800" i="0" u="none">
+              <a:defRPr sz="1800" b="0" i="0" u="none" baseline="0">
                 <a:solidFill>
                   <a:schemeClr val="dk1"/>
                 </a:solidFill>
@@ -8873,7 +9186,7 @@
                 <a:sym typeface="Calibri" pitchFamily="34" charset="0"/>
               </a:defRPr>
             </a:lvl1pPr>
-            <a:lvl2pPr algn="l" fontAlgn="base" indent="0" latinLnBrk="1" marL="457200" rtl="0">
+            <a:lvl2pPr marL="457200" indent="0" algn="l" rtl="0" fontAlgn="base" latinLnBrk="1">
               <a:lnSpc>
                 <a:spcPct val="100000"/>
               </a:lnSpc>
@@ -8885,7 +9198,7 @@
               </a:spcAft>
               <a:buFontTx/>
               <a:buNone/>
-              <a:defRPr baseline="0" b="0" sz="1800" i="0" u="none">
+              <a:defRPr sz="1800" b="0" i="0" u="none" baseline="0">
                 <a:solidFill>
                   <a:schemeClr val="dk1"/>
                 </a:solidFill>
@@ -8894,7 +9207,7 @@
                 <a:sym typeface="Calibri" pitchFamily="34" charset="0"/>
               </a:defRPr>
             </a:lvl2pPr>
-            <a:lvl3pPr algn="l" fontAlgn="base" indent="0" latinLnBrk="1" marL="914400" rtl="0">
+            <a:lvl3pPr marL="914400" indent="0" algn="l" rtl="0" fontAlgn="base" latinLnBrk="1">
               <a:lnSpc>
                 <a:spcPct val="100000"/>
               </a:lnSpc>
@@ -8906,7 +9219,7 @@
               </a:spcAft>
               <a:buFontTx/>
               <a:buNone/>
-              <a:defRPr baseline="0" b="0" sz="1800" i="0" u="none">
+              <a:defRPr sz="1800" b="0" i="0" u="none" baseline="0">
                 <a:solidFill>
                   <a:schemeClr val="dk1"/>
                 </a:solidFill>
@@ -8915,7 +9228,7 @@
                 <a:sym typeface="Calibri" pitchFamily="34" charset="0"/>
               </a:defRPr>
             </a:lvl3pPr>
-            <a:lvl4pPr algn="l" fontAlgn="base" indent="0" latinLnBrk="1" marL="1371600" rtl="0">
+            <a:lvl4pPr marL="1371600" indent="0" algn="l" rtl="0" fontAlgn="base" latinLnBrk="1">
               <a:lnSpc>
                 <a:spcPct val="100000"/>
               </a:lnSpc>
@@ -8927,7 +9240,7 @@
               </a:spcAft>
               <a:buFontTx/>
               <a:buNone/>
-              <a:defRPr baseline="0" b="0" sz="1800" i="0" u="none">
+              <a:defRPr sz="1800" b="0" i="0" u="none" baseline="0">
                 <a:solidFill>
                   <a:schemeClr val="dk1"/>
                 </a:solidFill>
@@ -8936,7 +9249,7 @@
                 <a:sym typeface="Calibri" pitchFamily="34" charset="0"/>
               </a:defRPr>
             </a:lvl4pPr>
-            <a:lvl5pPr algn="l" fontAlgn="base" indent="0" latinLnBrk="1" marL="1828800" rtl="0">
+            <a:lvl5pPr marL="1828800" indent="0" algn="l" rtl="0" fontAlgn="base" latinLnBrk="1">
               <a:lnSpc>
                 <a:spcPct val="100000"/>
               </a:lnSpc>
@@ -8948,7 +9261,7 @@
               </a:spcAft>
               <a:buFontTx/>
               <a:buNone/>
-              <a:defRPr baseline="0" b="0" sz="1800" i="0" u="none">
+              <a:defRPr sz="1800" b="0" i="0" u="none" baseline="0">
                 <a:solidFill>
                   <a:schemeClr val="dk1"/>
                 </a:solidFill>
@@ -8959,9 +9272,9 @@
             </a:lvl5pPr>
           </a:lstStyle>
           <a:p>
-            <a:pPr eaLnBrk="1" hangingPunct="1" latinLnBrk="1" lvl="0"/>
-            <a:r>
-              <a:rPr altLang="en-US" b="1" sz="2800" lang="zh-CN">
+            <a:pPr lvl="0" eaLnBrk="1" latinLnBrk="1" hangingPunct="1"/>
+            <a:r>
+              <a:rPr lang="zh-CN" altLang="en-US" sz="2800" b="1">
                 <a:latin typeface="华文楷体" pitchFamily="2" charset="-122"/>
                 <a:ea typeface="华文楷体" pitchFamily="2" charset="-122"/>
               </a:rPr>
@@ -8978,32 +9291,32 @@
   <p:timing>
     <p:tnLst>
       <p:par>
-        <p:cTn dur="indefinite" id="1" nodeType="tmRoot">
+        <p:cTn id="1" dur="indefinite" restart="never" nodeType="tmRoot">
           <p:childTnLst>
             <p:seq concurrent="1" nextAc="seek">
-              <p:cTn dur="indefinite" id="2" nodeType="mainSeq">
+              <p:cTn id="2" dur="indefinite" nodeType="mainSeq">
                 <p:childTnLst>
                   <p:par>
-                    <p:cTn fill="hold" id="3" nodeType="clickPar">
+                    <p:cTn id="3" fill="hold" nodeType="clickPar">
                       <p:stCondLst>
                         <p:cond delay="indefinite"/>
                       </p:stCondLst>
                       <p:childTnLst>
                         <p:par>
-                          <p:cTn fill="hold" id="4" nodeType="withGroup">
+                          <p:cTn id="4" fill="hold" nodeType="withGroup">
                             <p:stCondLst>
                               <p:cond delay="0"/>
                             </p:stCondLst>
                             <p:childTnLst>
                               <p:par>
-                                <p:cTn fill="hold" grpId="0" id="5" nodeType="clickEffect" presetClass="entr" presetID="3" presetSubtype="10">
+                                <p:cTn id="5" presetID="3" presetClass="entr" presetSubtype="10" fill="hold" grpId="0" nodeType="clickEffect">
                                   <p:stCondLst>
                                     <p:cond delay="0"/>
                                   </p:stCondLst>
                                   <p:childTnLst>
                                     <p:set>
                                       <p:cBhvr>
-                                        <p:cTn dur="1" fill="hold" id="6">
+                                        <p:cTn id="6" dur="1" fill="hold">
                                           <p:stCondLst>
                                             <p:cond delay="0"/>
                                           </p:stCondLst>
@@ -9021,7 +9334,7 @@
                                     </p:set>
                                     <p:animEffect transition="in" filter="blinds(horizontal)">
                                       <p:cBhvr>
-                                        <p:cTn dur="500" id="7"/>
+                                        <p:cTn id="7" dur="500"/>
                                         <p:tgtEl>
                                           <p:spTgt spid="1048586"/>
                                         </p:tgtEl>
@@ -9037,26 +9350,26 @@
                     </p:cTn>
                   </p:par>
                   <p:par>
-                    <p:cTn fill="hold" id="8" nodeType="clickPar">
+                    <p:cTn id="8" fill="hold" nodeType="clickPar">
                       <p:stCondLst>
                         <p:cond delay="indefinite"/>
                       </p:stCondLst>
                       <p:childTnLst>
                         <p:par>
-                          <p:cTn fill="hold" id="9" nodeType="withGroup">
+                          <p:cTn id="9" fill="hold" nodeType="withGroup">
                             <p:stCondLst>
                               <p:cond delay="0"/>
                             </p:stCondLst>
                             <p:childTnLst>
                               <p:par>
-                                <p:cTn fill="hold" id="10" nodeType="clickEffect" presetClass="entr" presetID="3" presetSubtype="10">
+                                <p:cTn id="10" presetID="3" presetClass="entr" presetSubtype="10" fill="hold" nodeType="clickEffect">
                                   <p:stCondLst>
                                     <p:cond delay="0"/>
                                   </p:stCondLst>
                                   <p:childTnLst>
                                     <p:set>
                                       <p:cBhvr>
-                                        <p:cTn dur="1" fill="hold" id="11">
+                                        <p:cTn id="11" dur="1" fill="hold">
                                           <p:stCondLst>
                                             <p:cond delay="0"/>
                                           </p:stCondLst>
@@ -9064,7 +9377,7 @@
                                         <p:tgtEl>
                                           <p:spTgt spid="1048587">
                                             <p:txEl>
-                                              <p:charRg st="0" end="23"/>
+                                              <p:pRg st="0" end="0"/>
                                             </p:txEl>
                                           </p:spTgt>
                                         </p:tgtEl>
@@ -9078,11 +9391,11 @@
                                     </p:set>
                                     <p:animEffect transition="in" filter="blinds(horizontal)">
                                       <p:cBhvr>
-                                        <p:cTn dur="500" id="12"/>
+                                        <p:cTn id="12" dur="500"/>
                                         <p:tgtEl>
                                           <p:spTgt spid="1048587">
                                             <p:txEl>
-                                              <p:charRg st="0" end="23"/>
+                                              <p:pRg st="0" end="0"/>
                                             </p:txEl>
                                           </p:spTgt>
                                         </p:tgtEl>
@@ -9098,26 +9411,26 @@
                     </p:cTn>
                   </p:par>
                   <p:par>
-                    <p:cTn fill="hold" id="13" nodeType="clickPar">
+                    <p:cTn id="13" fill="hold" nodeType="clickPar">
                       <p:stCondLst>
                         <p:cond delay="indefinite"/>
                       </p:stCondLst>
                       <p:childTnLst>
                         <p:par>
-                          <p:cTn fill="hold" id="14" nodeType="withGroup">
+                          <p:cTn id="14" fill="hold" nodeType="withGroup">
                             <p:stCondLst>
                               <p:cond delay="0"/>
                             </p:stCondLst>
                             <p:childTnLst>
                               <p:par>
-                                <p:cTn fill="hold" id="15" nodeType="clickEffect" presetClass="entr" presetID="3" presetSubtype="10">
+                                <p:cTn id="15" presetID="3" presetClass="entr" presetSubtype="10" fill="hold" nodeType="clickEffect">
                                   <p:stCondLst>
                                     <p:cond delay="0"/>
                                   </p:stCondLst>
                                   <p:childTnLst>
                                     <p:set>
                                       <p:cBhvr>
-                                        <p:cTn dur="1" fill="hold" id="16">
+                                        <p:cTn id="16" dur="1" fill="hold">
                                           <p:stCondLst>
                                             <p:cond delay="0"/>
                                           </p:stCondLst>
@@ -9125,7 +9438,7 @@
                                         <p:tgtEl>
                                           <p:spTgt spid="1048584">
                                             <p:txEl>
-                                              <p:charRg st="0" end="22"/>
+                                              <p:pRg st="0" end="0"/>
                                             </p:txEl>
                                           </p:spTgt>
                                         </p:tgtEl>
@@ -9139,11 +9452,11 @@
                                     </p:set>
                                     <p:animEffect transition="in" filter="blinds(horizontal)">
                                       <p:cBhvr>
-                                        <p:cTn dur="500" id="17"/>
+                                        <p:cTn id="17" dur="500"/>
                                         <p:tgtEl>
                                           <p:spTgt spid="1048584">
                                             <p:txEl>
-                                              <p:charRg st="0" end="22"/>
+                                              <p:pRg st="0" end="0"/>
                                             </p:txEl>
                                           </p:spTgt>
                                         </p:tgtEl>
@@ -9159,26 +9472,26 @@
                     </p:cTn>
                   </p:par>
                   <p:par>
-                    <p:cTn fill="hold" id="18" nodeType="clickPar">
+                    <p:cTn id="18" fill="hold" nodeType="clickPar">
                       <p:stCondLst>
                         <p:cond delay="indefinite"/>
                       </p:stCondLst>
                       <p:childTnLst>
                         <p:par>
-                          <p:cTn fill="hold" id="19" nodeType="withGroup">
+                          <p:cTn id="19" fill="hold" nodeType="withGroup">
                             <p:stCondLst>
                               <p:cond delay="0"/>
                             </p:stCondLst>
                             <p:childTnLst>
                               <p:par>
-                                <p:cTn fill="hold" grpId="0" id="20" nodeType="clickEffect" presetClass="entr" presetID="3" presetSubtype="10">
+                                <p:cTn id="20" presetID="3" presetClass="entr" presetSubtype="10" fill="hold" grpId="0" nodeType="clickEffect">
                                   <p:stCondLst>
                                     <p:cond delay="0"/>
                                   </p:stCondLst>
                                   <p:childTnLst>
                                     <p:set>
                                       <p:cBhvr>
-                                        <p:cTn dur="1" fill="hold" id="21">
+                                        <p:cTn id="21" dur="1" fill="hold">
                                           <p:stCondLst>
                                             <p:cond delay="0"/>
                                           </p:stCondLst>
@@ -9196,7 +9509,7 @@
                                     </p:set>
                                     <p:animEffect transition="in" filter="blinds(horizontal)">
                                       <p:cBhvr>
-                                        <p:cTn dur="500" id="22"/>
+                                        <p:cTn id="22" dur="500"/>
                                         <p:tgtEl>
                                           <p:spTgt spid="1048590"/>
                                         </p:tgtEl>
@@ -9212,26 +9525,26 @@
                     </p:cTn>
                   </p:par>
                   <p:par>
-                    <p:cTn fill="hold" id="23" nodeType="clickPar">
+                    <p:cTn id="23" fill="hold" nodeType="clickPar">
                       <p:stCondLst>
                         <p:cond delay="indefinite"/>
                       </p:stCondLst>
                       <p:childTnLst>
                         <p:par>
-                          <p:cTn fill="hold" id="24" nodeType="withGroup">
+                          <p:cTn id="24" fill="hold" nodeType="withGroup">
                             <p:stCondLst>
                               <p:cond delay="0"/>
                             </p:stCondLst>
                             <p:childTnLst>
                               <p:par>
-                                <p:cTn fill="hold" id="25" nodeType="clickEffect" presetClass="entr" presetID="3" presetSubtype="10">
+                                <p:cTn id="25" presetID="3" presetClass="entr" presetSubtype="10" fill="hold" nodeType="clickEffect">
                                   <p:stCondLst>
                                     <p:cond delay="0"/>
                                   </p:stCondLst>
                                   <p:childTnLst>
                                     <p:set>
                                       <p:cBhvr>
-                                        <p:cTn dur="1" fill="hold" id="26">
+                                        <p:cTn id="26" dur="1" fill="hold">
                                           <p:stCondLst>
                                             <p:cond delay="0"/>
                                           </p:stCondLst>
@@ -9239,7 +9552,7 @@
                                         <p:tgtEl>
                                           <p:spTgt spid="1048591">
                                             <p:txEl>
-                                              <p:charRg st="0" end="19"/>
+                                              <p:pRg st="0" end="0"/>
                                             </p:txEl>
                                           </p:spTgt>
                                         </p:tgtEl>
@@ -9253,11 +9566,11 @@
                                     </p:set>
                                     <p:animEffect transition="in" filter="blinds(horizontal)">
                                       <p:cBhvr>
-                                        <p:cTn dur="500" id="27"/>
+                                        <p:cTn id="27" dur="500"/>
                                         <p:tgtEl>
                                           <p:spTgt spid="1048591">
                                             <p:txEl>
-                                              <p:charRg st="0" end="19"/>
+                                              <p:pRg st="0" end="0"/>
                                             </p:txEl>
                                           </p:spTgt>
                                         </p:tgtEl>
@@ -9273,26 +9586,26 @@
                     </p:cTn>
                   </p:par>
                   <p:par>
-                    <p:cTn fill="hold" id="28" nodeType="clickPar">
+                    <p:cTn id="28" fill="hold" nodeType="clickPar">
                       <p:stCondLst>
                         <p:cond delay="indefinite"/>
                       </p:stCondLst>
                       <p:childTnLst>
                         <p:par>
-                          <p:cTn fill="hold" id="29" nodeType="withGroup">
+                          <p:cTn id="29" fill="hold" nodeType="withGroup">
                             <p:stCondLst>
                               <p:cond delay="0"/>
                             </p:stCondLst>
                             <p:childTnLst>
                               <p:par>
-                                <p:cTn fill="hold" id="30" nodeType="clickEffect" presetClass="entr" presetID="3" presetSubtype="10">
+                                <p:cTn id="30" presetID="3" presetClass="entr" presetSubtype="10" fill="hold" nodeType="clickEffect">
                                   <p:stCondLst>
                                     <p:cond delay="0"/>
                                   </p:stCondLst>
                                   <p:childTnLst>
                                     <p:set>
                                       <p:cBhvr>
-                                        <p:cTn dur="1" fill="hold" id="31">
+                                        <p:cTn id="31" dur="1" fill="hold">
                                           <p:stCondLst>
                                             <p:cond delay="0"/>
                                           </p:stCondLst>
@@ -9300,7 +9613,7 @@
                                         <p:tgtEl>
                                           <p:spTgt spid="1048589">
                                             <p:txEl>
-                                              <p:charRg st="0" end="16"/>
+                                              <p:pRg st="0" end="0"/>
                                             </p:txEl>
                                           </p:spTgt>
                                         </p:tgtEl>
@@ -9314,11 +9627,11 @@
                                     </p:set>
                                     <p:animEffect transition="in" filter="blinds(horizontal)">
                                       <p:cBhvr>
-                                        <p:cTn dur="500" id="32"/>
+                                        <p:cTn id="32" dur="500"/>
                                         <p:tgtEl>
                                           <p:spTgt spid="1048589">
                                             <p:txEl>
-                                              <p:charRg st="0" end="16"/>
+                                              <p:pRg st="0" end="0"/>
                                             </p:txEl>
                                           </p:spTgt>
                                         </p:tgtEl>
@@ -9334,26 +9647,26 @@
                     </p:cTn>
                   </p:par>
                   <p:par>
-                    <p:cTn fill="hold" id="33" nodeType="clickPar">
+                    <p:cTn id="33" fill="hold" nodeType="clickPar">
                       <p:stCondLst>
                         <p:cond delay="indefinite"/>
                       </p:stCondLst>
                       <p:childTnLst>
                         <p:par>
-                          <p:cTn fill="hold" id="34" nodeType="withGroup">
+                          <p:cTn id="34" fill="hold" nodeType="withGroup">
                             <p:stCondLst>
                               <p:cond delay="0"/>
                             </p:stCondLst>
                             <p:childTnLst>
                               <p:par>
-                                <p:cTn fill="hold" grpId="0" id="35" nodeType="clickEffect" presetClass="entr" presetID="3" presetSubtype="10">
+                                <p:cTn id="35" presetID="3" presetClass="entr" presetSubtype="10" fill="hold" grpId="0" nodeType="clickEffect">
                                   <p:stCondLst>
                                     <p:cond delay="0"/>
                                   </p:stCondLst>
                                   <p:childTnLst>
                                     <p:set>
                                       <p:cBhvr>
-                                        <p:cTn dur="1" fill="hold" id="36">
+                                        <p:cTn id="36" dur="1" fill="hold">
                                           <p:stCondLst>
                                             <p:cond delay="0"/>
                                           </p:stCondLst>
@@ -9371,7 +9684,7 @@
                                     </p:set>
                                     <p:animEffect transition="in" filter="blinds(horizontal)">
                                       <p:cBhvr>
-                                        <p:cTn dur="500" id="37"/>
+                                        <p:cTn id="37" dur="500"/>
                                         <p:tgtEl>
                                           <p:spTgt spid="1048588"/>
                                         </p:tgtEl>
@@ -9408,25 +9721,25 @@
       </p:par>
     </p:tnLst>
     <p:bldLst>
-      <p:bldP spid="1048586" grpId="0" uiExpand="0" build="whole"/>
-      <p:bldP spid="1048588" grpId="0" uiExpand="0" build="whole"/>
-      <p:bldP spid="1048590" grpId="0" uiExpand="0" build="whole"/>
+      <p:bldP spid="1048586" grpId="0"/>
+      <p:bldP spid="1048588" grpId="0"/>
+      <p:bldP spid="1048590" grpId="0"/>
     </p:bldLst>
   </p:timing>
 </p:sld>
 </file>
 
 <file path=ppt/slides/slide7.xml><?xml version="1.0" encoding="utf-8"?>
-<p:sld xmlns:a="http://schemas.openxmlformats.org/drawingml/2006/main" xmlns:r="http://schemas.openxmlformats.org/officeDocument/2006/relationships" xmlns:p="http://schemas.openxmlformats.org/presentationml/2006/main" showMasterSp="1">
+<p:sld xmlns:a="http://schemas.openxmlformats.org/drawingml/2006/main" xmlns:r="http://schemas.openxmlformats.org/officeDocument/2006/relationships" xmlns:p="http://schemas.openxmlformats.org/presentationml/2006/main">
   <p:cSld>
     <p:spTree>
       <p:nvGrpSpPr>
-        <p:cNvPr id="38" name=""/>
+        <p:cNvPr id="1" name=""/>
         <p:cNvGrpSpPr/>
         <p:nvPr/>
       </p:nvGrpSpPr>
       <p:grpSpPr>
-        <a:xfrm rot="0">
+        <a:xfrm>
           <a:off x="0" y="0"/>
           <a:ext cx="0" cy="0"/>
           <a:chOff x="0" y="0"/>
@@ -9435,27 +9748,29 @@
       </p:grpSpPr>
       <p:sp>
         <p:nvSpPr>
-          <p:cNvPr id="1048592" name=""/>
+          <p:cNvPr id="1048592" name="矩形 1048591"/>
           <p:cNvSpPr/>
           <p:nvPr/>
         </p:nvSpPr>
         <p:spPr>
-          <a:xfrm rot="0">
+          <a:xfrm>
             <a:off x="684212" y="2786062"/>
             <a:ext cx="3663950" cy="523875"/>
           </a:xfrm>
-          <a:prstGeom prst="rect"/>
+          <a:prstGeom prst="rect">
+            <a:avLst/>
+          </a:prstGeom>
           <a:noFill/>
           <a:ln>
             <a:noFill/>
           </a:ln>
         </p:spPr>
         <p:txBody>
-          <a:bodyPr anchor="ctr" bIns="45720" lIns="91440" rIns="91440" tIns="45720" vert="horz" wrap="none">
+          <a:bodyPr vert="horz" wrap="none" lIns="91440" tIns="45720" rIns="91440" bIns="45720" anchor="ctr">
             <a:spAutoFit/>
           </a:bodyPr>
           <a:lstStyle>
-            <a:lvl1pPr algn="l" fontAlgn="base" indent="0" latinLnBrk="1" marL="0" rtl="0">
+            <a:lvl1pPr marL="0" indent="0" algn="l" rtl="0" fontAlgn="base" latinLnBrk="1">
               <a:lnSpc>
                 <a:spcPct val="100000"/>
               </a:lnSpc>
@@ -9467,7 +9782,7 @@
               </a:spcAft>
               <a:buFontTx/>
               <a:buNone/>
-              <a:defRPr baseline="0" b="0" sz="1800" i="0" u="none">
+              <a:defRPr sz="1800" b="0" i="0" u="none" baseline="0">
                 <a:solidFill>
                   <a:schemeClr val="dk1"/>
                 </a:solidFill>
@@ -9476,7 +9791,7 @@
                 <a:sym typeface="Calibri" pitchFamily="34" charset="0"/>
               </a:defRPr>
             </a:lvl1pPr>
-            <a:lvl2pPr algn="l" fontAlgn="base" indent="0" latinLnBrk="1" marL="457200" rtl="0">
+            <a:lvl2pPr marL="457200" indent="0" algn="l" rtl="0" fontAlgn="base" latinLnBrk="1">
               <a:lnSpc>
                 <a:spcPct val="100000"/>
               </a:lnSpc>
@@ -9488,7 +9803,7 @@
               </a:spcAft>
               <a:buFontTx/>
               <a:buNone/>
-              <a:defRPr baseline="0" b="0" sz="1800" i="0" u="none">
+              <a:defRPr sz="1800" b="0" i="0" u="none" baseline="0">
                 <a:solidFill>
                   <a:schemeClr val="dk1"/>
                 </a:solidFill>
@@ -9497,7 +9812,7 @@
                 <a:sym typeface="Calibri" pitchFamily="34" charset="0"/>
               </a:defRPr>
             </a:lvl2pPr>
-            <a:lvl3pPr algn="l" fontAlgn="base" indent="0" latinLnBrk="1" marL="914400" rtl="0">
+            <a:lvl3pPr marL="914400" indent="0" algn="l" rtl="0" fontAlgn="base" latinLnBrk="1">
               <a:lnSpc>
                 <a:spcPct val="100000"/>
               </a:lnSpc>
@@ -9509,7 +9824,7 @@
               </a:spcAft>
               <a:buFontTx/>
               <a:buNone/>
-              <a:defRPr baseline="0" b="0" sz="1800" i="0" u="none">
+              <a:defRPr sz="1800" b="0" i="0" u="none" baseline="0">
                 <a:solidFill>
                   <a:schemeClr val="dk1"/>
                 </a:solidFill>
@@ -9518,7 +9833,7 @@
                 <a:sym typeface="Calibri" pitchFamily="34" charset="0"/>
               </a:defRPr>
             </a:lvl3pPr>
-            <a:lvl4pPr algn="l" fontAlgn="base" indent="0" latinLnBrk="1" marL="1371600" rtl="0">
+            <a:lvl4pPr marL="1371600" indent="0" algn="l" rtl="0" fontAlgn="base" latinLnBrk="1">
               <a:lnSpc>
                 <a:spcPct val="100000"/>
               </a:lnSpc>
@@ -9530,7 +9845,7 @@
               </a:spcAft>
               <a:buFontTx/>
               <a:buNone/>
-              <a:defRPr baseline="0" b="0" sz="1800" i="0" u="none">
+              <a:defRPr sz="1800" b="0" i="0" u="none" baseline="0">
                 <a:solidFill>
                   <a:schemeClr val="dk1"/>
                 </a:solidFill>
@@ -9539,7 +9854,7 @@
                 <a:sym typeface="Calibri" pitchFamily="34" charset="0"/>
               </a:defRPr>
             </a:lvl4pPr>
-            <a:lvl5pPr algn="l" fontAlgn="base" indent="0" latinLnBrk="1" marL="1828800" rtl="0">
+            <a:lvl5pPr marL="1828800" indent="0" algn="l" rtl="0" fontAlgn="base" latinLnBrk="1">
               <a:lnSpc>
                 <a:spcPct val="100000"/>
               </a:lnSpc>
@@ -9551,7 +9866,7 @@
               </a:spcAft>
               <a:buFontTx/>
               <a:buNone/>
-              <a:defRPr baseline="0" b="0" sz="1800" i="0" u="none">
+              <a:defRPr sz="1800" b="0" i="0" u="none" baseline="0">
                 <a:solidFill>
                   <a:schemeClr val="dk1"/>
                 </a:solidFill>
@@ -9562,23 +9877,23 @@
             </a:lvl5pPr>
           </a:lstStyle>
           <a:p>
-            <a:pPr algn="ctr" eaLnBrk="1" hangingPunct="1" latinLnBrk="1" lvl="0"/>
-            <a:r>
-              <a:rPr altLang="zh-CN" b="1" sz="2800" lang="en-US">
+            <a:pPr lvl="0" algn="ctr" eaLnBrk="1" latinLnBrk="1" hangingPunct="1"/>
+            <a:r>
+              <a:rPr lang="en-US" altLang="zh-CN" sz="2800" b="1">
                 <a:latin typeface="华文楷体" pitchFamily="2" charset="-122"/>
                 <a:ea typeface="华文楷体" pitchFamily="2" charset="-122"/>
               </a:rPr>
               <a:t>3</a:t>
             </a:r>
             <a:r>
-              <a:rPr altLang="en-US" b="1" sz="2800" lang="zh-CN">
+              <a:rPr lang="zh-CN" altLang="en-US" sz="2800" b="1">
                 <a:latin typeface="华文楷体" pitchFamily="2" charset="-122"/>
                 <a:ea typeface="华文楷体" pitchFamily="2" charset="-122"/>
               </a:rPr>
               <a:t>）二阶线性微分方程</a:t>
             </a:r>
             <a:r>
-              <a:rPr altLang="zh-CN" b="1" sz="2800" lang="en-US">
+              <a:rPr lang="en-US" altLang="zh-CN" sz="2800" b="1">
                 <a:latin typeface="华文楷体" pitchFamily="2" charset="-122"/>
                 <a:ea typeface="华文楷体" pitchFamily="2" charset="-122"/>
               </a:rPr>
@@ -9589,27 +9904,29 @@
       </p:sp>
       <p:sp>
         <p:nvSpPr>
-          <p:cNvPr id="1048593" name=""/>
+          <p:cNvPr id="1048593" name="矩形 1048592"/>
           <p:cNvSpPr/>
           <p:nvPr/>
         </p:nvSpPr>
         <p:spPr>
-          <a:xfrm rot="0">
+          <a:xfrm>
             <a:off x="539750" y="692150"/>
             <a:ext cx="2545080" cy="574040"/>
           </a:xfrm>
-          <a:prstGeom prst="rect"/>
+          <a:prstGeom prst="rect">
+            <a:avLst/>
+          </a:prstGeom>
           <a:noFill/>
           <a:ln>
             <a:noFill/>
           </a:ln>
         </p:spPr>
         <p:txBody>
-          <a:bodyPr anchor="t" bIns="45720" lIns="91440" rIns="91440" tIns="45720" vert="horz" wrap="none">
+          <a:bodyPr vert="horz" wrap="none" lIns="91440" tIns="45720" rIns="91440" bIns="45720" anchor="t">
             <a:spAutoFit/>
           </a:bodyPr>
           <a:lstStyle>
-            <a:lvl1pPr algn="l" fontAlgn="base" indent="0" latinLnBrk="1" marL="0" rtl="0">
+            <a:lvl1pPr marL="0" indent="0" algn="l" rtl="0" fontAlgn="base" latinLnBrk="1">
               <a:lnSpc>
                 <a:spcPct val="100000"/>
               </a:lnSpc>
@@ -9621,7 +9938,7 @@
               </a:spcAft>
               <a:buFontTx/>
               <a:buNone/>
-              <a:defRPr baseline="0" b="0" sz="1800" i="0" u="none">
+              <a:defRPr sz="1800" b="0" i="0" u="none" baseline="0">
                 <a:solidFill>
                   <a:schemeClr val="dk1"/>
                 </a:solidFill>
@@ -9630,7 +9947,7 @@
                 <a:sym typeface="Calibri" pitchFamily="34" charset="0"/>
               </a:defRPr>
             </a:lvl1pPr>
-            <a:lvl2pPr algn="l" fontAlgn="base" indent="0" latinLnBrk="1" marL="457200" rtl="0">
+            <a:lvl2pPr marL="457200" indent="0" algn="l" rtl="0" fontAlgn="base" latinLnBrk="1">
               <a:lnSpc>
                 <a:spcPct val="100000"/>
               </a:lnSpc>
@@ -9642,7 +9959,7 @@
               </a:spcAft>
               <a:buFontTx/>
               <a:buNone/>
-              <a:defRPr baseline="0" b="0" sz="1800" i="0" u="none">
+              <a:defRPr sz="1800" b="0" i="0" u="none" baseline="0">
                 <a:solidFill>
                   <a:schemeClr val="dk1"/>
                 </a:solidFill>
@@ -9651,7 +9968,7 @@
                 <a:sym typeface="Calibri" pitchFamily="34" charset="0"/>
               </a:defRPr>
             </a:lvl2pPr>
-            <a:lvl3pPr algn="l" fontAlgn="base" indent="0" latinLnBrk="1" marL="914400" rtl="0">
+            <a:lvl3pPr marL="914400" indent="0" algn="l" rtl="0" fontAlgn="base" latinLnBrk="1">
               <a:lnSpc>
                 <a:spcPct val="100000"/>
               </a:lnSpc>
@@ -9663,7 +9980,7 @@
               </a:spcAft>
               <a:buFontTx/>
               <a:buNone/>
-              <a:defRPr baseline="0" b="0" sz="1800" i="0" u="none">
+              <a:defRPr sz="1800" b="0" i="0" u="none" baseline="0">
                 <a:solidFill>
                   <a:schemeClr val="dk1"/>
                 </a:solidFill>
@@ -9672,7 +9989,7 @@
                 <a:sym typeface="Calibri" pitchFamily="34" charset="0"/>
               </a:defRPr>
             </a:lvl3pPr>
-            <a:lvl4pPr algn="l" fontAlgn="base" indent="0" latinLnBrk="1" marL="1371600" rtl="0">
+            <a:lvl4pPr marL="1371600" indent="0" algn="l" rtl="0" fontAlgn="base" latinLnBrk="1">
               <a:lnSpc>
                 <a:spcPct val="100000"/>
               </a:lnSpc>
@@ -9684,7 +10001,7 @@
               </a:spcAft>
               <a:buFontTx/>
               <a:buNone/>
-              <a:defRPr baseline="0" b="0" sz="1800" i="0" u="none">
+              <a:defRPr sz="1800" b="0" i="0" u="none" baseline="0">
                 <a:solidFill>
                   <a:schemeClr val="dk1"/>
                 </a:solidFill>
@@ -9693,7 +10010,7 @@
                 <a:sym typeface="Calibri" pitchFamily="34" charset="0"/>
               </a:defRPr>
             </a:lvl4pPr>
-            <a:lvl5pPr algn="l" fontAlgn="base" indent="0" latinLnBrk="1" marL="1828800" rtl="0">
+            <a:lvl5pPr marL="1828800" indent="0" algn="l" rtl="0" fontAlgn="base" latinLnBrk="1">
               <a:lnSpc>
                 <a:spcPct val="100000"/>
               </a:lnSpc>
@@ -9705,7 +10022,7 @@
               </a:spcAft>
               <a:buFontTx/>
               <a:buNone/>
-              <a:defRPr baseline="0" b="0" sz="1800" i="0" u="none">
+              <a:defRPr sz="1800" b="0" i="0" u="none" baseline="0">
                 <a:solidFill>
                   <a:schemeClr val="dk1"/>
                 </a:solidFill>
@@ -9716,9 +10033,9 @@
             </a:lvl5pPr>
           </a:lstStyle>
           <a:p>
-            <a:pPr eaLnBrk="1" hangingPunct="1" latinLnBrk="1" lvl="0"/>
-            <a:r>
-              <a:rPr altLang="zh-CN" b="1" sz="3200" lang="en-US">
+            <a:pPr lvl="0" eaLnBrk="1" latinLnBrk="1" hangingPunct="1"/>
+            <a:r>
+              <a:rPr lang="en-US" altLang="zh-CN" sz="3200" b="1">
                 <a:solidFill>
                   <a:srgbClr val="FF0000"/>
                 </a:solidFill>
@@ -9728,7 +10045,7 @@
               <a:t>5.</a:t>
             </a:r>
             <a:r>
-              <a:rPr altLang="en-US" b="1" sz="3200" lang="zh-CN">
+              <a:rPr lang="zh-CN" altLang="en-US" sz="3200" b="1">
                 <a:solidFill>
                   <a:srgbClr val="FF0000"/>
                 </a:solidFill>
@@ -9742,27 +10059,29 @@
       </p:sp>
       <p:sp>
         <p:nvSpPr>
-          <p:cNvPr id="1048594" name=""/>
+          <p:cNvPr id="1048594" name="矩形 1048593"/>
           <p:cNvSpPr/>
           <p:nvPr/>
         </p:nvSpPr>
         <p:spPr>
-          <a:xfrm rot="0">
+          <a:xfrm>
             <a:off x="539750" y="1404937"/>
             <a:ext cx="3113087" cy="523875"/>
           </a:xfrm>
-          <a:prstGeom prst="rect"/>
+          <a:prstGeom prst="rect">
+            <a:avLst/>
+          </a:prstGeom>
           <a:noFill/>
           <a:ln>
             <a:noFill/>
           </a:ln>
         </p:spPr>
         <p:txBody>
-          <a:bodyPr anchor="t" bIns="45720" lIns="91440" rIns="91440" tIns="45720" vert="horz" wrap="none">
+          <a:bodyPr vert="horz" wrap="none" lIns="91440" tIns="45720" rIns="91440" bIns="45720" anchor="t">
             <a:spAutoFit/>
           </a:bodyPr>
           <a:lstStyle>
-            <a:lvl1pPr algn="l" fontAlgn="base" indent="0" latinLnBrk="1" marL="0" rtl="0">
+            <a:lvl1pPr marL="0" indent="0" algn="l" rtl="0" fontAlgn="base" latinLnBrk="1">
               <a:lnSpc>
                 <a:spcPct val="100000"/>
               </a:lnSpc>
@@ -9774,7 +10093,7 @@
               </a:spcAft>
               <a:buFontTx/>
               <a:buNone/>
-              <a:defRPr baseline="0" b="0" sz="1800" i="0" u="none">
+              <a:defRPr sz="1800" b="0" i="0" u="none" baseline="0">
                 <a:solidFill>
                   <a:schemeClr val="dk1"/>
                 </a:solidFill>
@@ -9783,7 +10102,7 @@
                 <a:sym typeface="Calibri" pitchFamily="34" charset="0"/>
               </a:defRPr>
             </a:lvl1pPr>
-            <a:lvl2pPr algn="l" fontAlgn="base" indent="0" latinLnBrk="1" marL="457200" rtl="0">
+            <a:lvl2pPr marL="457200" indent="0" algn="l" rtl="0" fontAlgn="base" latinLnBrk="1">
               <a:lnSpc>
                 <a:spcPct val="100000"/>
               </a:lnSpc>
@@ -9795,7 +10114,7 @@
               </a:spcAft>
               <a:buFontTx/>
               <a:buNone/>
-              <a:defRPr baseline="0" b="0" sz="1800" i="0" u="none">
+              <a:defRPr sz="1800" b="0" i="0" u="none" baseline="0">
                 <a:solidFill>
                   <a:schemeClr val="dk1"/>
                 </a:solidFill>
@@ -9804,7 +10123,7 @@
                 <a:sym typeface="Calibri" pitchFamily="34" charset="0"/>
               </a:defRPr>
             </a:lvl2pPr>
-            <a:lvl3pPr algn="l" fontAlgn="base" indent="0" latinLnBrk="1" marL="914400" rtl="0">
+            <a:lvl3pPr marL="914400" indent="0" algn="l" rtl="0" fontAlgn="base" latinLnBrk="1">
               <a:lnSpc>
                 <a:spcPct val="100000"/>
               </a:lnSpc>
@@ -9816,7 +10135,7 @@
               </a:spcAft>
               <a:buFontTx/>
               <a:buNone/>
-              <a:defRPr baseline="0" b="0" sz="1800" i="0" u="none">
+              <a:defRPr sz="1800" b="0" i="0" u="none" baseline="0">
                 <a:solidFill>
                   <a:schemeClr val="dk1"/>
                 </a:solidFill>
@@ -9825,7 +10144,7 @@
                 <a:sym typeface="Calibri" pitchFamily="34" charset="0"/>
               </a:defRPr>
             </a:lvl3pPr>
-            <a:lvl4pPr algn="l" fontAlgn="base" indent="0" latinLnBrk="1" marL="1371600" rtl="0">
+            <a:lvl4pPr marL="1371600" indent="0" algn="l" rtl="0" fontAlgn="base" latinLnBrk="1">
               <a:lnSpc>
                 <a:spcPct val="100000"/>
               </a:lnSpc>
@@ -9837,7 +10156,7 @@
               </a:spcAft>
               <a:buFontTx/>
               <a:buNone/>
-              <a:defRPr baseline="0" b="0" sz="1800" i="0" u="none">
+              <a:defRPr sz="1800" b="0" i="0" u="none" baseline="0">
                 <a:solidFill>
                   <a:schemeClr val="dk1"/>
                 </a:solidFill>
@@ -9846,7 +10165,7 @@
                 <a:sym typeface="Calibri" pitchFamily="34" charset="0"/>
               </a:defRPr>
             </a:lvl4pPr>
-            <a:lvl5pPr algn="l" fontAlgn="base" indent="0" latinLnBrk="1" marL="1828800" rtl="0">
+            <a:lvl5pPr marL="1828800" indent="0" algn="l" rtl="0" fontAlgn="base" latinLnBrk="1">
               <a:lnSpc>
                 <a:spcPct val="100000"/>
               </a:lnSpc>
@@ -9858,7 +10177,7 @@
               </a:spcAft>
               <a:buFontTx/>
               <a:buNone/>
-              <a:defRPr baseline="0" b="0" sz="1800" i="0" u="none">
+              <a:defRPr sz="1800" b="0" i="0" u="none" baseline="0">
                 <a:solidFill>
                   <a:schemeClr val="dk1"/>
                 </a:solidFill>
@@ -9869,37 +10188,37 @@
             </a:lvl5pPr>
           </a:lstStyle>
           <a:p>
-            <a:pPr eaLnBrk="1" hangingPunct="1" latinLnBrk="1" lvl="0"/>
-            <a:r>
-              <a:rPr altLang="zh-CN" b="1" sz="2800" lang="en-US">
+            <a:pPr lvl="0" eaLnBrk="1" latinLnBrk="1" hangingPunct="1"/>
+            <a:r>
+              <a:rPr lang="en-US" altLang="zh-CN" sz="2800" b="1">
                 <a:latin typeface="华文楷体" pitchFamily="2" charset="-122"/>
                 <a:ea typeface="华文楷体" pitchFamily="2" charset="-122"/>
               </a:rPr>
               <a:t> 1</a:t>
             </a:r>
             <a:r>
-              <a:rPr altLang="en-US" b="1" sz="2800" lang="zh-CN">
+              <a:rPr lang="zh-CN" altLang="en-US" sz="2800" b="1">
                 <a:latin typeface="华文楷体" pitchFamily="2" charset="-122"/>
                 <a:ea typeface="华文楷体" pitchFamily="2" charset="-122"/>
               </a:rPr>
               <a:t>）</a:t>
             </a:r>
             <a:r>
-              <a:rPr altLang="zh-CN" b="1" sz="2800" lang="en-US">
+              <a:rPr lang="en-US" altLang="zh-CN" sz="2800" b="1">
                 <a:latin typeface="华文楷体" pitchFamily="2" charset="-122"/>
                 <a:ea typeface="华文楷体" pitchFamily="2" charset="-122"/>
               </a:rPr>
               <a:t>.</a:t>
             </a:r>
             <a:r>
-              <a:rPr altLang="en-US" b="1" sz="2800" lang="zh-CN">
+              <a:rPr lang="zh-CN" altLang="en-US" sz="2800" b="1">
                 <a:latin typeface="华文楷体" pitchFamily="2" charset="-122"/>
                 <a:ea typeface="华文楷体" pitchFamily="2" charset="-122"/>
               </a:rPr>
               <a:t>一阶微分方程</a:t>
             </a:r>
             <a:r>
-              <a:rPr altLang="zh-CN" b="1" sz="2800" lang="en-US">
+              <a:rPr lang="en-US" altLang="zh-CN" sz="2800" b="1">
                 <a:latin typeface="华文楷体" pitchFamily="2" charset="-122"/>
                 <a:ea typeface="华文楷体" pitchFamily="2" charset="-122"/>
               </a:rPr>
@@ -9910,27 +10229,29 @@
       </p:sp>
       <p:sp>
         <p:nvSpPr>
-          <p:cNvPr id="1048595" name=""/>
+          <p:cNvPr id="1048595" name="矩形 1048594"/>
           <p:cNvSpPr/>
           <p:nvPr/>
         </p:nvSpPr>
         <p:spPr>
-          <a:xfrm rot="0">
+          <a:xfrm>
             <a:off x="684212" y="2060575"/>
             <a:ext cx="4459287" cy="523875"/>
           </a:xfrm>
-          <a:prstGeom prst="rect"/>
+          <a:prstGeom prst="rect">
+            <a:avLst/>
+          </a:prstGeom>
           <a:noFill/>
           <a:ln>
             <a:noFill/>
           </a:ln>
         </p:spPr>
         <p:txBody>
-          <a:bodyPr anchor="t" bIns="45720" lIns="91440" rIns="91440" tIns="45720" vert="horz" wrap="none">
+          <a:bodyPr vert="horz" wrap="none" lIns="91440" tIns="45720" rIns="91440" bIns="45720" anchor="t">
             <a:spAutoFit/>
           </a:bodyPr>
           <a:lstStyle>
-            <a:lvl1pPr algn="l" fontAlgn="base" indent="0" latinLnBrk="1" marL="0" rtl="0">
+            <a:lvl1pPr marL="0" indent="0" algn="l" rtl="0" fontAlgn="base" latinLnBrk="1">
               <a:lnSpc>
                 <a:spcPct val="100000"/>
               </a:lnSpc>
@@ -9942,7 +10263,7 @@
               </a:spcAft>
               <a:buFontTx/>
               <a:buNone/>
-              <a:defRPr baseline="0" b="0" sz="1800" i="0" u="none">
+              <a:defRPr sz="1800" b="0" i="0" u="none" baseline="0">
                 <a:solidFill>
                   <a:schemeClr val="dk1"/>
                 </a:solidFill>
@@ -9951,7 +10272,7 @@
                 <a:sym typeface="Calibri" pitchFamily="34" charset="0"/>
               </a:defRPr>
             </a:lvl1pPr>
-            <a:lvl2pPr algn="l" fontAlgn="base" indent="0" latinLnBrk="1" marL="457200" rtl="0">
+            <a:lvl2pPr marL="457200" indent="0" algn="l" rtl="0" fontAlgn="base" latinLnBrk="1">
               <a:lnSpc>
                 <a:spcPct val="100000"/>
               </a:lnSpc>
@@ -9963,7 +10284,7 @@
               </a:spcAft>
               <a:buFontTx/>
               <a:buNone/>
-              <a:defRPr baseline="0" b="0" sz="1800" i="0" u="none">
+              <a:defRPr sz="1800" b="0" i="0" u="none" baseline="0">
                 <a:solidFill>
                   <a:schemeClr val="dk1"/>
                 </a:solidFill>
@@ -9972,7 +10293,7 @@
                 <a:sym typeface="Calibri" pitchFamily="34" charset="0"/>
               </a:defRPr>
             </a:lvl2pPr>
-            <a:lvl3pPr algn="l" fontAlgn="base" indent="0" latinLnBrk="1" marL="914400" rtl="0">
+            <a:lvl3pPr marL="914400" indent="0" algn="l" rtl="0" fontAlgn="base" latinLnBrk="1">
               <a:lnSpc>
                 <a:spcPct val="100000"/>
               </a:lnSpc>
@@ -9984,7 +10305,7 @@
               </a:spcAft>
               <a:buFontTx/>
               <a:buNone/>
-              <a:defRPr baseline="0" b="0" sz="1800" i="0" u="none">
+              <a:defRPr sz="1800" b="0" i="0" u="none" baseline="0">
                 <a:solidFill>
                   <a:schemeClr val="dk1"/>
                 </a:solidFill>
@@ -9993,7 +10314,7 @@
                 <a:sym typeface="Calibri" pitchFamily="34" charset="0"/>
               </a:defRPr>
             </a:lvl3pPr>
-            <a:lvl4pPr algn="l" fontAlgn="base" indent="0" latinLnBrk="1" marL="1371600" rtl="0">
+            <a:lvl4pPr marL="1371600" indent="0" algn="l" rtl="0" fontAlgn="base" latinLnBrk="1">
               <a:lnSpc>
                 <a:spcPct val="100000"/>
               </a:lnSpc>
@@ -10005,7 +10326,7 @@
               </a:spcAft>
               <a:buFontTx/>
               <a:buNone/>
-              <a:defRPr baseline="0" b="0" sz="1800" i="0" u="none">
+              <a:defRPr sz="1800" b="0" i="0" u="none" baseline="0">
                 <a:solidFill>
                   <a:schemeClr val="dk1"/>
                 </a:solidFill>
@@ -10014,7 +10335,7 @@
                 <a:sym typeface="Calibri" pitchFamily="34" charset="0"/>
               </a:defRPr>
             </a:lvl4pPr>
-            <a:lvl5pPr algn="l" fontAlgn="base" indent="0" latinLnBrk="1" marL="1828800" rtl="0">
+            <a:lvl5pPr marL="1828800" indent="0" algn="l" rtl="0" fontAlgn="base" latinLnBrk="1">
               <a:lnSpc>
                 <a:spcPct val="100000"/>
               </a:lnSpc>
@@ -10026,7 +10347,7 @@
               </a:spcAft>
               <a:buFontTx/>
               <a:buNone/>
-              <a:defRPr baseline="0" b="0" sz="1800" i="0" u="none">
+              <a:defRPr sz="1800" b="0" i="0" u="none" baseline="0">
                 <a:solidFill>
                   <a:schemeClr val="dk1"/>
                 </a:solidFill>
@@ -10037,37 +10358,37 @@
             </a:lvl5pPr>
           </a:lstStyle>
           <a:p>
-            <a:pPr eaLnBrk="1" hangingPunct="1" latinLnBrk="1" lvl="0"/>
-            <a:r>
-              <a:rPr altLang="zh-CN" b="1" sz="2800" lang="en-US">
+            <a:pPr lvl="0" eaLnBrk="1" latinLnBrk="1" hangingPunct="1"/>
+            <a:r>
+              <a:rPr lang="en-US" altLang="zh-CN" sz="2800" b="1">
                 <a:latin typeface="华文楷体" pitchFamily="2" charset="-122"/>
                 <a:ea typeface="华文楷体" pitchFamily="2" charset="-122"/>
               </a:rPr>
               <a:t>2</a:t>
             </a:r>
             <a:r>
-              <a:rPr altLang="en-US" b="1" sz="2800" lang="zh-CN">
+              <a:rPr lang="zh-CN" altLang="en-US" sz="2800" b="1">
                 <a:latin typeface="华文楷体" pitchFamily="2" charset="-122"/>
                 <a:ea typeface="华文楷体" pitchFamily="2" charset="-122"/>
               </a:rPr>
               <a:t>）</a:t>
             </a:r>
             <a:r>
-              <a:rPr altLang="zh-CN" b="1" sz="2800" lang="en-US">
+              <a:rPr lang="en-US" altLang="zh-CN" sz="2800" b="1">
                 <a:latin typeface="华文楷体" pitchFamily="2" charset="-122"/>
                 <a:ea typeface="华文楷体" pitchFamily="2" charset="-122"/>
               </a:rPr>
               <a:t>.</a:t>
             </a:r>
             <a:r>
-              <a:rPr altLang="en-US" b="1" sz="2800" lang="zh-CN">
+              <a:rPr lang="zh-CN" altLang="en-US" sz="2800" b="1">
                 <a:latin typeface="华文楷体" pitchFamily="2" charset="-122"/>
                 <a:ea typeface="华文楷体" pitchFamily="2" charset="-122"/>
               </a:rPr>
               <a:t>二阶可降阶的微分方程</a:t>
             </a:r>
             <a:r>
-              <a:rPr altLang="zh-CN" b="1" sz="2800" lang="en-US">
+              <a:rPr lang="en-US" altLang="zh-CN" sz="2800" b="1">
                 <a:latin typeface="华文楷体" pitchFamily="2" charset="-122"/>
                 <a:ea typeface="华文楷体" pitchFamily="2" charset="-122"/>
               </a:rPr>
@@ -10078,27 +10399,29 @@
       </p:sp>
       <p:sp>
         <p:nvSpPr>
-          <p:cNvPr id="1048596" name=""/>
+          <p:cNvPr id="1048596" name="矩形 1048595"/>
           <p:cNvSpPr/>
           <p:nvPr/>
         </p:nvSpPr>
         <p:spPr>
-          <a:xfrm rot="0">
+          <a:xfrm>
             <a:off x="684212" y="3605212"/>
             <a:ext cx="8298181" cy="510540"/>
           </a:xfrm>
-          <a:prstGeom prst="rect"/>
+          <a:prstGeom prst="rect">
+            <a:avLst/>
+          </a:prstGeom>
           <a:noFill/>
           <a:ln>
             <a:noFill/>
           </a:ln>
         </p:spPr>
         <p:txBody>
-          <a:bodyPr anchor="t" bIns="45720" lIns="91440" rIns="91440" tIns="45720" vert="horz" wrap="none">
+          <a:bodyPr vert="horz" wrap="none" lIns="91440" tIns="45720" rIns="91440" bIns="45720" anchor="t">
             <a:spAutoFit/>
           </a:bodyPr>
           <a:lstStyle>
-            <a:lvl1pPr algn="l" fontAlgn="base" indent="0" latinLnBrk="1" marL="0" rtl="0">
+            <a:lvl1pPr marL="0" indent="0" algn="l" rtl="0" fontAlgn="base" latinLnBrk="1">
               <a:lnSpc>
                 <a:spcPct val="100000"/>
               </a:lnSpc>
@@ -10110,7 +10433,7 @@
               </a:spcAft>
               <a:buFontTx/>
               <a:buNone/>
-              <a:defRPr baseline="0" b="0" sz="1800" i="0" u="none">
+              <a:defRPr sz="1800" b="0" i="0" u="none" baseline="0">
                 <a:solidFill>
                   <a:schemeClr val="dk1"/>
                 </a:solidFill>
@@ -10119,7 +10442,7 @@
                 <a:sym typeface="Calibri" pitchFamily="34" charset="0"/>
               </a:defRPr>
             </a:lvl1pPr>
-            <a:lvl2pPr algn="l" fontAlgn="base" indent="0" latinLnBrk="1" marL="457200" rtl="0">
+            <a:lvl2pPr marL="457200" indent="0" algn="l" rtl="0" fontAlgn="base" latinLnBrk="1">
               <a:lnSpc>
                 <a:spcPct val="100000"/>
               </a:lnSpc>
@@ -10131,7 +10454,7 @@
               </a:spcAft>
               <a:buFontTx/>
               <a:buNone/>
-              <a:defRPr baseline="0" b="0" sz="1800" i="0" u="none">
+              <a:defRPr sz="1800" b="0" i="0" u="none" baseline="0">
                 <a:solidFill>
                   <a:schemeClr val="dk1"/>
                 </a:solidFill>
@@ -10140,7 +10463,7 @@
                 <a:sym typeface="Calibri" pitchFamily="34" charset="0"/>
               </a:defRPr>
             </a:lvl2pPr>
-            <a:lvl3pPr algn="l" fontAlgn="base" indent="0" latinLnBrk="1" marL="914400" rtl="0">
+            <a:lvl3pPr marL="914400" indent="0" algn="l" rtl="0" fontAlgn="base" latinLnBrk="1">
               <a:lnSpc>
                 <a:spcPct val="100000"/>
               </a:lnSpc>
@@ -10152,7 +10475,7 @@
               </a:spcAft>
               <a:buFontTx/>
               <a:buNone/>
-              <a:defRPr baseline="0" b="0" sz="1800" i="0" u="none">
+              <a:defRPr sz="1800" b="0" i="0" u="none" baseline="0">
                 <a:solidFill>
                   <a:schemeClr val="dk1"/>
                 </a:solidFill>
@@ -10161,7 +10484,7 @@
                 <a:sym typeface="Calibri" pitchFamily="34" charset="0"/>
               </a:defRPr>
             </a:lvl3pPr>
-            <a:lvl4pPr algn="l" fontAlgn="base" indent="0" latinLnBrk="1" marL="1371600" rtl="0">
+            <a:lvl4pPr marL="1371600" indent="0" algn="l" rtl="0" fontAlgn="base" latinLnBrk="1">
               <a:lnSpc>
                 <a:spcPct val="100000"/>
               </a:lnSpc>
@@ -10173,7 +10496,7 @@
               </a:spcAft>
               <a:buFontTx/>
               <a:buNone/>
-              <a:defRPr baseline="0" b="0" sz="1800" i="0" u="none">
+              <a:defRPr sz="1800" b="0" i="0" u="none" baseline="0">
                 <a:solidFill>
                   <a:schemeClr val="dk1"/>
                 </a:solidFill>
@@ -10182,7 +10505,7 @@
                 <a:sym typeface="Calibri" pitchFamily="34" charset="0"/>
               </a:defRPr>
             </a:lvl4pPr>
-            <a:lvl5pPr algn="l" fontAlgn="base" indent="0" latinLnBrk="1" marL="1828800" rtl="0">
+            <a:lvl5pPr marL="1828800" indent="0" algn="l" rtl="0" fontAlgn="base" latinLnBrk="1">
               <a:lnSpc>
                 <a:spcPct val="100000"/>
               </a:lnSpc>
@@ -10194,7 +10517,7 @@
               </a:spcAft>
               <a:buFontTx/>
               <a:buNone/>
-              <a:defRPr baseline="0" b="0" sz="1800" i="0" u="none">
+              <a:defRPr sz="1800" b="0" i="0" u="none" baseline="0">
                 <a:solidFill>
                   <a:schemeClr val="dk1"/>
                 </a:solidFill>
@@ -10205,30 +10528,30 @@
             </a:lvl5pPr>
           </a:lstStyle>
           <a:p>
-            <a:pPr eaLnBrk="1" hangingPunct="1" latinLnBrk="1" lvl="0"/>
-            <a:r>
-              <a:rPr altLang="zh-CN" b="1" sz="2800" lang="en-US">
+            <a:pPr lvl="0" eaLnBrk="1" latinLnBrk="1" hangingPunct="1"/>
+            <a:r>
+              <a:rPr lang="en-US" altLang="zh-CN" sz="2800" b="1">
                 <a:latin typeface="华文楷体" pitchFamily="2" charset="-122"/>
                 <a:ea typeface="华文楷体" pitchFamily="2" charset="-122"/>
               </a:rPr>
               <a:t>4</a:t>
             </a:r>
             <a:r>
-              <a:rPr altLang="en-US" b="1" sz="2800" lang="zh-CN">
+              <a:rPr lang="zh-CN" altLang="en-US" sz="2800" b="1">
                 <a:latin typeface="华文楷体" pitchFamily="2" charset="-122"/>
                 <a:ea typeface="华文楷体" pitchFamily="2" charset="-122"/>
               </a:rPr>
               <a:t>）</a:t>
             </a:r>
             <a:r>
-              <a:rPr altLang="zh-CN" b="1" sz="2800" lang="en-US">
+              <a:rPr lang="en-US" altLang="zh-CN" sz="2800" b="1">
                 <a:latin typeface="华文楷体" pitchFamily="2" charset="-122"/>
                 <a:ea typeface="华文楷体" pitchFamily="2" charset="-122"/>
               </a:rPr>
               <a:t>.</a:t>
             </a:r>
             <a:r>
-              <a:rPr altLang="en-US" b="1" sz="2800" lang="zh-CN">
+              <a:rPr lang="zh-CN" altLang="en-US" sz="2800" b="1">
                 <a:latin typeface="华文楷体" pitchFamily="2" charset="-122"/>
                 <a:ea typeface="华文楷体" pitchFamily="2" charset="-122"/>
               </a:rPr>
@@ -10245,32 +10568,32 @@
   <p:timing>
     <p:tnLst>
       <p:par>
-        <p:cTn dur="indefinite" id="1" nodeType="tmRoot">
+        <p:cTn id="1" dur="indefinite" restart="never" nodeType="tmRoot">
           <p:childTnLst>
             <p:seq concurrent="1" nextAc="seek">
-              <p:cTn dur="indefinite" id="2" nodeType="mainSeq">
+              <p:cTn id="2" dur="indefinite" nodeType="mainSeq">
                 <p:childTnLst>
                   <p:par>
-                    <p:cTn fill="hold" id="3" nodeType="clickPar">
+                    <p:cTn id="3" fill="hold" nodeType="clickPar">
                       <p:stCondLst>
                         <p:cond delay="indefinite"/>
                       </p:stCondLst>
                       <p:childTnLst>
                         <p:par>
-                          <p:cTn fill="hold" id="4" nodeType="withGroup">
+                          <p:cTn id="4" fill="hold" nodeType="withGroup">
                             <p:stCondLst>
                               <p:cond delay="0"/>
                             </p:stCondLst>
                             <p:childTnLst>
                               <p:par>
-                                <p:cTn fill="hold" grpId="0" id="5" nodeType="clickEffect" presetClass="entr" presetID="3" presetSubtype="10">
+                                <p:cTn id="5" presetID="3" presetClass="entr" presetSubtype="10" fill="hold" grpId="0" nodeType="clickEffect">
                                   <p:stCondLst>
                                     <p:cond delay="0"/>
                                   </p:stCondLst>
                                   <p:childTnLst>
                                     <p:set>
                                       <p:cBhvr>
-                                        <p:cTn dur="1" fill="hold" id="6">
+                                        <p:cTn id="6" dur="1" fill="hold">
                                           <p:stCondLst>
                                             <p:cond delay="0"/>
                                           </p:stCondLst>
@@ -10288,7 +10611,7 @@
                                     </p:set>
                                     <p:animEffect transition="in" filter="blinds(horizontal)">
                                       <p:cBhvr>
-                                        <p:cTn dur="500" id="7"/>
+                                        <p:cTn id="7" dur="500"/>
                                         <p:tgtEl>
                                           <p:spTgt spid="1048594"/>
                                         </p:tgtEl>
@@ -10304,26 +10627,26 @@
                     </p:cTn>
                   </p:par>
                   <p:par>
-                    <p:cTn fill="hold" id="8" nodeType="clickPar">
+                    <p:cTn id="8" fill="hold" nodeType="clickPar">
                       <p:stCondLst>
                         <p:cond delay="indefinite"/>
                       </p:stCondLst>
                       <p:childTnLst>
                         <p:par>
-                          <p:cTn fill="hold" id="9" nodeType="withGroup">
+                          <p:cTn id="9" fill="hold" nodeType="withGroup">
                             <p:stCondLst>
                               <p:cond delay="0"/>
                             </p:stCondLst>
                             <p:childTnLst>
                               <p:par>
-                                <p:cTn fill="hold" id="10" nodeType="clickEffect" presetClass="entr" presetID="3" presetSubtype="10">
+                                <p:cTn id="10" presetID="3" presetClass="entr" presetSubtype="10" fill="hold" nodeType="clickEffect">
                                   <p:stCondLst>
                                     <p:cond delay="0"/>
                                   </p:stCondLst>
                                   <p:childTnLst>
                                     <p:set>
                                       <p:cBhvr>
-                                        <p:cTn dur="1" fill="hold" id="11">
+                                        <p:cTn id="11" dur="1" fill="hold">
                                           <p:stCondLst>
                                             <p:cond delay="0"/>
                                           </p:stCondLst>
@@ -10331,7 +10654,7 @@
                                         <p:tgtEl>
                                           <p:spTgt spid="1048595">
                                             <p:txEl>
-                                              <p:charRg st="0" end="15"/>
+                                              <p:pRg st="0" end="0"/>
                                             </p:txEl>
                                           </p:spTgt>
                                         </p:tgtEl>
@@ -10345,11 +10668,11 @@
                                     </p:set>
                                     <p:animEffect transition="in" filter="blinds(horizontal)">
                                       <p:cBhvr>
-                                        <p:cTn dur="500" id="12"/>
+                                        <p:cTn id="12" dur="500"/>
                                         <p:tgtEl>
                                           <p:spTgt spid="1048595">
                                             <p:txEl>
-                                              <p:charRg st="0" end="15"/>
+                                              <p:pRg st="0" end="0"/>
                                             </p:txEl>
                                           </p:spTgt>
                                         </p:tgtEl>
@@ -10365,26 +10688,26 @@
                     </p:cTn>
                   </p:par>
                   <p:par>
-                    <p:cTn fill="hold" id="13" nodeType="clickPar">
+                    <p:cTn id="13" fill="hold" nodeType="clickPar">
                       <p:stCondLst>
                         <p:cond delay="indefinite"/>
                       </p:stCondLst>
                       <p:childTnLst>
                         <p:par>
-                          <p:cTn fill="hold" id="14" nodeType="withGroup">
+                          <p:cTn id="14" fill="hold" nodeType="withGroup">
                             <p:stCondLst>
                               <p:cond delay="0"/>
                             </p:stCondLst>
                             <p:childTnLst>
                               <p:par>
-                                <p:cTn fill="hold" id="15" nodeType="clickEffect" presetClass="entr" presetID="3" presetSubtype="10">
+                                <p:cTn id="15" presetID="3" presetClass="entr" presetSubtype="10" fill="hold" nodeType="clickEffect">
                                   <p:stCondLst>
                                     <p:cond delay="0"/>
                                   </p:stCondLst>
                                   <p:childTnLst>
                                     <p:set>
                                       <p:cBhvr>
-                                        <p:cTn dur="1" fill="hold" id="16">
+                                        <p:cTn id="16" dur="1" fill="hold">
                                           <p:stCondLst>
                                             <p:cond delay="0"/>
                                           </p:stCondLst>
@@ -10392,7 +10715,7 @@
                                         <p:tgtEl>
                                           <p:spTgt spid="1048592">
                                             <p:txEl>
-                                              <p:charRg st="0" end="12"/>
+                                              <p:pRg st="0" end="0"/>
                                             </p:txEl>
                                           </p:spTgt>
                                         </p:tgtEl>
@@ -10406,11 +10729,11 @@
                                     </p:set>
                                     <p:animEffect transition="in" filter="blinds(horizontal)">
                                       <p:cBhvr>
-                                        <p:cTn dur="500" id="17"/>
+                                        <p:cTn id="17" dur="500"/>
                                         <p:tgtEl>
                                           <p:spTgt spid="1048592">
                                             <p:txEl>
-                                              <p:charRg st="0" end="12"/>
+                                              <p:pRg st="0" end="0"/>
                                             </p:txEl>
                                           </p:spTgt>
                                         </p:tgtEl>
@@ -10426,26 +10749,26 @@
                     </p:cTn>
                   </p:par>
                   <p:par>
-                    <p:cTn fill="hold" id="18" nodeType="clickPar">
+                    <p:cTn id="18" fill="hold" nodeType="clickPar">
                       <p:stCondLst>
                         <p:cond delay="indefinite"/>
                       </p:stCondLst>
                       <p:childTnLst>
                         <p:par>
-                          <p:cTn fill="hold" id="19" nodeType="withGroup">
+                          <p:cTn id="19" fill="hold" nodeType="withGroup">
                             <p:stCondLst>
                               <p:cond delay="0"/>
                             </p:stCondLst>
                             <p:childTnLst>
                               <p:par>
-                                <p:cTn fill="hold" grpId="0" id="20" nodeType="clickEffect" presetClass="entr" presetID="3" presetSubtype="10">
+                                <p:cTn id="20" presetID="3" presetClass="entr" presetSubtype="10" fill="hold" grpId="0" nodeType="clickEffect">
                                   <p:stCondLst>
                                     <p:cond delay="0"/>
                                   </p:stCondLst>
                                   <p:childTnLst>
                                     <p:set>
                                       <p:cBhvr>
-                                        <p:cTn dur="1" fill="hold" id="21">
+                                        <p:cTn id="21" dur="1" fill="hold">
                                           <p:stCondLst>
                                             <p:cond delay="0"/>
                                           </p:stCondLst>
@@ -10463,7 +10786,7 @@
                                     </p:set>
                                     <p:animEffect transition="in" filter="blinds(horizontal)">
                                       <p:cBhvr>
-                                        <p:cTn dur="500" id="22"/>
+                                        <p:cTn id="22" dur="500"/>
                                         <p:tgtEl>
                                           <p:spTgt spid="1048596"/>
                                         </p:tgtEl>
@@ -10500,24 +10823,24 @@
       </p:par>
     </p:tnLst>
     <p:bldLst>
-      <p:bldP spid="1048594" grpId="0" uiExpand="0" build="whole"/>
-      <p:bldP spid="1048596" grpId="0" uiExpand="0" build="whole"/>
+      <p:bldP spid="1048594" grpId="0"/>
+      <p:bldP spid="1048596" grpId="0"/>
     </p:bldLst>
   </p:timing>
 </p:sld>
 </file>
 
 <file path=ppt/slides/slide8.xml><?xml version="1.0" encoding="utf-8"?>
-<p:sld xmlns:a="http://schemas.openxmlformats.org/drawingml/2006/main" xmlns:r="http://schemas.openxmlformats.org/officeDocument/2006/relationships" xmlns:p="http://schemas.openxmlformats.org/presentationml/2006/main" showMasterSp="1">
+<p:sld xmlns:a="http://schemas.openxmlformats.org/drawingml/2006/main" xmlns:r="http://schemas.openxmlformats.org/officeDocument/2006/relationships" xmlns:p="http://schemas.openxmlformats.org/presentationml/2006/main">
   <p:cSld>
     <p:spTree>
       <p:nvGrpSpPr>
-        <p:cNvPr id="39" name=""/>
+        <p:cNvPr id="1" name=""/>
         <p:cNvGrpSpPr/>
         <p:nvPr/>
       </p:nvGrpSpPr>
       <p:grpSpPr>
-        <a:xfrm rot="0">
+        <a:xfrm>
           <a:off x="0" y="0"/>
           <a:ext cx="0" cy="0"/>
           <a:chOff x="0" y="0"/>
@@ -10526,27 +10849,29 @@
       </p:grpSpPr>
       <p:sp>
         <p:nvSpPr>
-          <p:cNvPr id="1048597" name=""/>
+          <p:cNvPr id="1048597" name="矩形 1048596"/>
           <p:cNvSpPr/>
           <p:nvPr/>
         </p:nvSpPr>
         <p:spPr>
-          <a:xfrm rot="0">
+          <a:xfrm>
             <a:off x="1797050" y="2801937"/>
             <a:ext cx="5212081" cy="751840"/>
           </a:xfrm>
-          <a:prstGeom prst="rect"/>
+          <a:prstGeom prst="rect">
+            <a:avLst/>
+          </a:prstGeom>
           <a:noFill/>
           <a:ln>
             <a:noFill/>
           </a:ln>
         </p:spPr>
         <p:txBody>
-          <a:bodyPr anchor="t" bIns="45720" lIns="91440" rIns="91440" tIns="45720" vert="horz" wrap="none">
+          <a:bodyPr vert="horz" wrap="none" lIns="91440" tIns="45720" rIns="91440" bIns="45720" anchor="t">
             <a:spAutoFit/>
           </a:bodyPr>
           <a:lstStyle>
-            <a:lvl1pPr algn="l" fontAlgn="base" indent="0" latinLnBrk="1" marL="0" rtl="0">
+            <a:lvl1pPr marL="0" indent="0" algn="l" rtl="0" fontAlgn="base" latinLnBrk="1">
               <a:lnSpc>
                 <a:spcPct val="100000"/>
               </a:lnSpc>
@@ -10558,7 +10883,7 @@
               </a:spcAft>
               <a:buFontTx/>
               <a:buNone/>
-              <a:defRPr baseline="0" b="0" sz="1800" i="0" u="none">
+              <a:defRPr sz="1800" b="0" i="0" u="none" baseline="0">
                 <a:solidFill>
                   <a:schemeClr val="dk1"/>
                 </a:solidFill>
@@ -10567,7 +10892,7 @@
                 <a:sym typeface="Calibri" pitchFamily="34" charset="0"/>
               </a:defRPr>
             </a:lvl1pPr>
-            <a:lvl2pPr algn="l" fontAlgn="base" indent="0" latinLnBrk="1" marL="457200" rtl="0">
+            <a:lvl2pPr marL="457200" indent="0" algn="l" rtl="0" fontAlgn="base" latinLnBrk="1">
               <a:lnSpc>
                 <a:spcPct val="100000"/>
               </a:lnSpc>
@@ -10579,7 +10904,7 @@
               </a:spcAft>
               <a:buFontTx/>
               <a:buNone/>
-              <a:defRPr baseline="0" b="0" sz="1800" i="0" u="none">
+              <a:defRPr sz="1800" b="0" i="0" u="none" baseline="0">
                 <a:solidFill>
                   <a:schemeClr val="dk1"/>
                 </a:solidFill>
@@ -10588,7 +10913,7 @@
                 <a:sym typeface="Calibri" pitchFamily="34" charset="0"/>
               </a:defRPr>
             </a:lvl2pPr>
-            <a:lvl3pPr algn="l" fontAlgn="base" indent="0" latinLnBrk="1" marL="914400" rtl="0">
+            <a:lvl3pPr marL="914400" indent="0" algn="l" rtl="0" fontAlgn="base" latinLnBrk="1">
               <a:lnSpc>
                 <a:spcPct val="100000"/>
               </a:lnSpc>
@@ -10600,7 +10925,7 @@
               </a:spcAft>
               <a:buFontTx/>
               <a:buNone/>
-              <a:defRPr baseline="0" b="0" sz="1800" i="0" u="none">
+              <a:defRPr sz="1800" b="0" i="0" u="none" baseline="0">
                 <a:solidFill>
                   <a:schemeClr val="dk1"/>
                 </a:solidFill>
@@ -10609,7 +10934,7 @@
                 <a:sym typeface="Calibri" pitchFamily="34" charset="0"/>
               </a:defRPr>
             </a:lvl3pPr>
-            <a:lvl4pPr algn="l" fontAlgn="base" indent="0" latinLnBrk="1" marL="1371600" rtl="0">
+            <a:lvl4pPr marL="1371600" indent="0" algn="l" rtl="0" fontAlgn="base" latinLnBrk="1">
               <a:lnSpc>
                 <a:spcPct val="100000"/>
               </a:lnSpc>
@@ -10621,7 +10946,7 @@
               </a:spcAft>
               <a:buFontTx/>
               <a:buNone/>
-              <a:defRPr baseline="0" b="0" sz="1800" i="0" u="none">
+              <a:defRPr sz="1800" b="0" i="0" u="none" baseline="0">
                 <a:solidFill>
                   <a:schemeClr val="dk1"/>
                 </a:solidFill>
@@ -10630,7 +10955,7 @@
                 <a:sym typeface="Calibri" pitchFamily="34" charset="0"/>
               </a:defRPr>
             </a:lvl4pPr>
-            <a:lvl5pPr algn="l" fontAlgn="base" indent="0" latinLnBrk="1" marL="1828800" rtl="0">
+            <a:lvl5pPr marL="1828800" indent="0" algn="l" rtl="0" fontAlgn="base" latinLnBrk="1">
               <a:lnSpc>
                 <a:spcPct val="100000"/>
               </a:lnSpc>
@@ -10642,7 +10967,7 @@
               </a:spcAft>
               <a:buFontTx/>
               <a:buNone/>
-              <a:defRPr baseline="0" b="0" sz="1800" i="0" u="none">
+              <a:defRPr sz="1800" b="0" i="0" u="none" baseline="0">
                 <a:solidFill>
                   <a:schemeClr val="dk1"/>
                 </a:solidFill>
@@ -10653,9 +10978,9 @@
             </a:lvl5pPr>
           </a:lstStyle>
           <a:p>
-            <a:pPr eaLnBrk="1" hangingPunct="1" latinLnBrk="1" lvl="0"/>
-            <a:r>
-              <a:rPr altLang="en-US" b="1" sz="4400" lang="zh-CN" u="sng">
+            <a:pPr lvl="0" eaLnBrk="1" latinLnBrk="1" hangingPunct="1"/>
+            <a:r>
+              <a:rPr lang="zh-CN" altLang="en-US" sz="4400" b="1" u="sng">
                 <a:latin typeface="华文行楷" pitchFamily="2" charset="-122"/>
                 <a:ea typeface="华文行楷" pitchFamily="2" charset="-122"/>
               </a:rPr>
@@ -10669,21 +10994,20 @@
   <p:clrMapOvr>
     <a:masterClrMapping/>
   </p:clrMapOvr>
-  <p:timing/>
 </p:sld>
 </file>
 
 <file path=ppt/slides/slide9.xml><?xml version="1.0" encoding="utf-8"?>
-<p:sld xmlns:a="http://schemas.openxmlformats.org/drawingml/2006/main" xmlns:r="http://schemas.openxmlformats.org/officeDocument/2006/relationships" xmlns:p="http://schemas.openxmlformats.org/presentationml/2006/main" showMasterSp="1">
+<p:sld xmlns:a="http://schemas.openxmlformats.org/drawingml/2006/main" xmlns:r="http://schemas.openxmlformats.org/officeDocument/2006/relationships" xmlns:p="http://schemas.openxmlformats.org/presentationml/2006/main">
   <p:cSld>
     <p:spTree>
       <p:nvGrpSpPr>
-        <p:cNvPr id="40" name=""/>
+        <p:cNvPr id="1" name=""/>
         <p:cNvGrpSpPr/>
         <p:nvPr/>
       </p:nvGrpSpPr>
       <p:grpSpPr>
-        <a:xfrm rot="0">
+        <a:xfrm>
           <a:off x="0" y="0"/>
           <a:ext cx="0" cy="0"/>
           <a:chOff x="0" y="0"/>
@@ -10692,25 +11016,27 @@
       </p:grpSpPr>
       <p:pic>
         <p:nvPicPr>
-          <p:cNvPr id="2097152" name=""/>
+          <p:cNvPr id="2097152" name="图片 2097151"/>
           <p:cNvPicPr>
             <a:picLocks/>
           </p:cNvPicPr>
           <p:nvPr/>
         </p:nvPicPr>
         <p:blipFill>
-          <a:blip xmlns:r="http://schemas.openxmlformats.org/officeDocument/2006/relationships" r:embed="rId1"/>
-          <a:srcRect l="0" t="0" r="0" b="0"/>
+          <a:blip r:embed="rId2"/>
+          <a:srcRect/>
           <a:stretch>
             <a:fillRect/>
           </a:stretch>
         </p:blipFill>
         <p:spPr>
-          <a:xfrm rot="0">
+          <a:xfrm>
             <a:off x="674687" y="900112"/>
             <a:ext cx="5430837" cy="1255712"/>
           </a:xfrm>
-          <a:prstGeom prst="rect"/>
+          <a:prstGeom prst="rect">
+            <a:avLst/>
+          </a:prstGeom>
           <a:noFill/>
           <a:ln>
             <a:noFill/>
@@ -10719,25 +11045,27 @@
       </p:pic>
       <p:pic>
         <p:nvPicPr>
-          <p:cNvPr id="2097153" name=""/>
+          <p:cNvPr id="2097153" name="图片 2097152"/>
           <p:cNvPicPr>
             <a:picLocks/>
           </p:cNvPicPr>
           <p:nvPr/>
         </p:nvPicPr>
         <p:blipFill>
-          <a:blip xmlns:r="http://schemas.openxmlformats.org/officeDocument/2006/relationships" r:embed="rId2"/>
-          <a:srcRect l="0" t="0" r="0" b="0"/>
+          <a:blip r:embed="rId3"/>
+          <a:srcRect/>
           <a:stretch>
             <a:fillRect/>
           </a:stretch>
         </p:blipFill>
         <p:spPr>
-          <a:xfrm rot="0">
+          <a:xfrm>
             <a:off x="1709737" y="2389187"/>
             <a:ext cx="5121275" cy="617537"/>
           </a:xfrm>
-          <a:prstGeom prst="rect"/>
+          <a:prstGeom prst="rect">
+            <a:avLst/>
+          </a:prstGeom>
           <a:noFill/>
           <a:ln>
             <a:noFill/>
@@ -10746,31 +11074,84 @@
       </p:pic>
       <p:pic>
         <p:nvPicPr>
-          <p:cNvPr id="2097154" name=""/>
+          <p:cNvPr id="2097154" name="图片 2097153"/>
           <p:cNvPicPr>
             <a:picLocks/>
           </p:cNvPicPr>
           <p:nvPr/>
         </p:nvPicPr>
         <p:blipFill>
-          <a:blip xmlns:r="http://schemas.openxmlformats.org/officeDocument/2006/relationships" r:embed="rId3"/>
-          <a:srcRect l="0" t="0" r="0" b="0"/>
+          <a:blip r:embed="rId4"/>
+          <a:srcRect/>
           <a:stretch>
             <a:fillRect/>
           </a:stretch>
         </p:blipFill>
         <p:spPr>
-          <a:xfrm rot="0">
+          <a:xfrm>
             <a:off x="1930400" y="3475037"/>
             <a:ext cx="6683375" cy="1857375"/>
           </a:xfrm>
-          <a:prstGeom prst="rect"/>
+          <a:prstGeom prst="rect">
+            <a:avLst/>
+          </a:prstGeom>
           <a:noFill/>
           <a:ln>
             <a:noFill/>
           </a:ln>
         </p:spPr>
       </p:pic>
+      <mc:AlternateContent xmlns:mc="http://schemas.openxmlformats.org/markup-compatibility/2006" xmlns:p14="http://schemas.microsoft.com/office/powerpoint/2010/main">
+        <mc:Choice Requires="p14">
+          <p:contentPart p14:bwMode="auto" r:id="rId5">
+            <p14:nvContentPartPr>
+              <p14:cNvPr id="2" name="墨迹 1">
+                <a:extLst>
+                  <a:ext uri="{FF2B5EF4-FFF2-40B4-BE49-F238E27FC236}">
+                    <a16:creationId xmlns:a16="http://schemas.microsoft.com/office/drawing/2014/main" id="{4A0BD2A8-D122-4D59-A4B4-F49C15AB56F5}"/>
+                  </a:ext>
+                </a:extLst>
+              </p14:cNvPr>
+              <p14:cNvContentPartPr/>
+              <p14:nvPr/>
+            </p14:nvContentPartPr>
+            <p14:xfrm>
+              <a:off x="7583760" y="4489200"/>
+              <a:ext cx="101880" cy="86760"/>
+            </p14:xfrm>
+          </p:contentPart>
+        </mc:Choice>
+        <mc:Fallback xmlns="">
+          <p:pic>
+            <p:nvPicPr>
+              <p:cNvPr id="2" name="墨迹 1">
+                <a:extLst>
+                  <a:ext uri="{FF2B5EF4-FFF2-40B4-BE49-F238E27FC236}">
+                    <a16:creationId xmlns:a16="http://schemas.microsoft.com/office/drawing/2014/main" id="{4A0BD2A8-D122-4D59-A4B4-F49C15AB56F5}"/>
+                  </a:ext>
+                </a:extLst>
+              </p:cNvPr>
+              <p:cNvPicPr/>
+              <p:nvPr/>
+            </p:nvPicPr>
+            <p:blipFill>
+              <a:blip r:embed="rId6"/>
+              <a:stretch>
+                <a:fillRect/>
+              </a:stretch>
+            </p:blipFill>
+            <p:spPr>
+              <a:xfrm>
+                <a:off x="7574400" y="4479840"/>
+                <a:ext cx="120600" cy="105480"/>
+              </a:xfrm>
+              <a:prstGeom prst="rect">
+                <a:avLst/>
+              </a:prstGeom>
+            </p:spPr>
+          </p:pic>
+        </mc:Fallback>
+      </mc:AlternateContent>
     </p:spTree>
   </p:cSld>
   <p:clrMapOvr>
@@ -10779,32 +11160,32 @@
   <p:timing>
     <p:tnLst>
       <p:par>
-        <p:cTn dur="indefinite" id="1" nodeType="tmRoot">
+        <p:cTn id="1" dur="indefinite" restart="never" nodeType="tmRoot">
           <p:childTnLst>
             <p:seq concurrent="1" nextAc="seek">
-              <p:cTn dur="indefinite" id="2" nodeType="mainSeq">
+              <p:cTn id="2" dur="indefinite" nodeType="mainSeq">
                 <p:childTnLst>
                   <p:par>
-                    <p:cTn fill="hold" id="3" nodeType="clickPar">
+                    <p:cTn id="3" fill="hold" nodeType="clickPar">
                       <p:stCondLst>
                         <p:cond delay="indefinite"/>
                       </p:stCondLst>
                       <p:childTnLst>
                         <p:par>
-                          <p:cTn fill="hold" id="4" nodeType="withGroup">
+                          <p:cTn id="4" fill="hold" nodeType="withGroup">
                             <p:stCondLst>
                               <p:cond delay="0"/>
                             </p:stCondLst>
                             <p:childTnLst>
                               <p:par>
-                                <p:cTn fill="hold" id="5" nodeType="clickEffect" presetClass="entr" presetID="3" presetSubtype="10">
+                                <p:cTn id="5" presetID="3" presetClass="entr" presetSubtype="10" fill="hold" nodeType="clickEffect">
                                   <p:stCondLst>
                                     <p:cond delay="0"/>
                                   </p:stCondLst>
                                   <p:childTnLst>
                                     <p:set>
                                       <p:cBhvr>
-                                        <p:cTn dur="1" fill="hold" id="6">
+                                        <p:cTn id="6" dur="1" fill="hold">
                                           <p:stCondLst>
                                             <p:cond delay="0"/>
                                           </p:stCondLst>
@@ -10822,7 +11203,7 @@
                                     </p:set>
                                     <p:animEffect transition="in" filter="blinds(horizontal)">
                                       <p:cBhvr>
-                                        <p:cTn dur="500" id="7"/>
+                                        <p:cTn id="7" dur="500"/>
                                         <p:tgtEl>
                                           <p:spTgt spid="2097152"/>
                                         </p:tgtEl>
@@ -10838,26 +11219,26 @@
                     </p:cTn>
                   </p:par>
                   <p:par>
-                    <p:cTn fill="hold" id="8" nodeType="clickPar">
+                    <p:cTn id="8" fill="hold" nodeType="clickPar">
                       <p:stCondLst>
                         <p:cond delay="indefinite"/>
                       </p:stCondLst>
                       <p:childTnLst>
                         <p:par>
-                          <p:cTn fill="hold" id="9" nodeType="withGroup">
+                          <p:cTn id="9" fill="hold" nodeType="withGroup">
                             <p:stCondLst>
                               <p:cond delay="0"/>
                             </p:stCondLst>
                             <p:childTnLst>
                               <p:par>
-                                <p:cTn fill="hold" id="10" nodeType="clickEffect" presetClass="entr" presetID="3" presetSubtype="10">
+                                <p:cTn id="10" presetID="3" presetClass="entr" presetSubtype="10" fill="hold" nodeType="clickEffect">
                                   <p:stCondLst>
                                     <p:cond delay="0"/>
                                   </p:stCondLst>
                                   <p:childTnLst>
                                     <p:set>
                                       <p:cBhvr>
-                                        <p:cTn dur="1" fill="hold" id="11">
+                                        <p:cTn id="11" dur="1" fill="hold">
                                           <p:stCondLst>
                                             <p:cond delay="0"/>
                                           </p:stCondLst>
@@ -10875,7 +11256,7 @@
                                     </p:set>
                                     <p:animEffect transition="in" filter="blinds(horizontal)">
                                       <p:cBhvr>
-                                        <p:cTn dur="500" id="12"/>
+                                        <p:cTn id="12" dur="500"/>
                                         <p:tgtEl>
                                           <p:spTgt spid="2097153"/>
                                         </p:tgtEl>
@@ -10891,26 +11272,26 @@
                     </p:cTn>
                   </p:par>
                   <p:par>
-                    <p:cTn fill="hold" id="13" nodeType="clickPar">
+                    <p:cTn id="13" fill="hold" nodeType="clickPar">
                       <p:stCondLst>
                         <p:cond delay="indefinite"/>
                       </p:stCondLst>
                       <p:childTnLst>
                         <p:par>
-                          <p:cTn fill="hold" id="14" nodeType="withGroup">
+                          <p:cTn id="14" fill="hold" nodeType="withGroup">
                             <p:stCondLst>
                               <p:cond delay="0"/>
                             </p:stCondLst>
                             <p:childTnLst>
                               <p:par>
-                                <p:cTn fill="hold" id="15" nodeType="clickEffect" presetClass="entr" presetID="1" presetSubtype="0">
+                                <p:cTn id="15" presetID="1" presetClass="entr" presetSubtype="0" fill="hold" nodeType="clickEffect">
                                   <p:stCondLst>
                                     <p:cond delay="0"/>
                                   </p:stCondLst>
                                   <p:childTnLst>
                                     <p:set>
                                       <p:cBhvr>
-                                        <p:cTn dur="1" fill="hold" id="16">
+                                        <p:cTn id="16" dur="1" fill="hold">
                                           <p:stCondLst>
                                             <p:cond delay="0"/>
                                           </p:stCondLst>
@@ -11163,7 +11544,7 @@
         </a:effectStyle>
         <a:effectStyle>
           <a:effectLst>
-            <a:outerShdw algn="ctr" blurRad="57150" dir="5400000" dist="19050" rotWithShape="0">
+            <a:outerShdw blurRad="57150" dist="19050" dir="5400000" algn="ctr" rotWithShape="0">
               <a:srgbClr val="000000">
                 <a:alpha val="63000"/>
               </a:srgbClr>
@@ -11211,6 +11592,7 @@
       </a:bgFillStyleLst>
     </a:fmtScheme>
   </a:themeElements>
+  <a:objectDefaults/>
   <a:extraClrSchemeLst>
     <a:extraClrScheme>
       <a:clrScheme name="Default Color Scheme 1">
@@ -11261,10 +11643,10 @@
   <a:themeElements>
     <a:clrScheme name="Office">
       <a:dk1>
-        <a:sysClr lastClr="000000" val="windowText"/>
+        <a:sysClr val="windowText" lastClr="000000"/>
       </a:dk1>
       <a:lt1>
-        <a:sysClr lastClr="FFFFFF" val="window"/>
+        <a:sysClr val="window" lastClr="FFFFFF"/>
       </a:lt1>
       <a:dk2>
         <a:srgbClr val="44546A"/>
@@ -11459,7 +11841,7 @@
         </a:effectStyle>
         <a:effectStyle>
           <a:effectLst>
-            <a:outerShdw algn="ctr" blurRad="57150" dir="5400000" dist="19050" rotWithShape="0">
+            <a:outerShdw blurRad="57150" dist="19050" dir="5400000" algn="ctr" rotWithShape="0">
               <a:srgbClr val="000000">
                 <a:alpha val="63000"/>
               </a:srgbClr>
@@ -11507,5 +11889,7 @@
       </a:bgFillStyleLst>
     </a:fmtScheme>
   </a:themeElements>
+  <a:objectDefaults/>
+  <a:extraClrSchemeLst/>
 </a:theme>
 </file>
--- a/2017-18-2高等数学讲座-上册复习建议.pptx
+++ b/2017-18-2高等数学讲座-上册复习建议.pptx
@@ -2527,8 +2527,8 @@
           </a:ln>
         </p:spPr>
       </p:pic>
-      <mc:AlternateContent xmlns:mc="http://schemas.openxmlformats.org/markup-compatibility/2006">
-        <mc:Choice xmlns:a14="http://schemas.microsoft.com/office/drawing/2010/main" Requires="a14">
+      <mc:AlternateContent xmlns:mc="http://schemas.openxmlformats.org/markup-compatibility/2006" xmlns:a14="http://schemas.microsoft.com/office/drawing/2010/main">
+        <mc:Choice Requires="a14">
           <p:sp>
             <p:nvSpPr>
               <p:cNvPr id="2" name="文本框 1">
@@ -2557,6 +2557,7 @@
               </a:bodyPr>
               <a:lstStyle/>
               <a:p>
+                <a:pPr/>
                 <a14:m>
                   <m:oMathPara xmlns:m="http://schemas.openxmlformats.org/officeDocument/2006/math">
                     <m:oMathParaPr>
@@ -2599,7 +2600,7 @@
             </p:txBody>
           </p:sp>
         </mc:Choice>
-        <mc:Fallback>
+        <mc:Fallback xmlns="">
           <p:sp>
             <p:nvSpPr>
               <p:cNvPr id="2" name="文本框 1">
@@ -3424,6 +3425,428 @@
           </a:ln>
         </p:spPr>
       </p:pic>
+      <mc:AlternateContent xmlns:mc="http://schemas.openxmlformats.org/markup-compatibility/2006" xmlns:a14="http://schemas.microsoft.com/office/drawing/2010/main">
+        <mc:Choice Requires="a14">
+          <p:sp>
+            <p:nvSpPr>
+              <p:cNvPr id="2" name="文本框 1">
+                <a:extLst>
+                  <a:ext uri="{FF2B5EF4-FFF2-40B4-BE49-F238E27FC236}">
+                    <a16:creationId xmlns:a16="http://schemas.microsoft.com/office/drawing/2014/main" id="{BBE5DC6C-32E6-4F95-9559-54C3C48F94D1}"/>
+                  </a:ext>
+                </a:extLst>
+              </p:cNvPr>
+              <p:cNvSpPr txBox="1"/>
+              <p:nvPr/>
+            </p:nvSpPr>
+            <p:spPr>
+              <a:xfrm>
+                <a:off x="4282965" y="2020827"/>
+                <a:ext cx="1855076" cy="461665"/>
+              </a:xfrm>
+              <a:prstGeom prst="rect">
+                <a:avLst/>
+              </a:prstGeom>
+              <a:noFill/>
+            </p:spPr>
+            <p:txBody>
+              <a:bodyPr wrap="square" rtlCol="0">
+                <a:spAutoFit/>
+              </a:bodyPr>
+              <a:lstStyle/>
+              <a:p>
+                <a:pPr/>
+                <a14:m>
+                  <m:oMathPara xmlns:m="http://schemas.openxmlformats.org/officeDocument/2006/math">
+                    <m:oMathParaPr>
+                      <m:jc m:val="centerGroup"/>
+                    </m:oMathParaPr>
+                    <m:oMath xmlns:m="http://schemas.openxmlformats.org/officeDocument/2006/math">
+                      <m:r>
+                        <a:rPr lang="en-US" altLang="zh-CN" sz="2400" b="0" i="1" smtClean="0">
+                          <a:solidFill>
+                            <a:srgbClr val="FF0000"/>
+                          </a:solidFill>
+                          <a:latin typeface="Cambria Math" panose="02040503050406030204" pitchFamily="18" charset="0"/>
+                        </a:rPr>
+                        <m:t>𝑦</m:t>
+                      </m:r>
+                      <m:r>
+                        <a:rPr lang="en-US" altLang="zh-CN" sz="2400" b="0" i="1" smtClean="0">
+                          <a:solidFill>
+                            <a:srgbClr val="FF0000"/>
+                          </a:solidFill>
+                          <a:latin typeface="Cambria Math" panose="02040503050406030204" pitchFamily="18" charset="0"/>
+                        </a:rPr>
+                        <m:t>=</m:t>
+                      </m:r>
+                      <m:r>
+                        <a:rPr lang="en-US" altLang="zh-CN" sz="2400" b="0" i="1" smtClean="0">
+                          <a:solidFill>
+                            <a:srgbClr val="FF0000"/>
+                          </a:solidFill>
+                          <a:latin typeface="Cambria Math" panose="02040503050406030204" pitchFamily="18" charset="0"/>
+                        </a:rPr>
+                        <m:t>𝑥</m:t>
+                      </m:r>
+                    </m:oMath>
+                  </m:oMathPara>
+                </a14:m>
+                <a:endParaRPr lang="zh-CN" altLang="en-US" sz="2400" dirty="0">
+                  <a:solidFill>
+                    <a:srgbClr val="FF0000"/>
+                  </a:solidFill>
+                </a:endParaRPr>
+              </a:p>
+            </p:txBody>
+          </p:sp>
+        </mc:Choice>
+        <mc:Fallback xmlns="">
+          <p:sp>
+            <p:nvSpPr>
+              <p:cNvPr id="2" name="文本框 1">
+                <a:extLst>
+                  <a:ext uri="{FF2B5EF4-FFF2-40B4-BE49-F238E27FC236}">
+                    <a16:creationId xmlns:a16="http://schemas.microsoft.com/office/drawing/2014/main" id="{BBE5DC6C-32E6-4F95-9559-54C3C48F94D1}"/>
+                  </a:ext>
+                </a:extLst>
+              </p:cNvPr>
+              <p:cNvSpPr txBox="1">
+                <a:spLocks noRot="1" noChangeAspect="1" noMove="1" noResize="1" noEditPoints="1" noAdjustHandles="1" noChangeArrowheads="1" noChangeShapeType="1" noTextEdit="1"/>
+              </p:cNvSpPr>
+              <p:nvPr/>
+            </p:nvSpPr>
+            <p:spPr>
+              <a:xfrm>
+                <a:off x="4282965" y="2020827"/>
+                <a:ext cx="1855076" cy="461665"/>
+              </a:xfrm>
+              <a:prstGeom prst="rect">
+                <a:avLst/>
+              </a:prstGeom>
+              <a:blipFill>
+                <a:blip r:embed="rId5"/>
+                <a:stretch>
+                  <a:fillRect b="-10667"/>
+                </a:stretch>
+              </a:blipFill>
+            </p:spPr>
+            <p:txBody>
+              <a:bodyPr/>
+              <a:lstStyle/>
+              <a:p>
+                <a:r>
+                  <a:rPr lang="zh-CN" altLang="en-US">
+                    <a:noFill/>
+                  </a:rPr>
+                  <a:t> </a:t>
+                </a:r>
+              </a:p>
+            </p:txBody>
+          </p:sp>
+        </mc:Fallback>
+      </mc:AlternateContent>
+      <mc:AlternateContent xmlns:mc="http://schemas.openxmlformats.org/markup-compatibility/2006" xmlns:a14="http://schemas.microsoft.com/office/drawing/2010/main">
+        <mc:Choice Requires="a14">
+          <p:sp>
+            <p:nvSpPr>
+              <p:cNvPr id="3" name="矩形 2">
+                <a:extLst>
+                  <a:ext uri="{FF2B5EF4-FFF2-40B4-BE49-F238E27FC236}">
+                    <a16:creationId xmlns:a16="http://schemas.microsoft.com/office/drawing/2014/main" id="{783C4104-EB2C-498F-9969-33E2D8BF8A47}"/>
+                  </a:ext>
+                </a:extLst>
+              </p:cNvPr>
+              <p:cNvSpPr/>
+              <p:nvPr/>
+            </p:nvSpPr>
+            <p:spPr>
+              <a:xfrm>
+                <a:off x="4170415" y="3244334"/>
+                <a:ext cx="1539332" cy="461665"/>
+              </a:xfrm>
+              <a:prstGeom prst="rect">
+                <a:avLst/>
+              </a:prstGeom>
+            </p:spPr>
+            <p:txBody>
+              <a:bodyPr wrap="none">
+                <a:spAutoFit/>
+              </a:bodyPr>
+              <a:lstStyle/>
+              <a:p>
+                <a:pPr/>
+                <a14:m>
+                  <m:oMathPara xmlns:m="http://schemas.openxmlformats.org/officeDocument/2006/math">
+                    <m:oMathParaPr>
+                      <m:jc m:val="centerGroup"/>
+                    </m:oMathParaPr>
+                    <m:oMath xmlns:m="http://schemas.openxmlformats.org/officeDocument/2006/math">
+                      <m:r>
+                        <a:rPr lang="en-US" altLang="zh-CN" sz="2400" i="1" smtClean="0">
+                          <a:solidFill>
+                            <a:srgbClr val="FF0000"/>
+                          </a:solidFill>
+                          <a:latin typeface="Cambria Math" panose="02040503050406030204" pitchFamily="18" charset="0"/>
+                        </a:rPr>
+                        <m:t>𝑦</m:t>
+                      </m:r>
+                      <m:r>
+                        <a:rPr lang="en-US" altLang="zh-CN" sz="2400" i="1" smtClean="0">
+                          <a:solidFill>
+                            <a:srgbClr val="FF0000"/>
+                          </a:solidFill>
+                          <a:latin typeface="Cambria Math" panose="02040503050406030204" pitchFamily="18" charset="0"/>
+                        </a:rPr>
+                        <m:t>=</m:t>
+                      </m:r>
+                      <m:r>
+                        <a:rPr lang="en-US" altLang="zh-CN" sz="2400" i="1" smtClean="0">
+                          <a:solidFill>
+                            <a:srgbClr val="FF0000"/>
+                          </a:solidFill>
+                          <a:latin typeface="Cambria Math" panose="02040503050406030204" pitchFamily="18" charset="0"/>
+                        </a:rPr>
+                        <m:t>𝑥</m:t>
+                      </m:r>
+                      <m:r>
+                        <a:rPr lang="en-US" altLang="zh-CN" sz="2400" b="0" i="1" smtClean="0">
+                          <a:solidFill>
+                            <a:srgbClr val="FF0000"/>
+                          </a:solidFill>
+                          <a:latin typeface="Cambria Math" panose="02040503050406030204" pitchFamily="18" charset="0"/>
+                        </a:rPr>
+                        <m:t>+1</m:t>
+                      </m:r>
+                    </m:oMath>
+                  </m:oMathPara>
+                </a14:m>
+                <a:endParaRPr lang="zh-CN" altLang="en-US" sz="2400" dirty="0">
+                  <a:solidFill>
+                    <a:srgbClr val="FF0000"/>
+                  </a:solidFill>
+                </a:endParaRPr>
+              </a:p>
+            </p:txBody>
+          </p:sp>
+        </mc:Choice>
+        <mc:Fallback xmlns="">
+          <p:sp>
+            <p:nvSpPr>
+              <p:cNvPr id="3" name="矩形 2">
+                <a:extLst>
+                  <a:ext uri="{FF2B5EF4-FFF2-40B4-BE49-F238E27FC236}">
+                    <a16:creationId xmlns:a16="http://schemas.microsoft.com/office/drawing/2014/main" id="{783C4104-EB2C-498F-9969-33E2D8BF8A47}"/>
+                  </a:ext>
+                </a:extLst>
+              </p:cNvPr>
+              <p:cNvSpPr>
+                <a:spLocks noRot="1" noChangeAspect="1" noMove="1" noResize="1" noEditPoints="1" noAdjustHandles="1" noChangeArrowheads="1" noChangeShapeType="1" noTextEdit="1"/>
+              </p:cNvSpPr>
+              <p:nvPr/>
+            </p:nvSpPr>
+            <p:spPr>
+              <a:xfrm>
+                <a:off x="4170415" y="3244334"/>
+                <a:ext cx="1539332" cy="461665"/>
+              </a:xfrm>
+              <a:prstGeom prst="rect">
+                <a:avLst/>
+              </a:prstGeom>
+              <a:blipFill>
+                <a:blip r:embed="rId6"/>
+                <a:stretch>
+                  <a:fillRect b="-10526"/>
+                </a:stretch>
+              </a:blipFill>
+            </p:spPr>
+            <p:txBody>
+              <a:bodyPr/>
+              <a:lstStyle/>
+              <a:p>
+                <a:r>
+                  <a:rPr lang="zh-CN" altLang="en-US">
+                    <a:noFill/>
+                  </a:rPr>
+                  <a:t> </a:t>
+                </a:r>
+              </a:p>
+            </p:txBody>
+          </p:sp>
+        </mc:Fallback>
+      </mc:AlternateContent>
+      <mc:AlternateContent xmlns:mc="http://schemas.openxmlformats.org/markup-compatibility/2006" xmlns:a14="http://schemas.microsoft.com/office/drawing/2010/main">
+        <mc:Choice Requires="a14">
+          <p:sp>
+            <p:nvSpPr>
+              <p:cNvPr id="4" name="矩形 3">
+                <a:extLst>
+                  <a:ext uri="{FF2B5EF4-FFF2-40B4-BE49-F238E27FC236}">
+                    <a16:creationId xmlns:a16="http://schemas.microsoft.com/office/drawing/2014/main" id="{4FEE863D-DBCA-4207-ADCD-3D8F41D6FC2B}"/>
+                  </a:ext>
+                </a:extLst>
+              </p:cNvPr>
+              <p:cNvSpPr/>
+              <p:nvPr/>
+            </p:nvSpPr>
+            <p:spPr>
+              <a:xfrm>
+                <a:off x="4015733" y="4503112"/>
+                <a:ext cx="2973646" cy="786177"/>
+              </a:xfrm>
+              <a:prstGeom prst="rect">
+                <a:avLst/>
+              </a:prstGeom>
+            </p:spPr>
+            <p:txBody>
+              <a:bodyPr wrap="square">
+                <a:spAutoFit/>
+              </a:bodyPr>
+              <a:lstStyle/>
+              <a:p>
+                <a:pPr/>
+                <a14:m>
+                  <m:oMathPara xmlns:m="http://schemas.openxmlformats.org/officeDocument/2006/math">
+                    <m:oMathParaPr>
+                      <m:jc m:val="centerGroup"/>
+                    </m:oMathParaPr>
+                    <m:oMath xmlns:m="http://schemas.openxmlformats.org/officeDocument/2006/math">
+                      <m:r>
+                        <a:rPr lang="en-US" altLang="zh-CN" sz="2400" i="1" smtClean="0">
+                          <a:solidFill>
+                            <a:srgbClr val="FF0000"/>
+                          </a:solidFill>
+                          <a:latin typeface="Cambria Math" panose="02040503050406030204" pitchFamily="18" charset="0"/>
+                        </a:rPr>
+                        <m:t>𝑦</m:t>
+                      </m:r>
+                      <m:r>
+                        <a:rPr lang="en-US" altLang="zh-CN" sz="2400" i="1" smtClean="0">
+                          <a:solidFill>
+                            <a:srgbClr val="FF0000"/>
+                          </a:solidFill>
+                          <a:latin typeface="Cambria Math" panose="02040503050406030204" pitchFamily="18" charset="0"/>
+                        </a:rPr>
+                        <m:t>=−</m:t>
+                      </m:r>
+                      <m:r>
+                        <a:rPr lang="en-US" altLang="zh-CN" sz="2400" i="1">
+                          <a:solidFill>
+                            <a:srgbClr val="FF0000"/>
+                          </a:solidFill>
+                          <a:latin typeface="Cambria Math" panose="02040503050406030204" pitchFamily="18" charset="0"/>
+                        </a:rPr>
+                        <m:t>𝑥</m:t>
+                      </m:r>
+                      <m:r>
+                        <a:rPr lang="en-US" altLang="zh-CN" sz="2400" b="0" i="1" smtClean="0">
+                          <a:solidFill>
+                            <a:srgbClr val="FF0000"/>
+                          </a:solidFill>
+                          <a:latin typeface="Cambria Math" panose="02040503050406030204" pitchFamily="18" charset="0"/>
+                        </a:rPr>
+                        <m:t>−</m:t>
+                      </m:r>
+                      <m:f>
+                        <m:fPr>
+                          <m:ctrlPr>
+                            <a:rPr lang="en-US" altLang="zh-CN" sz="2400" b="0" i="1" smtClean="0">
+                              <a:solidFill>
+                                <a:srgbClr val="FF0000"/>
+                              </a:solidFill>
+                              <a:latin typeface="Cambria Math" panose="02040503050406030204" pitchFamily="18" charset="0"/>
+                            </a:rPr>
+                          </m:ctrlPr>
+                        </m:fPr>
+                        <m:num>
+                          <m:r>
+                            <a:rPr lang="en-US" altLang="zh-CN" sz="2400" b="0" i="1" smtClean="0">
+                              <a:solidFill>
+                                <a:srgbClr val="FF0000"/>
+                              </a:solidFill>
+                              <a:latin typeface="Cambria Math" panose="02040503050406030204" pitchFamily="18" charset="0"/>
+                            </a:rPr>
+                            <m:t>2018</m:t>
+                          </m:r>
+                          <m:r>
+                            <a:rPr lang="en-US" altLang="zh-CN" sz="2400" b="0" i="1" smtClean="0">
+                              <a:solidFill>
+                                <a:srgbClr val="FF0000"/>
+                              </a:solidFill>
+                              <a:latin typeface="Cambria Math" panose="02040503050406030204" pitchFamily="18" charset="0"/>
+                            </a:rPr>
+                            <m:t>𝑎</m:t>
+                          </m:r>
+                        </m:num>
+                        <m:den>
+                          <m:r>
+                            <a:rPr lang="en-US" altLang="zh-CN" sz="2400" b="0" i="1" smtClean="0">
+                              <a:solidFill>
+                                <a:srgbClr val="FF0000"/>
+                              </a:solidFill>
+                              <a:latin typeface="Cambria Math" panose="02040503050406030204" pitchFamily="18" charset="0"/>
+                            </a:rPr>
+                            <m:t>3</m:t>
+                          </m:r>
+                        </m:den>
+                      </m:f>
+                    </m:oMath>
+                  </m:oMathPara>
+                </a14:m>
+                <a:endParaRPr lang="zh-CN" altLang="en-US" sz="2400" dirty="0">
+                  <a:solidFill>
+                    <a:srgbClr val="FF0000"/>
+                  </a:solidFill>
+                </a:endParaRPr>
+              </a:p>
+            </p:txBody>
+          </p:sp>
+        </mc:Choice>
+        <mc:Fallback xmlns="">
+          <p:sp>
+            <p:nvSpPr>
+              <p:cNvPr id="4" name="矩形 3">
+                <a:extLst>
+                  <a:ext uri="{FF2B5EF4-FFF2-40B4-BE49-F238E27FC236}">
+                    <a16:creationId xmlns:a16="http://schemas.microsoft.com/office/drawing/2014/main" id="{4FEE863D-DBCA-4207-ADCD-3D8F41D6FC2B}"/>
+                  </a:ext>
+                </a:extLst>
+              </p:cNvPr>
+              <p:cNvSpPr>
+                <a:spLocks noRot="1" noChangeAspect="1" noMove="1" noResize="1" noEditPoints="1" noAdjustHandles="1" noChangeArrowheads="1" noChangeShapeType="1" noTextEdit="1"/>
+              </p:cNvSpPr>
+              <p:nvPr/>
+            </p:nvSpPr>
+            <p:spPr>
+              <a:xfrm>
+                <a:off x="4015733" y="4503112"/>
+                <a:ext cx="2973646" cy="786177"/>
+              </a:xfrm>
+              <a:prstGeom prst="rect">
+                <a:avLst/>
+              </a:prstGeom>
+              <a:blipFill>
+                <a:blip r:embed="rId7"/>
+                <a:stretch>
+                  <a:fillRect/>
+                </a:stretch>
+              </a:blipFill>
+            </p:spPr>
+            <p:txBody>
+              <a:bodyPr/>
+              <a:lstStyle/>
+              <a:p>
+                <a:r>
+                  <a:rPr lang="zh-CN" altLang="en-US">
+                    <a:noFill/>
+                  </a:rPr>
+                  <a:t> </a:t>
+                </a:r>
+              </a:p>
+            </p:txBody>
+          </p:sp>
+        </mc:Fallback>
+      </mc:AlternateContent>
     </p:spTree>
   </p:cSld>
   <p:clrMapOvr>
@@ -3760,6 +4183,565 @@
           </a:ln>
         </p:spPr>
       </p:pic>
+      <mc:AlternateContent xmlns:mc="http://schemas.openxmlformats.org/markup-compatibility/2006">
+        <mc:Choice xmlns:a14="http://schemas.microsoft.com/office/drawing/2010/main" Requires="a14">
+          <p:sp>
+            <p:nvSpPr>
+              <p:cNvPr id="2" name="文本框 1">
+                <a:extLst>
+                  <a:ext uri="{FF2B5EF4-FFF2-40B4-BE49-F238E27FC236}">
+                    <a16:creationId xmlns:a16="http://schemas.microsoft.com/office/drawing/2014/main" id="{D95C17A9-3B2B-479B-8F09-D666BEB9464A}"/>
+                  </a:ext>
+                </a:extLst>
+              </p:cNvPr>
+              <p:cNvSpPr txBox="1"/>
+              <p:nvPr/>
+            </p:nvSpPr>
+            <p:spPr>
+              <a:xfrm>
+                <a:off x="5437903" y="3038117"/>
+                <a:ext cx="3495703" cy="885692"/>
+              </a:xfrm>
+              <a:prstGeom prst="rect">
+                <a:avLst/>
+              </a:prstGeom>
+              <a:noFill/>
+            </p:spPr>
+            <p:txBody>
+              <a:bodyPr wrap="square" rtlCol="0">
+                <a:spAutoFit/>
+              </a:bodyPr>
+              <a:lstStyle/>
+              <a:p>
+                <a14:m>
+                  <m:oMathPara xmlns:m="http://schemas.openxmlformats.org/officeDocument/2006/math">
+                    <m:oMathParaPr>
+                      <m:jc m:val="centerGroup"/>
+                    </m:oMathParaPr>
+                    <m:oMath xmlns:m="http://schemas.openxmlformats.org/officeDocument/2006/math">
+                      <m:f>
+                        <m:fPr>
+                          <m:ctrlPr>
+                            <a:rPr lang="en-US" altLang="zh-CN" sz="2400" b="0" i="1" dirty="0" smtClean="0">
+                              <a:solidFill>
+                                <a:srgbClr val="FF0000"/>
+                              </a:solidFill>
+                              <a:latin typeface="Cambria Math" panose="02040503050406030204" pitchFamily="18" charset="0"/>
+                            </a:rPr>
+                          </m:ctrlPr>
+                        </m:fPr>
+                        <m:num>
+                          <m:sSup>
+                            <m:sSupPr>
+                              <m:ctrlPr>
+                                <a:rPr lang="en-US" altLang="zh-CN" sz="2400" b="0" i="1" dirty="0" smtClean="0">
+                                  <a:solidFill>
+                                    <a:srgbClr val="FF0000"/>
+                                  </a:solidFill>
+                                  <a:latin typeface="Cambria Math" panose="02040503050406030204" pitchFamily="18" charset="0"/>
+                                </a:rPr>
+                              </m:ctrlPr>
+                            </m:sSupPr>
+                            <m:e>
+                              <m:r>
+                                <a:rPr lang="en-US" altLang="zh-CN" sz="2400" b="0" i="1" dirty="0" smtClean="0">
+                                  <a:solidFill>
+                                    <a:srgbClr val="FF0000"/>
+                                  </a:solidFill>
+                                  <a:latin typeface="Cambria Math" panose="02040503050406030204" pitchFamily="18" charset="0"/>
+                                </a:rPr>
+                                <m:t>𝑥</m:t>
+                              </m:r>
+                            </m:e>
+                            <m:sup>
+                              <m:r>
+                                <a:rPr lang="en-US" altLang="zh-CN" sz="2400" b="0" i="1" dirty="0" smtClean="0">
+                                  <a:solidFill>
+                                    <a:srgbClr val="FF0000"/>
+                                  </a:solidFill>
+                                  <a:latin typeface="Cambria Math" panose="02040503050406030204" pitchFamily="18" charset="0"/>
+                                </a:rPr>
+                                <m:t>2</m:t>
+                              </m:r>
+                            </m:sup>
+                          </m:sSup>
+                          <m:r>
+                            <a:rPr lang="en-US" altLang="zh-CN" sz="2400" b="0" i="1" dirty="0" smtClean="0">
+                              <a:solidFill>
+                                <a:srgbClr val="FF0000"/>
+                              </a:solidFill>
+                              <a:latin typeface="Cambria Math" panose="02040503050406030204" pitchFamily="18" charset="0"/>
+                            </a:rPr>
+                            <m:t>+</m:t>
+                          </m:r>
+                          <m:r>
+                            <a:rPr lang="en-US" altLang="zh-CN" sz="2400" b="0" i="1" dirty="0" smtClean="0">
+                              <a:solidFill>
+                                <a:srgbClr val="FF0000"/>
+                              </a:solidFill>
+                              <a:latin typeface="Cambria Math" panose="02040503050406030204" pitchFamily="18" charset="0"/>
+                            </a:rPr>
+                            <m:t>𝑙𝑛𝑥</m:t>
+                          </m:r>
+                        </m:num>
+                        <m:den>
+                          <m:r>
+                            <a:rPr lang="en-US" altLang="zh-CN" sz="2400" b="0" i="1" dirty="0" smtClean="0">
+                              <a:solidFill>
+                                <a:srgbClr val="FF0000"/>
+                              </a:solidFill>
+                              <a:latin typeface="Cambria Math" panose="02040503050406030204" pitchFamily="18" charset="0"/>
+                            </a:rPr>
+                            <m:t>2</m:t>
+                          </m:r>
+                          <m:d>
+                            <m:dPr>
+                              <m:ctrlPr>
+                                <a:rPr lang="en-US" altLang="zh-CN" sz="2400" b="0" i="1" dirty="0" smtClean="0">
+                                  <a:solidFill>
+                                    <a:srgbClr val="FF0000"/>
+                                  </a:solidFill>
+                                  <a:latin typeface="Cambria Math" panose="02040503050406030204" pitchFamily="18" charset="0"/>
+                                </a:rPr>
+                              </m:ctrlPr>
+                            </m:dPr>
+                            <m:e>
+                              <m:r>
+                                <a:rPr lang="en-US" altLang="zh-CN" sz="2400" b="0" i="1" dirty="0" smtClean="0">
+                                  <a:solidFill>
+                                    <a:srgbClr val="FF0000"/>
+                                  </a:solidFill>
+                                  <a:latin typeface="Cambria Math" panose="02040503050406030204" pitchFamily="18" charset="0"/>
+                                </a:rPr>
+                                <m:t>1+</m:t>
+                              </m:r>
+                              <m:sSup>
+                                <m:sSupPr>
+                                  <m:ctrlPr>
+                                    <a:rPr lang="en-US" altLang="zh-CN" sz="2400" b="0" i="1" dirty="0" smtClean="0">
+                                      <a:solidFill>
+                                        <a:srgbClr val="FF0000"/>
+                                      </a:solidFill>
+                                      <a:latin typeface="Cambria Math" panose="02040503050406030204" pitchFamily="18" charset="0"/>
+                                    </a:rPr>
+                                  </m:ctrlPr>
+                                </m:sSupPr>
+                                <m:e>
+                                  <m:r>
+                                    <a:rPr lang="en-US" altLang="zh-CN" sz="2400" b="0" i="1" dirty="0" smtClean="0">
+                                      <a:solidFill>
+                                        <a:srgbClr val="FF0000"/>
+                                      </a:solidFill>
+                                      <a:latin typeface="Cambria Math" panose="02040503050406030204" pitchFamily="18" charset="0"/>
+                                    </a:rPr>
+                                    <m:t>𝑥</m:t>
+                                  </m:r>
+                                </m:e>
+                                <m:sup>
+                                  <m:r>
+                                    <a:rPr lang="en-US" altLang="zh-CN" sz="2400" b="0" i="1" dirty="0" smtClean="0">
+                                      <a:solidFill>
+                                        <a:srgbClr val="FF0000"/>
+                                      </a:solidFill>
+                                      <a:latin typeface="Cambria Math" panose="02040503050406030204" pitchFamily="18" charset="0"/>
+                                    </a:rPr>
+                                    <m:t>2</m:t>
+                                  </m:r>
+                                </m:sup>
+                              </m:sSup>
+                            </m:e>
+                          </m:d>
+                        </m:den>
+                      </m:f>
+                      <m:r>
+                        <a:rPr lang="en-US" altLang="zh-CN" sz="2400" b="0" i="1" dirty="0" smtClean="0">
+                          <a:solidFill>
+                            <a:srgbClr val="FF0000"/>
+                          </a:solidFill>
+                          <a:latin typeface="Cambria Math" panose="02040503050406030204" pitchFamily="18" charset="0"/>
+                        </a:rPr>
+                        <m:t>−</m:t>
+                      </m:r>
+                      <m:f>
+                        <m:fPr>
+                          <m:ctrlPr>
+                            <a:rPr lang="en-US" altLang="zh-CN" sz="2400" b="0" i="1" dirty="0" smtClean="0">
+                              <a:solidFill>
+                                <a:srgbClr val="FF0000"/>
+                              </a:solidFill>
+                              <a:latin typeface="Cambria Math" panose="02040503050406030204" pitchFamily="18" charset="0"/>
+                            </a:rPr>
+                          </m:ctrlPr>
+                        </m:fPr>
+                        <m:num>
+                          <m:r>
+                            <a:rPr lang="en-US" altLang="zh-CN" sz="2400" b="0" i="1" dirty="0" smtClean="0">
+                              <a:solidFill>
+                                <a:srgbClr val="FF0000"/>
+                              </a:solidFill>
+                              <a:latin typeface="Cambria Math" panose="02040503050406030204" pitchFamily="18" charset="0"/>
+                            </a:rPr>
+                            <m:t>1</m:t>
+                          </m:r>
+                        </m:num>
+                        <m:den>
+                          <m:r>
+                            <a:rPr lang="en-US" altLang="zh-CN" sz="2400" b="0" i="1" dirty="0" smtClean="0">
+                              <a:solidFill>
+                                <a:srgbClr val="FF0000"/>
+                              </a:solidFill>
+                              <a:latin typeface="Cambria Math" panose="02040503050406030204" pitchFamily="18" charset="0"/>
+                            </a:rPr>
+                            <m:t>4</m:t>
+                          </m:r>
+                        </m:den>
+                      </m:f>
+                      <m:r>
+                        <m:rPr>
+                          <m:sty m:val="p"/>
+                        </m:rPr>
+                        <a:rPr lang="en-US" altLang="zh-CN" sz="2400" b="0" i="0" dirty="0" smtClean="0">
+                          <a:solidFill>
+                            <a:srgbClr val="FF0000"/>
+                          </a:solidFill>
+                          <a:latin typeface="Cambria Math" panose="02040503050406030204" pitchFamily="18" charset="0"/>
+                        </a:rPr>
+                        <m:t>ln</m:t>
+                      </m:r>
+                      <m:r>
+                        <a:rPr lang="en-US" altLang="zh-CN" sz="2400" b="0" i="1" dirty="0" smtClean="0">
+                          <a:solidFill>
+                            <a:srgbClr val="FF0000"/>
+                          </a:solidFill>
+                          <a:latin typeface="Cambria Math" panose="02040503050406030204" pitchFamily="18" charset="0"/>
+                        </a:rPr>
+                        <m:t>⁡(1+</m:t>
+                      </m:r>
+                      <m:sSup>
+                        <m:sSupPr>
+                          <m:ctrlPr>
+                            <a:rPr lang="en-US" altLang="zh-CN" sz="2400" b="0" i="1" dirty="0" smtClean="0">
+                              <a:solidFill>
+                                <a:srgbClr val="FF0000"/>
+                              </a:solidFill>
+                              <a:latin typeface="Cambria Math" panose="02040503050406030204" pitchFamily="18" charset="0"/>
+                            </a:rPr>
+                          </m:ctrlPr>
+                        </m:sSupPr>
+                        <m:e>
+                          <m:r>
+                            <a:rPr lang="en-US" altLang="zh-CN" sz="2400" b="0" i="1" dirty="0" smtClean="0">
+                              <a:solidFill>
+                                <a:srgbClr val="FF0000"/>
+                              </a:solidFill>
+                              <a:latin typeface="Cambria Math" panose="02040503050406030204" pitchFamily="18" charset="0"/>
+                            </a:rPr>
+                            <m:t>𝑥</m:t>
+                          </m:r>
+                        </m:e>
+                        <m:sup>
+                          <m:r>
+                            <a:rPr lang="en-US" altLang="zh-CN" sz="2400" b="0" i="1" dirty="0" smtClean="0">
+                              <a:solidFill>
+                                <a:srgbClr val="FF0000"/>
+                              </a:solidFill>
+                              <a:latin typeface="Cambria Math" panose="02040503050406030204" pitchFamily="18" charset="0"/>
+                            </a:rPr>
+                            <m:t>2</m:t>
+                          </m:r>
+                        </m:sup>
+                      </m:sSup>
+                      <m:r>
+                        <a:rPr lang="en-US" altLang="zh-CN" sz="2400" b="0" i="1" dirty="0" smtClean="0">
+                          <a:solidFill>
+                            <a:srgbClr val="FF0000"/>
+                          </a:solidFill>
+                          <a:latin typeface="Cambria Math" panose="02040503050406030204" pitchFamily="18" charset="0"/>
+                        </a:rPr>
+                        <m:t>)</m:t>
+                      </m:r>
+                    </m:oMath>
+                  </m:oMathPara>
+                </a14:m>
+                <a:endParaRPr lang="zh-CN" altLang="en-US" sz="2400" dirty="0">
+                  <a:solidFill>
+                    <a:srgbClr val="FF0000"/>
+                  </a:solidFill>
+                </a:endParaRPr>
+              </a:p>
+            </p:txBody>
+          </p:sp>
+        </mc:Choice>
+        <mc:Fallback>
+          <p:sp>
+            <p:nvSpPr>
+              <p:cNvPr id="2" name="文本框 1">
+                <a:extLst>
+                  <a:ext uri="{FF2B5EF4-FFF2-40B4-BE49-F238E27FC236}">
+                    <a16:creationId xmlns:a16="http://schemas.microsoft.com/office/drawing/2014/main" id="{D95C17A9-3B2B-479B-8F09-D666BEB9464A}"/>
+                  </a:ext>
+                </a:extLst>
+              </p:cNvPr>
+              <p:cNvSpPr txBox="1">
+                <a:spLocks noRot="1" noChangeAspect="1" noMove="1" noResize="1" noEditPoints="1" noAdjustHandles="1" noChangeArrowheads="1" noChangeShapeType="1" noTextEdit="1"/>
+              </p:cNvSpPr>
+              <p:nvPr/>
+            </p:nvSpPr>
+            <p:spPr>
+              <a:xfrm>
+                <a:off x="5437903" y="3038117"/>
+                <a:ext cx="3495703" cy="885692"/>
+              </a:xfrm>
+              <a:prstGeom prst="rect">
+                <a:avLst/>
+              </a:prstGeom>
+              <a:blipFill>
+                <a:blip r:embed="rId6"/>
+                <a:stretch>
+                  <a:fillRect/>
+                </a:stretch>
+              </a:blipFill>
+            </p:spPr>
+            <p:txBody>
+              <a:bodyPr/>
+              <a:lstStyle/>
+              <a:p>
+                <a:r>
+                  <a:rPr lang="zh-CN" altLang="en-US">
+                    <a:noFill/>
+                  </a:rPr>
+                  <a:t> </a:t>
+                </a:r>
+              </a:p>
+            </p:txBody>
+          </p:sp>
+        </mc:Fallback>
+      </mc:AlternateContent>
+      <mc:AlternateContent xmlns:mc="http://schemas.openxmlformats.org/markup-compatibility/2006">
+        <mc:Choice xmlns:a14="http://schemas.microsoft.com/office/drawing/2010/main" Requires="a14">
+          <p:sp>
+            <p:nvSpPr>
+              <p:cNvPr id="7" name="文本框 6">
+                <a:extLst>
+                  <a:ext uri="{FF2B5EF4-FFF2-40B4-BE49-F238E27FC236}">
+                    <a16:creationId xmlns:a16="http://schemas.microsoft.com/office/drawing/2014/main" id="{E636E882-964D-4CE8-BFEA-BE481D1FA044}"/>
+                  </a:ext>
+                </a:extLst>
+              </p:cNvPr>
+              <p:cNvSpPr txBox="1"/>
+              <p:nvPr/>
+            </p:nvSpPr>
+            <p:spPr>
+              <a:xfrm>
+                <a:off x="5442932" y="4558640"/>
+                <a:ext cx="3495703" cy="953915"/>
+              </a:xfrm>
+              <a:prstGeom prst="rect">
+                <a:avLst/>
+              </a:prstGeom>
+              <a:noFill/>
+            </p:spPr>
+            <p:txBody>
+              <a:bodyPr wrap="square" rtlCol="0">
+                <a:spAutoFit/>
+              </a:bodyPr>
+              <a:lstStyle/>
+              <a:p>
+                <a14:m>
+                  <m:oMathPara xmlns:m="http://schemas.openxmlformats.org/officeDocument/2006/math">
+                    <m:oMathParaPr>
+                      <m:jc m:val="centerGroup"/>
+                    </m:oMathParaPr>
+                    <m:oMath xmlns:m="http://schemas.openxmlformats.org/officeDocument/2006/math">
+                      <m:f>
+                        <m:fPr>
+                          <m:ctrlPr>
+                            <a:rPr lang="en-US" altLang="zh-CN" sz="2400" b="0" i="1" dirty="0" smtClean="0">
+                              <a:solidFill>
+                                <a:srgbClr val="FF0000"/>
+                              </a:solidFill>
+                              <a:latin typeface="Cambria Math" panose="02040503050406030204" pitchFamily="18" charset="0"/>
+                            </a:rPr>
+                          </m:ctrlPr>
+                        </m:fPr>
+                        <m:num>
+                          <m:r>
+                            <a:rPr lang="en-US" altLang="zh-CN" sz="2400" b="0" i="1" dirty="0" smtClean="0">
+                              <a:solidFill>
+                                <a:srgbClr val="FF0000"/>
+                              </a:solidFill>
+                              <a:latin typeface="Cambria Math" panose="02040503050406030204" pitchFamily="18" charset="0"/>
+                            </a:rPr>
+                            <m:t>𝑥</m:t>
+                          </m:r>
+                        </m:num>
+                        <m:den>
+                          <m:sSup>
+                            <m:sSupPr>
+                              <m:ctrlPr>
+                                <a:rPr lang="en-US" altLang="zh-CN" sz="2400" b="0" i="1" dirty="0" smtClean="0">
+                                  <a:solidFill>
+                                    <a:srgbClr val="FF0000"/>
+                                  </a:solidFill>
+                                  <a:latin typeface="Cambria Math" panose="02040503050406030204" pitchFamily="18" charset="0"/>
+                                </a:rPr>
+                              </m:ctrlPr>
+                            </m:sSupPr>
+                            <m:e>
+                              <m:d>
+                                <m:dPr>
+                                  <m:ctrlPr>
+                                    <a:rPr lang="en-US" altLang="zh-CN" sz="2400" b="0" i="1" dirty="0" smtClean="0">
+                                      <a:solidFill>
+                                        <a:srgbClr val="FF0000"/>
+                                      </a:solidFill>
+                                      <a:latin typeface="Cambria Math" panose="02040503050406030204" pitchFamily="18" charset="0"/>
+                                    </a:rPr>
+                                  </m:ctrlPr>
+                                </m:dPr>
+                                <m:e>
+                                  <m:r>
+                                    <a:rPr lang="en-US" altLang="zh-CN" sz="2400" b="0" i="1" dirty="0" smtClean="0">
+                                      <a:solidFill>
+                                        <a:srgbClr val="FF0000"/>
+                                      </a:solidFill>
+                                      <a:latin typeface="Cambria Math" panose="02040503050406030204" pitchFamily="18" charset="0"/>
+                                    </a:rPr>
+                                    <m:t>1+</m:t>
+                                  </m:r>
+                                  <m:sSup>
+                                    <m:sSupPr>
+                                      <m:ctrlPr>
+                                        <a:rPr lang="en-US" altLang="zh-CN" sz="2400" b="0" i="1" dirty="0" smtClean="0">
+                                          <a:solidFill>
+                                            <a:srgbClr val="FF0000"/>
+                                          </a:solidFill>
+                                          <a:latin typeface="Cambria Math" panose="02040503050406030204" pitchFamily="18" charset="0"/>
+                                        </a:rPr>
+                                      </m:ctrlPr>
+                                    </m:sSupPr>
+                                    <m:e>
+                                      <m:r>
+                                        <a:rPr lang="en-US" altLang="zh-CN" sz="2400" b="0" i="1" dirty="0" smtClean="0">
+                                          <a:solidFill>
+                                            <a:srgbClr val="FF0000"/>
+                                          </a:solidFill>
+                                          <a:latin typeface="Cambria Math" panose="02040503050406030204" pitchFamily="18" charset="0"/>
+                                        </a:rPr>
+                                        <m:t>𝑥</m:t>
+                                      </m:r>
+                                    </m:e>
+                                    <m:sup>
+                                      <m:r>
+                                        <a:rPr lang="en-US" altLang="zh-CN" sz="2400" b="0" i="1" dirty="0" smtClean="0">
+                                          <a:solidFill>
+                                            <a:srgbClr val="FF0000"/>
+                                          </a:solidFill>
+                                          <a:latin typeface="Cambria Math" panose="02040503050406030204" pitchFamily="18" charset="0"/>
+                                        </a:rPr>
+                                        <m:t>4</m:t>
+                                      </m:r>
+                                    </m:sup>
+                                  </m:sSup>
+                                </m:e>
+                              </m:d>
+                            </m:e>
+                            <m:sup>
+                              <m:f>
+                                <m:fPr>
+                                  <m:ctrlPr>
+                                    <a:rPr lang="en-US" altLang="zh-CN" sz="2400" b="0" i="1" dirty="0" smtClean="0">
+                                      <a:solidFill>
+                                        <a:srgbClr val="FF0000"/>
+                                      </a:solidFill>
+                                      <a:latin typeface="Cambria Math" panose="02040503050406030204" pitchFamily="18" charset="0"/>
+                                    </a:rPr>
+                                  </m:ctrlPr>
+                                </m:fPr>
+                                <m:num>
+                                  <m:r>
+                                    <a:rPr lang="en-US" altLang="zh-CN" sz="2400" b="0" i="1" dirty="0" smtClean="0">
+                                      <a:solidFill>
+                                        <a:srgbClr val="FF0000"/>
+                                      </a:solidFill>
+                                      <a:latin typeface="Cambria Math" panose="02040503050406030204" pitchFamily="18" charset="0"/>
+                                    </a:rPr>
+                                    <m:t>1</m:t>
+                                  </m:r>
+                                </m:num>
+                                <m:den>
+                                  <m:r>
+                                    <a:rPr lang="en-US" altLang="zh-CN" sz="2400" b="0" i="1" dirty="0" smtClean="0">
+                                      <a:solidFill>
+                                        <a:srgbClr val="FF0000"/>
+                                      </a:solidFill>
+                                      <a:latin typeface="Cambria Math" panose="02040503050406030204" pitchFamily="18" charset="0"/>
+                                    </a:rPr>
+                                    <m:t>4</m:t>
+                                  </m:r>
+                                </m:den>
+                              </m:f>
+                            </m:sup>
+                          </m:sSup>
+                        </m:den>
+                      </m:f>
+                    </m:oMath>
+                  </m:oMathPara>
+                </a14:m>
+                <a:endParaRPr lang="zh-CN" altLang="en-US" sz="2400" dirty="0">
+                  <a:solidFill>
+                    <a:srgbClr val="FF0000"/>
+                  </a:solidFill>
+                </a:endParaRPr>
+              </a:p>
+            </p:txBody>
+          </p:sp>
+        </mc:Choice>
+        <mc:Fallback>
+          <p:sp>
+            <p:nvSpPr>
+              <p:cNvPr id="7" name="文本框 6">
+                <a:extLst>
+                  <a:ext uri="{FF2B5EF4-FFF2-40B4-BE49-F238E27FC236}">
+                    <a16:creationId xmlns:a16="http://schemas.microsoft.com/office/drawing/2014/main" id="{E636E882-964D-4CE8-BFEA-BE481D1FA044}"/>
+                  </a:ext>
+                </a:extLst>
+              </p:cNvPr>
+              <p:cNvSpPr txBox="1">
+                <a:spLocks noRot="1" noChangeAspect="1" noMove="1" noResize="1" noEditPoints="1" noAdjustHandles="1" noChangeArrowheads="1" noChangeShapeType="1" noTextEdit="1"/>
+              </p:cNvSpPr>
+              <p:nvPr/>
+            </p:nvSpPr>
+            <p:spPr>
+              <a:xfrm>
+                <a:off x="5442932" y="4558640"/>
+                <a:ext cx="3495703" cy="953915"/>
+              </a:xfrm>
+              <a:prstGeom prst="rect">
+                <a:avLst/>
+              </a:prstGeom>
+              <a:blipFill>
+                <a:blip r:embed="rId7"/>
+                <a:stretch>
+                  <a:fillRect/>
+                </a:stretch>
+              </a:blipFill>
+            </p:spPr>
+            <p:txBody>
+              <a:bodyPr/>
+              <a:lstStyle/>
+              <a:p>
+                <a:r>
+                  <a:rPr lang="zh-CN" altLang="en-US">
+                    <a:noFill/>
+                  </a:rPr>
+                  <a:t> </a:t>
+                </a:r>
+              </a:p>
+            </p:txBody>
+          </p:sp>
+        </mc:Fallback>
+      </mc:AlternateContent>
     </p:spTree>
   </p:cSld>
   <p:clrMapOvr>
@@ -4003,6 +4985,144 @@
           </a:ln>
         </p:spPr>
       </p:pic>
+      <mc:AlternateContent xmlns:mc="http://schemas.openxmlformats.org/markup-compatibility/2006">
+        <mc:Choice xmlns:a14="http://schemas.microsoft.com/office/drawing/2010/main" Requires="a14">
+          <p:sp>
+            <p:nvSpPr>
+              <p:cNvPr id="3" name="文本框 2">
+                <a:extLst>
+                  <a:ext uri="{FF2B5EF4-FFF2-40B4-BE49-F238E27FC236}">
+                    <a16:creationId xmlns:a16="http://schemas.microsoft.com/office/drawing/2014/main" id="{0EB5EA36-E632-4897-AB5B-8102B3CA20DC}"/>
+                  </a:ext>
+                </a:extLst>
+              </p:cNvPr>
+              <p:cNvSpPr txBox="1"/>
+              <p:nvPr/>
+            </p:nvSpPr>
+            <p:spPr>
+              <a:xfrm>
+                <a:off x="2257733" y="4243831"/>
+                <a:ext cx="3495703" cy="461665"/>
+              </a:xfrm>
+              <a:prstGeom prst="rect">
+                <a:avLst/>
+              </a:prstGeom>
+              <a:noFill/>
+            </p:spPr>
+            <p:txBody>
+              <a:bodyPr wrap="square" rtlCol="0">
+                <a:spAutoFit/>
+              </a:bodyPr>
+              <a:lstStyle/>
+              <a:p>
+                <a14:m>
+                  <m:oMathPara xmlns:m="http://schemas.openxmlformats.org/officeDocument/2006/math">
+                    <m:oMathParaPr>
+                      <m:jc m:val="centerGroup"/>
+                    </m:oMathParaPr>
+                    <m:oMath xmlns:m="http://schemas.openxmlformats.org/officeDocument/2006/math">
+                      <m:r>
+                        <a:rPr lang="en-US" altLang="zh-CN" sz="2400" b="0" i="1" smtClean="0">
+                          <a:solidFill>
+                            <a:srgbClr val="FF0000"/>
+                          </a:solidFill>
+                          <a:latin typeface="Cambria Math" panose="02040503050406030204" pitchFamily="18" charset="0"/>
+                        </a:rPr>
+                        <m:t>𝑁</m:t>
+                      </m:r>
+                      <m:r>
+                        <a:rPr lang="en-US" altLang="zh-CN" sz="2400" b="0" i="1" smtClean="0">
+                          <a:solidFill>
+                            <a:srgbClr val="FF0000"/>
+                          </a:solidFill>
+                          <a:latin typeface="Cambria Math" panose="02040503050406030204" pitchFamily="18" charset="0"/>
+                        </a:rPr>
+                        <m:t>&lt;1=</m:t>
+                      </m:r>
+                      <m:r>
+                        <a:rPr lang="en-US" altLang="zh-CN" sz="2400" b="0" i="1" smtClean="0">
+                          <a:solidFill>
+                            <a:srgbClr val="FF0000"/>
+                          </a:solidFill>
+                          <a:latin typeface="Cambria Math" panose="02040503050406030204" pitchFamily="18" charset="0"/>
+                        </a:rPr>
+                        <m:t>𝑀</m:t>
+                      </m:r>
+                      <m:r>
+                        <a:rPr lang="en-US" altLang="zh-CN" sz="2400" b="0" i="1" smtClean="0">
+                          <a:solidFill>
+                            <a:srgbClr val="FF0000"/>
+                          </a:solidFill>
+                          <a:latin typeface="Cambria Math" panose="02040503050406030204" pitchFamily="18" charset="0"/>
+                        </a:rPr>
+                        <m:t>=1&lt;</m:t>
+                      </m:r>
+                      <m:r>
+                        <a:rPr lang="en-US" altLang="zh-CN" sz="2400" b="0" i="1" smtClean="0">
+                          <a:solidFill>
+                            <a:srgbClr val="FF0000"/>
+                          </a:solidFill>
+                          <a:latin typeface="Cambria Math" panose="02040503050406030204" pitchFamily="18" charset="0"/>
+                        </a:rPr>
+                        <m:t>𝐾</m:t>
+                      </m:r>
+                    </m:oMath>
+                  </m:oMathPara>
+                </a14:m>
+                <a:endParaRPr lang="zh-CN" altLang="en-US" sz="2400" dirty="0">
+                  <a:solidFill>
+                    <a:srgbClr val="FF0000"/>
+                  </a:solidFill>
+                </a:endParaRPr>
+              </a:p>
+            </p:txBody>
+          </p:sp>
+        </mc:Choice>
+        <mc:Fallback>
+          <p:sp>
+            <p:nvSpPr>
+              <p:cNvPr id="3" name="文本框 2">
+                <a:extLst>
+                  <a:ext uri="{FF2B5EF4-FFF2-40B4-BE49-F238E27FC236}">
+                    <a16:creationId xmlns:a16="http://schemas.microsoft.com/office/drawing/2014/main" id="{0EB5EA36-E632-4897-AB5B-8102B3CA20DC}"/>
+                  </a:ext>
+                </a:extLst>
+              </p:cNvPr>
+              <p:cNvSpPr txBox="1">
+                <a:spLocks noRot="1" noChangeAspect="1" noMove="1" noResize="1" noEditPoints="1" noAdjustHandles="1" noChangeArrowheads="1" noChangeShapeType="1" noTextEdit="1"/>
+              </p:cNvSpPr>
+              <p:nvPr/>
+            </p:nvSpPr>
+            <p:spPr>
+              <a:xfrm>
+                <a:off x="2257733" y="4243831"/>
+                <a:ext cx="3495703" cy="461665"/>
+              </a:xfrm>
+              <a:prstGeom prst="rect">
+                <a:avLst/>
+              </a:prstGeom>
+              <a:blipFill>
+                <a:blip r:embed="rId3"/>
+                <a:stretch>
+                  <a:fillRect/>
+                </a:stretch>
+              </a:blipFill>
+            </p:spPr>
+            <p:txBody>
+              <a:bodyPr/>
+              <a:lstStyle/>
+              <a:p>
+                <a:r>
+                  <a:rPr lang="zh-CN" altLang="en-US">
+                    <a:noFill/>
+                  </a:rPr>
+                  <a:t> </a:t>
+                </a:r>
+              </a:p>
+            </p:txBody>
+          </p:sp>
+        </mc:Fallback>
+      </mc:AlternateContent>
     </p:spTree>
   </p:cSld>
   <p:clrMapOvr>
@@ -4161,6 +5281,260 @@
           </a:ln>
         </p:spPr>
       </p:pic>
+      <mc:AlternateContent xmlns:mc="http://schemas.openxmlformats.org/markup-compatibility/2006">
+        <mc:Choice xmlns:a14="http://schemas.microsoft.com/office/drawing/2010/main" Requires="a14">
+          <p:sp>
+            <p:nvSpPr>
+              <p:cNvPr id="6" name="文本框 5">
+                <a:extLst>
+                  <a:ext uri="{FF2B5EF4-FFF2-40B4-BE49-F238E27FC236}">
+                    <a16:creationId xmlns:a16="http://schemas.microsoft.com/office/drawing/2014/main" id="{2C991F37-017C-4759-B9AE-2284F5223E16}"/>
+                  </a:ext>
+                </a:extLst>
+              </p:cNvPr>
+              <p:cNvSpPr txBox="1"/>
+              <p:nvPr/>
+            </p:nvSpPr>
+            <p:spPr>
+              <a:xfrm>
+                <a:off x="3220685" y="2147994"/>
+                <a:ext cx="3495703" cy="722314"/>
+              </a:xfrm>
+              <a:prstGeom prst="rect">
+                <a:avLst/>
+              </a:prstGeom>
+              <a:noFill/>
+            </p:spPr>
+            <p:txBody>
+              <a:bodyPr wrap="square" rtlCol="0">
+                <a:spAutoFit/>
+              </a:bodyPr>
+              <a:lstStyle/>
+              <a:p>
+                <a14:m>
+                  <m:oMathPara xmlns:m="http://schemas.openxmlformats.org/officeDocument/2006/math">
+                    <m:oMathParaPr>
+                      <m:jc m:val="centerGroup"/>
+                    </m:oMathParaPr>
+                    <m:oMath xmlns:m="http://schemas.openxmlformats.org/officeDocument/2006/math">
+                      <m:f>
+                        <m:fPr>
+                          <m:ctrlPr>
+                            <a:rPr lang="en-US" altLang="zh-CN" sz="2400" b="0" i="1" smtClean="0">
+                              <a:solidFill>
+                                <a:srgbClr val="FF0000"/>
+                              </a:solidFill>
+                              <a:latin typeface="Cambria Math" panose="02040503050406030204" pitchFamily="18" charset="0"/>
+                            </a:rPr>
+                          </m:ctrlPr>
+                        </m:fPr>
+                        <m:num>
+                          <m:r>
+                            <a:rPr lang="en-US" altLang="zh-CN" sz="2400" b="0" i="1" smtClean="0">
+                              <a:solidFill>
+                                <a:srgbClr val="FF0000"/>
+                              </a:solidFill>
+                              <a:latin typeface="Cambria Math" panose="02040503050406030204" pitchFamily="18" charset="0"/>
+                            </a:rPr>
+                            <m:t>𝜋</m:t>
+                          </m:r>
+                        </m:num>
+                        <m:den>
+                          <m:r>
+                            <a:rPr lang="en-US" altLang="zh-CN" sz="2400" b="0" i="1" smtClean="0">
+                              <a:solidFill>
+                                <a:srgbClr val="FF0000"/>
+                              </a:solidFill>
+                              <a:latin typeface="Cambria Math" panose="02040503050406030204" pitchFamily="18" charset="0"/>
+                            </a:rPr>
+                            <m:t>16</m:t>
+                          </m:r>
+                        </m:den>
+                      </m:f>
+                    </m:oMath>
+                  </m:oMathPara>
+                </a14:m>
+                <a:endParaRPr lang="zh-CN" altLang="en-US" sz="2400" dirty="0">
+                  <a:solidFill>
+                    <a:srgbClr val="FF0000"/>
+                  </a:solidFill>
+                </a:endParaRPr>
+              </a:p>
+            </p:txBody>
+          </p:sp>
+        </mc:Choice>
+        <mc:Fallback>
+          <p:sp>
+            <p:nvSpPr>
+              <p:cNvPr id="6" name="文本框 5">
+                <a:extLst>
+                  <a:ext uri="{FF2B5EF4-FFF2-40B4-BE49-F238E27FC236}">
+                    <a16:creationId xmlns:a16="http://schemas.microsoft.com/office/drawing/2014/main" id="{2C991F37-017C-4759-B9AE-2284F5223E16}"/>
+                  </a:ext>
+                </a:extLst>
+              </p:cNvPr>
+              <p:cNvSpPr txBox="1">
+                <a:spLocks noRot="1" noChangeAspect="1" noMove="1" noResize="1" noEditPoints="1" noAdjustHandles="1" noChangeArrowheads="1" noChangeShapeType="1" noTextEdit="1"/>
+              </p:cNvSpPr>
+              <p:nvPr/>
+            </p:nvSpPr>
+            <p:spPr>
+              <a:xfrm>
+                <a:off x="3220685" y="2147994"/>
+                <a:ext cx="3495703" cy="722314"/>
+              </a:xfrm>
+              <a:prstGeom prst="rect">
+                <a:avLst/>
+              </a:prstGeom>
+              <a:blipFill>
+                <a:blip r:embed="rId4"/>
+                <a:stretch>
+                  <a:fillRect/>
+                </a:stretch>
+              </a:blipFill>
+            </p:spPr>
+            <p:txBody>
+              <a:bodyPr/>
+              <a:lstStyle/>
+              <a:p>
+                <a:r>
+                  <a:rPr lang="zh-CN" altLang="en-US">
+                    <a:noFill/>
+                  </a:rPr>
+                  <a:t> </a:t>
+                </a:r>
+              </a:p>
+            </p:txBody>
+          </p:sp>
+        </mc:Fallback>
+      </mc:AlternateContent>
+      <mc:AlternateContent xmlns:mc="http://schemas.openxmlformats.org/markup-compatibility/2006">
+        <mc:Choice xmlns:a14="http://schemas.microsoft.com/office/drawing/2010/main" Requires="a14">
+          <p:sp>
+            <p:nvSpPr>
+              <p:cNvPr id="7" name="文本框 6">
+                <a:extLst>
+                  <a:ext uri="{FF2B5EF4-FFF2-40B4-BE49-F238E27FC236}">
+                    <a16:creationId xmlns:a16="http://schemas.microsoft.com/office/drawing/2014/main" id="{9346AABF-DAE4-409C-B078-8D582C96205D}"/>
+                  </a:ext>
+                </a:extLst>
+              </p:cNvPr>
+              <p:cNvSpPr txBox="1"/>
+              <p:nvPr/>
+            </p:nvSpPr>
+            <p:spPr>
+              <a:xfrm>
+                <a:off x="4194891" y="3660411"/>
+                <a:ext cx="3495703" cy="786177"/>
+              </a:xfrm>
+              <a:prstGeom prst="rect">
+                <a:avLst/>
+              </a:prstGeom>
+              <a:noFill/>
+            </p:spPr>
+            <p:txBody>
+              <a:bodyPr wrap="square" rtlCol="0">
+                <a:spAutoFit/>
+              </a:bodyPr>
+              <a:lstStyle/>
+              <a:p>
+                <a14:m>
+                  <m:oMathPara xmlns:m="http://schemas.openxmlformats.org/officeDocument/2006/math">
+                    <m:oMathParaPr>
+                      <m:jc m:val="centerGroup"/>
+                    </m:oMathParaPr>
+                    <m:oMath xmlns:m="http://schemas.openxmlformats.org/officeDocument/2006/math">
+                      <m:f>
+                        <m:fPr>
+                          <m:ctrlPr>
+                            <a:rPr lang="en-US" altLang="zh-CN" sz="2400" b="0" i="1" smtClean="0">
+                              <a:solidFill>
+                                <a:srgbClr val="FF0000"/>
+                              </a:solidFill>
+                              <a:latin typeface="Cambria Math" panose="02040503050406030204" pitchFamily="18" charset="0"/>
+                            </a:rPr>
+                          </m:ctrlPr>
+                        </m:fPr>
+                        <m:num>
+                          <m:r>
+                            <a:rPr lang="en-US" altLang="zh-CN" sz="2400" b="0" i="1" smtClean="0">
+                              <a:solidFill>
+                                <a:srgbClr val="FF0000"/>
+                              </a:solidFill>
+                              <a:latin typeface="Cambria Math" panose="02040503050406030204" pitchFamily="18" charset="0"/>
+                            </a:rPr>
+                            <m:t>8</m:t>
+                          </m:r>
+                        </m:num>
+                        <m:den>
+                          <m:r>
+                            <a:rPr lang="en-US" altLang="zh-CN" sz="2400" b="0" i="1" smtClean="0">
+                              <a:solidFill>
+                                <a:srgbClr val="FF0000"/>
+                              </a:solidFill>
+                              <a:latin typeface="Cambria Math" panose="02040503050406030204" pitchFamily="18" charset="0"/>
+                            </a:rPr>
+                            <m:t>3</m:t>
+                          </m:r>
+                        </m:den>
+                      </m:f>
+                    </m:oMath>
+                  </m:oMathPara>
+                </a14:m>
+                <a:endParaRPr lang="zh-CN" altLang="en-US" sz="2400" dirty="0">
+                  <a:solidFill>
+                    <a:srgbClr val="FF0000"/>
+                  </a:solidFill>
+                </a:endParaRPr>
+              </a:p>
+            </p:txBody>
+          </p:sp>
+        </mc:Choice>
+        <mc:Fallback>
+          <p:sp>
+            <p:nvSpPr>
+              <p:cNvPr id="7" name="文本框 6">
+                <a:extLst>
+                  <a:ext uri="{FF2B5EF4-FFF2-40B4-BE49-F238E27FC236}">
+                    <a16:creationId xmlns:a16="http://schemas.microsoft.com/office/drawing/2014/main" id="{9346AABF-DAE4-409C-B078-8D582C96205D}"/>
+                  </a:ext>
+                </a:extLst>
+              </p:cNvPr>
+              <p:cNvSpPr txBox="1">
+                <a:spLocks noRot="1" noChangeAspect="1" noMove="1" noResize="1" noEditPoints="1" noAdjustHandles="1" noChangeArrowheads="1" noChangeShapeType="1" noTextEdit="1"/>
+              </p:cNvSpPr>
+              <p:nvPr/>
+            </p:nvSpPr>
+            <p:spPr>
+              <a:xfrm>
+                <a:off x="4194891" y="3660411"/>
+                <a:ext cx="3495703" cy="786177"/>
+              </a:xfrm>
+              <a:prstGeom prst="rect">
+                <a:avLst/>
+              </a:prstGeom>
+              <a:blipFill>
+                <a:blip r:embed="rId5"/>
+                <a:stretch>
+                  <a:fillRect/>
+                </a:stretch>
+              </a:blipFill>
+            </p:spPr>
+            <p:txBody>
+              <a:bodyPr/>
+              <a:lstStyle/>
+              <a:p>
+                <a:r>
+                  <a:rPr lang="zh-CN" altLang="en-US">
+                    <a:noFill/>
+                  </a:rPr>
+                  <a:t> </a:t>
+                </a:r>
+              </a:p>
+            </p:txBody>
+          </p:sp>
+        </mc:Fallback>
+      </mc:AlternateContent>
     </p:spTree>
   </p:cSld>
   <p:clrMapOvr>
@@ -4518,6 +5892,421 @@
           </a:ln>
         </p:spPr>
       </p:pic>
+      <mc:AlternateContent xmlns:mc="http://schemas.openxmlformats.org/markup-compatibility/2006">
+        <mc:Choice xmlns:a14="http://schemas.microsoft.com/office/drawing/2010/main" Requires="a14">
+          <p:sp>
+            <p:nvSpPr>
+              <p:cNvPr id="3" name="文本框 2">
+                <a:extLst>
+                  <a:ext uri="{FF2B5EF4-FFF2-40B4-BE49-F238E27FC236}">
+                    <a16:creationId xmlns:a16="http://schemas.microsoft.com/office/drawing/2014/main" id="{1809BA4D-0351-4B4E-91DF-905DC4027298}"/>
+                  </a:ext>
+                </a:extLst>
+              </p:cNvPr>
+              <p:cNvSpPr txBox="1"/>
+              <p:nvPr/>
+            </p:nvSpPr>
+            <p:spPr>
+              <a:xfrm>
+                <a:off x="3855026" y="981947"/>
+                <a:ext cx="3495703" cy="461665"/>
+              </a:xfrm>
+              <a:prstGeom prst="rect">
+                <a:avLst/>
+              </a:prstGeom>
+              <a:noFill/>
+            </p:spPr>
+            <p:txBody>
+              <a:bodyPr wrap="square" rtlCol="0">
+                <a:spAutoFit/>
+              </a:bodyPr>
+              <a:lstStyle/>
+              <a:p>
+                <a14:m>
+                  <m:oMathPara xmlns:m="http://schemas.openxmlformats.org/officeDocument/2006/math">
+                    <m:oMathParaPr>
+                      <m:jc m:val="centerGroup"/>
+                    </m:oMathParaPr>
+                    <m:oMath xmlns:m="http://schemas.openxmlformats.org/officeDocument/2006/math">
+                      <m:r>
+                        <a:rPr lang="en-US" altLang="zh-CN" sz="2400" b="0" i="1" smtClean="0">
+                          <a:solidFill>
+                            <a:srgbClr val="FF0000"/>
+                          </a:solidFill>
+                          <a:latin typeface="Cambria Math" panose="02040503050406030204" pitchFamily="18" charset="0"/>
+                        </a:rPr>
+                        <m:t>2</m:t>
+                      </m:r>
+                      <m:r>
+                        <a:rPr lang="en-US" altLang="zh-CN" sz="2400" b="0" i="1" smtClean="0">
+                          <a:solidFill>
+                            <a:srgbClr val="FF0000"/>
+                          </a:solidFill>
+                          <a:latin typeface="Cambria Math" panose="02040503050406030204" pitchFamily="18" charset="0"/>
+                        </a:rPr>
+                        <m:t>𝜋</m:t>
+                      </m:r>
+                    </m:oMath>
+                  </m:oMathPara>
+                </a14:m>
+                <a:endParaRPr lang="zh-CN" altLang="en-US" sz="2400" dirty="0">
+                  <a:solidFill>
+                    <a:srgbClr val="FF0000"/>
+                  </a:solidFill>
+                </a:endParaRPr>
+              </a:p>
+            </p:txBody>
+          </p:sp>
+        </mc:Choice>
+        <mc:Fallback>
+          <p:sp>
+            <p:nvSpPr>
+              <p:cNvPr id="3" name="文本框 2">
+                <a:extLst>
+                  <a:ext uri="{FF2B5EF4-FFF2-40B4-BE49-F238E27FC236}">
+                    <a16:creationId xmlns:a16="http://schemas.microsoft.com/office/drawing/2014/main" id="{1809BA4D-0351-4B4E-91DF-905DC4027298}"/>
+                  </a:ext>
+                </a:extLst>
+              </p:cNvPr>
+              <p:cNvSpPr txBox="1">
+                <a:spLocks noRot="1" noChangeAspect="1" noMove="1" noResize="1" noEditPoints="1" noAdjustHandles="1" noChangeArrowheads="1" noChangeShapeType="1" noTextEdit="1"/>
+              </p:cNvSpPr>
+              <p:nvPr/>
+            </p:nvSpPr>
+            <p:spPr>
+              <a:xfrm>
+                <a:off x="3855026" y="981947"/>
+                <a:ext cx="3495703" cy="461665"/>
+              </a:xfrm>
+              <a:prstGeom prst="rect">
+                <a:avLst/>
+              </a:prstGeom>
+              <a:blipFill>
+                <a:blip r:embed="rId3"/>
+                <a:stretch>
+                  <a:fillRect/>
+                </a:stretch>
+              </a:blipFill>
+            </p:spPr>
+            <p:txBody>
+              <a:bodyPr/>
+              <a:lstStyle/>
+              <a:p>
+                <a:r>
+                  <a:rPr lang="zh-CN" altLang="en-US">
+                    <a:noFill/>
+                  </a:rPr>
+                  <a:t> </a:t>
+                </a:r>
+              </a:p>
+            </p:txBody>
+          </p:sp>
+        </mc:Fallback>
+      </mc:AlternateContent>
+      <mc:AlternateContent xmlns:mc="http://schemas.openxmlformats.org/markup-compatibility/2006">
+        <mc:Choice xmlns:a14="http://schemas.microsoft.com/office/drawing/2010/main" Requires="a14">
+          <p:sp>
+            <p:nvSpPr>
+              <p:cNvPr id="4" name="文本框 3">
+                <a:extLst>
+                  <a:ext uri="{FF2B5EF4-FFF2-40B4-BE49-F238E27FC236}">
+                    <a16:creationId xmlns:a16="http://schemas.microsoft.com/office/drawing/2014/main" id="{BCD27E74-8826-47F2-82A2-4B4E17D7851D}"/>
+                  </a:ext>
+                </a:extLst>
+              </p:cNvPr>
+              <p:cNvSpPr txBox="1"/>
+              <p:nvPr/>
+            </p:nvSpPr>
+            <p:spPr>
+              <a:xfrm>
+                <a:off x="5358796" y="1911632"/>
+                <a:ext cx="3495703" cy="831061"/>
+              </a:xfrm>
+              <a:prstGeom prst="rect">
+                <a:avLst/>
+              </a:prstGeom>
+              <a:noFill/>
+            </p:spPr>
+            <p:txBody>
+              <a:bodyPr wrap="square" rtlCol="0">
+                <a:spAutoFit/>
+              </a:bodyPr>
+              <a:lstStyle/>
+              <a:p>
+                <a14:m>
+                  <m:oMathPara xmlns:m="http://schemas.openxmlformats.org/officeDocument/2006/math">
+                    <m:oMathParaPr>
+                      <m:jc m:val="centerGroup"/>
+                    </m:oMathParaPr>
+                    <m:oMath xmlns:m="http://schemas.openxmlformats.org/officeDocument/2006/math">
+                      <m:f>
+                        <m:fPr>
+                          <m:ctrlPr>
+                            <a:rPr lang="en-US" altLang="zh-CN" sz="2400" b="0" i="1" smtClean="0">
+                              <a:solidFill>
+                                <a:srgbClr val="FF0000"/>
+                              </a:solidFill>
+                              <a:latin typeface="Cambria Math" panose="02040503050406030204" pitchFamily="18" charset="0"/>
+                            </a:rPr>
+                          </m:ctrlPr>
+                        </m:fPr>
+                        <m:num>
+                          <m:sSup>
+                            <m:sSupPr>
+                              <m:ctrlPr>
+                                <a:rPr lang="en-US" altLang="zh-CN" sz="2400" b="0" i="1" smtClean="0">
+                                  <a:solidFill>
+                                    <a:srgbClr val="FF0000"/>
+                                  </a:solidFill>
+                                  <a:latin typeface="Cambria Math" panose="02040503050406030204" pitchFamily="18" charset="0"/>
+                                </a:rPr>
+                              </m:ctrlPr>
+                            </m:sSupPr>
+                            <m:e>
+                              <m:r>
+                                <a:rPr lang="en-US" altLang="zh-CN" sz="2400" b="0" i="1" smtClean="0">
+                                  <a:solidFill>
+                                    <a:srgbClr val="FF0000"/>
+                                  </a:solidFill>
+                                  <a:latin typeface="Cambria Math" panose="02040503050406030204" pitchFamily="18" charset="0"/>
+                                </a:rPr>
+                                <m:t>𝜋</m:t>
+                              </m:r>
+                            </m:e>
+                            <m:sup>
+                              <m:r>
+                                <a:rPr lang="en-US" altLang="zh-CN" sz="2400" b="0" i="1" smtClean="0">
+                                  <a:solidFill>
+                                    <a:srgbClr val="FF0000"/>
+                                  </a:solidFill>
+                                  <a:latin typeface="Cambria Math" panose="02040503050406030204" pitchFamily="18" charset="0"/>
+                                </a:rPr>
+                                <m:t>2</m:t>
+                              </m:r>
+                            </m:sup>
+                          </m:sSup>
+                        </m:num>
+                        <m:den>
+                          <m:r>
+                            <a:rPr lang="en-US" altLang="zh-CN" sz="2400" b="0" i="1" smtClean="0">
+                              <a:solidFill>
+                                <a:srgbClr val="FF0000"/>
+                              </a:solidFill>
+                              <a:latin typeface="Cambria Math" panose="02040503050406030204" pitchFamily="18" charset="0"/>
+                            </a:rPr>
+                            <m:t>2</m:t>
+                          </m:r>
+                        </m:den>
+                      </m:f>
+                    </m:oMath>
+                  </m:oMathPara>
+                </a14:m>
+                <a:endParaRPr lang="zh-CN" altLang="en-US" sz="2400" dirty="0">
+                  <a:solidFill>
+                    <a:srgbClr val="FF0000"/>
+                  </a:solidFill>
+                </a:endParaRPr>
+              </a:p>
+            </p:txBody>
+          </p:sp>
+        </mc:Choice>
+        <mc:Fallback>
+          <p:sp>
+            <p:nvSpPr>
+              <p:cNvPr id="4" name="文本框 3">
+                <a:extLst>
+                  <a:ext uri="{FF2B5EF4-FFF2-40B4-BE49-F238E27FC236}">
+                    <a16:creationId xmlns:a16="http://schemas.microsoft.com/office/drawing/2014/main" id="{BCD27E74-8826-47F2-82A2-4B4E17D7851D}"/>
+                  </a:ext>
+                </a:extLst>
+              </p:cNvPr>
+              <p:cNvSpPr txBox="1">
+                <a:spLocks noRot="1" noChangeAspect="1" noMove="1" noResize="1" noEditPoints="1" noAdjustHandles="1" noChangeArrowheads="1" noChangeShapeType="1" noTextEdit="1"/>
+              </p:cNvSpPr>
+              <p:nvPr/>
+            </p:nvSpPr>
+            <p:spPr>
+              <a:xfrm>
+                <a:off x="5358796" y="1911632"/>
+                <a:ext cx="3495703" cy="831061"/>
+              </a:xfrm>
+              <a:prstGeom prst="rect">
+                <a:avLst/>
+              </a:prstGeom>
+              <a:blipFill>
+                <a:blip r:embed="rId4"/>
+                <a:stretch>
+                  <a:fillRect/>
+                </a:stretch>
+              </a:blipFill>
+            </p:spPr>
+            <p:txBody>
+              <a:bodyPr/>
+              <a:lstStyle/>
+              <a:p>
+                <a:r>
+                  <a:rPr lang="zh-CN" altLang="en-US">
+                    <a:noFill/>
+                  </a:rPr>
+                  <a:t> </a:t>
+                </a:r>
+              </a:p>
+            </p:txBody>
+          </p:sp>
+        </mc:Fallback>
+      </mc:AlternateContent>
+      <mc:AlternateContent xmlns:mc="http://schemas.openxmlformats.org/markup-compatibility/2006">
+        <mc:Choice xmlns:a14="http://schemas.microsoft.com/office/drawing/2010/main" Requires="a14">
+          <p:sp>
+            <p:nvSpPr>
+              <p:cNvPr id="5" name="文本框 4">
+                <a:extLst>
+                  <a:ext uri="{FF2B5EF4-FFF2-40B4-BE49-F238E27FC236}">
+                    <a16:creationId xmlns:a16="http://schemas.microsoft.com/office/drawing/2014/main" id="{91D4C8FD-7FE0-4CE8-A2AE-45DD8C8D31CA}"/>
+                  </a:ext>
+                </a:extLst>
+              </p:cNvPr>
+              <p:cNvSpPr txBox="1"/>
+              <p:nvPr/>
+            </p:nvSpPr>
+            <p:spPr>
+              <a:xfrm>
+                <a:off x="4871925" y="3699777"/>
+                <a:ext cx="3495703" cy="831061"/>
+              </a:xfrm>
+              <a:prstGeom prst="rect">
+                <a:avLst/>
+              </a:prstGeom>
+              <a:noFill/>
+            </p:spPr>
+            <p:txBody>
+              <a:bodyPr wrap="square" rtlCol="0">
+                <a:spAutoFit/>
+              </a:bodyPr>
+              <a:lstStyle/>
+              <a:p>
+                <a14:m>
+                  <m:oMathPara xmlns:m="http://schemas.openxmlformats.org/officeDocument/2006/math">
+                    <m:oMathParaPr>
+                      <m:jc m:val="centerGroup"/>
+                    </m:oMathParaPr>
+                    <m:oMath xmlns:m="http://schemas.openxmlformats.org/officeDocument/2006/math">
+                      <m:f>
+                        <m:fPr>
+                          <m:ctrlPr>
+                            <a:rPr lang="en-US" altLang="zh-CN" sz="2400" b="0" i="1" smtClean="0">
+                              <a:solidFill>
+                                <a:srgbClr val="FF0000"/>
+                              </a:solidFill>
+                              <a:latin typeface="Cambria Math" panose="02040503050406030204" pitchFamily="18" charset="0"/>
+                            </a:rPr>
+                          </m:ctrlPr>
+                        </m:fPr>
+                        <m:num>
+                          <m:sSup>
+                            <m:sSupPr>
+                              <m:ctrlPr>
+                                <a:rPr lang="en-US" altLang="zh-CN" sz="2400" b="0" i="1" smtClean="0">
+                                  <a:solidFill>
+                                    <a:srgbClr val="FF0000"/>
+                                  </a:solidFill>
+                                  <a:latin typeface="Cambria Math" panose="02040503050406030204" pitchFamily="18" charset="0"/>
+                                </a:rPr>
+                              </m:ctrlPr>
+                            </m:sSupPr>
+                            <m:e>
+                              <m:r>
+                                <a:rPr lang="en-US" altLang="zh-CN" sz="2400" b="0" i="1" smtClean="0">
+                                  <a:solidFill>
+                                    <a:srgbClr val="FF0000"/>
+                                  </a:solidFill>
+                                  <a:latin typeface="Cambria Math" panose="02040503050406030204" pitchFamily="18" charset="0"/>
+                                </a:rPr>
+                                <m:t>𝜋</m:t>
+                              </m:r>
+                            </m:e>
+                            <m:sup>
+                              <m:r>
+                                <a:rPr lang="en-US" altLang="zh-CN" sz="2400" b="0" i="1" smtClean="0">
+                                  <a:solidFill>
+                                    <a:srgbClr val="FF0000"/>
+                                  </a:solidFill>
+                                  <a:latin typeface="Cambria Math" panose="02040503050406030204" pitchFamily="18" charset="0"/>
+                                </a:rPr>
+                                <m:t>2</m:t>
+                              </m:r>
+                            </m:sup>
+                          </m:sSup>
+                        </m:num>
+                        <m:den>
+                          <m:r>
+                            <a:rPr lang="en-US" altLang="zh-CN" sz="2400" b="0" i="1" smtClean="0">
+                              <a:solidFill>
+                                <a:srgbClr val="FF0000"/>
+                              </a:solidFill>
+                              <a:latin typeface="Cambria Math" panose="02040503050406030204" pitchFamily="18" charset="0"/>
+                            </a:rPr>
+                            <m:t>2</m:t>
+                          </m:r>
+                        </m:den>
+                      </m:f>
+                    </m:oMath>
+                  </m:oMathPara>
+                </a14:m>
+                <a:endParaRPr lang="zh-CN" altLang="en-US" sz="2400" dirty="0">
+                  <a:solidFill>
+                    <a:srgbClr val="FF0000"/>
+                  </a:solidFill>
+                </a:endParaRPr>
+              </a:p>
+            </p:txBody>
+          </p:sp>
+        </mc:Choice>
+        <mc:Fallback>
+          <p:sp>
+            <p:nvSpPr>
+              <p:cNvPr id="5" name="文本框 4">
+                <a:extLst>
+                  <a:ext uri="{FF2B5EF4-FFF2-40B4-BE49-F238E27FC236}">
+                    <a16:creationId xmlns:a16="http://schemas.microsoft.com/office/drawing/2014/main" id="{91D4C8FD-7FE0-4CE8-A2AE-45DD8C8D31CA}"/>
+                  </a:ext>
+                </a:extLst>
+              </p:cNvPr>
+              <p:cNvSpPr txBox="1">
+                <a:spLocks noRot="1" noChangeAspect="1" noMove="1" noResize="1" noEditPoints="1" noAdjustHandles="1" noChangeArrowheads="1" noChangeShapeType="1" noTextEdit="1"/>
+              </p:cNvSpPr>
+              <p:nvPr/>
+            </p:nvSpPr>
+            <p:spPr>
+              <a:xfrm>
+                <a:off x="4871925" y="3699777"/>
+                <a:ext cx="3495703" cy="831061"/>
+              </a:xfrm>
+              <a:prstGeom prst="rect">
+                <a:avLst/>
+              </a:prstGeom>
+              <a:blipFill>
+                <a:blip r:embed="rId5"/>
+                <a:stretch>
+                  <a:fillRect/>
+                </a:stretch>
+              </a:blipFill>
+            </p:spPr>
+            <p:txBody>
+              <a:bodyPr/>
+              <a:lstStyle/>
+              <a:p>
+                <a:r>
+                  <a:rPr lang="zh-CN" altLang="en-US">
+                    <a:noFill/>
+                  </a:rPr>
+                  <a:t> </a:t>
+                </a:r>
+              </a:p>
+            </p:txBody>
+          </p:sp>
+        </mc:Fallback>
+      </mc:AlternateContent>
     </p:spTree>
   </p:cSld>
   <p:clrMapOvr>
@@ -4655,6 +6444,563 @@
           </a:ln>
         </p:spPr>
       </p:pic>
+      <mc:AlternateContent xmlns:mc="http://schemas.openxmlformats.org/markup-compatibility/2006">
+        <mc:Choice xmlns:a14="http://schemas.microsoft.com/office/drawing/2010/main" Requires="a14">
+          <p:sp>
+            <p:nvSpPr>
+              <p:cNvPr id="2" name="文本框 1">
+                <a:extLst>
+                  <a:ext uri="{FF2B5EF4-FFF2-40B4-BE49-F238E27FC236}">
+                    <a16:creationId xmlns:a16="http://schemas.microsoft.com/office/drawing/2014/main" id="{ABCB0D5C-C565-46C9-86BC-BB992BB6F5DA}"/>
+                  </a:ext>
+                </a:extLst>
+              </p:cNvPr>
+              <p:cNvSpPr txBox="1"/>
+              <p:nvPr/>
+            </p:nvSpPr>
+            <p:spPr>
+              <a:xfrm>
+                <a:off x="7942810" y="867104"/>
+                <a:ext cx="840828" cy="719941"/>
+              </a:xfrm>
+              <a:prstGeom prst="rect">
+                <a:avLst/>
+              </a:prstGeom>
+              <a:noFill/>
+            </p:spPr>
+            <p:txBody>
+              <a:bodyPr wrap="square" rtlCol="0">
+                <a:spAutoFit/>
+              </a:bodyPr>
+              <a:lstStyle/>
+              <a:p>
+                <a14:m>
+                  <m:oMathPara xmlns:m="http://schemas.openxmlformats.org/officeDocument/2006/math">
+                    <m:oMathParaPr>
+                      <m:jc m:val="centerGroup"/>
+                    </m:oMathParaPr>
+                    <m:oMath xmlns:m="http://schemas.openxmlformats.org/officeDocument/2006/math">
+                      <m:f>
+                        <m:fPr>
+                          <m:ctrlPr>
+                            <a:rPr lang="en-US" altLang="zh-CN" sz="2400" b="0" i="1" smtClean="0">
+                              <a:solidFill>
+                                <a:srgbClr val="FF0000"/>
+                              </a:solidFill>
+                              <a:latin typeface="Cambria Math" panose="02040503050406030204" pitchFamily="18" charset="0"/>
+                            </a:rPr>
+                          </m:ctrlPr>
+                        </m:fPr>
+                        <m:num>
+                          <m:r>
+                            <a:rPr lang="en-US" altLang="zh-CN" sz="2400" b="0" i="1" smtClean="0">
+                              <a:solidFill>
+                                <a:srgbClr val="FF0000"/>
+                              </a:solidFill>
+                              <a:latin typeface="Cambria Math" panose="02040503050406030204" pitchFamily="18" charset="0"/>
+                            </a:rPr>
+                            <m:t>𝜋</m:t>
+                          </m:r>
+                        </m:num>
+                        <m:den>
+                          <m:r>
+                            <a:rPr lang="en-US" altLang="zh-CN" sz="2400" b="0" i="1" smtClean="0">
+                              <a:solidFill>
+                                <a:srgbClr val="FF0000"/>
+                              </a:solidFill>
+                              <a:latin typeface="Cambria Math" panose="02040503050406030204" pitchFamily="18" charset="0"/>
+                            </a:rPr>
+                            <m:t>4</m:t>
+                          </m:r>
+                        </m:den>
+                      </m:f>
+                    </m:oMath>
+                  </m:oMathPara>
+                </a14:m>
+                <a:endParaRPr lang="zh-CN" altLang="en-US" dirty="0"/>
+              </a:p>
+            </p:txBody>
+          </p:sp>
+        </mc:Choice>
+        <mc:Fallback>
+          <p:sp>
+            <p:nvSpPr>
+              <p:cNvPr id="2" name="文本框 1">
+                <a:extLst>
+                  <a:ext uri="{FF2B5EF4-FFF2-40B4-BE49-F238E27FC236}">
+                    <a16:creationId xmlns:a16="http://schemas.microsoft.com/office/drawing/2014/main" id="{ABCB0D5C-C565-46C9-86BC-BB992BB6F5DA}"/>
+                  </a:ext>
+                </a:extLst>
+              </p:cNvPr>
+              <p:cNvSpPr txBox="1">
+                <a:spLocks noRot="1" noChangeAspect="1" noMove="1" noResize="1" noEditPoints="1" noAdjustHandles="1" noChangeArrowheads="1" noChangeShapeType="1" noTextEdit="1"/>
+              </p:cNvSpPr>
+              <p:nvPr/>
+            </p:nvSpPr>
+            <p:spPr>
+              <a:xfrm>
+                <a:off x="7942810" y="867104"/>
+                <a:ext cx="840828" cy="719941"/>
+              </a:xfrm>
+              <a:prstGeom prst="rect">
+                <a:avLst/>
+              </a:prstGeom>
+              <a:blipFill>
+                <a:blip r:embed="rId3"/>
+                <a:stretch>
+                  <a:fillRect/>
+                </a:stretch>
+              </a:blipFill>
+            </p:spPr>
+            <p:txBody>
+              <a:bodyPr/>
+              <a:lstStyle/>
+              <a:p>
+                <a:r>
+                  <a:rPr lang="zh-CN" altLang="en-US">
+                    <a:noFill/>
+                  </a:rPr>
+                  <a:t> </a:t>
+                </a:r>
+              </a:p>
+            </p:txBody>
+          </p:sp>
+        </mc:Fallback>
+      </mc:AlternateContent>
+      <mc:AlternateContent xmlns:mc="http://schemas.openxmlformats.org/markup-compatibility/2006">
+        <mc:Choice xmlns:a14="http://schemas.microsoft.com/office/drawing/2010/main" Requires="a14">
+          <p:sp>
+            <p:nvSpPr>
+              <p:cNvPr id="4" name="文本框 3">
+                <a:extLst>
+                  <a:ext uri="{FF2B5EF4-FFF2-40B4-BE49-F238E27FC236}">
+                    <a16:creationId xmlns:a16="http://schemas.microsoft.com/office/drawing/2014/main" id="{E2ACEAD4-50B0-4987-9F28-79AC46A81DAA}"/>
+                  </a:ext>
+                </a:extLst>
+              </p:cNvPr>
+              <p:cNvSpPr txBox="1"/>
+              <p:nvPr/>
+            </p:nvSpPr>
+            <p:spPr>
+              <a:xfrm>
+                <a:off x="4888067" y="1729278"/>
+                <a:ext cx="2532330" cy="833433"/>
+              </a:xfrm>
+              <a:prstGeom prst="rect">
+                <a:avLst/>
+              </a:prstGeom>
+              <a:noFill/>
+            </p:spPr>
+            <p:txBody>
+              <a:bodyPr wrap="square" rtlCol="0">
+                <a:spAutoFit/>
+              </a:bodyPr>
+              <a:lstStyle/>
+              <a:p>
+                <a14:m>
+                  <m:oMathPara xmlns:m="http://schemas.openxmlformats.org/officeDocument/2006/math">
+                    <m:oMathParaPr>
+                      <m:jc m:val="centerGroup"/>
+                    </m:oMathParaPr>
+                    <m:oMath xmlns:m="http://schemas.openxmlformats.org/officeDocument/2006/math">
+                      <m:f>
+                        <m:fPr>
+                          <m:ctrlPr>
+                            <a:rPr lang="en-US" altLang="zh-CN" sz="2400" b="0" i="1" smtClean="0">
+                              <a:solidFill>
+                                <a:srgbClr val="FF0000"/>
+                              </a:solidFill>
+                              <a:latin typeface="Cambria Math" panose="02040503050406030204" pitchFamily="18" charset="0"/>
+                            </a:rPr>
+                          </m:ctrlPr>
+                        </m:fPr>
+                        <m:num>
+                          <m:sSup>
+                            <m:sSupPr>
+                              <m:ctrlPr>
+                                <a:rPr lang="en-US" altLang="zh-CN" sz="2400" i="1">
+                                  <a:solidFill>
+                                    <a:srgbClr val="FF0000"/>
+                                  </a:solidFill>
+                                  <a:latin typeface="Cambria Math" panose="02040503050406030204" pitchFamily="18" charset="0"/>
+                                </a:rPr>
+                              </m:ctrlPr>
+                            </m:sSupPr>
+                            <m:e>
+                              <m:r>
+                                <a:rPr lang="en-US" altLang="zh-CN" sz="2400" i="1">
+                                  <a:solidFill>
+                                    <a:srgbClr val="FF0000"/>
+                                  </a:solidFill>
+                                  <a:latin typeface="Cambria Math" panose="02040503050406030204" pitchFamily="18" charset="0"/>
+                                </a:rPr>
+                                <m:t>(</m:t>
+                              </m:r>
+                              <m:r>
+                                <a:rPr lang="en-US" altLang="zh-CN" sz="2400" i="1">
+                                  <a:solidFill>
+                                    <a:srgbClr val="FF0000"/>
+                                  </a:solidFill>
+                                  <a:latin typeface="Cambria Math" panose="02040503050406030204" pitchFamily="18" charset="0"/>
+                                </a:rPr>
+                                <m:t>𝜋</m:t>
+                              </m:r>
+                            </m:e>
+                            <m:sup>
+                              <m:r>
+                                <a:rPr lang="en-US" altLang="zh-CN" sz="2400" i="1">
+                                  <a:solidFill>
+                                    <a:srgbClr val="FF0000"/>
+                                  </a:solidFill>
+                                  <a:latin typeface="Cambria Math" panose="02040503050406030204" pitchFamily="18" charset="0"/>
+                                </a:rPr>
+                                <m:t>2</m:t>
+                              </m:r>
+                            </m:sup>
+                          </m:sSup>
+                          <m:r>
+                            <a:rPr lang="en-US" altLang="zh-CN" sz="2400" i="1">
+                              <a:solidFill>
+                                <a:srgbClr val="FF0000"/>
+                              </a:solidFill>
+                              <a:latin typeface="Cambria Math" panose="02040503050406030204" pitchFamily="18" charset="0"/>
+                            </a:rPr>
+                            <m:t>+4</m:t>
+                          </m:r>
+                          <m:r>
+                            <a:rPr lang="en-US" altLang="zh-CN" sz="2400" i="1">
+                              <a:solidFill>
+                                <a:srgbClr val="FF0000"/>
+                              </a:solidFill>
+                              <a:latin typeface="Cambria Math" panose="02040503050406030204" pitchFamily="18" charset="0"/>
+                            </a:rPr>
+                            <m:t>𝜋</m:t>
+                          </m:r>
+                          <m:r>
+                            <a:rPr lang="en-US" altLang="zh-CN" sz="2400" i="1">
+                              <a:solidFill>
+                                <a:srgbClr val="FF0000"/>
+                              </a:solidFill>
+                              <a:latin typeface="Cambria Math" panose="02040503050406030204" pitchFamily="18" charset="0"/>
+                            </a:rPr>
+                            <m:t>)</m:t>
+                          </m:r>
+                        </m:num>
+                        <m:den>
+                          <m:r>
+                            <a:rPr lang="en-US" altLang="zh-CN" sz="2400" b="0" i="1" smtClean="0">
+                              <a:solidFill>
+                                <a:srgbClr val="FF0000"/>
+                              </a:solidFill>
+                              <a:latin typeface="Cambria Math" panose="02040503050406030204" pitchFamily="18" charset="0"/>
+                            </a:rPr>
+                            <m:t>16</m:t>
+                          </m:r>
+                        </m:den>
+                      </m:f>
+                    </m:oMath>
+                  </m:oMathPara>
+                </a14:m>
+                <a:endParaRPr lang="zh-CN" altLang="en-US" sz="2400" dirty="0">
+                  <a:solidFill>
+                    <a:srgbClr val="FF0000"/>
+                  </a:solidFill>
+                </a:endParaRPr>
+              </a:p>
+            </p:txBody>
+          </p:sp>
+        </mc:Choice>
+        <mc:Fallback>
+          <p:sp>
+            <p:nvSpPr>
+              <p:cNvPr id="4" name="文本框 3">
+                <a:extLst>
+                  <a:ext uri="{FF2B5EF4-FFF2-40B4-BE49-F238E27FC236}">
+                    <a16:creationId xmlns:a16="http://schemas.microsoft.com/office/drawing/2014/main" id="{E2ACEAD4-50B0-4987-9F28-79AC46A81DAA}"/>
+                  </a:ext>
+                </a:extLst>
+              </p:cNvPr>
+              <p:cNvSpPr txBox="1">
+                <a:spLocks noRot="1" noChangeAspect="1" noMove="1" noResize="1" noEditPoints="1" noAdjustHandles="1" noChangeArrowheads="1" noChangeShapeType="1" noTextEdit="1"/>
+              </p:cNvSpPr>
+              <p:nvPr/>
+            </p:nvSpPr>
+            <p:spPr>
+              <a:xfrm>
+                <a:off x="4888067" y="1729278"/>
+                <a:ext cx="2532330" cy="833433"/>
+              </a:xfrm>
+              <a:prstGeom prst="rect">
+                <a:avLst/>
+              </a:prstGeom>
+              <a:blipFill>
+                <a:blip r:embed="rId4"/>
+                <a:stretch>
+                  <a:fillRect/>
+                </a:stretch>
+              </a:blipFill>
+            </p:spPr>
+            <p:txBody>
+              <a:bodyPr/>
+              <a:lstStyle/>
+              <a:p>
+                <a:r>
+                  <a:rPr lang="zh-CN" altLang="en-US">
+                    <a:noFill/>
+                  </a:rPr>
+                  <a:t> </a:t>
+                </a:r>
+              </a:p>
+            </p:txBody>
+          </p:sp>
+        </mc:Fallback>
+      </mc:AlternateContent>
+      <mc:AlternateContent xmlns:mc="http://schemas.openxmlformats.org/markup-compatibility/2006">
+        <mc:Choice xmlns:a14="http://schemas.microsoft.com/office/drawing/2010/main" Requires="a14">
+          <p:sp>
+            <p:nvSpPr>
+              <p:cNvPr id="5" name="文本框 4">
+                <a:extLst>
+                  <a:ext uri="{FF2B5EF4-FFF2-40B4-BE49-F238E27FC236}">
+                    <a16:creationId xmlns:a16="http://schemas.microsoft.com/office/drawing/2014/main" id="{286ECDFD-280E-4FC6-8B4A-A76B92256C34}"/>
+                  </a:ext>
+                </a:extLst>
+              </p:cNvPr>
+              <p:cNvSpPr txBox="1"/>
+              <p:nvPr/>
+            </p:nvSpPr>
+            <p:spPr>
+              <a:xfrm>
+                <a:off x="6154232" y="2926789"/>
+                <a:ext cx="840828" cy="719941"/>
+              </a:xfrm>
+              <a:prstGeom prst="rect">
+                <a:avLst/>
+              </a:prstGeom>
+              <a:noFill/>
+            </p:spPr>
+            <p:txBody>
+              <a:bodyPr wrap="square" rtlCol="0">
+                <a:spAutoFit/>
+              </a:bodyPr>
+              <a:lstStyle/>
+              <a:p>
+                <a14:m>
+                  <m:oMathPara xmlns:m="http://schemas.openxmlformats.org/officeDocument/2006/math">
+                    <m:oMathParaPr>
+                      <m:jc m:val="centerGroup"/>
+                    </m:oMathParaPr>
+                    <m:oMath xmlns:m="http://schemas.openxmlformats.org/officeDocument/2006/math">
+                      <m:f>
+                        <m:fPr>
+                          <m:ctrlPr>
+                            <a:rPr lang="en-US" altLang="zh-CN" sz="2400" b="0" i="1" smtClean="0">
+                              <a:solidFill>
+                                <a:srgbClr val="FF0000"/>
+                              </a:solidFill>
+                              <a:latin typeface="Cambria Math" panose="02040503050406030204" pitchFamily="18" charset="0"/>
+                            </a:rPr>
+                          </m:ctrlPr>
+                        </m:fPr>
+                        <m:num>
+                          <m:r>
+                            <a:rPr lang="en-US" altLang="zh-CN" sz="2400" b="0" i="1" smtClean="0">
+                              <a:solidFill>
+                                <a:srgbClr val="FF0000"/>
+                              </a:solidFill>
+                              <a:latin typeface="Cambria Math" panose="02040503050406030204" pitchFamily="18" charset="0"/>
+                            </a:rPr>
+                            <m:t>𝜋</m:t>
+                          </m:r>
+                        </m:num>
+                        <m:den>
+                          <m:r>
+                            <a:rPr lang="en-US" altLang="zh-CN" sz="2400" b="0" i="1" smtClean="0">
+                              <a:solidFill>
+                                <a:srgbClr val="FF0000"/>
+                              </a:solidFill>
+                              <a:latin typeface="Cambria Math" panose="02040503050406030204" pitchFamily="18" charset="0"/>
+                            </a:rPr>
+                            <m:t>4</m:t>
+                          </m:r>
+                        </m:den>
+                      </m:f>
+                    </m:oMath>
+                  </m:oMathPara>
+                </a14:m>
+                <a:endParaRPr lang="zh-CN" altLang="en-US" dirty="0"/>
+              </a:p>
+            </p:txBody>
+          </p:sp>
+        </mc:Choice>
+        <mc:Fallback>
+          <p:sp>
+            <p:nvSpPr>
+              <p:cNvPr id="5" name="文本框 4">
+                <a:extLst>
+                  <a:ext uri="{FF2B5EF4-FFF2-40B4-BE49-F238E27FC236}">
+                    <a16:creationId xmlns:a16="http://schemas.microsoft.com/office/drawing/2014/main" id="{286ECDFD-280E-4FC6-8B4A-A76B92256C34}"/>
+                  </a:ext>
+                </a:extLst>
+              </p:cNvPr>
+              <p:cNvSpPr txBox="1">
+                <a:spLocks noRot="1" noChangeAspect="1" noMove="1" noResize="1" noEditPoints="1" noAdjustHandles="1" noChangeArrowheads="1" noChangeShapeType="1" noTextEdit="1"/>
+              </p:cNvSpPr>
+              <p:nvPr/>
+            </p:nvSpPr>
+            <p:spPr>
+              <a:xfrm>
+                <a:off x="6154232" y="2926789"/>
+                <a:ext cx="840828" cy="719941"/>
+              </a:xfrm>
+              <a:prstGeom prst="rect">
+                <a:avLst/>
+              </a:prstGeom>
+              <a:blipFill>
+                <a:blip r:embed="rId5"/>
+                <a:stretch>
+                  <a:fillRect/>
+                </a:stretch>
+              </a:blipFill>
+            </p:spPr>
+            <p:txBody>
+              <a:bodyPr/>
+              <a:lstStyle/>
+              <a:p>
+                <a:r>
+                  <a:rPr lang="zh-CN" altLang="en-US">
+                    <a:noFill/>
+                  </a:rPr>
+                  <a:t> </a:t>
+                </a:r>
+              </a:p>
+            </p:txBody>
+          </p:sp>
+        </mc:Fallback>
+      </mc:AlternateContent>
+      <mc:AlternateContent xmlns:mc="http://schemas.openxmlformats.org/markup-compatibility/2006">
+        <mc:Choice xmlns:a14="http://schemas.microsoft.com/office/drawing/2010/main" Requires="a14">
+          <p:sp>
+            <p:nvSpPr>
+              <p:cNvPr id="6" name="文本框 5">
+                <a:extLst>
+                  <a:ext uri="{FF2B5EF4-FFF2-40B4-BE49-F238E27FC236}">
+                    <a16:creationId xmlns:a16="http://schemas.microsoft.com/office/drawing/2014/main" id="{5E4735F2-1F2A-4C0B-BF49-50E50FA3898F}"/>
+                  </a:ext>
+                </a:extLst>
+              </p:cNvPr>
+              <p:cNvSpPr txBox="1"/>
+              <p:nvPr/>
+            </p:nvSpPr>
+            <p:spPr>
+              <a:xfrm>
+                <a:off x="4467653" y="4010809"/>
+                <a:ext cx="840828" cy="719941"/>
+              </a:xfrm>
+              <a:prstGeom prst="rect">
+                <a:avLst/>
+              </a:prstGeom>
+              <a:noFill/>
+            </p:spPr>
+            <p:txBody>
+              <a:bodyPr wrap="square" rtlCol="0">
+                <a:spAutoFit/>
+              </a:bodyPr>
+              <a:lstStyle/>
+              <a:p>
+                <a14:m>
+                  <m:oMathPara xmlns:m="http://schemas.openxmlformats.org/officeDocument/2006/math">
+                    <m:oMathParaPr>
+                      <m:jc m:val="centerGroup"/>
+                    </m:oMathParaPr>
+                    <m:oMath xmlns:m="http://schemas.openxmlformats.org/officeDocument/2006/math">
+                      <m:f>
+                        <m:fPr>
+                          <m:ctrlPr>
+                            <a:rPr lang="en-US" altLang="zh-CN" sz="2400" b="0" i="1" smtClean="0">
+                              <a:solidFill>
+                                <a:srgbClr val="FF0000"/>
+                              </a:solidFill>
+                              <a:latin typeface="Cambria Math" panose="02040503050406030204" pitchFamily="18" charset="0"/>
+                            </a:rPr>
+                          </m:ctrlPr>
+                        </m:fPr>
+                        <m:num>
+                          <m:r>
+                            <a:rPr lang="en-US" altLang="zh-CN" sz="2400" b="0" i="1" smtClean="0">
+                              <a:solidFill>
+                                <a:srgbClr val="FF0000"/>
+                              </a:solidFill>
+                              <a:latin typeface="Cambria Math" panose="02040503050406030204" pitchFamily="18" charset="0"/>
+                            </a:rPr>
+                            <m:t>𝜋</m:t>
+                          </m:r>
+                        </m:num>
+                        <m:den>
+                          <m:r>
+                            <a:rPr lang="en-US" altLang="zh-CN" sz="2400" b="0" i="1" smtClean="0">
+                              <a:solidFill>
+                                <a:srgbClr val="FF0000"/>
+                              </a:solidFill>
+                              <a:latin typeface="Cambria Math" panose="02040503050406030204" pitchFamily="18" charset="0"/>
+                            </a:rPr>
+                            <m:t>4</m:t>
+                          </m:r>
+                        </m:den>
+                      </m:f>
+                    </m:oMath>
+                  </m:oMathPara>
+                </a14:m>
+                <a:endParaRPr lang="zh-CN" altLang="en-US" dirty="0"/>
+              </a:p>
+            </p:txBody>
+          </p:sp>
+        </mc:Choice>
+        <mc:Fallback>
+          <p:sp>
+            <p:nvSpPr>
+              <p:cNvPr id="6" name="文本框 5">
+                <a:extLst>
+                  <a:ext uri="{FF2B5EF4-FFF2-40B4-BE49-F238E27FC236}">
+                    <a16:creationId xmlns:a16="http://schemas.microsoft.com/office/drawing/2014/main" id="{5E4735F2-1F2A-4C0B-BF49-50E50FA3898F}"/>
+                  </a:ext>
+                </a:extLst>
+              </p:cNvPr>
+              <p:cNvSpPr txBox="1">
+                <a:spLocks noRot="1" noChangeAspect="1" noMove="1" noResize="1" noEditPoints="1" noAdjustHandles="1" noChangeArrowheads="1" noChangeShapeType="1" noTextEdit="1"/>
+              </p:cNvSpPr>
+              <p:nvPr/>
+            </p:nvSpPr>
+            <p:spPr>
+              <a:xfrm>
+                <a:off x="4467653" y="4010809"/>
+                <a:ext cx="840828" cy="719941"/>
+              </a:xfrm>
+              <a:prstGeom prst="rect">
+                <a:avLst/>
+              </a:prstGeom>
+              <a:blipFill>
+                <a:blip r:embed="rId6"/>
+                <a:stretch>
+                  <a:fillRect/>
+                </a:stretch>
+              </a:blipFill>
+            </p:spPr>
+            <p:txBody>
+              <a:bodyPr/>
+              <a:lstStyle/>
+              <a:p>
+                <a:r>
+                  <a:rPr lang="zh-CN" altLang="en-US">
+                    <a:noFill/>
+                  </a:rPr>
+                  <a:t> </a:t>
+                </a:r>
+              </a:p>
+            </p:txBody>
+          </p:sp>
+        </mc:Fallback>
+      </mc:AlternateContent>
     </p:spTree>
   </p:cSld>
   <p:clrMapOvr>
@@ -4821,6 +7167,104 @@
           </a:ln>
         </p:spPr>
       </p:pic>
+      <mc:AlternateContent xmlns:mc="http://schemas.openxmlformats.org/markup-compatibility/2006">
+        <mc:Choice xmlns:a14="http://schemas.microsoft.com/office/drawing/2010/main" Requires="a14">
+          <p:sp>
+            <p:nvSpPr>
+              <p:cNvPr id="4" name="文本框 3">
+                <a:extLst>
+                  <a:ext uri="{FF2B5EF4-FFF2-40B4-BE49-F238E27FC236}">
+                    <a16:creationId xmlns:a16="http://schemas.microsoft.com/office/drawing/2014/main" id="{9A4B5CFC-8B8D-4C7B-8B6D-F7EDEFC41628}"/>
+                  </a:ext>
+                </a:extLst>
+              </p:cNvPr>
+              <p:cNvSpPr txBox="1"/>
+              <p:nvPr/>
+            </p:nvSpPr>
+            <p:spPr>
+              <a:xfrm>
+                <a:off x="6432756" y="1583521"/>
+                <a:ext cx="840828" cy="461665"/>
+              </a:xfrm>
+              <a:prstGeom prst="rect">
+                <a:avLst/>
+              </a:prstGeom>
+              <a:noFill/>
+            </p:spPr>
+            <p:txBody>
+              <a:bodyPr wrap="square" rtlCol="0">
+                <a:spAutoFit/>
+              </a:bodyPr>
+              <a:lstStyle/>
+              <a:p>
+                <a14:m>
+                  <m:oMathPara xmlns:m="http://schemas.openxmlformats.org/officeDocument/2006/math">
+                    <m:oMathParaPr>
+                      <m:jc m:val="centerGroup"/>
+                    </m:oMathParaPr>
+                    <m:oMath xmlns:m="http://schemas.openxmlformats.org/officeDocument/2006/math">
+                      <m:r>
+                        <a:rPr lang="en-US" altLang="zh-CN" sz="2400" b="0" i="1" smtClean="0">
+                          <a:solidFill>
+                            <a:srgbClr val="FF0000"/>
+                          </a:solidFill>
+                          <a:latin typeface="Cambria Math" panose="02040503050406030204" pitchFamily="18" charset="0"/>
+                        </a:rPr>
+                        <m:t>4</m:t>
+                      </m:r>
+                    </m:oMath>
+                  </m:oMathPara>
+                </a14:m>
+                <a:endParaRPr lang="zh-CN" altLang="en-US" dirty="0"/>
+              </a:p>
+            </p:txBody>
+          </p:sp>
+        </mc:Choice>
+        <mc:Fallback>
+          <p:sp>
+            <p:nvSpPr>
+              <p:cNvPr id="4" name="文本框 3">
+                <a:extLst>
+                  <a:ext uri="{FF2B5EF4-FFF2-40B4-BE49-F238E27FC236}">
+                    <a16:creationId xmlns:a16="http://schemas.microsoft.com/office/drawing/2014/main" id="{9A4B5CFC-8B8D-4C7B-8B6D-F7EDEFC41628}"/>
+                  </a:ext>
+                </a:extLst>
+              </p:cNvPr>
+              <p:cNvSpPr txBox="1">
+                <a:spLocks noRot="1" noChangeAspect="1" noMove="1" noResize="1" noEditPoints="1" noAdjustHandles="1" noChangeArrowheads="1" noChangeShapeType="1" noTextEdit="1"/>
+              </p:cNvSpPr>
+              <p:nvPr/>
+            </p:nvSpPr>
+            <p:spPr>
+              <a:xfrm>
+                <a:off x="6432756" y="1583521"/>
+                <a:ext cx="840828" cy="461665"/>
+              </a:xfrm>
+              <a:prstGeom prst="rect">
+                <a:avLst/>
+              </a:prstGeom>
+              <a:blipFill>
+                <a:blip r:embed="rId4"/>
+                <a:stretch>
+                  <a:fillRect/>
+                </a:stretch>
+              </a:blipFill>
+            </p:spPr>
+            <p:txBody>
+              <a:bodyPr/>
+              <a:lstStyle/>
+              <a:p>
+                <a:r>
+                  <a:rPr lang="zh-CN" altLang="en-US">
+                    <a:noFill/>
+                  </a:rPr>
+                  <a:t> </a:t>
+                </a:r>
+              </a:p>
+            </p:txBody>
+          </p:sp>
+        </mc:Fallback>
+      </mc:AlternateContent>
     </p:spTree>
   </p:cSld>
   <p:clrMapOvr>

--- a/2017-18-2高等数学讲座-上册复习建议.pptx
+++ b/2017-18-2高等数学讲座-上册复习建议.pptx
@@ -3441,8 +3441,8 @@
             </p:nvSpPr>
             <p:spPr>
               <a:xfrm>
-                <a:off x="4282965" y="2020827"/>
-                <a:ext cx="1855076" cy="461665"/>
+                <a:off x="4140993" y="951061"/>
+                <a:ext cx="3594538" cy="461665"/>
               </a:xfrm>
               <a:prstGeom prst="rect">
                 <a:avLst/>
@@ -3455,42 +3455,96 @@
               </a:bodyPr>
               <a:lstStyle/>
               <a:p>
-                <a:pPr/>
                 <a14:m>
-                  <m:oMathPara xmlns:m="http://schemas.openxmlformats.org/officeDocument/2006/math">
-                    <m:oMathParaPr>
-                      <m:jc m:val="centerGroup"/>
-                    </m:oMathParaPr>
-                    <m:oMath xmlns:m="http://schemas.openxmlformats.org/officeDocument/2006/math">
-                      <m:r>
-                        <a:rPr lang="en-US" altLang="zh-CN" sz="2400" b="0" i="1" smtClean="0">
-                          <a:solidFill>
-                            <a:srgbClr val="FF0000"/>
-                          </a:solidFill>
-                          <a:latin typeface="Cambria Math" panose="02040503050406030204" pitchFamily="18" charset="0"/>
-                        </a:rPr>
-                        <m:t>𝑦</m:t>
-                      </m:r>
-                      <m:r>
-                        <a:rPr lang="en-US" altLang="zh-CN" sz="2400" b="0" i="1" smtClean="0">
-                          <a:solidFill>
-                            <a:srgbClr val="FF0000"/>
-                          </a:solidFill>
-                          <a:latin typeface="Cambria Math" panose="02040503050406030204" pitchFamily="18" charset="0"/>
-                        </a:rPr>
-                        <m:t>=</m:t>
-                      </m:r>
-                      <m:r>
-                        <a:rPr lang="en-US" altLang="zh-CN" sz="2400" b="0" i="1" smtClean="0">
-                          <a:solidFill>
-                            <a:srgbClr val="FF0000"/>
-                          </a:solidFill>
-                          <a:latin typeface="Cambria Math" panose="02040503050406030204" pitchFamily="18" charset="0"/>
-                        </a:rPr>
-                        <m:t>𝑥</m:t>
-                      </m:r>
-                    </m:oMath>
-                  </m:oMathPara>
+                  <m:oMath xmlns:m="http://schemas.openxmlformats.org/officeDocument/2006/math">
+                    <m:r>
+                      <a:rPr lang="en-US" altLang="zh-CN" sz="2400" b="0" i="1" smtClean="0">
+                        <a:solidFill>
+                          <a:srgbClr val="FF0000"/>
+                        </a:solidFill>
+                        <a:latin typeface="Cambria Math" panose="02040503050406030204" pitchFamily="18" charset="0"/>
+                      </a:rPr>
+                      <m:t>𝑦</m:t>
+                    </m:r>
+                    <m:r>
+                      <a:rPr lang="en-US" altLang="zh-CN" sz="2400" b="0" i="1" smtClean="0">
+                        <a:solidFill>
+                          <a:srgbClr val="FF0000"/>
+                        </a:solidFill>
+                        <a:latin typeface="Cambria Math" panose="02040503050406030204" pitchFamily="18" charset="0"/>
+                      </a:rPr>
+                      <m:t>=</m:t>
+                    </m:r>
+                    <m:r>
+                      <a:rPr lang="en-US" altLang="zh-CN" sz="2400" b="0" i="1" smtClean="0">
+                        <a:solidFill>
+                          <a:srgbClr val="FF0000"/>
+                        </a:solidFill>
+                        <a:latin typeface="Cambria Math" panose="02040503050406030204" pitchFamily="18" charset="0"/>
+                      </a:rPr>
+                      <m:t>𝑥</m:t>
+                    </m:r>
+                  </m:oMath>
+                </a14:m>
+                <a:r>
+                  <a:rPr lang="zh-CN" altLang="en-US" sz="2400" dirty="0">
+                    <a:solidFill>
+                      <a:srgbClr val="FF0000"/>
+                    </a:solidFill>
+                  </a:rPr>
+                  <a:t>或</a:t>
+                </a:r>
+                <a14:m>
+                  <m:oMath xmlns:m="http://schemas.openxmlformats.org/officeDocument/2006/math">
+                    <m:r>
+                      <a:rPr lang="en-US" altLang="zh-CN" sz="2400" b="0" i="1" dirty="0" smtClean="0">
+                        <a:solidFill>
+                          <a:srgbClr val="FF0000"/>
+                        </a:solidFill>
+                        <a:latin typeface="Cambria Math" panose="02040503050406030204" pitchFamily="18" charset="0"/>
+                      </a:rPr>
+                      <m:t>𝑦</m:t>
+                    </m:r>
+                    <m:r>
+                      <a:rPr lang="en-US" altLang="zh-CN" sz="2400" b="0" i="1" dirty="0" smtClean="0">
+                        <a:solidFill>
+                          <a:srgbClr val="FF0000"/>
+                        </a:solidFill>
+                        <a:latin typeface="Cambria Math" panose="02040503050406030204" pitchFamily="18" charset="0"/>
+                      </a:rPr>
+                      <m:t>=0</m:t>
+                    </m:r>
+                  </m:oMath>
+                </a14:m>
+                <a:r>
+                  <a:rPr lang="zh-CN" altLang="en-US" sz="2400" dirty="0">
+                    <a:solidFill>
+                      <a:srgbClr val="FF0000"/>
+                    </a:solidFill>
+                  </a:rPr>
+                  <a:t>或</a:t>
+                </a:r>
+                <a14:m>
+                  <m:oMath xmlns:m="http://schemas.openxmlformats.org/officeDocument/2006/math">
+                    <m:r>
+                      <a:rPr lang="en-US" altLang="zh-CN" sz="2400" b="0" i="1" dirty="0" smtClean="0">
+                        <a:solidFill>
+                          <a:srgbClr val="FF0000"/>
+                        </a:solidFill>
+                        <a:latin typeface="Cambria Math" panose="02040503050406030204" pitchFamily="18" charset="0"/>
+                      </a:rPr>
+                      <m:t>𝑥</m:t>
+                    </m:r>
+                    <m:r>
+                      <a:rPr lang="en-US" altLang="zh-CN" sz="2400" b="0" i="1" dirty="0" smtClean="0">
+                        <a:solidFill>
+                          <a:srgbClr val="FF0000"/>
+                        </a:solidFill>
+                        <a:latin typeface="Cambria Math" panose="02040503050406030204" pitchFamily="18" charset="0"/>
+                      </a:rPr>
+                      <m:t>=0</m:t>
+                    </m:r>
+                  </m:oMath>
                 </a14:m>
                 <a:endParaRPr lang="zh-CN" altLang="en-US" sz="2400" dirty="0">
                   <a:solidFill>
@@ -3518,8 +3572,8 @@
             </p:nvSpPr>
             <p:spPr>
               <a:xfrm>
-                <a:off x="4282965" y="2020827"/>
-                <a:ext cx="1855076" cy="461665"/>
+                <a:off x="4140993" y="951061"/>
+                <a:ext cx="3594538" cy="461665"/>
               </a:xfrm>
               <a:prstGeom prst="rect">
                 <a:avLst/>
@@ -3527,7 +3581,7 @@
               <a:blipFill>
                 <a:blip r:embed="rId5"/>
                 <a:stretch>
-                  <a:fillRect b="-10667"/>
+                  <a:fillRect l="-508" t="-15789" b="-23684"/>
                 </a:stretch>
               </a:blipFill>
             </p:spPr>
@@ -4183,8 +4237,8 @@
           </a:ln>
         </p:spPr>
       </p:pic>
-      <mc:AlternateContent xmlns:mc="http://schemas.openxmlformats.org/markup-compatibility/2006">
-        <mc:Choice xmlns:a14="http://schemas.microsoft.com/office/drawing/2010/main" Requires="a14">
+      <mc:AlternateContent xmlns:mc="http://schemas.openxmlformats.org/markup-compatibility/2006" xmlns:a14="http://schemas.microsoft.com/office/drawing/2010/main">
+        <mc:Choice Requires="a14">
           <p:sp>
             <p:nvSpPr>
               <p:cNvPr id="2" name="文本框 1">
@@ -4213,6 +4267,7 @@
               </a:bodyPr>
               <a:lstStyle/>
               <a:p>
+                <a:pPr/>
                 <a14:m>
                   <m:oMathPara xmlns:m="http://schemas.openxmlformats.org/officeDocument/2006/math">
                     <m:oMathParaPr>
@@ -4472,7 +4527,7 @@
             </p:txBody>
           </p:sp>
         </mc:Choice>
-        <mc:Fallback>
+        <mc:Fallback xmlns="">
           <p:sp>
             <p:nvSpPr>
               <p:cNvPr id="2" name="文本框 1">
@@ -4517,8 +4572,8 @@
           </p:sp>
         </mc:Fallback>
       </mc:AlternateContent>
-      <mc:AlternateContent xmlns:mc="http://schemas.openxmlformats.org/markup-compatibility/2006">
-        <mc:Choice xmlns:a14="http://schemas.microsoft.com/office/drawing/2010/main" Requires="a14">
+      <mc:AlternateContent xmlns:mc="http://schemas.openxmlformats.org/markup-compatibility/2006" xmlns:a14="http://schemas.microsoft.com/office/drawing/2010/main">
+        <mc:Choice Requires="a14">
           <p:sp>
             <p:nvSpPr>
               <p:cNvPr id="7" name="文本框 6">
@@ -4547,6 +4602,7 @@
               </a:bodyPr>
               <a:lstStyle/>
               <a:p>
+                <a:pPr/>
                 <a14:m>
                   <m:oMathPara xmlns:m="http://schemas.openxmlformats.org/officeDocument/2006/math">
                     <m:oMathParaPr>
@@ -4697,7 +4753,7 @@
             </p:txBody>
           </p:sp>
         </mc:Choice>
-        <mc:Fallback>
+        <mc:Fallback xmlns="">
           <p:sp>
             <p:nvSpPr>
               <p:cNvPr id="7" name="文本框 6">
@@ -4985,8 +5041,8 @@
           </a:ln>
         </p:spPr>
       </p:pic>
-      <mc:AlternateContent xmlns:mc="http://schemas.openxmlformats.org/markup-compatibility/2006">
-        <mc:Choice xmlns:a14="http://schemas.microsoft.com/office/drawing/2010/main" Requires="a14">
+      <mc:AlternateContent xmlns:mc="http://schemas.openxmlformats.org/markup-compatibility/2006" xmlns:a14="http://schemas.microsoft.com/office/drawing/2010/main">
+        <mc:Choice Requires="a14">
           <p:sp>
             <p:nvSpPr>
               <p:cNvPr id="3" name="文本框 2">
@@ -5015,6 +5071,7 @@
               </a:bodyPr>
               <a:lstStyle/>
               <a:p>
+                <a:pPr/>
                 <a14:m>
                   <m:oMathPara xmlns:m="http://schemas.openxmlformats.org/officeDocument/2006/math">
                     <m:oMathParaPr>
@@ -5078,7 +5135,7 @@
             </p:txBody>
           </p:sp>
         </mc:Choice>
-        <mc:Fallback>
+        <mc:Fallback xmlns="">
           <p:sp>
             <p:nvSpPr>
               <p:cNvPr id="3" name="文本框 2">
@@ -5281,8 +5338,8 @@
           </a:ln>
         </p:spPr>
       </p:pic>
-      <mc:AlternateContent xmlns:mc="http://schemas.openxmlformats.org/markup-compatibility/2006">
-        <mc:Choice xmlns:a14="http://schemas.microsoft.com/office/drawing/2010/main" Requires="a14">
+      <mc:AlternateContent xmlns:mc="http://schemas.openxmlformats.org/markup-compatibility/2006" xmlns:a14="http://schemas.microsoft.com/office/drawing/2010/main">
+        <mc:Choice Requires="a14">
           <p:sp>
             <p:nvSpPr>
               <p:cNvPr id="6" name="文本框 5">
@@ -5311,6 +5368,7 @@
               </a:bodyPr>
               <a:lstStyle/>
               <a:p>
+                <a:pPr/>
                 <a14:m>
                   <m:oMathPara xmlns:m="http://schemas.openxmlformats.org/officeDocument/2006/math">
                     <m:oMathParaPr>
@@ -5363,7 +5421,7 @@
             </p:txBody>
           </p:sp>
         </mc:Choice>
-        <mc:Fallback>
+        <mc:Fallback xmlns="">
           <p:sp>
             <p:nvSpPr>
               <p:cNvPr id="6" name="文本框 5">
@@ -5408,8 +5466,8 @@
           </p:sp>
         </mc:Fallback>
       </mc:AlternateContent>
-      <mc:AlternateContent xmlns:mc="http://schemas.openxmlformats.org/markup-compatibility/2006">
-        <mc:Choice xmlns:a14="http://schemas.microsoft.com/office/drawing/2010/main" Requires="a14">
+      <mc:AlternateContent xmlns:mc="http://schemas.openxmlformats.org/markup-compatibility/2006" xmlns:a14="http://schemas.microsoft.com/office/drawing/2010/main">
+        <mc:Choice Requires="a14">
           <p:sp>
             <p:nvSpPr>
               <p:cNvPr id="7" name="文本框 6">
@@ -5438,6 +5496,7 @@
               </a:bodyPr>
               <a:lstStyle/>
               <a:p>
+                <a:pPr/>
                 <a14:m>
                   <m:oMathPara xmlns:m="http://schemas.openxmlformats.org/officeDocument/2006/math">
                     <m:oMathParaPr>
@@ -5490,7 +5549,7 @@
             </p:txBody>
           </p:sp>
         </mc:Choice>
-        <mc:Fallback>
+        <mc:Fallback xmlns="">
           <p:sp>
             <p:nvSpPr>
               <p:cNvPr id="7" name="文本框 6">
@@ -5892,8 +5951,8 @@
           </a:ln>
         </p:spPr>
       </p:pic>
-      <mc:AlternateContent xmlns:mc="http://schemas.openxmlformats.org/markup-compatibility/2006">
-        <mc:Choice xmlns:a14="http://schemas.microsoft.com/office/drawing/2010/main" Requires="a14">
+      <mc:AlternateContent xmlns:mc="http://schemas.openxmlformats.org/markup-compatibility/2006" xmlns:a14="http://schemas.microsoft.com/office/drawing/2010/main">
+        <mc:Choice Requires="a14">
           <p:sp>
             <p:nvSpPr>
               <p:cNvPr id="3" name="文本框 2">
@@ -5922,6 +5981,7 @@
               </a:bodyPr>
               <a:lstStyle/>
               <a:p>
+                <a:pPr/>
                 <a14:m>
                   <m:oMathPara xmlns:m="http://schemas.openxmlformats.org/officeDocument/2006/math">
                     <m:oMathParaPr>
@@ -5958,7 +6018,7 @@
             </p:txBody>
           </p:sp>
         </mc:Choice>
-        <mc:Fallback>
+        <mc:Fallback xmlns="">
           <p:sp>
             <p:nvSpPr>
               <p:cNvPr id="3" name="文本框 2">
@@ -6003,8 +6063,8 @@
           </p:sp>
         </mc:Fallback>
       </mc:AlternateContent>
-      <mc:AlternateContent xmlns:mc="http://schemas.openxmlformats.org/markup-compatibility/2006">
-        <mc:Choice xmlns:a14="http://schemas.microsoft.com/office/drawing/2010/main" Requires="a14">
+      <mc:AlternateContent xmlns:mc="http://schemas.openxmlformats.org/markup-compatibility/2006" xmlns:a14="http://schemas.microsoft.com/office/drawing/2010/main">
+        <mc:Choice Requires="a14">
           <p:sp>
             <p:nvSpPr>
               <p:cNvPr id="4" name="文本框 3">
@@ -6033,6 +6093,7 @@
               </a:bodyPr>
               <a:lstStyle/>
               <a:p>
+                <a:pPr/>
                 <a14:m>
                   <m:oMathPara xmlns:m="http://schemas.openxmlformats.org/officeDocument/2006/math">
                     <m:oMathParaPr>
@@ -6110,7 +6171,7 @@
             </p:txBody>
           </p:sp>
         </mc:Choice>
-        <mc:Fallback>
+        <mc:Fallback xmlns="">
           <p:sp>
             <p:nvSpPr>
               <p:cNvPr id="4" name="文本框 3">
@@ -6155,8 +6216,8 @@
           </p:sp>
         </mc:Fallback>
       </mc:AlternateContent>
-      <mc:AlternateContent xmlns:mc="http://schemas.openxmlformats.org/markup-compatibility/2006">
-        <mc:Choice xmlns:a14="http://schemas.microsoft.com/office/drawing/2010/main" Requires="a14">
+      <mc:AlternateContent xmlns:mc="http://schemas.openxmlformats.org/markup-compatibility/2006" xmlns:a14="http://schemas.microsoft.com/office/drawing/2010/main">
+        <mc:Choice Requires="a14">
           <p:sp>
             <p:nvSpPr>
               <p:cNvPr id="5" name="文本框 4">
@@ -6185,6 +6246,7 @@
               </a:bodyPr>
               <a:lstStyle/>
               <a:p>
+                <a:pPr/>
                 <a14:m>
                   <m:oMathPara xmlns:m="http://schemas.openxmlformats.org/officeDocument/2006/math">
                     <m:oMathParaPr>
@@ -6262,7 +6324,7 @@
             </p:txBody>
           </p:sp>
         </mc:Choice>
-        <mc:Fallback>
+        <mc:Fallback xmlns="">
           <p:sp>
             <p:nvSpPr>
               <p:cNvPr id="5" name="文本框 4">
@@ -6444,8 +6506,8 @@
           </a:ln>
         </p:spPr>
       </p:pic>
-      <mc:AlternateContent xmlns:mc="http://schemas.openxmlformats.org/markup-compatibility/2006">
-        <mc:Choice xmlns:a14="http://schemas.microsoft.com/office/drawing/2010/main" Requires="a14">
+      <mc:AlternateContent xmlns:mc="http://schemas.openxmlformats.org/markup-compatibility/2006" xmlns:a14="http://schemas.microsoft.com/office/drawing/2010/main">
+        <mc:Choice Requires="a14">
           <p:sp>
             <p:nvSpPr>
               <p:cNvPr id="2" name="文本框 1">
@@ -6474,6 +6536,7 @@
               </a:bodyPr>
               <a:lstStyle/>
               <a:p>
+                <a:pPr/>
                 <a14:m>
                   <m:oMathPara xmlns:m="http://schemas.openxmlformats.org/officeDocument/2006/math">
                     <m:oMathParaPr>
@@ -6522,7 +6585,7 @@
             </p:txBody>
           </p:sp>
         </mc:Choice>
-        <mc:Fallback>
+        <mc:Fallback xmlns="">
           <p:sp>
             <p:nvSpPr>
               <p:cNvPr id="2" name="文本框 1">
@@ -6567,8 +6630,8 @@
           </p:sp>
         </mc:Fallback>
       </mc:AlternateContent>
-      <mc:AlternateContent xmlns:mc="http://schemas.openxmlformats.org/markup-compatibility/2006">
-        <mc:Choice xmlns:a14="http://schemas.microsoft.com/office/drawing/2010/main" Requires="a14">
+      <mc:AlternateContent xmlns:mc="http://schemas.openxmlformats.org/markup-compatibility/2006" xmlns:a14="http://schemas.microsoft.com/office/drawing/2010/main">
+        <mc:Choice Requires="a14">
           <p:sp>
             <p:nvSpPr>
               <p:cNvPr id="4" name="文本框 3">
@@ -6597,6 +6660,7 @@
               </a:bodyPr>
               <a:lstStyle/>
               <a:p>
+                <a:pPr/>
                 <a14:m>
                   <m:oMathPara xmlns:m="http://schemas.openxmlformats.org/officeDocument/2006/math">
                     <m:oMathParaPr>
@@ -6710,7 +6774,7 @@
             </p:txBody>
           </p:sp>
         </mc:Choice>
-        <mc:Fallback>
+        <mc:Fallback xmlns="">
           <p:sp>
             <p:nvSpPr>
               <p:cNvPr id="4" name="文本框 3">
@@ -6755,8 +6819,8 @@
           </p:sp>
         </mc:Fallback>
       </mc:AlternateContent>
-      <mc:AlternateContent xmlns:mc="http://schemas.openxmlformats.org/markup-compatibility/2006">
-        <mc:Choice xmlns:a14="http://schemas.microsoft.com/office/drawing/2010/main" Requires="a14">
+      <mc:AlternateContent xmlns:mc="http://schemas.openxmlformats.org/markup-compatibility/2006" xmlns:a14="http://schemas.microsoft.com/office/drawing/2010/main">
+        <mc:Choice Requires="a14">
           <p:sp>
             <p:nvSpPr>
               <p:cNvPr id="5" name="文本框 4">
@@ -6785,6 +6849,7 @@
               </a:bodyPr>
               <a:lstStyle/>
               <a:p>
+                <a:pPr/>
                 <a14:m>
                   <m:oMathPara xmlns:m="http://schemas.openxmlformats.org/officeDocument/2006/math">
                     <m:oMathParaPr>
@@ -6833,7 +6898,7 @@
             </p:txBody>
           </p:sp>
         </mc:Choice>
-        <mc:Fallback>
+        <mc:Fallback xmlns="">
           <p:sp>
             <p:nvSpPr>
               <p:cNvPr id="5" name="文本框 4">
@@ -6878,8 +6943,8 @@
           </p:sp>
         </mc:Fallback>
       </mc:AlternateContent>
-      <mc:AlternateContent xmlns:mc="http://schemas.openxmlformats.org/markup-compatibility/2006">
-        <mc:Choice xmlns:a14="http://schemas.microsoft.com/office/drawing/2010/main" Requires="a14">
+      <mc:AlternateContent xmlns:mc="http://schemas.openxmlformats.org/markup-compatibility/2006" xmlns:a14="http://schemas.microsoft.com/office/drawing/2010/main">
+        <mc:Choice Requires="a14">
           <p:sp>
             <p:nvSpPr>
               <p:cNvPr id="6" name="文本框 5">
@@ -6908,6 +6973,7 @@
               </a:bodyPr>
               <a:lstStyle/>
               <a:p>
+                <a:pPr/>
                 <a14:m>
                   <m:oMathPara xmlns:m="http://schemas.openxmlformats.org/officeDocument/2006/math">
                     <m:oMathParaPr>
@@ -6956,7 +7022,7 @@
             </p:txBody>
           </p:sp>
         </mc:Choice>
-        <mc:Fallback>
+        <mc:Fallback xmlns="">
           <p:sp>
             <p:nvSpPr>
               <p:cNvPr id="6" name="文本框 5">
@@ -7167,8 +7233,8 @@
           </a:ln>
         </p:spPr>
       </p:pic>
-      <mc:AlternateContent xmlns:mc="http://schemas.openxmlformats.org/markup-compatibility/2006">
-        <mc:Choice xmlns:a14="http://schemas.microsoft.com/office/drawing/2010/main" Requires="a14">
+      <mc:AlternateContent xmlns:mc="http://schemas.openxmlformats.org/markup-compatibility/2006" xmlns:a14="http://schemas.microsoft.com/office/drawing/2010/main">
+        <mc:Choice Requires="a14">
           <p:sp>
             <p:nvSpPr>
               <p:cNvPr id="4" name="文本框 3">
@@ -7197,6 +7263,7 @@
               </a:bodyPr>
               <a:lstStyle/>
               <a:p>
+                <a:pPr/>
                 <a14:m>
                   <m:oMathPara xmlns:m="http://schemas.openxmlformats.org/officeDocument/2006/math">
                     <m:oMathParaPr>
@@ -7220,7 +7287,7 @@
             </p:txBody>
           </p:sp>
         </mc:Choice>
-        <mc:Fallback>
+        <mc:Fallback xmlns="">
           <p:sp>
             <p:nvSpPr>
               <p:cNvPr id="4" name="文本框 3">
@@ -7244,7 +7311,7 @@
                 <a:avLst/>
               </a:prstGeom>
               <a:blipFill>
-                <a:blip r:embed="rId4"/>
+                <a:blip r:embed="rId5"/>
                 <a:stretch>
                   <a:fillRect/>
                 </a:stretch>
@@ -7542,6 +7609,229 @@
           </a:ln>
         </p:spPr>
       </p:pic>
+      <mc:AlternateContent xmlns:mc="http://schemas.openxmlformats.org/markup-compatibility/2006" xmlns:a14="http://schemas.microsoft.com/office/drawing/2010/main">
+        <mc:Choice Requires="a14">
+          <p:sp>
+            <p:nvSpPr>
+              <p:cNvPr id="2" name="文本框 1">
+                <a:extLst>
+                  <a:ext uri="{FF2B5EF4-FFF2-40B4-BE49-F238E27FC236}">
+                    <a16:creationId xmlns:a16="http://schemas.microsoft.com/office/drawing/2014/main" id="{749F401D-B49E-4059-AB35-F1A245C2914C}"/>
+                  </a:ext>
+                </a:extLst>
+              </p:cNvPr>
+              <p:cNvSpPr txBox="1"/>
+              <p:nvPr/>
+            </p:nvSpPr>
+            <p:spPr>
+              <a:xfrm>
+                <a:off x="4372303" y="5018621"/>
+                <a:ext cx="1156138" cy="369332"/>
+              </a:xfrm>
+              <a:prstGeom prst="rect">
+                <a:avLst/>
+              </a:prstGeom>
+              <a:noFill/>
+            </p:spPr>
+            <p:txBody>
+              <a:bodyPr wrap="square" rtlCol="0">
+                <a:spAutoFit/>
+              </a:bodyPr>
+              <a:lstStyle/>
+              <a:p>
+                <a:pPr/>
+                <a14:m>
+                  <m:oMathPara xmlns:m="http://schemas.openxmlformats.org/officeDocument/2006/math">
+                    <m:oMathParaPr>
+                      <m:jc m:val="centerGroup"/>
+                    </m:oMathParaPr>
+                    <m:oMath xmlns:m="http://schemas.openxmlformats.org/officeDocument/2006/math">
+                      <m:r>
+                        <a:rPr lang="en-US" altLang="zh-CN" b="1" i="1">
+                          <a:solidFill>
+                            <a:srgbClr val="FF0000"/>
+                          </a:solidFill>
+                          <a:latin typeface="Cambria Math" panose="02040503050406030204" pitchFamily="18" charset="0"/>
+                        </a:rPr>
+                        <m:t>1</m:t>
+                      </m:r>
+                    </m:oMath>
+                  </m:oMathPara>
+                </a14:m>
+                <a:endParaRPr lang="zh-CN" altLang="en-US" b="1" dirty="0"/>
+              </a:p>
+            </p:txBody>
+          </p:sp>
+        </mc:Choice>
+        <mc:Fallback xmlns="">
+          <p:sp>
+            <p:nvSpPr>
+              <p:cNvPr id="2" name="文本框 1">
+                <a:extLst>
+                  <a:ext uri="{FF2B5EF4-FFF2-40B4-BE49-F238E27FC236}">
+                    <a16:creationId xmlns:a16="http://schemas.microsoft.com/office/drawing/2014/main" id="{749F401D-B49E-4059-AB35-F1A245C2914C}"/>
+                  </a:ext>
+                </a:extLst>
+              </p:cNvPr>
+              <p:cNvSpPr txBox="1">
+                <a:spLocks noRot="1" noChangeAspect="1" noMove="1" noResize="1" noEditPoints="1" noAdjustHandles="1" noChangeArrowheads="1" noChangeShapeType="1" noTextEdit="1"/>
+              </p:cNvSpPr>
+              <p:nvPr/>
+            </p:nvSpPr>
+            <p:spPr>
+              <a:xfrm>
+                <a:off x="4372303" y="5018621"/>
+                <a:ext cx="1156138" cy="369332"/>
+              </a:xfrm>
+              <a:prstGeom prst="rect">
+                <a:avLst/>
+              </a:prstGeom>
+              <a:blipFill>
+                <a:blip r:embed="rId6"/>
+                <a:stretch>
+                  <a:fillRect/>
+                </a:stretch>
+              </a:blipFill>
+            </p:spPr>
+            <p:txBody>
+              <a:bodyPr/>
+              <a:lstStyle/>
+              <a:p>
+                <a:r>
+                  <a:rPr lang="zh-CN" altLang="en-US">
+                    <a:noFill/>
+                  </a:rPr>
+                  <a:t> </a:t>
+                </a:r>
+              </a:p>
+            </p:txBody>
+          </p:sp>
+        </mc:Fallback>
+      </mc:AlternateContent>
+      <mc:AlternateContent xmlns:mc="http://schemas.openxmlformats.org/markup-compatibility/2006" xmlns:a14="http://schemas.microsoft.com/office/drawing/2010/main">
+        <mc:Choice Requires="a14">
+          <p:sp>
+            <p:nvSpPr>
+              <p:cNvPr id="7" name="文本框 6">
+                <a:extLst>
+                  <a:ext uri="{FF2B5EF4-FFF2-40B4-BE49-F238E27FC236}">
+                    <a16:creationId xmlns:a16="http://schemas.microsoft.com/office/drawing/2014/main" id="{E7216585-0D3A-4328-B80A-735412A99A4B}"/>
+                  </a:ext>
+                </a:extLst>
+              </p:cNvPr>
+              <p:cNvSpPr txBox="1"/>
+              <p:nvPr/>
+            </p:nvSpPr>
+            <p:spPr>
+              <a:xfrm>
+                <a:off x="6364014" y="1201219"/>
+                <a:ext cx="1156138" cy="611706"/>
+              </a:xfrm>
+              <a:prstGeom prst="rect">
+                <a:avLst/>
+              </a:prstGeom>
+              <a:noFill/>
+            </p:spPr>
+            <p:txBody>
+              <a:bodyPr wrap="square" rtlCol="0">
+                <a:spAutoFit/>
+              </a:bodyPr>
+              <a:lstStyle/>
+              <a:p>
+                <a:pPr/>
+                <a14:m>
+                  <m:oMathPara xmlns:m="http://schemas.openxmlformats.org/officeDocument/2006/math">
+                    <m:oMathParaPr>
+                      <m:jc m:val="centerGroup"/>
+                    </m:oMathParaPr>
+                    <m:oMath xmlns:m="http://schemas.openxmlformats.org/officeDocument/2006/math">
+                      <m:f>
+                        <m:fPr>
+                          <m:ctrlPr>
+                            <a:rPr lang="en-US" altLang="zh-CN" b="1" i="1" smtClean="0">
+                              <a:solidFill>
+                                <a:srgbClr val="FF0000"/>
+                              </a:solidFill>
+                              <a:latin typeface="Cambria Math" panose="02040503050406030204" pitchFamily="18" charset="0"/>
+                            </a:rPr>
+                          </m:ctrlPr>
+                        </m:fPr>
+                        <m:num>
+                          <m:r>
+                            <a:rPr lang="en-US" altLang="zh-CN" b="1" i="1" smtClean="0">
+                              <a:solidFill>
+                                <a:srgbClr val="FF0000"/>
+                              </a:solidFill>
+                              <a:latin typeface="Cambria Math" panose="02040503050406030204" pitchFamily="18" charset="0"/>
+                            </a:rPr>
+                            <m:t>𝟒𝟒</m:t>
+                          </m:r>
+                        </m:num>
+                        <m:den>
+                          <m:r>
+                            <a:rPr lang="en-US" altLang="zh-CN" b="1" i="1" smtClean="0">
+                              <a:solidFill>
+                                <a:srgbClr val="FF0000"/>
+                              </a:solidFill>
+                              <a:latin typeface="Cambria Math" panose="02040503050406030204" pitchFamily="18" charset="0"/>
+                            </a:rPr>
+                            <m:t>𝟑</m:t>
+                          </m:r>
+                        </m:den>
+                      </m:f>
+                    </m:oMath>
+                  </m:oMathPara>
+                </a14:m>
+                <a:endParaRPr lang="zh-CN" altLang="en-US" b="1" dirty="0"/>
+              </a:p>
+            </p:txBody>
+          </p:sp>
+        </mc:Choice>
+        <mc:Fallback xmlns="">
+          <p:sp>
+            <p:nvSpPr>
+              <p:cNvPr id="7" name="文本框 6">
+                <a:extLst>
+                  <a:ext uri="{FF2B5EF4-FFF2-40B4-BE49-F238E27FC236}">
+                    <a16:creationId xmlns:a16="http://schemas.microsoft.com/office/drawing/2014/main" id="{E7216585-0D3A-4328-B80A-735412A99A4B}"/>
+                  </a:ext>
+                </a:extLst>
+              </p:cNvPr>
+              <p:cNvSpPr txBox="1">
+                <a:spLocks noRot="1" noChangeAspect="1" noMove="1" noResize="1" noEditPoints="1" noAdjustHandles="1" noChangeArrowheads="1" noChangeShapeType="1" noTextEdit="1"/>
+              </p:cNvSpPr>
+              <p:nvPr/>
+            </p:nvSpPr>
+            <p:spPr>
+              <a:xfrm>
+                <a:off x="6364014" y="1201219"/>
+                <a:ext cx="1156138" cy="611706"/>
+              </a:xfrm>
+              <a:prstGeom prst="rect">
+                <a:avLst/>
+              </a:prstGeom>
+              <a:blipFill>
+                <a:blip r:embed="rId7"/>
+                <a:stretch>
+                  <a:fillRect/>
+                </a:stretch>
+              </a:blipFill>
+            </p:spPr>
+            <p:txBody>
+              <a:bodyPr/>
+              <a:lstStyle/>
+              <a:p>
+                <a:r>
+                  <a:rPr lang="zh-CN" altLang="en-US">
+                    <a:noFill/>
+                  </a:rPr>
+                  <a:t> </a:t>
+                </a:r>
+              </a:p>
+            </p:txBody>
+          </p:sp>
+        </mc:Fallback>
+      </mc:AlternateContent>
     </p:spTree>
   </p:cSld>
   <p:clrMapOvr>
@@ -8086,6 +8376,134 @@
           </a:ln>
         </p:spPr>
       </p:pic>
+      <mc:AlternateContent xmlns:mc="http://schemas.openxmlformats.org/markup-compatibility/2006" xmlns:a14="http://schemas.microsoft.com/office/drawing/2010/main">
+        <mc:Choice Requires="a14">
+          <p:sp>
+            <p:nvSpPr>
+              <p:cNvPr id="4" name="文本框 3">
+                <a:extLst>
+                  <a:ext uri="{FF2B5EF4-FFF2-40B4-BE49-F238E27FC236}">
+                    <a16:creationId xmlns:a16="http://schemas.microsoft.com/office/drawing/2014/main" id="{B54D7887-0BCE-4789-B09B-7F6364EE37C6}"/>
+                  </a:ext>
+                </a:extLst>
+              </p:cNvPr>
+              <p:cNvSpPr txBox="1"/>
+              <p:nvPr/>
+            </p:nvSpPr>
+            <p:spPr>
+              <a:xfrm>
+                <a:off x="7324287" y="1122378"/>
+                <a:ext cx="1156138" cy="568874"/>
+              </a:xfrm>
+              <a:prstGeom prst="rect">
+                <a:avLst/>
+              </a:prstGeom>
+              <a:noFill/>
+            </p:spPr>
+            <p:txBody>
+              <a:bodyPr wrap="square" rtlCol="0">
+                <a:spAutoFit/>
+              </a:bodyPr>
+              <a:lstStyle/>
+              <a:p>
+                <a:pPr/>
+                <a14:m>
+                  <m:oMathPara xmlns:m="http://schemas.openxmlformats.org/officeDocument/2006/math">
+                    <m:oMathParaPr>
+                      <m:jc m:val="centerGroup"/>
+                    </m:oMathParaPr>
+                    <m:oMath xmlns:m="http://schemas.openxmlformats.org/officeDocument/2006/math">
+                      <m:f>
+                        <m:fPr>
+                          <m:ctrlPr>
+                            <a:rPr lang="en-US" altLang="zh-CN" b="1" i="1" smtClean="0">
+                              <a:solidFill>
+                                <a:srgbClr val="FF0000"/>
+                              </a:solidFill>
+                              <a:latin typeface="Cambria Math" panose="02040503050406030204" pitchFamily="18" charset="0"/>
+                            </a:rPr>
+                          </m:ctrlPr>
+                        </m:fPr>
+                        <m:num>
+                          <m:r>
+                            <a:rPr lang="en-US" altLang="zh-CN" b="1" i="1" smtClean="0">
+                              <a:solidFill>
+                                <a:srgbClr val="FF0000"/>
+                              </a:solidFill>
+                              <a:latin typeface="Cambria Math" panose="02040503050406030204" pitchFamily="18" charset="0"/>
+                            </a:rPr>
+                            <m:t>𝝅</m:t>
+                          </m:r>
+                        </m:num>
+                        <m:den>
+                          <m:r>
+                            <a:rPr lang="en-US" altLang="zh-CN" b="1" i="1" smtClean="0">
+                              <a:solidFill>
+                                <a:srgbClr val="FF0000"/>
+                              </a:solidFill>
+                              <a:latin typeface="Cambria Math" panose="02040503050406030204" pitchFamily="18" charset="0"/>
+                            </a:rPr>
+                            <m:t>𝟔𝟎</m:t>
+                          </m:r>
+                        </m:den>
+                      </m:f>
+                    </m:oMath>
+                  </m:oMathPara>
+                </a14:m>
+                <a:endParaRPr lang="zh-CN" altLang="en-US" b="1" dirty="0">
+                  <a:solidFill>
+                    <a:srgbClr val="FF0000"/>
+                  </a:solidFill>
+                </a:endParaRPr>
+              </a:p>
+            </p:txBody>
+          </p:sp>
+        </mc:Choice>
+        <mc:Fallback xmlns="">
+          <p:sp>
+            <p:nvSpPr>
+              <p:cNvPr id="4" name="文本框 3">
+                <a:extLst>
+                  <a:ext uri="{FF2B5EF4-FFF2-40B4-BE49-F238E27FC236}">
+                    <a16:creationId xmlns:a16="http://schemas.microsoft.com/office/drawing/2014/main" id="{B54D7887-0BCE-4789-B09B-7F6364EE37C6}"/>
+                  </a:ext>
+                </a:extLst>
+              </p:cNvPr>
+              <p:cNvSpPr txBox="1">
+                <a:spLocks noRot="1" noChangeAspect="1" noMove="1" noResize="1" noEditPoints="1" noAdjustHandles="1" noChangeArrowheads="1" noChangeShapeType="1" noTextEdit="1"/>
+              </p:cNvSpPr>
+              <p:nvPr/>
+            </p:nvSpPr>
+            <p:spPr>
+              <a:xfrm>
+                <a:off x="7324287" y="1122378"/>
+                <a:ext cx="1156138" cy="568874"/>
+              </a:xfrm>
+              <a:prstGeom prst="rect">
+                <a:avLst/>
+              </a:prstGeom>
+              <a:blipFill>
+                <a:blip r:embed="rId4"/>
+                <a:stretch>
+                  <a:fillRect/>
+                </a:stretch>
+              </a:blipFill>
+            </p:spPr>
+            <p:txBody>
+              <a:bodyPr/>
+              <a:lstStyle/>
+              <a:p>
+                <a:r>
+                  <a:rPr lang="zh-CN" altLang="en-US">
+                    <a:noFill/>
+                  </a:rPr>
+                  <a:t> </a:t>
+                </a:r>
+              </a:p>
+            </p:txBody>
+          </p:sp>
+        </mc:Fallback>
+      </mc:AlternateContent>
     </p:spTree>
   </p:cSld>
   <p:clrMapOvr>
@@ -8334,6 +8752,709 @@
           </a:ln>
         </p:spPr>
       </p:pic>
+      <mc:AlternateContent xmlns:mc="http://schemas.openxmlformats.org/markup-compatibility/2006" xmlns:a14="http://schemas.microsoft.com/office/drawing/2010/main">
+        <mc:Choice Requires="a14">
+          <p:sp>
+            <p:nvSpPr>
+              <p:cNvPr id="2" name="文本框 1">
+                <a:extLst>
+                  <a:ext uri="{FF2B5EF4-FFF2-40B4-BE49-F238E27FC236}">
+                    <a16:creationId xmlns:a16="http://schemas.microsoft.com/office/drawing/2014/main" id="{FD6BD3D6-8F91-4984-AD7A-A0B10F37C95F}"/>
+                  </a:ext>
+                </a:extLst>
+              </p:cNvPr>
+              <p:cNvSpPr txBox="1"/>
+              <p:nvPr/>
+            </p:nvSpPr>
+            <p:spPr>
+              <a:xfrm>
+                <a:off x="6674069" y="919655"/>
+                <a:ext cx="2170386" cy="612796"/>
+              </a:xfrm>
+              <a:prstGeom prst="rect">
+                <a:avLst/>
+              </a:prstGeom>
+              <a:noFill/>
+            </p:spPr>
+            <p:txBody>
+              <a:bodyPr wrap="square" rtlCol="0">
+                <a:spAutoFit/>
+              </a:bodyPr>
+              <a:lstStyle/>
+              <a:p>
+                <a:pPr/>
+                <a14:m>
+                  <m:oMathPara xmlns:m="http://schemas.openxmlformats.org/officeDocument/2006/math">
+                    <m:oMathParaPr>
+                      <m:jc m:val="centerGroup"/>
+                    </m:oMathParaPr>
+                    <m:oMath xmlns:m="http://schemas.openxmlformats.org/officeDocument/2006/math">
+                      <m:r>
+                        <a:rPr lang="en-US" altLang="zh-CN" b="0" i="1" smtClean="0">
+                          <a:solidFill>
+                            <a:srgbClr val="FF0000"/>
+                          </a:solidFill>
+                          <a:latin typeface="Cambria Math" panose="02040503050406030204" pitchFamily="18" charset="0"/>
+                        </a:rPr>
+                        <m:t>𝑦</m:t>
+                      </m:r>
+                      <m:r>
+                        <a:rPr lang="en-US" altLang="zh-CN" b="0" i="1" smtClean="0">
+                          <a:solidFill>
+                            <a:srgbClr val="FF0000"/>
+                          </a:solidFill>
+                          <a:latin typeface="Cambria Math" panose="02040503050406030204" pitchFamily="18" charset="0"/>
+                        </a:rPr>
+                        <m:t>=−</m:t>
+                      </m:r>
+                      <m:f>
+                        <m:fPr>
+                          <m:ctrlPr>
+                            <a:rPr lang="en-US" altLang="zh-CN" b="0" i="1" smtClean="0">
+                              <a:solidFill>
+                                <a:srgbClr val="FF0000"/>
+                              </a:solidFill>
+                              <a:latin typeface="Cambria Math" panose="02040503050406030204" pitchFamily="18" charset="0"/>
+                            </a:rPr>
+                          </m:ctrlPr>
+                        </m:fPr>
+                        <m:num>
+                          <m:r>
+                            <a:rPr lang="en-US" altLang="zh-CN" b="0" i="1" smtClean="0">
+                              <a:solidFill>
+                                <a:srgbClr val="FF0000"/>
+                              </a:solidFill>
+                              <a:latin typeface="Cambria Math" panose="02040503050406030204" pitchFamily="18" charset="0"/>
+                            </a:rPr>
+                            <m:t>1</m:t>
+                          </m:r>
+                        </m:num>
+                        <m:den>
+                          <m:r>
+                            <a:rPr lang="en-US" altLang="zh-CN" b="0" i="1" smtClean="0">
+                              <a:solidFill>
+                                <a:srgbClr val="FF0000"/>
+                              </a:solidFill>
+                              <a:latin typeface="Cambria Math" panose="02040503050406030204" pitchFamily="18" charset="0"/>
+                            </a:rPr>
+                            <m:t>5</m:t>
+                          </m:r>
+                        </m:den>
+                      </m:f>
+                      <m:sSup>
+                        <m:sSupPr>
+                          <m:ctrlPr>
+                            <a:rPr lang="en-US" altLang="zh-CN" b="0" i="1" smtClean="0">
+                              <a:solidFill>
+                                <a:srgbClr val="FF0000"/>
+                              </a:solidFill>
+                              <a:latin typeface="Cambria Math" panose="02040503050406030204" pitchFamily="18" charset="0"/>
+                            </a:rPr>
+                          </m:ctrlPr>
+                        </m:sSupPr>
+                        <m:e>
+                          <m:r>
+                            <a:rPr lang="en-US" altLang="zh-CN" b="0" i="1" smtClean="0">
+                              <a:solidFill>
+                                <a:srgbClr val="FF0000"/>
+                              </a:solidFill>
+                              <a:latin typeface="Cambria Math" panose="02040503050406030204" pitchFamily="18" charset="0"/>
+                            </a:rPr>
+                            <m:t>𝑥</m:t>
+                          </m:r>
+                        </m:e>
+                        <m:sup>
+                          <m:r>
+                            <a:rPr lang="en-US" altLang="zh-CN" b="0" i="1" smtClean="0">
+                              <a:solidFill>
+                                <a:srgbClr val="FF0000"/>
+                              </a:solidFill>
+                              <a:latin typeface="Cambria Math" panose="02040503050406030204" pitchFamily="18" charset="0"/>
+                            </a:rPr>
+                            <m:t>3</m:t>
+                          </m:r>
+                        </m:sup>
+                      </m:sSup>
+                      <m:r>
+                        <a:rPr lang="en-US" altLang="zh-CN" b="0" i="1" smtClean="0">
+                          <a:solidFill>
+                            <a:srgbClr val="FF0000"/>
+                          </a:solidFill>
+                          <a:latin typeface="Cambria Math" panose="02040503050406030204" pitchFamily="18" charset="0"/>
+                        </a:rPr>
+                        <m:t>+</m:t>
+                      </m:r>
+                      <m:r>
+                        <a:rPr lang="en-US" altLang="zh-CN" b="0" i="1" smtClean="0">
+                          <a:solidFill>
+                            <a:srgbClr val="FF0000"/>
+                          </a:solidFill>
+                          <a:latin typeface="Cambria Math" panose="02040503050406030204" pitchFamily="18" charset="0"/>
+                        </a:rPr>
+                        <m:t>𝐶</m:t>
+                      </m:r>
+                      <m:rad>
+                        <m:radPr>
+                          <m:degHide m:val="on"/>
+                          <m:ctrlPr>
+                            <a:rPr lang="en-US" altLang="zh-CN" b="0" i="1" smtClean="0">
+                              <a:solidFill>
+                                <a:srgbClr val="FF0000"/>
+                              </a:solidFill>
+                              <a:latin typeface="Cambria Math" panose="02040503050406030204" pitchFamily="18" charset="0"/>
+                            </a:rPr>
+                          </m:ctrlPr>
+                        </m:radPr>
+                        <m:deg/>
+                        <m:e>
+                          <m:r>
+                            <a:rPr lang="en-US" altLang="zh-CN" b="0" i="1" smtClean="0">
+                              <a:solidFill>
+                                <a:srgbClr val="FF0000"/>
+                              </a:solidFill>
+                              <a:latin typeface="Cambria Math" panose="02040503050406030204" pitchFamily="18" charset="0"/>
+                            </a:rPr>
+                            <m:t>𝑥</m:t>
+                          </m:r>
+                        </m:e>
+                      </m:rad>
+                    </m:oMath>
+                  </m:oMathPara>
+                </a14:m>
+                <a:endParaRPr lang="zh-CN" altLang="en-US" dirty="0">
+                  <a:solidFill>
+                    <a:srgbClr val="FF0000"/>
+                  </a:solidFill>
+                </a:endParaRPr>
+              </a:p>
+            </p:txBody>
+          </p:sp>
+        </mc:Choice>
+        <mc:Fallback xmlns="">
+          <p:sp>
+            <p:nvSpPr>
+              <p:cNvPr id="2" name="文本框 1">
+                <a:extLst>
+                  <a:ext uri="{FF2B5EF4-FFF2-40B4-BE49-F238E27FC236}">
+                    <a16:creationId xmlns:a16="http://schemas.microsoft.com/office/drawing/2014/main" id="{FD6BD3D6-8F91-4984-AD7A-A0B10F37C95F}"/>
+                  </a:ext>
+                </a:extLst>
+              </p:cNvPr>
+              <p:cNvSpPr txBox="1">
+                <a:spLocks noRot="1" noChangeAspect="1" noMove="1" noResize="1" noEditPoints="1" noAdjustHandles="1" noChangeArrowheads="1" noChangeShapeType="1" noTextEdit="1"/>
+              </p:cNvSpPr>
+              <p:nvPr/>
+            </p:nvSpPr>
+            <p:spPr>
+              <a:xfrm>
+                <a:off x="6674069" y="919655"/>
+                <a:ext cx="2170386" cy="612796"/>
+              </a:xfrm>
+              <a:prstGeom prst="rect">
+                <a:avLst/>
+              </a:prstGeom>
+              <a:blipFill>
+                <a:blip r:embed="rId5"/>
+                <a:stretch>
+                  <a:fillRect/>
+                </a:stretch>
+              </a:blipFill>
+            </p:spPr>
+            <p:txBody>
+              <a:bodyPr/>
+              <a:lstStyle/>
+              <a:p>
+                <a:r>
+                  <a:rPr lang="zh-CN" altLang="en-US">
+                    <a:noFill/>
+                  </a:rPr>
+                  <a:t> </a:t>
+                </a:r>
+              </a:p>
+            </p:txBody>
+          </p:sp>
+        </mc:Fallback>
+      </mc:AlternateContent>
+      <mc:AlternateContent xmlns:mc="http://schemas.openxmlformats.org/markup-compatibility/2006" xmlns:a14="http://schemas.microsoft.com/office/drawing/2010/main">
+        <mc:Choice Requires="a14">
+          <p:sp>
+            <p:nvSpPr>
+              <p:cNvPr id="6" name="文本框 5">
+                <a:extLst>
+                  <a:ext uri="{FF2B5EF4-FFF2-40B4-BE49-F238E27FC236}">
+                    <a16:creationId xmlns:a16="http://schemas.microsoft.com/office/drawing/2014/main" id="{D024BF50-DCDD-44E5-8BBF-A8B9B1E91B18}"/>
+                  </a:ext>
+                </a:extLst>
+              </p:cNvPr>
+              <p:cNvSpPr txBox="1"/>
+              <p:nvPr/>
+            </p:nvSpPr>
+            <p:spPr>
+              <a:xfrm>
+                <a:off x="4808483" y="1661750"/>
+                <a:ext cx="2170386" cy="612732"/>
+              </a:xfrm>
+              <a:prstGeom prst="rect">
+                <a:avLst/>
+              </a:prstGeom>
+              <a:noFill/>
+            </p:spPr>
+            <p:txBody>
+              <a:bodyPr wrap="square" rtlCol="0">
+                <a:spAutoFit/>
+              </a:bodyPr>
+              <a:lstStyle/>
+              <a:p>
+                <a:pPr/>
+                <a14:m>
+                  <m:oMathPara xmlns:m="http://schemas.openxmlformats.org/officeDocument/2006/math">
+                    <m:oMathParaPr>
+                      <m:jc m:val="centerGroup"/>
+                    </m:oMathParaPr>
+                    <m:oMath xmlns:m="http://schemas.openxmlformats.org/officeDocument/2006/math">
+                      <m:r>
+                        <a:rPr lang="en-US" altLang="zh-CN" b="0" i="1" smtClean="0">
+                          <a:solidFill>
+                            <a:srgbClr val="FF0000"/>
+                          </a:solidFill>
+                          <a:latin typeface="Cambria Math" panose="02040503050406030204" pitchFamily="18" charset="0"/>
+                        </a:rPr>
+                        <m:t>𝑥</m:t>
+                      </m:r>
+                      <m:r>
+                        <a:rPr lang="en-US" altLang="zh-CN" b="0" i="1" smtClean="0">
+                          <a:solidFill>
+                            <a:srgbClr val="FF0000"/>
+                          </a:solidFill>
+                          <a:latin typeface="Cambria Math" panose="02040503050406030204" pitchFamily="18" charset="0"/>
+                        </a:rPr>
+                        <m:t>=</m:t>
+                      </m:r>
+                      <m:f>
+                        <m:fPr>
+                          <m:ctrlPr>
+                            <a:rPr lang="en-US" altLang="zh-CN" b="0" i="1" smtClean="0">
+                              <a:solidFill>
+                                <a:srgbClr val="FF0000"/>
+                              </a:solidFill>
+                              <a:latin typeface="Cambria Math" panose="02040503050406030204" pitchFamily="18" charset="0"/>
+                            </a:rPr>
+                          </m:ctrlPr>
+                        </m:fPr>
+                        <m:num>
+                          <m:r>
+                            <a:rPr lang="en-US" altLang="zh-CN" b="0" i="1" smtClean="0">
+                              <a:solidFill>
+                                <a:srgbClr val="FF0000"/>
+                              </a:solidFill>
+                              <a:latin typeface="Cambria Math" panose="02040503050406030204" pitchFamily="18" charset="0"/>
+                            </a:rPr>
+                            <m:t>1</m:t>
+                          </m:r>
+                        </m:num>
+                        <m:den>
+                          <m:r>
+                            <a:rPr lang="en-US" altLang="zh-CN" b="0" i="1" smtClean="0">
+                              <a:solidFill>
+                                <a:srgbClr val="FF0000"/>
+                              </a:solidFill>
+                              <a:latin typeface="Cambria Math" panose="02040503050406030204" pitchFamily="18" charset="0"/>
+                            </a:rPr>
+                            <m:t>3</m:t>
+                          </m:r>
+                        </m:den>
+                      </m:f>
+                      <m:sSup>
+                        <m:sSupPr>
+                          <m:ctrlPr>
+                            <a:rPr lang="en-US" altLang="zh-CN" b="0" i="1" smtClean="0">
+                              <a:solidFill>
+                                <a:srgbClr val="FF0000"/>
+                              </a:solidFill>
+                              <a:latin typeface="Cambria Math" panose="02040503050406030204" pitchFamily="18" charset="0"/>
+                            </a:rPr>
+                          </m:ctrlPr>
+                        </m:sSupPr>
+                        <m:e>
+                          <m:r>
+                            <a:rPr lang="en-US" altLang="zh-CN" b="0" i="1" smtClean="0">
+                              <a:solidFill>
+                                <a:srgbClr val="FF0000"/>
+                              </a:solidFill>
+                              <a:latin typeface="Cambria Math" panose="02040503050406030204" pitchFamily="18" charset="0"/>
+                            </a:rPr>
+                            <m:t>𝑦</m:t>
+                          </m:r>
+                        </m:e>
+                        <m:sup>
+                          <m:r>
+                            <a:rPr lang="en-US" altLang="zh-CN" b="0" i="1" smtClean="0">
+                              <a:solidFill>
+                                <a:srgbClr val="FF0000"/>
+                              </a:solidFill>
+                              <a:latin typeface="Cambria Math" panose="02040503050406030204" pitchFamily="18" charset="0"/>
+                            </a:rPr>
+                            <m:t>4</m:t>
+                          </m:r>
+                        </m:sup>
+                      </m:sSup>
+                      <m:r>
+                        <a:rPr lang="en-US" altLang="zh-CN" b="0" i="1" smtClean="0">
+                          <a:solidFill>
+                            <a:srgbClr val="FF0000"/>
+                          </a:solidFill>
+                          <a:latin typeface="Cambria Math" panose="02040503050406030204" pitchFamily="18" charset="0"/>
+                        </a:rPr>
+                        <m:t>+</m:t>
+                      </m:r>
+                      <m:r>
+                        <a:rPr lang="en-US" altLang="zh-CN" b="0" i="1" smtClean="0">
+                          <a:solidFill>
+                            <a:srgbClr val="FF0000"/>
+                          </a:solidFill>
+                          <a:latin typeface="Cambria Math" panose="02040503050406030204" pitchFamily="18" charset="0"/>
+                        </a:rPr>
+                        <m:t>𝐶𝑦</m:t>
+                      </m:r>
+                    </m:oMath>
+                  </m:oMathPara>
+                </a14:m>
+                <a:endParaRPr lang="zh-CN" altLang="en-US" dirty="0">
+                  <a:solidFill>
+                    <a:srgbClr val="FF0000"/>
+                  </a:solidFill>
+                </a:endParaRPr>
+              </a:p>
+            </p:txBody>
+          </p:sp>
+        </mc:Choice>
+        <mc:Fallback xmlns="">
+          <p:sp>
+            <p:nvSpPr>
+              <p:cNvPr id="6" name="文本框 5">
+                <a:extLst>
+                  <a:ext uri="{FF2B5EF4-FFF2-40B4-BE49-F238E27FC236}">
+                    <a16:creationId xmlns:a16="http://schemas.microsoft.com/office/drawing/2014/main" id="{D024BF50-DCDD-44E5-8BBF-A8B9B1E91B18}"/>
+                  </a:ext>
+                </a:extLst>
+              </p:cNvPr>
+              <p:cNvSpPr txBox="1">
+                <a:spLocks noRot="1" noChangeAspect="1" noMove="1" noResize="1" noEditPoints="1" noAdjustHandles="1" noChangeArrowheads="1" noChangeShapeType="1" noTextEdit="1"/>
+              </p:cNvSpPr>
+              <p:nvPr/>
+            </p:nvSpPr>
+            <p:spPr>
+              <a:xfrm>
+                <a:off x="4808483" y="1661750"/>
+                <a:ext cx="2170386" cy="612732"/>
+              </a:xfrm>
+              <a:prstGeom prst="rect">
+                <a:avLst/>
+              </a:prstGeom>
+              <a:blipFill>
+                <a:blip r:embed="rId6"/>
+                <a:stretch>
+                  <a:fillRect/>
+                </a:stretch>
+              </a:blipFill>
+            </p:spPr>
+            <p:txBody>
+              <a:bodyPr/>
+              <a:lstStyle/>
+              <a:p>
+                <a:r>
+                  <a:rPr lang="zh-CN" altLang="en-US">
+                    <a:noFill/>
+                  </a:rPr>
+                  <a:t> </a:t>
+                </a:r>
+              </a:p>
+            </p:txBody>
+          </p:sp>
+        </mc:Fallback>
+      </mc:AlternateContent>
+      <mc:AlternateContent xmlns:mc="http://schemas.openxmlformats.org/markup-compatibility/2006" xmlns:a14="http://schemas.microsoft.com/office/drawing/2010/main">
+        <mc:Choice Requires="a14">
+          <p:sp>
+            <p:nvSpPr>
+              <p:cNvPr id="7" name="文本框 6">
+                <a:extLst>
+                  <a:ext uri="{FF2B5EF4-FFF2-40B4-BE49-F238E27FC236}">
+                    <a16:creationId xmlns:a16="http://schemas.microsoft.com/office/drawing/2014/main" id="{76A84019-6E52-4E1D-A2B1-A73D4C1C3972}"/>
+                  </a:ext>
+                </a:extLst>
+              </p:cNvPr>
+              <p:cNvSpPr txBox="1"/>
+              <p:nvPr/>
+            </p:nvSpPr>
+            <p:spPr>
+              <a:xfrm>
+                <a:off x="5433848" y="2753260"/>
+                <a:ext cx="2722179" cy="369332"/>
+              </a:xfrm>
+              <a:prstGeom prst="rect">
+                <a:avLst/>
+              </a:prstGeom>
+              <a:noFill/>
+            </p:spPr>
+            <p:txBody>
+              <a:bodyPr wrap="square" rtlCol="0">
+                <a:spAutoFit/>
+              </a:bodyPr>
+              <a:lstStyle/>
+              <a:p>
+                <a:pPr/>
+                <a14:m>
+                  <m:oMathPara xmlns:m="http://schemas.openxmlformats.org/officeDocument/2006/math">
+                    <m:oMathParaPr>
+                      <m:jc m:val="centerGroup"/>
+                    </m:oMathParaPr>
+                    <m:oMath xmlns:m="http://schemas.openxmlformats.org/officeDocument/2006/math">
+                      <m:r>
+                        <a:rPr lang="en-US" altLang="zh-CN" b="0" i="1" smtClean="0">
+                          <a:solidFill>
+                            <a:srgbClr val="FF0000"/>
+                          </a:solidFill>
+                          <a:latin typeface="Cambria Math" panose="02040503050406030204" pitchFamily="18" charset="0"/>
+                        </a:rPr>
+                        <m:t>𝑦</m:t>
+                      </m:r>
+                      <m:r>
+                        <a:rPr lang="en-US" altLang="zh-CN" b="0" i="1" smtClean="0">
+                          <a:solidFill>
+                            <a:srgbClr val="FF0000"/>
+                          </a:solidFill>
+                          <a:latin typeface="Cambria Math" panose="02040503050406030204" pitchFamily="18" charset="0"/>
+                        </a:rPr>
+                        <m:t>=</m:t>
+                      </m:r>
+                      <m:r>
+                        <a:rPr lang="en-US" altLang="zh-CN" b="0" i="1" smtClean="0">
+                          <a:solidFill>
+                            <a:srgbClr val="FF0000"/>
+                          </a:solidFill>
+                          <a:latin typeface="Cambria Math" panose="02040503050406030204" pitchFamily="18" charset="0"/>
+                        </a:rPr>
+                        <m:t>𝑥</m:t>
+                      </m:r>
+                      <m:r>
+                        <a:rPr lang="en-US" altLang="zh-CN" b="0" i="1" smtClean="0">
+                          <a:solidFill>
+                            <a:srgbClr val="FF0000"/>
+                          </a:solidFill>
+                          <a:latin typeface="Cambria Math" panose="02040503050406030204" pitchFamily="18" charset="0"/>
+                        </a:rPr>
+                        <m:t>−1+</m:t>
+                      </m:r>
+                      <m:r>
+                        <a:rPr lang="en-US" altLang="zh-CN" b="0" i="1" smtClean="0">
+                          <a:solidFill>
+                            <a:srgbClr val="FF0000"/>
+                          </a:solidFill>
+                          <a:latin typeface="Cambria Math" panose="02040503050406030204" pitchFamily="18" charset="0"/>
+                        </a:rPr>
+                        <m:t>𝐶</m:t>
+                      </m:r>
+                      <m:sSup>
+                        <m:sSupPr>
+                          <m:ctrlPr>
+                            <a:rPr lang="en-US" altLang="zh-CN" b="0" i="1" smtClean="0">
+                              <a:solidFill>
+                                <a:srgbClr val="FF0000"/>
+                              </a:solidFill>
+                              <a:latin typeface="Cambria Math" panose="02040503050406030204" pitchFamily="18" charset="0"/>
+                            </a:rPr>
+                          </m:ctrlPr>
+                        </m:sSupPr>
+                        <m:e>
+                          <m:r>
+                            <a:rPr lang="en-US" altLang="zh-CN" b="0" i="1" smtClean="0">
+                              <a:solidFill>
+                                <a:srgbClr val="FF0000"/>
+                              </a:solidFill>
+                              <a:latin typeface="Cambria Math" panose="02040503050406030204" pitchFamily="18" charset="0"/>
+                            </a:rPr>
+                            <m:t>𝑒</m:t>
+                          </m:r>
+                        </m:e>
+                        <m:sup>
+                          <m:r>
+                            <a:rPr lang="en-US" altLang="zh-CN" b="0" i="1" smtClean="0">
+                              <a:solidFill>
+                                <a:srgbClr val="FF0000"/>
+                              </a:solidFill>
+                              <a:latin typeface="Cambria Math" panose="02040503050406030204" pitchFamily="18" charset="0"/>
+                            </a:rPr>
+                            <m:t>−</m:t>
+                          </m:r>
+                          <m:r>
+                            <a:rPr lang="en-US" altLang="zh-CN" b="0" i="1" smtClean="0">
+                              <a:solidFill>
+                                <a:srgbClr val="FF0000"/>
+                              </a:solidFill>
+                              <a:latin typeface="Cambria Math" panose="02040503050406030204" pitchFamily="18" charset="0"/>
+                            </a:rPr>
+                            <m:t>𝑥</m:t>
+                          </m:r>
+                        </m:sup>
+                      </m:sSup>
+                    </m:oMath>
+                  </m:oMathPara>
+                </a14:m>
+                <a:endParaRPr lang="zh-CN" altLang="en-US" dirty="0">
+                  <a:solidFill>
+                    <a:srgbClr val="FF0000"/>
+                  </a:solidFill>
+                </a:endParaRPr>
+              </a:p>
+            </p:txBody>
+          </p:sp>
+        </mc:Choice>
+        <mc:Fallback xmlns="">
+          <p:sp>
+            <p:nvSpPr>
+              <p:cNvPr id="7" name="文本框 6">
+                <a:extLst>
+                  <a:ext uri="{FF2B5EF4-FFF2-40B4-BE49-F238E27FC236}">
+                    <a16:creationId xmlns:a16="http://schemas.microsoft.com/office/drawing/2014/main" id="{76A84019-6E52-4E1D-A2B1-A73D4C1C3972}"/>
+                  </a:ext>
+                </a:extLst>
+              </p:cNvPr>
+              <p:cNvSpPr txBox="1">
+                <a:spLocks noRot="1" noChangeAspect="1" noMove="1" noResize="1" noEditPoints="1" noAdjustHandles="1" noChangeArrowheads="1" noChangeShapeType="1" noTextEdit="1"/>
+              </p:cNvSpPr>
+              <p:nvPr/>
+            </p:nvSpPr>
+            <p:spPr>
+              <a:xfrm>
+                <a:off x="5433848" y="2753260"/>
+                <a:ext cx="2722179" cy="369332"/>
+              </a:xfrm>
+              <a:prstGeom prst="rect">
+                <a:avLst/>
+              </a:prstGeom>
+              <a:blipFill>
+                <a:blip r:embed="rId7"/>
+                <a:stretch>
+                  <a:fillRect b="-6667"/>
+                </a:stretch>
+              </a:blipFill>
+            </p:spPr>
+            <p:txBody>
+              <a:bodyPr/>
+              <a:lstStyle/>
+              <a:p>
+                <a:r>
+                  <a:rPr lang="zh-CN" altLang="en-US">
+                    <a:noFill/>
+                  </a:rPr>
+                  <a:t> </a:t>
+                </a:r>
+              </a:p>
+            </p:txBody>
+          </p:sp>
+        </mc:Fallback>
+      </mc:AlternateContent>
+      <mc:AlternateContent xmlns:mc="http://schemas.openxmlformats.org/markup-compatibility/2006" xmlns:a14="http://schemas.microsoft.com/office/drawing/2010/main">
+        <mc:Choice Requires="a14">
+          <p:sp>
+            <p:nvSpPr>
+              <p:cNvPr id="8" name="文本框 7">
+                <a:extLst>
+                  <a:ext uri="{FF2B5EF4-FFF2-40B4-BE49-F238E27FC236}">
+                    <a16:creationId xmlns:a16="http://schemas.microsoft.com/office/drawing/2014/main" id="{13E8BF86-70B1-40A9-B262-C31191D9E872}"/>
+                  </a:ext>
+                </a:extLst>
+              </p:cNvPr>
+              <p:cNvSpPr txBox="1"/>
+              <p:nvPr/>
+            </p:nvSpPr>
+            <p:spPr>
+              <a:xfrm>
+                <a:off x="2312276" y="5422887"/>
+                <a:ext cx="2722179" cy="646331"/>
+              </a:xfrm>
+              <a:prstGeom prst="rect">
+                <a:avLst/>
+              </a:prstGeom>
+              <a:noFill/>
+            </p:spPr>
+            <p:txBody>
+              <a:bodyPr wrap="square" rtlCol="0">
+                <a:spAutoFit/>
+              </a:bodyPr>
+              <a:lstStyle/>
+              <a:p>
+                <a14:m>
+                  <m:oMath xmlns:m="http://schemas.openxmlformats.org/officeDocument/2006/math">
+                    <m:r>
+                      <a:rPr lang="zh-CN" altLang="en-US" i="1">
+                        <a:solidFill>
+                          <a:srgbClr val="FF0000"/>
+                        </a:solidFill>
+                        <a:latin typeface="Cambria Math" panose="02040503050406030204" pitchFamily="18" charset="0"/>
+                      </a:rPr>
+                      <m:t>证明</m:t>
+                    </m:r>
+                  </m:oMath>
+                </a14:m>
+                <a:r>
+                  <a:rPr lang="zh-CN" altLang="en-US" dirty="0">
+                    <a:solidFill>
+                      <a:srgbClr val="FF0000"/>
+                    </a:solidFill>
+                  </a:rPr>
+                  <a:t>通解用常数变易法，证明周期函数直接作差。</a:t>
+                </a:r>
+              </a:p>
+            </p:txBody>
+          </p:sp>
+        </mc:Choice>
+        <mc:Fallback xmlns="">
+          <p:sp>
+            <p:nvSpPr>
+              <p:cNvPr id="8" name="文本框 7">
+                <a:extLst>
+                  <a:ext uri="{FF2B5EF4-FFF2-40B4-BE49-F238E27FC236}">
+                    <a16:creationId xmlns:a16="http://schemas.microsoft.com/office/drawing/2014/main" id="{13E8BF86-70B1-40A9-B262-C31191D9E872}"/>
+                  </a:ext>
+                </a:extLst>
+              </p:cNvPr>
+              <p:cNvSpPr txBox="1">
+                <a:spLocks noRot="1" noChangeAspect="1" noMove="1" noResize="1" noEditPoints="1" noAdjustHandles="1" noChangeArrowheads="1" noChangeShapeType="1" noTextEdit="1"/>
+              </p:cNvSpPr>
+              <p:nvPr/>
+            </p:nvSpPr>
+            <p:spPr>
+              <a:xfrm>
+                <a:off x="2312276" y="5422887"/>
+                <a:ext cx="2722179" cy="646331"/>
+              </a:xfrm>
+              <a:prstGeom prst="rect">
+                <a:avLst/>
+              </a:prstGeom>
+              <a:blipFill>
+                <a:blip r:embed="rId8"/>
+                <a:stretch>
+                  <a:fillRect l="-1790" t="-7547" r="-1566" b="-11321"/>
+                </a:stretch>
+              </a:blipFill>
+            </p:spPr>
+            <p:txBody>
+              <a:bodyPr/>
+              <a:lstStyle/>
+              <a:p>
+                <a:r>
+                  <a:rPr lang="zh-CN" altLang="en-US">
+                    <a:noFill/>
+                  </a:rPr>
+                  <a:t> </a:t>
+                </a:r>
+              </a:p>
+            </p:txBody>
+          </p:sp>
+        </mc:Fallback>
+      </mc:AlternateContent>
     </p:spTree>
   </p:cSld>
   <p:clrMapOvr>
@@ -8606,6 +9727,271 @@
           </a:ln>
         </p:spPr>
       </p:pic>
+      <mc:AlternateContent xmlns:mc="http://schemas.openxmlformats.org/markup-compatibility/2006" xmlns:a14="http://schemas.microsoft.com/office/drawing/2010/main">
+        <mc:Choice Requires="a14">
+          <p:sp>
+            <p:nvSpPr>
+              <p:cNvPr id="4" name="文本框 3">
+                <a:extLst>
+                  <a:ext uri="{FF2B5EF4-FFF2-40B4-BE49-F238E27FC236}">
+                    <a16:creationId xmlns:a16="http://schemas.microsoft.com/office/drawing/2014/main" id="{291458E3-0AE2-4604-AB2A-E1B3AA3C4F59}"/>
+                  </a:ext>
+                </a:extLst>
+              </p:cNvPr>
+              <p:cNvSpPr txBox="1"/>
+              <p:nvPr/>
+            </p:nvSpPr>
+            <p:spPr>
+              <a:xfrm>
+                <a:off x="2496207" y="4424404"/>
+                <a:ext cx="4151586" cy="461665"/>
+              </a:xfrm>
+              <a:prstGeom prst="rect">
+                <a:avLst/>
+              </a:prstGeom>
+              <a:noFill/>
+            </p:spPr>
+            <p:txBody>
+              <a:bodyPr wrap="square" rtlCol="0">
+                <a:spAutoFit/>
+              </a:bodyPr>
+              <a:lstStyle/>
+              <a:p>
+                <a:pPr/>
+                <a14:m>
+                  <m:oMathPara xmlns:m="http://schemas.openxmlformats.org/officeDocument/2006/math">
+                    <m:oMathParaPr>
+                      <m:jc m:val="centerGroup"/>
+                    </m:oMathParaPr>
+                    <m:oMath xmlns:m="http://schemas.openxmlformats.org/officeDocument/2006/math">
+                      <m:r>
+                        <a:rPr lang="en-US" altLang="zh-CN" sz="2400" b="0" i="1" smtClean="0">
+                          <a:solidFill>
+                            <a:srgbClr val="FF0000"/>
+                          </a:solidFill>
+                          <a:latin typeface="Cambria Math" panose="02040503050406030204" pitchFamily="18" charset="0"/>
+                        </a:rPr>
+                        <m:t>𝑦</m:t>
+                      </m:r>
+                      <m:r>
+                        <a:rPr lang="en-US" altLang="zh-CN" sz="2400" b="0" i="1" smtClean="0">
+                          <a:solidFill>
+                            <a:srgbClr val="FF0000"/>
+                          </a:solidFill>
+                          <a:latin typeface="Cambria Math" panose="02040503050406030204" pitchFamily="18" charset="0"/>
+                        </a:rPr>
+                        <m:t>=</m:t>
+                      </m:r>
+                      <m:func>
+                        <m:funcPr>
+                          <m:ctrlPr>
+                            <a:rPr lang="en-US" altLang="zh-CN" sz="2400" b="0" i="1" smtClean="0">
+                              <a:solidFill>
+                                <a:srgbClr val="FF0000"/>
+                              </a:solidFill>
+                              <a:latin typeface="Cambria Math" panose="02040503050406030204" pitchFamily="18" charset="0"/>
+                            </a:rPr>
+                          </m:ctrlPr>
+                        </m:funcPr>
+                        <m:fName>
+                          <m:r>
+                            <m:rPr>
+                              <m:sty m:val="p"/>
+                            </m:rPr>
+                            <a:rPr lang="en-US" altLang="zh-CN" sz="2400" b="0" i="0" smtClean="0">
+                              <a:solidFill>
+                                <a:srgbClr val="FF0000"/>
+                              </a:solidFill>
+                              <a:latin typeface="Cambria Math" panose="02040503050406030204" pitchFamily="18" charset="0"/>
+                            </a:rPr>
+                            <m:t>arcsin</m:t>
+                          </m:r>
+                        </m:fName>
+                        <m:e>
+                          <m:d>
+                            <m:dPr>
+                              <m:ctrlPr>
+                                <a:rPr lang="en-US" altLang="zh-CN" sz="2400" b="0" i="1" smtClean="0">
+                                  <a:solidFill>
+                                    <a:srgbClr val="FF0000"/>
+                                  </a:solidFill>
+                                  <a:latin typeface="Cambria Math" panose="02040503050406030204" pitchFamily="18" charset="0"/>
+                                </a:rPr>
+                              </m:ctrlPr>
+                            </m:dPr>
+                            <m:e>
+                              <m:sSub>
+                                <m:sSubPr>
+                                  <m:ctrlPr>
+                                    <a:rPr lang="en-US" altLang="zh-CN" sz="2400" b="0" i="1" smtClean="0">
+                                      <a:solidFill>
+                                        <a:srgbClr val="FF0000"/>
+                                      </a:solidFill>
+                                      <a:latin typeface="Cambria Math" panose="02040503050406030204" pitchFamily="18" charset="0"/>
+                                    </a:rPr>
+                                  </m:ctrlPr>
+                                </m:sSubPr>
+                                <m:e>
+                                  <m:r>
+                                    <a:rPr lang="en-US" altLang="zh-CN" sz="2400" b="0" i="1" smtClean="0">
+                                      <a:solidFill>
+                                        <a:srgbClr val="FF0000"/>
+                                      </a:solidFill>
+                                      <a:latin typeface="Cambria Math" panose="02040503050406030204" pitchFamily="18" charset="0"/>
+                                    </a:rPr>
+                                    <m:t>𝐶</m:t>
+                                  </m:r>
+                                </m:e>
+                                <m:sub>
+                                  <m:r>
+                                    <a:rPr lang="en-US" altLang="zh-CN" sz="2400" b="0" i="1" smtClean="0">
+                                      <a:solidFill>
+                                        <a:srgbClr val="FF0000"/>
+                                      </a:solidFill>
+                                      <a:latin typeface="Cambria Math" panose="02040503050406030204" pitchFamily="18" charset="0"/>
+                                    </a:rPr>
+                                    <m:t>2</m:t>
+                                  </m:r>
+                                </m:sub>
+                              </m:sSub>
+                              <m:sSup>
+                                <m:sSupPr>
+                                  <m:ctrlPr>
+                                    <a:rPr lang="en-US" altLang="zh-CN" sz="2400" b="0" i="1" smtClean="0">
+                                      <a:solidFill>
+                                        <a:srgbClr val="FF0000"/>
+                                      </a:solidFill>
+                                      <a:latin typeface="Cambria Math" panose="02040503050406030204" pitchFamily="18" charset="0"/>
+                                    </a:rPr>
+                                  </m:ctrlPr>
+                                </m:sSupPr>
+                                <m:e>
+                                  <m:r>
+                                    <a:rPr lang="en-US" altLang="zh-CN" sz="2400" b="0" i="1" smtClean="0">
+                                      <a:solidFill>
+                                        <a:srgbClr val="FF0000"/>
+                                      </a:solidFill>
+                                      <a:latin typeface="Cambria Math" panose="02040503050406030204" pitchFamily="18" charset="0"/>
+                                    </a:rPr>
+                                    <m:t>𝑒</m:t>
+                                  </m:r>
+                                </m:e>
+                                <m:sup>
+                                  <m:r>
+                                    <a:rPr lang="en-US" altLang="zh-CN" sz="2400" b="0" i="1" smtClean="0">
+                                      <a:solidFill>
+                                        <a:srgbClr val="FF0000"/>
+                                      </a:solidFill>
+                                      <a:latin typeface="Cambria Math" panose="02040503050406030204" pitchFamily="18" charset="0"/>
+                                    </a:rPr>
+                                    <m:t>𝑥</m:t>
+                                  </m:r>
+                                </m:sup>
+                              </m:sSup>
+                            </m:e>
+                          </m:d>
+                        </m:e>
+                      </m:func>
+                      <m:r>
+                        <a:rPr lang="en-US" altLang="zh-CN" sz="2400" b="0" i="1" smtClean="0">
+                          <a:solidFill>
+                            <a:srgbClr val="FF0000"/>
+                          </a:solidFill>
+                          <a:latin typeface="Cambria Math" panose="02040503050406030204" pitchFamily="18" charset="0"/>
+                        </a:rPr>
+                        <m:t>−</m:t>
+                      </m:r>
+                      <m:sSub>
+                        <m:sSubPr>
+                          <m:ctrlPr>
+                            <a:rPr lang="en-US" altLang="zh-CN" sz="2400" b="0" i="1" smtClean="0">
+                              <a:solidFill>
+                                <a:srgbClr val="FF0000"/>
+                              </a:solidFill>
+                              <a:latin typeface="Cambria Math" panose="02040503050406030204" pitchFamily="18" charset="0"/>
+                            </a:rPr>
+                          </m:ctrlPr>
+                        </m:sSubPr>
+                        <m:e>
+                          <m:r>
+                            <a:rPr lang="en-US" altLang="zh-CN" sz="2400" b="0" i="1" smtClean="0">
+                              <a:solidFill>
+                                <a:srgbClr val="FF0000"/>
+                              </a:solidFill>
+                              <a:latin typeface="Cambria Math" panose="02040503050406030204" pitchFamily="18" charset="0"/>
+                            </a:rPr>
+                            <m:t>𝐶</m:t>
+                          </m:r>
+                        </m:e>
+                        <m:sub>
+                          <m:r>
+                            <a:rPr lang="en-US" altLang="zh-CN" sz="2400" b="0" i="1" smtClean="0">
+                              <a:solidFill>
+                                <a:srgbClr val="FF0000"/>
+                              </a:solidFill>
+                              <a:latin typeface="Cambria Math" panose="02040503050406030204" pitchFamily="18" charset="0"/>
+                            </a:rPr>
+                            <m:t>1</m:t>
+                          </m:r>
+                        </m:sub>
+                      </m:sSub>
+                    </m:oMath>
+                  </m:oMathPara>
+                </a14:m>
+                <a:endParaRPr lang="zh-CN" altLang="en-US" sz="2400" dirty="0">
+                  <a:solidFill>
+                    <a:srgbClr val="FF0000"/>
+                  </a:solidFill>
+                </a:endParaRPr>
+              </a:p>
+            </p:txBody>
+          </p:sp>
+        </mc:Choice>
+        <mc:Fallback xmlns="">
+          <p:sp>
+            <p:nvSpPr>
+              <p:cNvPr id="4" name="文本框 3">
+                <a:extLst>
+                  <a:ext uri="{FF2B5EF4-FFF2-40B4-BE49-F238E27FC236}">
+                    <a16:creationId xmlns:a16="http://schemas.microsoft.com/office/drawing/2014/main" id="{291458E3-0AE2-4604-AB2A-E1B3AA3C4F59}"/>
+                  </a:ext>
+                </a:extLst>
+              </p:cNvPr>
+              <p:cNvSpPr txBox="1">
+                <a:spLocks noRot="1" noChangeAspect="1" noMove="1" noResize="1" noEditPoints="1" noAdjustHandles="1" noChangeArrowheads="1" noChangeShapeType="1" noTextEdit="1"/>
+              </p:cNvSpPr>
+              <p:nvPr/>
+            </p:nvSpPr>
+            <p:spPr>
+              <a:xfrm>
+                <a:off x="2496207" y="4424404"/>
+                <a:ext cx="4151586" cy="461665"/>
+              </a:xfrm>
+              <a:prstGeom prst="rect">
+                <a:avLst/>
+              </a:prstGeom>
+              <a:blipFill>
+                <a:blip r:embed="rId4"/>
+                <a:stretch>
+                  <a:fillRect b="-9211"/>
+                </a:stretch>
+              </a:blipFill>
+            </p:spPr>
+            <p:txBody>
+              <a:bodyPr/>
+              <a:lstStyle/>
+              <a:p>
+                <a:r>
+                  <a:rPr lang="zh-CN" altLang="en-US">
+                    <a:noFill/>
+                  </a:rPr>
+                  <a:t> </a:t>
+                </a:r>
+              </a:p>
+            </p:txBody>
+          </p:sp>
+        </mc:Fallback>
+      </mc:AlternateContent>
     </p:spTree>
   </p:cSld>
   <p:clrMapOvr>
@@ -8796,6 +10182,129 @@
           </a:ln>
         </p:spPr>
       </p:pic>
+      <mc:AlternateContent xmlns:mc="http://schemas.openxmlformats.org/markup-compatibility/2006">
+        <mc:Choice xmlns:a14="http://schemas.microsoft.com/office/drawing/2010/main" Requires="a14">
+          <p:sp>
+            <p:nvSpPr>
+              <p:cNvPr id="2" name="文本框 1">
+                <a:extLst>
+                  <a:ext uri="{FF2B5EF4-FFF2-40B4-BE49-F238E27FC236}">
+                    <a16:creationId xmlns:a16="http://schemas.microsoft.com/office/drawing/2014/main" id="{DD1A6054-D2C9-4CD3-905C-1455AAAC470C}"/>
+                  </a:ext>
+                </a:extLst>
+              </p:cNvPr>
+              <p:cNvSpPr txBox="1"/>
+              <p:nvPr/>
+            </p:nvSpPr>
+            <p:spPr>
+              <a:xfrm>
+                <a:off x="3300248" y="4876800"/>
+                <a:ext cx="2548759" cy="1077218"/>
+              </a:xfrm>
+              <a:prstGeom prst="rect">
+                <a:avLst/>
+              </a:prstGeom>
+              <a:noFill/>
+            </p:spPr>
+            <p:txBody>
+              <a:bodyPr wrap="square" rtlCol="0">
+                <a:spAutoFit/>
+              </a:bodyPr>
+              <a:lstStyle/>
+              <a:p>
+                <a14:m>
+                  <m:oMathPara xmlns:m="http://schemas.openxmlformats.org/officeDocument/2006/math">
+                    <m:oMathParaPr>
+                      <m:jc m:val="centerGroup"/>
+                    </m:oMathParaPr>
+                    <m:oMath xmlns:m="http://schemas.openxmlformats.org/officeDocument/2006/math">
+                      <m:d>
+                        <m:dPr>
+                          <m:ctrlPr>
+                            <a:rPr lang="en-US" altLang="zh-CN" sz="3200" b="0" i="1" smtClean="0">
+                              <a:solidFill>
+                                <a:srgbClr val="FF0000"/>
+                              </a:solidFill>
+                              <a:latin typeface="Cambria Math" panose="02040503050406030204" pitchFamily="18" charset="0"/>
+                            </a:rPr>
+                          </m:ctrlPr>
+                        </m:dPr>
+                        <m:e>
+                          <m:r>
+                            <a:rPr lang="en-US" altLang="zh-CN" sz="3200" b="0" i="1" smtClean="0">
+                              <a:solidFill>
+                                <a:srgbClr val="FF0000"/>
+                              </a:solidFill>
+                              <a:latin typeface="Cambria Math" panose="02040503050406030204" pitchFamily="18" charset="0"/>
+                            </a:rPr>
+                            <m:t>0,1</m:t>
+                          </m:r>
+                        </m:e>
+                      </m:d>
+                    </m:oMath>
+                  </m:oMathPara>
+                </a14:m>
+                <a:endParaRPr lang="en-US" altLang="zh-CN" sz="3200" b="0" dirty="0">
+                  <a:solidFill>
+                    <a:srgbClr val="FF0000"/>
+                  </a:solidFill>
+                </a:endParaRPr>
+              </a:p>
+              <a:p>
+                <a:endParaRPr lang="zh-CN" altLang="en-US" sz="3200" dirty="0">
+                  <a:solidFill>
+                    <a:srgbClr val="FF0000"/>
+                  </a:solidFill>
+                </a:endParaRPr>
+              </a:p>
+            </p:txBody>
+          </p:sp>
+        </mc:Choice>
+        <mc:Fallback>
+          <p:sp>
+            <p:nvSpPr>
+              <p:cNvPr id="2" name="文本框 1">
+                <a:extLst>
+                  <a:ext uri="{FF2B5EF4-FFF2-40B4-BE49-F238E27FC236}">
+                    <a16:creationId xmlns:a16="http://schemas.microsoft.com/office/drawing/2014/main" id="{DD1A6054-D2C9-4CD3-905C-1455AAAC470C}"/>
+                  </a:ext>
+                </a:extLst>
+              </p:cNvPr>
+              <p:cNvSpPr txBox="1">
+                <a:spLocks noRot="1" noChangeAspect="1" noMove="1" noResize="1" noEditPoints="1" noAdjustHandles="1" noChangeArrowheads="1" noChangeShapeType="1" noTextEdit="1"/>
+              </p:cNvSpPr>
+              <p:nvPr/>
+            </p:nvSpPr>
+            <p:spPr>
+              <a:xfrm>
+                <a:off x="3300248" y="4876800"/>
+                <a:ext cx="2548759" cy="1077218"/>
+              </a:xfrm>
+              <a:prstGeom prst="rect">
+                <a:avLst/>
+              </a:prstGeom>
+              <a:blipFill>
+                <a:blip r:embed="rId3"/>
+                <a:stretch>
+                  <a:fillRect/>
+                </a:stretch>
+              </a:blipFill>
+            </p:spPr>
+            <p:txBody>
+              <a:bodyPr/>
+              <a:lstStyle/>
+              <a:p>
+                <a:r>
+                  <a:rPr lang="zh-CN" altLang="en-US">
+                    <a:noFill/>
+                  </a:rPr>
+                  <a:t> </a:t>
+                </a:r>
+              </a:p>
+            </p:txBody>
+          </p:sp>
+        </mc:Fallback>
+      </mc:AlternateContent>
     </p:spTree>
   </p:cSld>
   <p:clrMapOvr>

--- a/2017-18-2高等数学讲座-上册复习建议.pptx
+++ b/2017-18-2高等数学讲座-上册复习建议.pptx
@@ -6216,8 +6216,8 @@
           </p:sp>
         </mc:Fallback>
       </mc:AlternateContent>
-      <mc:AlternateContent xmlns:mc="http://schemas.openxmlformats.org/markup-compatibility/2006" xmlns:a14="http://schemas.microsoft.com/office/drawing/2010/main">
-        <mc:Choice Requires="a14">
+      <mc:AlternateContent xmlns:mc="http://schemas.openxmlformats.org/markup-compatibility/2006">
+        <mc:Choice xmlns:a14="http://schemas.microsoft.com/office/drawing/2010/main" Requires="a14">
           <p:sp>
             <p:nvSpPr>
               <p:cNvPr id="5" name="文本框 4">
@@ -6289,26 +6289,26 @@
                             </m:e>
                             <m:sup>
                               <m:r>
-                                <a:rPr lang="en-US" altLang="zh-CN" sz="2400" b="0" i="1" smtClean="0">
+                                <a:rPr lang="en-US" altLang="zh-CN" sz="2400" i="1">
                                   <a:solidFill>
                                     <a:srgbClr val="FF0000"/>
                                   </a:solidFill>
                                   <a:latin typeface="Cambria Math" panose="02040503050406030204" pitchFamily="18" charset="0"/>
                                 </a:rPr>
-                                <m:t>2</m:t>
+                                <m:t>3</m:t>
                               </m:r>
                             </m:sup>
                           </m:sSup>
                         </m:num>
                         <m:den>
                           <m:r>
-                            <a:rPr lang="en-US" altLang="zh-CN" sz="2400" b="0" i="1" smtClean="0">
+                            <a:rPr lang="en-US" altLang="zh-CN" sz="2400" i="1">
                               <a:solidFill>
                                 <a:srgbClr val="FF0000"/>
                               </a:solidFill>
                               <a:latin typeface="Cambria Math" panose="02040503050406030204" pitchFamily="18" charset="0"/>
                             </a:rPr>
-                            <m:t>2</m:t>
+                            <m:t>8</m:t>
                           </m:r>
                         </m:den>
                       </m:f>
@@ -6324,7 +6324,7 @@
             </p:txBody>
           </p:sp>
         </mc:Choice>
-        <mc:Fallback xmlns="">
+        <mc:Fallback>
           <p:sp>
             <p:nvSpPr>
               <p:cNvPr id="5" name="文本框 4">
@@ -10182,8 +10182,8 @@
           </a:ln>
         </p:spPr>
       </p:pic>
-      <mc:AlternateContent xmlns:mc="http://schemas.openxmlformats.org/markup-compatibility/2006">
-        <mc:Choice xmlns:a14="http://schemas.microsoft.com/office/drawing/2010/main" Requires="a14">
+      <mc:AlternateContent xmlns:mc="http://schemas.openxmlformats.org/markup-compatibility/2006" xmlns:a14="http://schemas.microsoft.com/office/drawing/2010/main">
+        <mc:Choice Requires="a14">
           <p:sp>
             <p:nvSpPr>
               <p:cNvPr id="2" name="文本框 1">
@@ -10212,6 +10212,7 @@
               </a:bodyPr>
               <a:lstStyle/>
               <a:p>
+                <a:pPr/>
                 <a14:m>
                   <m:oMathPara xmlns:m="http://schemas.openxmlformats.org/officeDocument/2006/math">
                     <m:oMathParaPr>
@@ -10260,7 +10261,7 @@
             </p:txBody>
           </p:sp>
         </mc:Choice>
-        <mc:Fallback>
+        <mc:Fallback xmlns="">
           <p:sp>
             <p:nvSpPr>
               <p:cNvPr id="2" name="文本框 1">
